--- a/doc/ProjectBot.pptx
+++ b/doc/ProjectBot.pptx
@@ -1314,6 +1314,106 @@
 </p:notes>
 </file>
 
+<file path=ppt/notesSlides/notesSlide10.xml><?xml version="1.0" encoding="utf-8"?>
+<p:notes xmlns:a="http://schemas.openxmlformats.org/drawingml/2006/main" xmlns:r="http://schemas.openxmlformats.org/officeDocument/2006/relationships" xmlns:p="http://schemas.openxmlformats.org/presentationml/2006/main">
+  <p:cSld>
+    <p:spTree>
+      <p:nvGrpSpPr>
+        <p:cNvPr id="1" name=""/>
+        <p:cNvGrpSpPr/>
+        <p:nvPr/>
+      </p:nvGrpSpPr>
+      <p:grpSpPr>
+        <a:xfrm>
+          <a:off x="0" y="0"/>
+          <a:ext cx="0" cy="0"/>
+          <a:chOff x="0" y="0"/>
+          <a:chExt cx="0" cy="0"/>
+        </a:xfrm>
+      </p:grpSpPr>
+      <p:sp>
+        <p:nvSpPr>
+          <p:cNvPr id="2" name="Образ слайда 1"/>
+          <p:cNvSpPr>
+            <a:spLocks noGrp="1" noRot="1" noChangeAspect="1"/>
+          </p:cNvSpPr>
+          <p:nvPr>
+            <p:ph type="sldImg"/>
+          </p:nvPr>
+        </p:nvSpPr>
+        <p:spPr/>
+      </p:sp>
+      <p:sp>
+        <p:nvSpPr>
+          <p:cNvPr id="3" name="Заметки 2"/>
+          <p:cNvSpPr>
+            <a:spLocks noGrp="1"/>
+          </p:cNvSpPr>
+          <p:nvPr>
+            <p:ph type="body" idx="1"/>
+          </p:nvPr>
+        </p:nvSpPr>
+        <p:spPr/>
+        <p:txBody>
+          <a:bodyPr/>
+          <a:lstStyle/>
+          <a:p>
+            <a:r>
+              <a:rPr lang="ru-RU" dirty="0" smtClean="0"/>
+              <a:t>На слайде представлена работа</a:t>
+            </a:r>
+            <a:r>
+              <a:rPr lang="ru-RU" baseline="0" dirty="0" smtClean="0"/>
+              <a:t> с ботом. Как вы видите б</a:t>
+            </a:r>
+            <a:r>
+              <a:rPr lang="ru-RU" dirty="0" smtClean="0"/>
+              <a:t>азовый</a:t>
+            </a:r>
+            <a:r>
+              <a:rPr lang="ru-RU" baseline="0" dirty="0" smtClean="0"/>
+              <a:t> функционал уже реализован, но сейчас предоставляется всего лишь один вариант обоев, так как база не заполнена. ;)</a:t>
+            </a:r>
+            <a:endParaRPr lang="ru-RU" dirty="0"/>
+          </a:p>
+        </p:txBody>
+      </p:sp>
+      <p:sp>
+        <p:nvSpPr>
+          <p:cNvPr id="4" name="Номер слайда 3"/>
+          <p:cNvSpPr>
+            <a:spLocks noGrp="1"/>
+          </p:cNvSpPr>
+          <p:nvPr>
+            <p:ph type="sldNum" sz="quarter" idx="10"/>
+          </p:nvPr>
+        </p:nvSpPr>
+        <p:spPr/>
+        <p:txBody>
+          <a:bodyPr/>
+          <a:lstStyle/>
+          <a:p>
+            <a:fld id="{489D1785-3960-4670-8EB0-0CB22B17F5EA}" type="slidenum">
+              <a:rPr lang="ru-RU" smtClean="0"/>
+              <a:t>11</a:t>
+            </a:fld>
+            <a:endParaRPr lang="ru-RU"/>
+          </a:p>
+        </p:txBody>
+      </p:sp>
+    </p:spTree>
+    <p:extLst>
+      <p:ext uri="{BB962C8B-B14F-4D97-AF65-F5344CB8AC3E}">
+        <p14:creationId xmlns:p14="http://schemas.microsoft.com/office/powerpoint/2010/main" val="2434744465"/>
+      </p:ext>
+    </p:extLst>
+  </p:cSld>
+  <p:clrMapOvr>
+    <a:masterClrMapping/>
+  </p:clrMapOvr>
+</p:notes>
+</file>
+
 <file path=ppt/notesSlides/notesSlide2.xml><?xml version="1.0" encoding="utf-8"?>
 <p:notes xmlns:a="http://schemas.openxmlformats.org/drawingml/2006/main" xmlns:r="http://schemas.openxmlformats.org/officeDocument/2006/relationships" xmlns:p="http://schemas.openxmlformats.org/presentationml/2006/main">
   <p:cSld>
@@ -1568,11 +1668,7 @@
             </a:r>
             <a:r>
               <a:rPr lang="ru-RU" baseline="0" dirty="0" smtClean="0"/>
-              <a:t>. Например</a:t>
-            </a:r>
-            <a:r>
-              <a:rPr lang="ru-RU" baseline="0" dirty="0" smtClean="0"/>
-              <a:t>, было пересмотрено решение рекламы в </a:t>
+              <a:t>. Например, было пересмотрено решение рекламы в </a:t>
             </a:r>
             <a:r>
               <a:rPr lang="ru-RU" baseline="0" dirty="0" err="1" smtClean="0"/>
@@ -8671,6 +8767,30 @@
           </a:p>
         </p:txBody>
       </p:sp>
+      <p:pic>
+        <p:nvPicPr>
+          <p:cNvPr id="4" name="Рисунок 3"/>
+          <p:cNvPicPr>
+            <a:picLocks noChangeAspect="1"/>
+          </p:cNvPicPr>
+          <p:nvPr/>
+        </p:nvPicPr>
+        <p:blipFill>
+          <a:blip r:embed="rId3"/>
+          <a:stretch>
+            <a:fillRect/>
+          </a:stretch>
+        </p:blipFill>
+        <p:spPr>
+          <a:xfrm>
+            <a:off x="2195818" y="1561316"/>
+            <a:ext cx="7917446" cy="4907134"/>
+          </a:xfrm>
+          <a:prstGeom prst="rect">
+            <a:avLst/>
+          </a:prstGeom>
+        </p:spPr>
+      </p:pic>
     </p:spTree>
     <p:extLst>
       <p:ext uri="{BB962C8B-B14F-4D97-AF65-F5344CB8AC3E}">
@@ -8724,8 +8844,8 @@
         </p:nvSpPr>
         <p:spPr>
           <a:xfrm>
-            <a:off x="1751013" y="771993"/>
-            <a:ext cx="8763000" cy="570028"/>
+            <a:off x="3353095" y="771993"/>
+            <a:ext cx="5485810" cy="570028"/>
           </a:xfrm>
           <a:prstGeom prst="rect">
             <a:avLst/>
@@ -8780,6 +8900,36 @@
           </a:p>
         </p:txBody>
       </p:sp>
+      <p:pic>
+        <p:nvPicPr>
+          <p:cNvPr id="4" name="Рисунок 3"/>
+          <p:cNvPicPr>
+            <a:picLocks noChangeAspect="1"/>
+          </p:cNvPicPr>
+          <p:nvPr/>
+        </p:nvPicPr>
+        <p:blipFill>
+          <a:blip r:embed="rId2">
+            <a:extLst>
+              <a:ext uri="{28A0092B-C50C-407E-A947-70E740481C1C}">
+                <a14:useLocalDpi xmlns:a14="http://schemas.microsoft.com/office/drawing/2010/main" val="0"/>
+              </a:ext>
+            </a:extLst>
+          </a:blip>
+          <a:stretch>
+            <a:fillRect/>
+          </a:stretch>
+        </p:blipFill>
+        <p:spPr>
+          <a:xfrm>
+            <a:off x="3353095" y="1201783"/>
+            <a:ext cx="4467423" cy="5526569"/>
+          </a:xfrm>
+          <a:prstGeom prst="rect">
+            <a:avLst/>
+          </a:prstGeom>
+        </p:spPr>
+      </p:pic>
     </p:spTree>
     <p:extLst>
       <p:ext uri="{BB962C8B-B14F-4D97-AF65-F5344CB8AC3E}">
@@ -10542,7 +10692,7 @@
         <p:spPr>
           <a:xfrm>
             <a:off x="1980572" y="2142835"/>
-            <a:ext cx="3124200" cy="1323439"/>
+            <a:ext cx="3124200" cy="1631216"/>
           </a:xfrm>
           <a:prstGeom prst="rect">
             <a:avLst/>
@@ -10579,6 +10729,57 @@
               <a:buChar char="•"/>
             </a:pPr>
             <a:r>
+              <a:rPr lang="en-US" altLang="ru-RU" sz="2000" dirty="0" smtClean="0">
+                <a:solidFill>
+                  <a:schemeClr val="tx1">
+                    <a:lumMod val="75000"/>
+                    <a:lumOff val="25000"/>
+                  </a:schemeClr>
+                </a:solidFill>
+                <a:latin typeface="Calibri" panose="020F0502020204030204" pitchFamily="34" charset="0"/>
+                <a:cs typeface="Calibri" panose="020F0502020204030204" pitchFamily="34" charset="0"/>
+              </a:rPr>
+              <a:t>Visual </a:t>
+            </a:r>
+            <a:r>
+              <a:rPr lang="en-US" altLang="ru-RU" sz="2000" dirty="0">
+                <a:solidFill>
+                  <a:schemeClr val="tx1">
+                    <a:lumMod val="75000"/>
+                    <a:lumOff val="25000"/>
+                  </a:schemeClr>
+                </a:solidFill>
+                <a:latin typeface="Calibri" panose="020F0502020204030204" pitchFamily="34" charset="0"/>
+                <a:cs typeface="Calibri" panose="020F0502020204030204" pitchFamily="34" charset="0"/>
+              </a:rPr>
+              <a:t>Studio Code</a:t>
+            </a:r>
+          </a:p>
+          <a:p>
+            <a:pPr marL="342900" indent="-342900">
+              <a:buFont typeface="Arial" panose="020B0604020202020204" pitchFamily="34" charset="0"/>
+              <a:buChar char="•"/>
+            </a:pPr>
+            <a:r>
+              <a:rPr lang="en-US" altLang="ru-RU" sz="2000" dirty="0" smtClean="0">
+                <a:solidFill>
+                  <a:schemeClr val="tx1">
+                    <a:lumMod val="75000"/>
+                    <a:lumOff val="25000"/>
+                  </a:schemeClr>
+                </a:solidFill>
+                <a:latin typeface="Calibri" panose="020F0502020204030204" pitchFamily="34" charset="0"/>
+                <a:cs typeface="Calibri" panose="020F0502020204030204" pitchFamily="34" charset="0"/>
+              </a:rPr>
+              <a:t>GitHub</a:t>
+            </a:r>
+          </a:p>
+          <a:p>
+            <a:pPr marL="342900" indent="-342900">
+              <a:buFont typeface="Arial" panose="020B0604020202020204" pitchFamily="34" charset="0"/>
+              <a:buChar char="•"/>
+            </a:pPr>
+            <a:r>
               <a:rPr lang="en-US" altLang="ru-RU" sz="2000" dirty="0">
                 <a:solidFill>
                   <a:schemeClr val="tx1">
@@ -10598,7 +10799,7 @@
               <a:buChar char="•"/>
             </a:pPr>
             <a:r>
-              <a:rPr lang="en-US" altLang="ru-RU" sz="2000" dirty="0">
+              <a:rPr lang="en-US" altLang="ru-RU" sz="2000" dirty="0" smtClean="0">
                 <a:solidFill>
                   <a:schemeClr val="tx1">
                     <a:lumMod val="75000"/>
@@ -10608,26 +10809,7 @@
                 <a:latin typeface="Calibri" panose="020F0502020204030204" pitchFamily="34" charset="0"/>
                 <a:cs typeface="Calibri" panose="020F0502020204030204" pitchFamily="34" charset="0"/>
               </a:rPr>
-              <a:t>Visual Studio Code</a:t>
-            </a:r>
-          </a:p>
-          <a:p>
-            <a:pPr marL="342900" indent="-342900">
-              <a:buFont typeface="Arial" panose="020B0604020202020204" pitchFamily="34" charset="0"/>
-              <a:buChar char="•"/>
-            </a:pPr>
-            <a:r>
-              <a:rPr lang="en-US" altLang="ru-RU" sz="2000" dirty="0" smtClean="0">
-                <a:solidFill>
-                  <a:schemeClr val="tx1">
-                    <a:lumMod val="75000"/>
-                    <a:lumOff val="25000"/>
-                  </a:schemeClr>
-                </a:solidFill>
-                <a:latin typeface="Calibri" panose="020F0502020204030204" pitchFamily="34" charset="0"/>
-                <a:cs typeface="Calibri" panose="020F0502020204030204" pitchFamily="34" charset="0"/>
-              </a:rPr>
-              <a:t>GitHub</a:t>
+              <a:t>MySQL Workbench</a:t>
             </a:r>
             <a:endParaRPr lang="en-US" altLang="ru-RU" sz="2000" dirty="0">
               <a:solidFill>
@@ -10852,6 +11034,36 @@
           </a:prstGeom>
         </p:spPr>
       </p:pic>
+      <p:pic>
+        <p:nvPicPr>
+          <p:cNvPr id="3" name="Рисунок 2"/>
+          <p:cNvPicPr>
+            <a:picLocks noChangeAspect="1"/>
+          </p:cNvPicPr>
+          <p:nvPr/>
+        </p:nvPicPr>
+        <p:blipFill>
+          <a:blip r:embed="rId7" cstate="hqprint">
+            <a:extLst>
+              <a:ext uri="{28A0092B-C50C-407E-A947-70E740481C1C}">
+                <a14:useLocalDpi xmlns:a14="http://schemas.microsoft.com/office/drawing/2010/main" val="0"/>
+              </a:ext>
+            </a:extLst>
+          </a:blip>
+          <a:stretch>
+            <a:fillRect/>
+          </a:stretch>
+        </p:blipFill>
+        <p:spPr>
+          <a:xfrm>
+            <a:off x="7328313" y="1696125"/>
+            <a:ext cx="1412433" cy="1412433"/>
+          </a:xfrm>
+          <a:prstGeom prst="rect">
+            <a:avLst/>
+          </a:prstGeom>
+        </p:spPr>
+      </p:pic>
     </p:spTree>
     <p:extLst>
       <p:ext uri="{BB962C8B-B14F-4D97-AF65-F5344CB8AC3E}">
@@ -11060,20 +11272,7 @@
                 <a:latin typeface="Calibri" panose="020F0502020204030204" pitchFamily="34" charset="0"/>
                 <a:cs typeface="Calibri" panose="020F0502020204030204" pitchFamily="34" charset="0"/>
               </a:rPr>
-              <a:t> – </a:t>
-            </a:r>
-            <a:r>
-              <a:rPr lang="ru-RU" altLang="ru-RU" sz="2000" dirty="0" smtClean="0">
-                <a:solidFill>
-                  <a:schemeClr val="tx1">
-                    <a:lumMod val="75000"/>
-                    <a:lumOff val="25000"/>
-                  </a:schemeClr>
-                </a:solidFill>
-                <a:latin typeface="Calibri" panose="020F0502020204030204" pitchFamily="34" charset="0"/>
-                <a:cs typeface="Calibri" panose="020F0502020204030204" pitchFamily="34" charset="0"/>
-              </a:rPr>
-              <a:t>бесплатно</a:t>
+              <a:t> – бесплатно</a:t>
             </a:r>
             <a:endParaRPr lang="en-US" altLang="ru-RU" sz="2000" dirty="0" smtClean="0">
               <a:solidFill>

--- a/doc/ProjectBot.pptx
+++ b/doc/ProjectBot.pptx
@@ -1664,7 +1664,7 @@
             </a:r>
             <a:r>
               <a:rPr lang="ru-RU" baseline="0" dirty="0" err="1" smtClean="0"/>
-              <a:t>Остервальда</a:t>
+              <a:t>Остервальдера</a:t>
             </a:r>
             <a:r>
               <a:rPr lang="ru-RU" baseline="0" dirty="0" smtClean="0"/>
@@ -6965,6 +6965,7 @@
       <p:bgPr>
         <a:blipFill dpi="0" rotWithShape="1">
           <a:blip r:embed="rId18">
+            <a:alphaModFix amt="0"/>
             <a:lum/>
           </a:blip>
           <a:srcRect/>
@@ -8153,7 +8154,7 @@
       </a:lvl9pPr>
     </p:otherStyle>
   </p:txStyles>
-  <p:extLst>
+  <p:extLst mod="1">
     <p:ext uri="{27BBF7A9-308A-43DC-89C8-2F10F3537804}">
       <p15:sldGuideLst xmlns:p15="http://schemas.microsoft.com/office/powerpoint/2012/main"/>
     </p:ext>
@@ -8387,6 +8388,36 @@
           </a:p>
         </p:txBody>
       </p:sp>
+      <p:pic>
+        <p:nvPicPr>
+          <p:cNvPr id="4" name="Рисунок 3">
+            <a:extLst>
+              <a:ext uri="{FF2B5EF4-FFF2-40B4-BE49-F238E27FC236}">
+                <a16:creationId xmlns:a16="http://schemas.microsoft.com/office/drawing/2014/main" id="{C86F6056-998C-4CFC-A4D9-357893211FFB}"/>
+              </a:ext>
+            </a:extLst>
+          </p:cNvPr>
+          <p:cNvPicPr>
+            <a:picLocks noChangeAspect="1"/>
+          </p:cNvPicPr>
+          <p:nvPr/>
+        </p:nvPicPr>
+        <p:blipFill>
+          <a:blip r:embed="rId3" cstate="print"/>
+          <a:stretch>
+            <a:fillRect/>
+          </a:stretch>
+        </p:blipFill>
+        <p:spPr>
+          <a:xfrm>
+            <a:off x="192607" y="4904913"/>
+            <a:ext cx="870562" cy="1852503"/>
+          </a:xfrm>
+          <a:prstGeom prst="rect">
+            <a:avLst/>
+          </a:prstGeom>
+        </p:spPr>
+      </p:pic>
     </p:spTree>
     <p:extLst>
       <p:ext uri="{BB962C8B-B14F-4D97-AF65-F5344CB8AC3E}">
@@ -8644,6 +8675,36 @@
           <a:xfrm>
             <a:off x="3826343" y="3368575"/>
             <a:ext cx="3677163" cy="3153215"/>
+          </a:xfrm>
+          <a:prstGeom prst="rect">
+            <a:avLst/>
+          </a:prstGeom>
+        </p:spPr>
+      </p:pic>
+      <p:pic>
+        <p:nvPicPr>
+          <p:cNvPr id="5" name="Рисунок 4">
+            <a:extLst>
+              <a:ext uri="{FF2B5EF4-FFF2-40B4-BE49-F238E27FC236}">
+                <a16:creationId xmlns:a16="http://schemas.microsoft.com/office/drawing/2014/main" id="{C86F6056-998C-4CFC-A4D9-357893211FFB}"/>
+              </a:ext>
+            </a:extLst>
+          </p:cNvPr>
+          <p:cNvPicPr>
+            <a:picLocks noChangeAspect="1"/>
+          </p:cNvPicPr>
+          <p:nvPr/>
+        </p:nvPicPr>
+        <p:blipFill>
+          <a:blip r:embed="rId4" cstate="print"/>
+          <a:stretch>
+            <a:fillRect/>
+          </a:stretch>
+        </p:blipFill>
+        <p:spPr>
+          <a:xfrm>
+            <a:off x="192607" y="4904913"/>
+            <a:ext cx="870562" cy="1852503"/>
           </a:xfrm>
           <a:prstGeom prst="rect">
             <a:avLst/>
@@ -8791,6 +8852,96 @@
           </a:prstGeom>
         </p:spPr>
       </p:pic>
+      <p:pic>
+        <p:nvPicPr>
+          <p:cNvPr id="5" name="Рисунок 4">
+            <a:extLst>
+              <a:ext uri="{FF2B5EF4-FFF2-40B4-BE49-F238E27FC236}">
+                <a16:creationId xmlns:a16="http://schemas.microsoft.com/office/drawing/2014/main" id="{C86F6056-998C-4CFC-A4D9-357893211FFB}"/>
+              </a:ext>
+            </a:extLst>
+          </p:cNvPr>
+          <p:cNvPicPr>
+            <a:picLocks noChangeAspect="1"/>
+          </p:cNvPicPr>
+          <p:nvPr/>
+        </p:nvPicPr>
+        <p:blipFill>
+          <a:blip r:embed="rId4" cstate="print"/>
+          <a:stretch>
+            <a:fillRect/>
+          </a:stretch>
+        </p:blipFill>
+        <p:spPr>
+          <a:xfrm>
+            <a:off x="192607" y="4904913"/>
+            <a:ext cx="870562" cy="1852503"/>
+          </a:xfrm>
+          <a:prstGeom prst="rect">
+            <a:avLst/>
+          </a:prstGeom>
+        </p:spPr>
+      </p:pic>
+      <p:pic>
+        <p:nvPicPr>
+          <p:cNvPr id="6" name="Рисунок 5"/>
+          <p:cNvPicPr>
+            <a:picLocks noChangeAspect="1"/>
+          </p:cNvPicPr>
+          <p:nvPr/>
+        </p:nvPicPr>
+        <p:blipFill>
+          <a:blip r:embed="rId5">
+            <a:extLst>
+              <a:ext uri="{28A0092B-C50C-407E-A947-70E740481C1C}">
+                <a14:useLocalDpi xmlns:a14="http://schemas.microsoft.com/office/drawing/2010/main" val="0"/>
+              </a:ext>
+            </a:extLst>
+          </a:blip>
+          <a:stretch>
+            <a:fillRect/>
+          </a:stretch>
+        </p:blipFill>
+        <p:spPr>
+          <a:xfrm>
+            <a:off x="4177515" y="1425188"/>
+            <a:ext cx="3954051" cy="5272068"/>
+          </a:xfrm>
+          <a:prstGeom prst="rect">
+            <a:avLst/>
+          </a:prstGeom>
+        </p:spPr>
+      </p:pic>
+      <p:pic>
+        <p:nvPicPr>
+          <p:cNvPr id="3" name="Рисунок 2"/>
+          <p:cNvPicPr>
+            <a:picLocks noChangeAspect="1"/>
+          </p:cNvPicPr>
+          <p:nvPr/>
+        </p:nvPicPr>
+        <p:blipFill>
+          <a:blip r:embed="rId6">
+            <a:extLst>
+              <a:ext uri="{28A0092B-C50C-407E-A947-70E740481C1C}">
+                <a14:useLocalDpi xmlns:a14="http://schemas.microsoft.com/office/drawing/2010/main" val="0"/>
+              </a:ext>
+            </a:extLst>
+          </a:blip>
+          <a:stretch>
+            <a:fillRect/>
+          </a:stretch>
+        </p:blipFill>
+        <p:spPr>
+          <a:xfrm>
+            <a:off x="4896413" y="1561316"/>
+            <a:ext cx="2453567" cy="4907134"/>
+          </a:xfrm>
+          <a:prstGeom prst="rect">
+            <a:avLst/>
+          </a:prstGeom>
+        </p:spPr>
+      </p:pic>
     </p:spTree>
     <p:extLst>
       <p:ext uri="{BB962C8B-B14F-4D97-AF65-F5344CB8AC3E}">
@@ -8804,7 +8955,320 @@
   <p:timing>
     <p:tnLst>
       <p:par>
-        <p:cTn id="1" dur="indefinite" restart="never" nodeType="tmRoot"/>
+        <p:cTn id="1" dur="indefinite" restart="never" nodeType="tmRoot">
+          <p:childTnLst>
+            <p:seq concurrent="1" nextAc="seek">
+              <p:cTn id="2" dur="indefinite" nodeType="mainSeq">
+                <p:childTnLst>
+                  <p:par>
+                    <p:cTn id="3" fill="hold">
+                      <p:stCondLst>
+                        <p:cond delay="indefinite"/>
+                      </p:stCondLst>
+                      <p:childTnLst>
+                        <p:par>
+                          <p:cTn id="4" fill="hold">
+                            <p:stCondLst>
+                              <p:cond delay="0"/>
+                            </p:stCondLst>
+                            <p:childTnLst>
+                              <p:par>
+                                <p:cTn id="5" presetID="22" presetClass="entr" presetSubtype="4" fill="hold" nodeType="clickEffect">
+                                  <p:stCondLst>
+                                    <p:cond delay="0"/>
+                                  </p:stCondLst>
+                                  <p:childTnLst>
+                                    <p:set>
+                                      <p:cBhvr>
+                                        <p:cTn id="6" dur="1" fill="hold">
+                                          <p:stCondLst>
+                                            <p:cond delay="0"/>
+                                          </p:stCondLst>
+                                        </p:cTn>
+                                        <p:tgtEl>
+                                          <p:spTgt spid="3"/>
+                                        </p:tgtEl>
+                                        <p:attrNameLst>
+                                          <p:attrName>style.visibility</p:attrName>
+                                        </p:attrNameLst>
+                                      </p:cBhvr>
+                                      <p:to>
+                                        <p:strVal val="visible"/>
+                                      </p:to>
+                                    </p:set>
+                                    <p:animEffect transition="in" filter="wipe(down)">
+                                      <p:cBhvr>
+                                        <p:cTn id="7" dur="500"/>
+                                        <p:tgtEl>
+                                          <p:spTgt spid="3"/>
+                                        </p:tgtEl>
+                                      </p:cBhvr>
+                                    </p:animEffect>
+                                  </p:childTnLst>
+                                </p:cTn>
+                              </p:par>
+                              <p:par>
+                                <p:cTn id="8" presetID="10" presetClass="exit" presetSubtype="0" fill="hold" nodeType="withEffect">
+                                  <p:stCondLst>
+                                    <p:cond delay="0"/>
+                                  </p:stCondLst>
+                                  <p:childTnLst>
+                                    <p:animEffect transition="out" filter="fade">
+                                      <p:cBhvr>
+                                        <p:cTn id="9" dur="500"/>
+                                        <p:tgtEl>
+                                          <p:spTgt spid="4"/>
+                                        </p:tgtEl>
+                                      </p:cBhvr>
+                                    </p:animEffect>
+                                    <p:set>
+                                      <p:cBhvr>
+                                        <p:cTn id="10" dur="1" fill="hold">
+                                          <p:stCondLst>
+                                            <p:cond delay="499"/>
+                                          </p:stCondLst>
+                                        </p:cTn>
+                                        <p:tgtEl>
+                                          <p:spTgt spid="4"/>
+                                        </p:tgtEl>
+                                        <p:attrNameLst>
+                                          <p:attrName>style.visibility</p:attrName>
+                                        </p:attrNameLst>
+                                      </p:cBhvr>
+                                      <p:to>
+                                        <p:strVal val="hidden"/>
+                                      </p:to>
+                                    </p:set>
+                                  </p:childTnLst>
+                                </p:cTn>
+                              </p:par>
+                            </p:childTnLst>
+                          </p:cTn>
+                        </p:par>
+                      </p:childTnLst>
+                    </p:cTn>
+                  </p:par>
+                  <p:par>
+                    <p:cTn id="11" fill="hold">
+                      <p:stCondLst>
+                        <p:cond delay="indefinite"/>
+                      </p:stCondLst>
+                      <p:childTnLst>
+                        <p:par>
+                          <p:cTn id="12" fill="hold">
+                            <p:stCondLst>
+                              <p:cond delay="0"/>
+                            </p:stCondLst>
+                            <p:childTnLst>
+                              <p:par>
+                                <p:cTn id="13" presetID="53" presetClass="entr" presetSubtype="16" fill="hold" nodeType="clickEffect">
+                                  <p:stCondLst>
+                                    <p:cond delay="0"/>
+                                  </p:stCondLst>
+                                  <p:childTnLst>
+                                    <p:set>
+                                      <p:cBhvr>
+                                        <p:cTn id="14" dur="1" fill="hold">
+                                          <p:stCondLst>
+                                            <p:cond delay="0"/>
+                                          </p:stCondLst>
+                                        </p:cTn>
+                                        <p:tgtEl>
+                                          <p:spTgt spid="6"/>
+                                        </p:tgtEl>
+                                        <p:attrNameLst>
+                                          <p:attrName>style.visibility</p:attrName>
+                                        </p:attrNameLst>
+                                      </p:cBhvr>
+                                      <p:to>
+                                        <p:strVal val="visible"/>
+                                      </p:to>
+                                    </p:set>
+                                    <p:anim calcmode="lin" valueType="num">
+                                      <p:cBhvr>
+                                        <p:cTn id="15" dur="500" fill="hold"/>
+                                        <p:tgtEl>
+                                          <p:spTgt spid="6"/>
+                                        </p:tgtEl>
+                                        <p:attrNameLst>
+                                          <p:attrName>ppt_w</p:attrName>
+                                        </p:attrNameLst>
+                                      </p:cBhvr>
+                                      <p:tavLst>
+                                        <p:tav tm="0">
+                                          <p:val>
+                                            <p:fltVal val="0"/>
+                                          </p:val>
+                                        </p:tav>
+                                        <p:tav tm="100000">
+                                          <p:val>
+                                            <p:strVal val="#ppt_w"/>
+                                          </p:val>
+                                        </p:tav>
+                                      </p:tavLst>
+                                    </p:anim>
+                                    <p:anim calcmode="lin" valueType="num">
+                                      <p:cBhvr>
+                                        <p:cTn id="16" dur="500" fill="hold"/>
+                                        <p:tgtEl>
+                                          <p:spTgt spid="6"/>
+                                        </p:tgtEl>
+                                        <p:attrNameLst>
+                                          <p:attrName>ppt_h</p:attrName>
+                                        </p:attrNameLst>
+                                      </p:cBhvr>
+                                      <p:tavLst>
+                                        <p:tav tm="0">
+                                          <p:val>
+                                            <p:fltVal val="0"/>
+                                          </p:val>
+                                        </p:tav>
+                                        <p:tav tm="100000">
+                                          <p:val>
+                                            <p:strVal val="#ppt_h"/>
+                                          </p:val>
+                                        </p:tav>
+                                      </p:tavLst>
+                                    </p:anim>
+                                    <p:animEffect transition="in" filter="fade">
+                                      <p:cBhvr>
+                                        <p:cTn id="17" dur="500"/>
+                                        <p:tgtEl>
+                                          <p:spTgt spid="6"/>
+                                        </p:tgtEl>
+                                      </p:cBhvr>
+                                    </p:animEffect>
+                                  </p:childTnLst>
+                                </p:cTn>
+                              </p:par>
+                              <p:par>
+                                <p:cTn id="18" presetID="53" presetClass="exit" presetSubtype="32" fill="hold" nodeType="withEffect">
+                                  <p:stCondLst>
+                                    <p:cond delay="0"/>
+                                  </p:stCondLst>
+                                  <p:childTnLst>
+                                    <p:anim calcmode="lin" valueType="num">
+                                      <p:cBhvr>
+                                        <p:cTn id="19" dur="1000"/>
+                                        <p:tgtEl>
+                                          <p:spTgt spid="3"/>
+                                        </p:tgtEl>
+                                        <p:attrNameLst>
+                                          <p:attrName>ppt_w</p:attrName>
+                                        </p:attrNameLst>
+                                      </p:cBhvr>
+                                      <p:tavLst>
+                                        <p:tav tm="0">
+                                          <p:val>
+                                            <p:strVal val="ppt_w"/>
+                                          </p:val>
+                                        </p:tav>
+                                        <p:tav tm="100000">
+                                          <p:val>
+                                            <p:fltVal val="0"/>
+                                          </p:val>
+                                        </p:tav>
+                                      </p:tavLst>
+                                    </p:anim>
+                                    <p:anim calcmode="lin" valueType="num">
+                                      <p:cBhvr>
+                                        <p:cTn id="20" dur="1000"/>
+                                        <p:tgtEl>
+                                          <p:spTgt spid="3"/>
+                                        </p:tgtEl>
+                                        <p:attrNameLst>
+                                          <p:attrName>ppt_h</p:attrName>
+                                        </p:attrNameLst>
+                                      </p:cBhvr>
+                                      <p:tavLst>
+                                        <p:tav tm="0">
+                                          <p:val>
+                                            <p:strVal val="ppt_h"/>
+                                          </p:val>
+                                        </p:tav>
+                                        <p:tav tm="100000">
+                                          <p:val>
+                                            <p:fltVal val="0"/>
+                                          </p:val>
+                                        </p:tav>
+                                      </p:tavLst>
+                                    </p:anim>
+                                    <p:animEffect transition="out" filter="fade">
+                                      <p:cBhvr>
+                                        <p:cTn id="21" dur="1000"/>
+                                        <p:tgtEl>
+                                          <p:spTgt spid="3"/>
+                                        </p:tgtEl>
+                                      </p:cBhvr>
+                                    </p:animEffect>
+                                    <p:set>
+                                      <p:cBhvr>
+                                        <p:cTn id="22" dur="1" fill="hold">
+                                          <p:stCondLst>
+                                            <p:cond delay="999"/>
+                                          </p:stCondLst>
+                                        </p:cTn>
+                                        <p:tgtEl>
+                                          <p:spTgt spid="3"/>
+                                        </p:tgtEl>
+                                        <p:attrNameLst>
+                                          <p:attrName>style.visibility</p:attrName>
+                                        </p:attrNameLst>
+                                      </p:cBhvr>
+                                      <p:to>
+                                        <p:strVal val="hidden"/>
+                                      </p:to>
+                                    </p:set>
+                                  </p:childTnLst>
+                                </p:cTn>
+                              </p:par>
+                              <p:par>
+                                <p:cTn id="23" presetID="56" presetClass="path" presetSubtype="0" accel="50000" decel="50000" fill="hold" nodeType="withEffect">
+                                  <p:stCondLst>
+                                    <p:cond delay="0"/>
+                                  </p:stCondLst>
+                                  <p:childTnLst>
+                                    <p:animMotion origin="layout" path="M -3.54167E-6 3.33333E-6 L 0.16472 -0.21366 " pathEditMode="relative" rAng="0" ptsTypes="AA">
+                                      <p:cBhvr>
+                                        <p:cTn id="24" dur="2000" fill="hold"/>
+                                        <p:tgtEl>
+                                          <p:spTgt spid="3"/>
+                                        </p:tgtEl>
+                                        <p:attrNameLst>
+                                          <p:attrName>ppt_x</p:attrName>
+                                          <p:attrName>ppt_y</p:attrName>
+                                        </p:attrNameLst>
+                                      </p:cBhvr>
+                                      <p:rCtr x="8229" y="-10694"/>
+                                    </p:animMotion>
+                                  </p:childTnLst>
+                                </p:cTn>
+                              </p:par>
+                            </p:childTnLst>
+                          </p:cTn>
+                        </p:par>
+                      </p:childTnLst>
+                    </p:cTn>
+                  </p:par>
+                </p:childTnLst>
+              </p:cTn>
+              <p:prevCondLst>
+                <p:cond evt="onPrev" delay="0">
+                  <p:tgtEl>
+                    <p:sldTgt/>
+                  </p:tgtEl>
+                </p:cond>
+              </p:prevCondLst>
+              <p:nextCondLst>
+                <p:cond evt="onNext" delay="0">
+                  <p:tgtEl>
+                    <p:sldTgt/>
+                  </p:tgtEl>
+                </p:cond>
+              </p:nextCondLst>
+            </p:seq>
+          </p:childTnLst>
+        </p:cTn>
       </p:par>
     </p:tnLst>
   </p:timing>
@@ -8924,6 +9388,36 @@
           <a:xfrm>
             <a:off x="3353095" y="1201783"/>
             <a:ext cx="4467423" cy="5526569"/>
+          </a:xfrm>
+          <a:prstGeom prst="rect">
+            <a:avLst/>
+          </a:prstGeom>
+        </p:spPr>
+      </p:pic>
+      <p:pic>
+        <p:nvPicPr>
+          <p:cNvPr id="5" name="Рисунок 4">
+            <a:extLst>
+              <a:ext uri="{FF2B5EF4-FFF2-40B4-BE49-F238E27FC236}">
+                <a16:creationId xmlns:a16="http://schemas.microsoft.com/office/drawing/2014/main" id="{C86F6056-998C-4CFC-A4D9-357893211FFB}"/>
+              </a:ext>
+            </a:extLst>
+          </p:cNvPr>
+          <p:cNvPicPr>
+            <a:picLocks noChangeAspect="1"/>
+          </p:cNvPicPr>
+          <p:nvPr/>
+        </p:nvPicPr>
+        <p:blipFill>
+          <a:blip r:embed="rId3" cstate="print"/>
+          <a:stretch>
+            <a:fillRect/>
+          </a:stretch>
+        </p:blipFill>
+        <p:spPr>
+          <a:xfrm>
+            <a:off x="192607" y="4904913"/>
+            <a:ext cx="870562" cy="1852503"/>
           </a:xfrm>
           <a:prstGeom prst="rect">
             <a:avLst/>
@@ -9259,6 +9753,36 @@
           </a:p>
         </p:txBody>
       </p:sp>
+      <p:pic>
+        <p:nvPicPr>
+          <p:cNvPr id="5" name="Рисунок 4">
+            <a:extLst>
+              <a:ext uri="{FF2B5EF4-FFF2-40B4-BE49-F238E27FC236}">
+                <a16:creationId xmlns:a16="http://schemas.microsoft.com/office/drawing/2014/main" id="{C86F6056-998C-4CFC-A4D9-357893211FFB}"/>
+              </a:ext>
+            </a:extLst>
+          </p:cNvPr>
+          <p:cNvPicPr>
+            <a:picLocks noChangeAspect="1"/>
+          </p:cNvPicPr>
+          <p:nvPr/>
+        </p:nvPicPr>
+        <p:blipFill>
+          <a:blip r:embed="rId3" cstate="print"/>
+          <a:stretch>
+            <a:fillRect/>
+          </a:stretch>
+        </p:blipFill>
+        <p:spPr>
+          <a:xfrm>
+            <a:off x="192607" y="4904913"/>
+            <a:ext cx="870562" cy="1852503"/>
+          </a:xfrm>
+          <a:prstGeom prst="rect">
+            <a:avLst/>
+          </a:prstGeom>
+        </p:spPr>
+      </p:pic>
     </p:spTree>
     <p:extLst>
       <p:ext uri="{BB962C8B-B14F-4D97-AF65-F5344CB8AC3E}">
@@ -9628,6 +10152,36 @@
           </a:p>
         </p:txBody>
       </p:sp>
+      <p:pic>
+        <p:nvPicPr>
+          <p:cNvPr id="5" name="Рисунок 4">
+            <a:extLst>
+              <a:ext uri="{FF2B5EF4-FFF2-40B4-BE49-F238E27FC236}">
+                <a16:creationId xmlns:a16="http://schemas.microsoft.com/office/drawing/2014/main" id="{C86F6056-998C-4CFC-A4D9-357893211FFB}"/>
+              </a:ext>
+            </a:extLst>
+          </p:cNvPr>
+          <p:cNvPicPr>
+            <a:picLocks noChangeAspect="1"/>
+          </p:cNvPicPr>
+          <p:nvPr/>
+        </p:nvPicPr>
+        <p:blipFill>
+          <a:blip r:embed="rId2" cstate="print"/>
+          <a:stretch>
+            <a:fillRect/>
+          </a:stretch>
+        </p:blipFill>
+        <p:spPr>
+          <a:xfrm>
+            <a:off x="192607" y="4904913"/>
+            <a:ext cx="870562" cy="1852503"/>
+          </a:xfrm>
+          <a:prstGeom prst="rect">
+            <a:avLst/>
+          </a:prstGeom>
+        </p:spPr>
+      </p:pic>
     </p:spTree>
     <p:extLst>
       <p:ext uri="{BB962C8B-B14F-4D97-AF65-F5344CB8AC3E}">
@@ -10118,6 +10672,36 @@
           </a:p>
         </p:txBody>
       </p:sp>
+      <p:pic>
+        <p:nvPicPr>
+          <p:cNvPr id="10" name="Рисунок 9">
+            <a:extLst>
+              <a:ext uri="{FF2B5EF4-FFF2-40B4-BE49-F238E27FC236}">
+                <a16:creationId xmlns:a16="http://schemas.microsoft.com/office/drawing/2014/main" id="{C86F6056-998C-4CFC-A4D9-357893211FFB}"/>
+              </a:ext>
+            </a:extLst>
+          </p:cNvPr>
+          <p:cNvPicPr>
+            <a:picLocks noChangeAspect="1"/>
+          </p:cNvPicPr>
+          <p:nvPr/>
+        </p:nvPicPr>
+        <p:blipFill>
+          <a:blip r:embed="rId3" cstate="print"/>
+          <a:stretch>
+            <a:fillRect/>
+          </a:stretch>
+        </p:blipFill>
+        <p:spPr>
+          <a:xfrm>
+            <a:off x="192607" y="4904913"/>
+            <a:ext cx="870562" cy="1852503"/>
+          </a:xfrm>
+          <a:prstGeom prst="rect">
+            <a:avLst/>
+          </a:prstGeom>
+        </p:spPr>
+      </p:pic>
     </p:spTree>
     <p:extLst>
       <p:ext uri="{BB962C8B-B14F-4D97-AF65-F5344CB8AC3E}">
@@ -10197,7 +10781,7 @@
                   </a:schemeClr>
                 </a:solidFill>
               </a:rPr>
-              <a:t>Остервальда</a:t>
+              <a:t>Остервальдера</a:t>
             </a:r>
             <a:endParaRPr lang="ru-RU" sz="4000" dirty="0">
               <a:solidFill>
@@ -10237,6 +10821,36 @@
             <a:off x="1448042" y="1201782"/>
             <a:ext cx="7856511" cy="4840243"/>
           </a:xfrm>
+        </p:spPr>
+      </p:pic>
+      <p:pic>
+        <p:nvPicPr>
+          <p:cNvPr id="5" name="Рисунок 4">
+            <a:extLst>
+              <a:ext uri="{FF2B5EF4-FFF2-40B4-BE49-F238E27FC236}">
+                <a16:creationId xmlns:a16="http://schemas.microsoft.com/office/drawing/2014/main" id="{C86F6056-998C-4CFC-A4D9-357893211FFB}"/>
+              </a:ext>
+            </a:extLst>
+          </p:cNvPr>
+          <p:cNvPicPr>
+            <a:picLocks noChangeAspect="1"/>
+          </p:cNvPicPr>
+          <p:nvPr/>
+        </p:nvPicPr>
+        <p:blipFill>
+          <a:blip r:embed="rId4" cstate="print"/>
+          <a:stretch>
+            <a:fillRect/>
+          </a:stretch>
+        </p:blipFill>
+        <p:spPr>
+          <a:xfrm>
+            <a:off x="192607" y="4904913"/>
+            <a:ext cx="870562" cy="1852503"/>
+          </a:xfrm>
+          <a:prstGeom prst="rect">
+            <a:avLst/>
+          </a:prstGeom>
         </p:spPr>
       </p:pic>
     </p:spTree>
@@ -10390,6 +11004,36 @@
           <a:xfrm>
             <a:off x="1633537" y="1071154"/>
             <a:ext cx="10240600" cy="5617029"/>
+          </a:xfrm>
+          <a:prstGeom prst="rect">
+            <a:avLst/>
+          </a:prstGeom>
+        </p:spPr>
+      </p:pic>
+      <p:pic>
+        <p:nvPicPr>
+          <p:cNvPr id="5" name="Рисунок 4">
+            <a:extLst>
+              <a:ext uri="{FF2B5EF4-FFF2-40B4-BE49-F238E27FC236}">
+                <a16:creationId xmlns:a16="http://schemas.microsoft.com/office/drawing/2014/main" id="{C86F6056-998C-4CFC-A4D9-357893211FFB}"/>
+              </a:ext>
+            </a:extLst>
+          </p:cNvPr>
+          <p:cNvPicPr>
+            <a:picLocks noChangeAspect="1"/>
+          </p:cNvPicPr>
+          <p:nvPr/>
+        </p:nvPicPr>
+        <p:blipFill>
+          <a:blip r:embed="rId4" cstate="print"/>
+          <a:stretch>
+            <a:fillRect/>
+          </a:stretch>
+        </p:blipFill>
+        <p:spPr>
+          <a:xfrm>
+            <a:off x="192607" y="4904913"/>
+            <a:ext cx="870562" cy="1852503"/>
           </a:xfrm>
           <a:prstGeom prst="rect">
             <a:avLst/>
@@ -10634,6 +11278,36 @@
           <a:xfrm>
             <a:off x="1590403" y="1221521"/>
             <a:ext cx="9477804" cy="5008382"/>
+          </a:xfrm>
+          <a:prstGeom prst="rect">
+            <a:avLst/>
+          </a:prstGeom>
+        </p:spPr>
+      </p:pic>
+      <p:pic>
+        <p:nvPicPr>
+          <p:cNvPr id="5" name="Рисунок 4">
+            <a:extLst>
+              <a:ext uri="{FF2B5EF4-FFF2-40B4-BE49-F238E27FC236}">
+                <a16:creationId xmlns:a16="http://schemas.microsoft.com/office/drawing/2014/main" id="{C86F6056-998C-4CFC-A4D9-357893211FFB}"/>
+              </a:ext>
+            </a:extLst>
+          </p:cNvPr>
+          <p:cNvPicPr>
+            <a:picLocks noChangeAspect="1"/>
+          </p:cNvPicPr>
+          <p:nvPr/>
+        </p:nvPicPr>
+        <p:blipFill>
+          <a:blip r:embed="rId4" cstate="print"/>
+          <a:stretch>
+            <a:fillRect/>
+          </a:stretch>
+        </p:blipFill>
+        <p:spPr>
+          <a:xfrm>
+            <a:off x="192607" y="4904913"/>
+            <a:ext cx="870562" cy="1852503"/>
           </a:xfrm>
           <a:prstGeom prst="rect">
             <a:avLst/>
@@ -11064,6 +11738,36 @@
           </a:prstGeom>
         </p:spPr>
       </p:pic>
+      <p:pic>
+        <p:nvPicPr>
+          <p:cNvPr id="9" name="Рисунок 8">
+            <a:extLst>
+              <a:ext uri="{FF2B5EF4-FFF2-40B4-BE49-F238E27FC236}">
+                <a16:creationId xmlns:a16="http://schemas.microsoft.com/office/drawing/2014/main" id="{C86F6056-998C-4CFC-A4D9-357893211FFB}"/>
+              </a:ext>
+            </a:extLst>
+          </p:cNvPr>
+          <p:cNvPicPr>
+            <a:picLocks noChangeAspect="1"/>
+          </p:cNvPicPr>
+          <p:nvPr/>
+        </p:nvPicPr>
+        <p:blipFill>
+          <a:blip r:embed="rId8" cstate="print"/>
+          <a:stretch>
+            <a:fillRect/>
+          </a:stretch>
+        </p:blipFill>
+        <p:spPr>
+          <a:xfrm>
+            <a:off x="192607" y="4904913"/>
+            <a:ext cx="870562" cy="1852503"/>
+          </a:xfrm>
+          <a:prstGeom prst="rect">
+            <a:avLst/>
+          </a:prstGeom>
+        </p:spPr>
+      </p:pic>
     </p:spTree>
     <p:extLst>
       <p:ext uri="{BB962C8B-B14F-4D97-AF65-F5344CB8AC3E}">
@@ -11459,6 +12163,36 @@
           </a:graphicData>
         </a:graphic>
       </p:graphicFrame>
+      <p:pic>
+        <p:nvPicPr>
+          <p:cNvPr id="6" name="Рисунок 5">
+            <a:extLst>
+              <a:ext uri="{FF2B5EF4-FFF2-40B4-BE49-F238E27FC236}">
+                <a16:creationId xmlns:a16="http://schemas.microsoft.com/office/drawing/2014/main" id="{C86F6056-998C-4CFC-A4D9-357893211FFB}"/>
+              </a:ext>
+            </a:extLst>
+          </p:cNvPr>
+          <p:cNvPicPr>
+            <a:picLocks noChangeAspect="1"/>
+          </p:cNvPicPr>
+          <p:nvPr/>
+        </p:nvPicPr>
+        <p:blipFill>
+          <a:blip r:embed="rId4" cstate="print"/>
+          <a:stretch>
+            <a:fillRect/>
+          </a:stretch>
+        </p:blipFill>
+        <p:spPr>
+          <a:xfrm>
+            <a:off x="192607" y="4904913"/>
+            <a:ext cx="870562" cy="1852503"/>
+          </a:xfrm>
+          <a:prstGeom prst="rect">
+            <a:avLst/>
+          </a:prstGeom>
+        </p:spPr>
+      </p:pic>
     </p:spTree>
     <p:extLst>
       <p:ext uri="{BB962C8B-B14F-4D97-AF65-F5344CB8AC3E}">

--- a/doc/ProjectBot.pptx
+++ b/doc/ProjectBot.pptx
@@ -963,7 +963,7 @@
           <a:p>
             <a:fld id="{09B41AD6-7708-4B06-9193-90A3FB2CA1B1}" type="datetimeFigureOut">
               <a:rPr lang="ru-RU" smtClean="0"/>
-              <a:t>29.10.2021</a:t>
+              <a:t>30.10.2021</a:t>
             </a:fld>
             <a:endParaRPr lang="ru-RU"/>
           </a:p>
@@ -3169,7 +3169,7 @@
           <a:p>
             <a:fld id="{1B855641-0832-4B13-84BE-8FA095348147}" type="datetimeFigureOut">
               <a:rPr lang="ru-RU" smtClean="0"/>
-              <a:t>29.10.2021</a:t>
+              <a:t>30.10.2021</a:t>
             </a:fld>
             <a:endParaRPr lang="ru-RU" dirty="0"/>
           </a:p>
@@ -3420,7 +3420,7 @@
           <a:p>
             <a:fld id="{1B855641-0832-4B13-84BE-8FA095348147}" type="datetimeFigureOut">
               <a:rPr lang="ru-RU" smtClean="0"/>
-              <a:t>29.10.2021</a:t>
+              <a:t>30.10.2021</a:t>
             </a:fld>
             <a:endParaRPr lang="ru-RU" dirty="0"/>
           </a:p>
@@ -3734,7 +3734,7 @@
           <a:p>
             <a:fld id="{1B855641-0832-4B13-84BE-8FA095348147}" type="datetimeFigureOut">
               <a:rPr lang="ru-RU" smtClean="0"/>
-              <a:t>29.10.2021</a:t>
+              <a:t>30.10.2021</a:t>
             </a:fld>
             <a:endParaRPr lang="ru-RU" dirty="0"/>
           </a:p>
@@ -4075,7 +4075,7 @@
           <a:p>
             <a:fld id="{1B855641-0832-4B13-84BE-8FA095348147}" type="datetimeFigureOut">
               <a:rPr lang="ru-RU" smtClean="0"/>
-              <a:t>29.10.2021</a:t>
+              <a:t>30.10.2021</a:t>
             </a:fld>
             <a:endParaRPr lang="ru-RU" dirty="0"/>
           </a:p>
@@ -4389,7 +4389,7 @@
           <a:p>
             <a:fld id="{1B855641-0832-4B13-84BE-8FA095348147}" type="datetimeFigureOut">
               <a:rPr lang="ru-RU" smtClean="0"/>
-              <a:t>29.10.2021</a:t>
+              <a:t>30.10.2021</a:t>
             </a:fld>
             <a:endParaRPr lang="ru-RU" dirty="0"/>
           </a:p>
@@ -4782,7 +4782,7 @@
           <a:p>
             <a:fld id="{1B855641-0832-4B13-84BE-8FA095348147}" type="datetimeFigureOut">
               <a:rPr lang="ru-RU" smtClean="0"/>
-              <a:t>29.10.2021</a:t>
+              <a:t>30.10.2021</a:t>
             </a:fld>
             <a:endParaRPr lang="ru-RU" dirty="0"/>
           </a:p>
@@ -4952,7 +4952,7 @@
           <a:p>
             <a:fld id="{1B855641-0832-4B13-84BE-8FA095348147}" type="datetimeFigureOut">
               <a:rPr lang="ru-RU" smtClean="0"/>
-              <a:t>29.10.2021</a:t>
+              <a:t>30.10.2021</a:t>
             </a:fld>
             <a:endParaRPr lang="ru-RU" dirty="0"/>
           </a:p>
@@ -5132,7 +5132,7 @@
           <a:p>
             <a:fld id="{1B855641-0832-4B13-84BE-8FA095348147}" type="datetimeFigureOut">
               <a:rPr lang="ru-RU" smtClean="0"/>
-              <a:t>29.10.2021</a:t>
+              <a:t>30.10.2021</a:t>
             </a:fld>
             <a:endParaRPr lang="ru-RU" dirty="0"/>
           </a:p>
@@ -5308,7 +5308,7 @@
           <a:p>
             <a:fld id="{1B855641-0832-4B13-84BE-8FA095348147}" type="datetimeFigureOut">
               <a:rPr lang="ru-RU" smtClean="0"/>
-              <a:t>29.10.2021</a:t>
+              <a:t>30.10.2021</a:t>
             </a:fld>
             <a:endParaRPr lang="ru-RU" dirty="0"/>
           </a:p>
@@ -5555,7 +5555,7 @@
           <a:p>
             <a:fld id="{1B855641-0832-4B13-84BE-8FA095348147}" type="datetimeFigureOut">
               <a:rPr lang="ru-RU" smtClean="0"/>
-              <a:t>29.10.2021</a:t>
+              <a:t>30.10.2021</a:t>
             </a:fld>
             <a:endParaRPr lang="ru-RU" dirty="0"/>
           </a:p>
@@ -5787,7 +5787,7 @@
           <a:p>
             <a:fld id="{1B855641-0832-4B13-84BE-8FA095348147}" type="datetimeFigureOut">
               <a:rPr lang="ru-RU" smtClean="0"/>
-              <a:t>29.10.2021</a:t>
+              <a:t>30.10.2021</a:t>
             </a:fld>
             <a:endParaRPr lang="ru-RU" dirty="0"/>
           </a:p>
@@ -6161,7 +6161,7 @@
           <a:p>
             <a:fld id="{1B855641-0832-4B13-84BE-8FA095348147}" type="datetimeFigureOut">
               <a:rPr lang="ru-RU" smtClean="0"/>
-              <a:t>29.10.2021</a:t>
+              <a:t>30.10.2021</a:t>
             </a:fld>
             <a:endParaRPr lang="ru-RU" dirty="0"/>
           </a:p>
@@ -6284,7 +6284,7 @@
           <a:p>
             <a:fld id="{1B855641-0832-4B13-84BE-8FA095348147}" type="datetimeFigureOut">
               <a:rPr lang="ru-RU" smtClean="0"/>
-              <a:t>29.10.2021</a:t>
+              <a:t>30.10.2021</a:t>
             </a:fld>
             <a:endParaRPr lang="ru-RU" dirty="0"/>
           </a:p>
@@ -6379,7 +6379,7 @@
           <a:p>
             <a:fld id="{1B855641-0832-4B13-84BE-8FA095348147}" type="datetimeFigureOut">
               <a:rPr lang="ru-RU" smtClean="0"/>
-              <a:t>29.10.2021</a:t>
+              <a:t>30.10.2021</a:t>
             </a:fld>
             <a:endParaRPr lang="ru-RU" dirty="0"/>
           </a:p>
@@ -6634,7 +6634,7 @@
           <a:p>
             <a:fld id="{1B855641-0832-4B13-84BE-8FA095348147}" type="datetimeFigureOut">
               <a:rPr lang="ru-RU" smtClean="0"/>
-              <a:t>29.10.2021</a:t>
+              <a:t>30.10.2021</a:t>
             </a:fld>
             <a:endParaRPr lang="ru-RU" dirty="0"/>
           </a:p>
@@ -6897,7 +6897,7 @@
           <a:p>
             <a:fld id="{1B855641-0832-4B13-84BE-8FA095348147}" type="datetimeFigureOut">
               <a:rPr lang="ru-RU" smtClean="0"/>
-              <a:t>29.10.2021</a:t>
+              <a:t>30.10.2021</a:t>
             </a:fld>
             <a:endParaRPr lang="ru-RU" dirty="0"/>
           </a:p>
@@ -7650,7 +7650,7 @@
           <a:p>
             <a:fld id="{1B855641-0832-4B13-84BE-8FA095348147}" type="datetimeFigureOut">
               <a:rPr lang="ru-RU" smtClean="0"/>
-              <a:t>29.10.2021</a:t>
+              <a:t>30.10.2021</a:t>
             </a:fld>
             <a:endParaRPr lang="ru-RU" dirty="0"/>
           </a:p>
@@ -9876,16 +9876,12 @@
               <a:defRPr/>
             </a:pPr>
             <a:r>
-              <a:rPr lang="ru-RU" altLang="ru-RU" sz="2000" dirty="0" smtClean="0">
+              <a:rPr lang="ru-RU" altLang="ru-RU" sz="2000" dirty="0">
                 <a:latin typeface="Calibri" panose="020F0502020204030204" pitchFamily="34" charset="0"/>
                 <a:cs typeface="Calibri" panose="020F0502020204030204" pitchFamily="34" charset="0"/>
               </a:rPr>
               <a:t>Придумать тему проекта;</a:t>
             </a:r>
-            <a:endParaRPr lang="ru-RU" altLang="ru-RU" sz="2000" dirty="0">
-              <a:latin typeface="Calibri" panose="020F0502020204030204" pitchFamily="34" charset="0"/>
-              <a:cs typeface="Calibri" panose="020F0502020204030204" pitchFamily="34" charset="0"/>
-            </a:endParaRPr>
           </a:p>
           <a:p>
             <a:pPr>
@@ -9894,16 +9890,12 @@
               <a:defRPr/>
             </a:pPr>
             <a:r>
-              <a:rPr lang="ru-RU" altLang="ru-RU" sz="2000" dirty="0" smtClean="0">
+              <a:rPr lang="ru-RU" altLang="ru-RU" sz="2000" dirty="0">
                 <a:latin typeface="Calibri" panose="020F0502020204030204" pitchFamily="34" charset="0"/>
                 <a:cs typeface="Calibri" panose="020F0502020204030204" pitchFamily="34" charset="0"/>
               </a:rPr>
               <a:t>Распределить роли;</a:t>
             </a:r>
-            <a:endParaRPr lang="ru-RU" altLang="ru-RU" sz="2000" dirty="0">
-              <a:latin typeface="Calibri" panose="020F0502020204030204" pitchFamily="34" charset="0"/>
-              <a:cs typeface="Calibri" panose="020F0502020204030204" pitchFamily="34" charset="0"/>
-            </a:endParaRPr>
           </a:p>
           <a:p>
             <a:pPr>
@@ -9912,30 +9904,26 @@
               <a:defRPr/>
             </a:pPr>
             <a:r>
-              <a:rPr lang="ru-RU" altLang="ru-RU" sz="2000" dirty="0" smtClean="0">
+              <a:rPr lang="ru-RU" altLang="ru-RU" sz="2000" dirty="0">
                 <a:latin typeface="Calibri" panose="020F0502020204030204" pitchFamily="34" charset="0"/>
                 <a:cs typeface="Calibri" panose="020F0502020204030204" pitchFamily="34" charset="0"/>
               </a:rPr>
               <a:t>Составить диаграмму </a:t>
             </a:r>
             <a:r>
-              <a:rPr lang="ru-RU" altLang="ru-RU" sz="2000" dirty="0" err="1" smtClean="0">
+              <a:rPr lang="ru-RU" altLang="ru-RU" sz="2000" dirty="0" err="1">
                 <a:latin typeface="Calibri" panose="020F0502020204030204" pitchFamily="34" charset="0"/>
                 <a:cs typeface="Calibri" panose="020F0502020204030204" pitchFamily="34" charset="0"/>
               </a:rPr>
               <a:t>Ганта</a:t>
             </a:r>
             <a:r>
-              <a:rPr lang="ru-RU" altLang="ru-RU" sz="2000" dirty="0" smtClean="0">
+              <a:rPr lang="ru-RU" altLang="ru-RU" sz="2000" dirty="0">
                 <a:latin typeface="Calibri" panose="020F0502020204030204" pitchFamily="34" charset="0"/>
                 <a:cs typeface="Calibri" panose="020F0502020204030204" pitchFamily="34" charset="0"/>
               </a:rPr>
               <a:t>;</a:t>
             </a:r>
-            <a:endParaRPr lang="ru-RU" altLang="ru-RU" sz="2000" dirty="0">
-              <a:latin typeface="Calibri" panose="020F0502020204030204" pitchFamily="34" charset="0"/>
-              <a:cs typeface="Calibri" panose="020F0502020204030204" pitchFamily="34" charset="0"/>
-            </a:endParaRPr>
           </a:p>
           <a:p>
             <a:pPr>
@@ -9948,14 +9936,7 @@
                 <a:latin typeface="Calibri" panose="020F0502020204030204" pitchFamily="34" charset="0"/>
                 <a:cs typeface="Calibri" panose="020F0502020204030204" pitchFamily="34" charset="0"/>
               </a:rPr>
-              <a:t>Разработать </a:t>
-            </a:r>
-            <a:r>
-              <a:rPr lang="ru-RU" sz="2000" dirty="0" smtClean="0">
-                <a:latin typeface="Calibri" panose="020F0502020204030204" pitchFamily="34" charset="0"/>
-                <a:cs typeface="Calibri" panose="020F0502020204030204" pitchFamily="34" charset="0"/>
-              </a:rPr>
-              <a:t>Телеграм-бота;</a:t>
+              <a:t>Составить план продвижения;</a:t>
             </a:r>
             <a:endParaRPr lang="ru-RU" altLang="ru-RU" sz="2000" dirty="0">
               <a:latin typeface="Calibri" panose="020F0502020204030204" pitchFamily="34" charset="0"/>
@@ -9969,29 +9950,44 @@
               <a:defRPr/>
             </a:pPr>
             <a:r>
-              <a:rPr lang="ru-RU" sz="2000" dirty="0" smtClean="0">
+              <a:rPr lang="ru-RU" altLang="ru-RU" sz="2000" dirty="0">
                 <a:latin typeface="Calibri" panose="020F0502020204030204" pitchFamily="34" charset="0"/>
                 <a:cs typeface="Calibri" panose="020F0502020204030204" pitchFamily="34" charset="0"/>
               </a:rPr>
-              <a:t>Составить план продвижения;</a:t>
+              <a:t>Рассчитать доходы и расходы;</a:t>
+            </a:r>
+          </a:p>
+          <a:p>
+            <a:pPr>
+              <a:buFont typeface="Arial" panose="020B0604020202020204" pitchFamily="34" charset="0"/>
+              <a:buChar char="•"/>
+              <a:defRPr/>
+            </a:pPr>
+            <a:r>
+              <a:rPr lang="ru-RU" sz="2000" dirty="0">
+                <a:latin typeface="Calibri" panose="020F0502020204030204" pitchFamily="34" charset="0"/>
+                <a:cs typeface="Calibri" panose="020F0502020204030204" pitchFamily="34" charset="0"/>
+              </a:rPr>
+              <a:t>Разработать Телеграм-бота;</a:t>
+            </a:r>
+          </a:p>
+          <a:p>
+            <a:pPr>
+              <a:buFont typeface="Arial" panose="020B0604020202020204" pitchFamily="34" charset="0"/>
+              <a:buChar char="•"/>
+              <a:defRPr/>
+            </a:pPr>
+            <a:r>
+              <a:rPr lang="ru-RU" altLang="ru-RU" sz="2000" dirty="0">
+                <a:latin typeface="Calibri" panose="020F0502020204030204" pitchFamily="34" charset="0"/>
+                <a:cs typeface="Calibri" panose="020F0502020204030204" pitchFamily="34" charset="0"/>
+              </a:rPr>
+              <a:t>Выпустить на рынок;</a:t>
             </a:r>
             <a:endParaRPr lang="ru-RU" altLang="ru-RU" sz="2000" dirty="0">
               <a:latin typeface="Calibri" panose="020F0502020204030204" pitchFamily="34" charset="0"/>
               <a:cs typeface="Calibri" panose="020F0502020204030204" pitchFamily="34" charset="0"/>
             </a:endParaRPr>
-          </a:p>
-          <a:p>
-            <a:pPr marL="0" indent="0">
-              <a:buNone/>
-              <a:defRPr/>
-            </a:pPr>
-            <a:endParaRPr lang="ru-RU" altLang="ru-RU" sz="2000" dirty="0">
-              <a:latin typeface="Calibri" panose="020F0502020204030204" pitchFamily="34" charset="0"/>
-              <a:cs typeface="Calibri" panose="020F0502020204030204" pitchFamily="34" charset="0"/>
-            </a:endParaRPr>
-          </a:p>
-          <a:p>
-            <a:endParaRPr lang="ru-RU" dirty="0"/>
           </a:p>
         </p:txBody>
       </p:sp>

--- a/doc/ProjectBot.pptx
+++ b/doc/ProjectBot.pptx
@@ -5,21 +5,24 @@
     <p:sldMasterId id="2147483819" r:id="rId1"/>
   </p:sldMasterIdLst>
   <p:notesMasterIdLst>
-    <p:notesMasterId r:id="rId14"/>
+    <p:notesMasterId r:id="rId17"/>
   </p:notesMasterIdLst>
   <p:sldIdLst>
     <p:sldId id="256" r:id="rId2"/>
     <p:sldId id="262" r:id="rId3"/>
-    <p:sldId id="274" r:id="rId4"/>
-    <p:sldId id="265" r:id="rId5"/>
-    <p:sldId id="275" r:id="rId6"/>
-    <p:sldId id="269" r:id="rId7"/>
-    <p:sldId id="273" r:id="rId8"/>
-    <p:sldId id="264" r:id="rId9"/>
-    <p:sldId id="271" r:id="rId10"/>
-    <p:sldId id="260" r:id="rId11"/>
-    <p:sldId id="263" r:id="rId12"/>
-    <p:sldId id="270" r:id="rId13"/>
+    <p:sldId id="275" r:id="rId4"/>
+    <p:sldId id="274" r:id="rId5"/>
+    <p:sldId id="265" r:id="rId6"/>
+    <p:sldId id="276" r:id="rId7"/>
+    <p:sldId id="269" r:id="rId8"/>
+    <p:sldId id="273" r:id="rId9"/>
+    <p:sldId id="277" r:id="rId10"/>
+    <p:sldId id="271" r:id="rId11"/>
+    <p:sldId id="278" r:id="rId12"/>
+    <p:sldId id="279" r:id="rId13"/>
+    <p:sldId id="260" r:id="rId14"/>
+    <p:sldId id="263" r:id="rId15"/>
+    <p:sldId id="270" r:id="rId16"/>
   </p:sldIdLst>
   <p:sldSz cx="12192000" cy="6858000"/>
   <p:notesSz cx="6858000" cy="9144000"/>
@@ -151,181 +154,309 @@
     </mc:Fallback>
   </mc:AlternateContent>
   <c:chart>
-    <c:autoTitleDeleted val="1"/>
+    <c:autoTitleDeleted val="0"/>
     <c:plotArea>
       <c:layout/>
-      <c:pieChart>
-        <c:varyColors val="1"/>
+      <c:barChart>
+        <c:barDir val="col"/>
+        <c:grouping val="stacked"/>
+        <c:varyColors val="0"/>
         <c:ser>
           <c:idx val="0"/>
           <c:order val="0"/>
           <c:tx>
-            <c:v>Затраты</c:v>
+            <c:v>Фактические трудозатраты</c:v>
           </c:tx>
           <c:spPr>
+            <a:solidFill>
+              <a:schemeClr val="accent1"/>
+            </a:solidFill>
+            <a:ln>
+              <a:noFill/>
+            </a:ln>
             <a:effectLst/>
           </c:spPr>
-          <c:dPt>
-            <c:idx val="0"/>
-            <c:bubble3D val="0"/>
-            <c:spPr>
-              <a:solidFill>
-                <a:schemeClr val="accent1"/>
-              </a:solidFill>
-              <a:ln>
-                <a:noFill/>
-              </a:ln>
-              <a:effectLst/>
-            </c:spPr>
-            <c:extLst>
-              <c:ext xmlns:c16="http://schemas.microsoft.com/office/drawing/2014/chart" uri="{C3380CC4-5D6E-409C-BE32-E72D297353CC}">
-                <c16:uniqueId val="{00000001-60F2-432F-ADCD-C3065B74AD89}"/>
-              </c:ext>
-            </c:extLst>
-          </c:dPt>
-          <c:dPt>
-            <c:idx val="1"/>
-            <c:bubble3D val="0"/>
-            <c:spPr>
-              <a:solidFill>
-                <a:schemeClr val="accent2"/>
-              </a:solidFill>
-              <a:ln>
-                <a:noFill/>
-              </a:ln>
-              <a:effectLst/>
-            </c:spPr>
-            <c:extLst>
-              <c:ext xmlns:c16="http://schemas.microsoft.com/office/drawing/2014/chart" uri="{C3380CC4-5D6E-409C-BE32-E72D297353CC}">
-                <c16:uniqueId val="{00000003-60F2-432F-ADCD-C3065B74AD89}"/>
-              </c:ext>
-            </c:extLst>
-          </c:dPt>
-          <c:dPt>
-            <c:idx val="2"/>
-            <c:bubble3D val="0"/>
-            <c:spPr>
-              <a:solidFill>
-                <a:schemeClr val="accent3"/>
-              </a:solidFill>
-              <a:ln>
-                <a:noFill/>
-              </a:ln>
-              <a:effectLst/>
-            </c:spPr>
-            <c:extLst>
-              <c:ext xmlns:c16="http://schemas.microsoft.com/office/drawing/2014/chart" uri="{C3380CC4-5D6E-409C-BE32-E72D297353CC}">
-                <c16:uniqueId val="{00000005-60F2-432F-ADCD-C3065B74AD89}"/>
-              </c:ext>
-            </c:extLst>
-          </c:dPt>
-          <c:dLbls>
-            <c:spPr>
-              <a:noFill/>
-              <a:ln>
-                <a:noFill/>
-              </a:ln>
-              <a:effectLst/>
-            </c:spPr>
-            <c:txPr>
-              <a:bodyPr rot="0" spcFirstLastPara="1" vertOverflow="ellipsis" vert="horz" wrap="square" lIns="38100" tIns="19050" rIns="38100" bIns="19050" anchor="ctr" anchorCtr="1">
-                <a:spAutoFit/>
-              </a:bodyPr>
-              <a:lstStyle/>
-              <a:p>
-                <a:pPr>
-                  <a:defRPr sz="1000" b="0" i="0" u="none" strike="noStrike" kern="1200" baseline="0">
-                    <a:solidFill>
-                      <a:schemeClr val="tx1"/>
-                    </a:solidFill>
-                    <a:latin typeface="+mn-lt"/>
-                    <a:ea typeface="+mn-ea"/>
-                    <a:cs typeface="+mn-cs"/>
-                  </a:defRPr>
-                </a:pPr>
-                <a:endParaRPr lang="ru-RU"/>
-              </a:p>
-            </c:txPr>
-            <c:dLblPos val="outEnd"/>
-            <c:showLegendKey val="0"/>
-            <c:showVal val="1"/>
-            <c:showCatName val="1"/>
-            <c:showSerName val="0"/>
-            <c:showPercent val="0"/>
-            <c:showBubbleSize val="0"/>
-            <c:showLeaderLines val="1"/>
-            <c:leaderLines>
-              <c:spPr>
-                <a:ln w="9525" cap="flat" cmpd="sng" algn="ctr">
-                  <a:solidFill>
-                    <a:schemeClr val="tx1">
-                      <a:lumMod val="35000"/>
-                      <a:lumOff val="65000"/>
-                    </a:schemeClr>
-                  </a:solidFill>
-                  <a:prstDash val="solid"/>
-                  <a:round/>
-                </a:ln>
-                <a:effectLst/>
-              </c:spPr>
-            </c:leaderLines>
-            <c:extLst>
-              <c:ext xmlns:c15="http://schemas.microsoft.com/office/drawing/2012/chart" uri="{CE6537A1-D6FC-4f65-9D91-7224C49458BB}">
-                <c15:layout/>
-              </c:ext>
-            </c:extLst>
-          </c:dLbls>
+          <c:invertIfNegative val="0"/>
           <c:cat>
             <c:strLit>
-              <c:ptCount val="3"/>
+              <c:ptCount val="9"/>
               <c:pt idx="0">
-                <c:v>Состояние: Завершено</c:v>
+                <c:v>Разработчик-python</c:v>
               </c:pt>
               <c:pt idx="1">
-                <c:v>Состояние: Задержка</c:v>
+                <c:v>Технический писатель</c:v>
               </c:pt>
               <c:pt idx="2">
-                <c:v>Состояние: Будущая задача</c:v>
+                <c:v>Маркетолог</c:v>
+              </c:pt>
+              <c:pt idx="3">
+                <c:v>Руководитель проекта</c:v>
+              </c:pt>
+              <c:pt idx="4">
+                <c:v>Архитектор БД</c:v>
+              </c:pt>
+              <c:pt idx="5">
+                <c:v>Интервьюер</c:v>
+              </c:pt>
+              <c:pt idx="6">
+                <c:v>Тестировщик</c:v>
+              </c:pt>
+              <c:pt idx="7">
+                <c:v>Аналитик</c:v>
+              </c:pt>
+              <c:pt idx="8">
+                <c:v>Экономист</c:v>
               </c:pt>
             </c:strLit>
           </c:cat>
           <c:val>
             <c:numLit>
-              <c:formatCode>#\ ##0.00\ \₽</c:formatCode>
-              <c:ptCount val="3"/>
+              <c:formatCode>#\ ##0_ "ч"</c:formatCode>
+              <c:ptCount val="9"/>
               <c:pt idx="0">
-                <c:v>31765.040000000001</c:v>
+                <c:v>67.05</c:v>
               </c:pt>
               <c:pt idx="1">
-                <c:v>7040.0000000000009</c:v>
+                <c:v>25.033333333333335</c:v>
               </c:pt>
               <c:pt idx="2">
-                <c:v>18667.973000337497</c:v>
+                <c:v>46</c:v>
+              </c:pt>
+              <c:pt idx="3">
+                <c:v>33.6</c:v>
+              </c:pt>
+              <c:pt idx="4">
+                <c:v>47.68333333333333</c:v>
+              </c:pt>
+              <c:pt idx="5">
+                <c:v>8</c:v>
+              </c:pt>
+              <c:pt idx="6">
+                <c:v>8</c:v>
+              </c:pt>
+              <c:pt idx="7">
+                <c:v>14.566666666666666</c:v>
+              </c:pt>
+              <c:pt idx="8">
+                <c:v>13.2</c:v>
               </c:pt>
             </c:numLit>
           </c:val>
           <c:extLst>
             <c:ext xmlns:c16="http://schemas.microsoft.com/office/drawing/2014/chart" uri="{C3380CC4-5D6E-409C-BE32-E72D297353CC}">
-              <c16:uniqueId val="{00000006-60F2-432F-ADCD-C3065B74AD89}"/>
+              <c16:uniqueId val="{00000000-B462-4D9C-B041-4E911C4C25F3}"/>
+            </c:ext>
+          </c:extLst>
+        </c:ser>
+        <c:ser>
+          <c:idx val="1"/>
+          <c:order val="1"/>
+          <c:tx>
+            <c:v>Оставшиеся трудозатраты</c:v>
+          </c:tx>
+          <c:spPr>
+            <a:solidFill>
+              <a:schemeClr val="accent2"/>
+            </a:solidFill>
+            <a:ln>
+              <a:noFill/>
+            </a:ln>
+            <a:effectLst/>
+          </c:spPr>
+          <c:invertIfNegative val="0"/>
+          <c:cat>
+            <c:strLit>
+              <c:ptCount val="9"/>
+              <c:pt idx="0">
+                <c:v>Разработчик-python</c:v>
+              </c:pt>
+              <c:pt idx="1">
+                <c:v>Технический писатель</c:v>
+              </c:pt>
+              <c:pt idx="2">
+                <c:v>Маркетолог</c:v>
+              </c:pt>
+              <c:pt idx="3">
+                <c:v>Руководитель проекта</c:v>
+              </c:pt>
+              <c:pt idx="4">
+                <c:v>Архитектор БД</c:v>
+              </c:pt>
+              <c:pt idx="5">
+                <c:v>Интервьюер</c:v>
+              </c:pt>
+              <c:pt idx="6">
+                <c:v>Тестировщик</c:v>
+              </c:pt>
+              <c:pt idx="7">
+                <c:v>Аналитик</c:v>
+              </c:pt>
+              <c:pt idx="8">
+                <c:v>Экономист</c:v>
+              </c:pt>
+            </c:strLit>
+          </c:cat>
+          <c:val>
+            <c:numLit>
+              <c:formatCode>#\ ##0_ "ч"</c:formatCode>
+              <c:ptCount val="9"/>
+              <c:pt idx="0">
+                <c:v>0</c:v>
+              </c:pt>
+              <c:pt idx="1">
+                <c:v>0</c:v>
+              </c:pt>
+              <c:pt idx="2">
+                <c:v>0</c:v>
+              </c:pt>
+              <c:pt idx="3">
+                <c:v>0</c:v>
+              </c:pt>
+              <c:pt idx="4">
+                <c:v>0</c:v>
+              </c:pt>
+              <c:pt idx="5">
+                <c:v>0</c:v>
+              </c:pt>
+              <c:pt idx="6">
+                <c:v>0</c:v>
+              </c:pt>
+              <c:pt idx="7">
+                <c:v>0</c:v>
+              </c:pt>
+              <c:pt idx="8">
+                <c:v>0</c:v>
+              </c:pt>
+            </c:numLit>
+          </c:val>
+          <c:extLst>
+            <c:ext xmlns:c16="http://schemas.microsoft.com/office/drawing/2014/chart" uri="{C3380CC4-5D6E-409C-BE32-E72D297353CC}">
+              <c16:uniqueId val="{00000001-B462-4D9C-B041-4E911C4C25F3}"/>
             </c:ext>
           </c:extLst>
         </c:ser>
         <c:dLbls>
-          <c:dLblPos val="inEnd"/>
           <c:showLegendKey val="0"/>
-          <c:showVal val="1"/>
+          <c:showVal val="0"/>
           <c:showCatName val="0"/>
           <c:showSerName val="0"/>
           <c:showPercent val="0"/>
           <c:showBubbleSize val="0"/>
-          <c:showLeaderLines val="1"/>
         </c:dLbls>
-        <c:firstSliceAng val="0"/>
-      </c:pieChart>
+        <c:gapWidth val="219"/>
+        <c:overlap val="100"/>
+        <c:axId val="160097264"/>
+        <c:axId val="160097824"/>
+      </c:barChart>
+      <c:catAx>
+        <c:axId val="160097264"/>
+        <c:scaling>
+          <c:orientation val="minMax"/>
+        </c:scaling>
+        <c:delete val="0"/>
+        <c:axPos val="b"/>
+        <c:numFmt formatCode="General" sourceLinked="1"/>
+        <c:majorTickMark val="none"/>
+        <c:minorTickMark val="none"/>
+        <c:tickLblPos val="nextTo"/>
+        <c:spPr>
+          <a:noFill/>
+          <a:ln w="9525" cap="flat" cmpd="sng" algn="ctr">
+            <a:solidFill>
+              <a:schemeClr val="tx1">
+                <a:lumMod val="15000"/>
+                <a:lumOff val="85000"/>
+              </a:schemeClr>
+            </a:solidFill>
+            <a:round/>
+          </a:ln>
+          <a:effectLst/>
+        </c:spPr>
+        <c:txPr>
+          <a:bodyPr rot="-60000000" spcFirstLastPara="1" vertOverflow="ellipsis" vert="horz" wrap="square" anchor="ctr" anchorCtr="1"/>
+          <a:lstStyle/>
+          <a:p>
+            <a:pPr>
+              <a:defRPr sz="900" b="0" i="0" u="none" strike="noStrike" kern="1200" baseline="0">
+                <a:solidFill>
+                  <a:schemeClr val="tx1">
+                    <a:lumMod val="65000"/>
+                    <a:lumOff val="35000"/>
+                  </a:schemeClr>
+                </a:solidFill>
+                <a:latin typeface="+mn-lt"/>
+                <a:ea typeface="+mn-ea"/>
+                <a:cs typeface="+mn-cs"/>
+              </a:defRPr>
+            </a:pPr>
+            <a:endParaRPr lang="ru-RU"/>
+          </a:p>
+        </c:txPr>
+        <c:crossAx val="160097824"/>
+        <c:crosses val="autoZero"/>
+        <c:auto val="1"/>
+        <c:lblAlgn val="ctr"/>
+        <c:lblOffset val="100"/>
+        <c:noMultiLvlLbl val="0"/>
+      </c:catAx>
+      <c:valAx>
+        <c:axId val="160097824"/>
+        <c:scaling>
+          <c:orientation val="minMax"/>
+        </c:scaling>
+        <c:delete val="0"/>
+        <c:axPos val="l"/>
+        <c:majorGridlines>
+          <c:spPr>
+            <a:ln w="9525" cap="flat" cmpd="sng" algn="ctr">
+              <a:solidFill>
+                <a:schemeClr val="tx1">
+                  <a:lumMod val="15000"/>
+                  <a:lumOff val="85000"/>
+                </a:schemeClr>
+              </a:solidFill>
+              <a:round/>
+            </a:ln>
+            <a:effectLst/>
+          </c:spPr>
+        </c:majorGridlines>
+        <c:numFmt formatCode="#\ ##0_ &quot;ч&quot;" sourceLinked="1"/>
+        <c:majorTickMark val="none"/>
+        <c:minorTickMark val="none"/>
+        <c:tickLblPos val="nextTo"/>
+        <c:spPr>
+          <a:noFill/>
+          <a:ln>
+            <a:noFill/>
+          </a:ln>
+          <a:effectLst/>
+        </c:spPr>
+        <c:txPr>
+          <a:bodyPr rot="-60000000" spcFirstLastPara="1" vertOverflow="ellipsis" vert="horz" wrap="square" anchor="ctr" anchorCtr="1"/>
+          <a:lstStyle/>
+          <a:p>
+            <a:pPr>
+              <a:defRPr sz="900" b="0" i="0" u="none" strike="noStrike" kern="1200" baseline="0">
+                <a:solidFill>
+                  <a:schemeClr val="tx1">
+                    <a:lumMod val="65000"/>
+                    <a:lumOff val="35000"/>
+                  </a:schemeClr>
+                </a:solidFill>
+                <a:latin typeface="+mn-lt"/>
+                <a:ea typeface="+mn-ea"/>
+                <a:cs typeface="+mn-cs"/>
+              </a:defRPr>
+            </a:pPr>
+            <a:endParaRPr lang="ru-RU"/>
+          </a:p>
+        </c:txPr>
+        <c:crossAx val="160097264"/>
+        <c:crosses val="autoZero"/>
+        <c:crossBetween val="between"/>
+      </c:valAx>
       <c:spPr>
-        <a:solidFill>
-          <a:schemeClr val="bg1"/>
-        </a:solidFill>
+        <a:noFill/>
         <a:ln>
           <a:noFill/>
         </a:ln>
@@ -335,6 +466,10 @@
     </c:plotArea>
     <c:legend>
       <c:legendPos val="b"/>
+      <c:legendEntry>
+        <c:idx val="1"/>
+        <c:delete val="1"/>
+      </c:legendEntry>
       <c:layout/>
       <c:overlay val="0"/>
       <c:spPr>
@@ -370,18 +505,486 @@
     <c:showDLblsOverMax val="0"/>
   </c:chart>
   <c:spPr>
-    <a:solidFill>
-      <a:schemeClr val="bg1"/>
-    </a:solidFill>
-    <a:ln w="9525" cap="flat" cmpd="sng" algn="ctr">
-      <a:solidFill>
-        <a:schemeClr val="tx1">
-          <a:lumMod val="15000"/>
-          <a:lumOff val="85000"/>
-        </a:schemeClr>
-      </a:solidFill>
-      <a:prstDash val="solid"/>
-      <a:round/>
+    <a:noFill/>
+    <a:ln>
+      <a:noFill/>
+    </a:ln>
+    <a:effectLst/>
+  </c:spPr>
+  <c:txPr>
+    <a:bodyPr/>
+    <a:lstStyle/>
+    <a:p>
+      <a:pPr>
+        <a:defRPr/>
+      </a:pPr>
+      <a:endParaRPr lang="ru-RU"/>
+    </a:p>
+  </c:txPr>
+  <c:externalData r:id="rId3">
+    <c:autoUpdate val="0"/>
+  </c:externalData>
+</c:chartSpace>
+</file>
+
+<file path=ppt/charts/chart2.xml><?xml version="1.0" encoding="utf-8"?>
+<c:chartSpace xmlns:c="http://schemas.openxmlformats.org/drawingml/2006/chart" xmlns:a="http://schemas.openxmlformats.org/drawingml/2006/main" xmlns:r="http://schemas.openxmlformats.org/officeDocument/2006/relationships" xmlns:c16r2="http://schemas.microsoft.com/office/drawing/2015/06/chart">
+  <c:date1904 val="0"/>
+  <c:lang val="ru-RU"/>
+  <c:roundedCorners val="0"/>
+  <mc:AlternateContent xmlns:mc="http://schemas.openxmlformats.org/markup-compatibility/2006">
+    <mc:Choice xmlns:c14="http://schemas.microsoft.com/office/drawing/2007/8/2/chart" Requires="c14">
+      <c14:style val="102"/>
+    </mc:Choice>
+    <mc:Fallback>
+      <c:style val="2"/>
+    </mc:Fallback>
+  </mc:AlternateContent>
+  <c:chart>
+    <c:autoTitleDeleted val="1"/>
+    <c:plotArea>
+      <c:layout/>
+      <c:pieChart>
+        <c:varyColors val="1"/>
+        <c:ser>
+          <c:idx val="0"/>
+          <c:order val="0"/>
+          <c:tx>
+            <c:v>Затраты</c:v>
+          </c:tx>
+          <c:dPt>
+            <c:idx val="0"/>
+            <c:bubble3D val="0"/>
+            <c:spPr>
+              <a:solidFill>
+                <a:schemeClr val="accent1"/>
+              </a:solidFill>
+              <a:ln w="19050">
+                <a:solidFill>
+                  <a:schemeClr val="lt1"/>
+                </a:solidFill>
+              </a:ln>
+              <a:effectLst/>
+            </c:spPr>
+            <c:extLst>
+              <c:ext xmlns:c16="http://schemas.microsoft.com/office/drawing/2014/chart" uri="{C3380CC4-5D6E-409C-BE32-E72D297353CC}">
+                <c16:uniqueId val="{00000001-61B8-4FC3-9C3A-D0A7D0B35C40}"/>
+              </c:ext>
+            </c:extLst>
+          </c:dPt>
+          <c:dPt>
+            <c:idx val="1"/>
+            <c:bubble3D val="0"/>
+            <c:spPr>
+              <a:solidFill>
+                <a:schemeClr val="accent4">
+                  <a:lumMod val="60000"/>
+                  <a:lumOff val="40000"/>
+                </a:schemeClr>
+              </a:solidFill>
+              <a:ln w="19050">
+                <a:solidFill>
+                  <a:schemeClr val="lt1"/>
+                </a:solidFill>
+              </a:ln>
+              <a:effectLst/>
+            </c:spPr>
+            <c:extLst>
+              <c:ext xmlns:c16="http://schemas.microsoft.com/office/drawing/2014/chart" uri="{C3380CC4-5D6E-409C-BE32-E72D297353CC}">
+                <c16:uniqueId val="{00000003-61B8-4FC3-9C3A-D0A7D0B35C40}"/>
+              </c:ext>
+            </c:extLst>
+          </c:dPt>
+          <c:dPt>
+            <c:idx val="2"/>
+            <c:bubble3D val="0"/>
+            <c:spPr>
+              <a:solidFill>
+                <a:schemeClr val="accent3"/>
+              </a:solidFill>
+              <a:ln w="19050">
+                <a:solidFill>
+                  <a:schemeClr val="lt1"/>
+                </a:solidFill>
+              </a:ln>
+              <a:effectLst/>
+            </c:spPr>
+            <c:extLst>
+              <c:ext xmlns:c16="http://schemas.microsoft.com/office/drawing/2014/chart" uri="{C3380CC4-5D6E-409C-BE32-E72D297353CC}">
+                <c16:uniqueId val="{00000005-61B8-4FC3-9C3A-D0A7D0B35C40}"/>
+              </c:ext>
+            </c:extLst>
+          </c:dPt>
+          <c:dPt>
+            <c:idx val="3"/>
+            <c:bubble3D val="0"/>
+            <c:spPr>
+              <a:solidFill>
+                <a:schemeClr val="accent4"/>
+              </a:solidFill>
+              <a:ln w="19050">
+                <a:solidFill>
+                  <a:schemeClr val="lt1"/>
+                </a:solidFill>
+              </a:ln>
+              <a:effectLst/>
+            </c:spPr>
+            <c:extLst>
+              <c:ext xmlns:c16="http://schemas.microsoft.com/office/drawing/2014/chart" uri="{C3380CC4-5D6E-409C-BE32-E72D297353CC}">
+                <c16:uniqueId val="{00000007-61B8-4FC3-9C3A-D0A7D0B35C40}"/>
+              </c:ext>
+            </c:extLst>
+          </c:dPt>
+          <c:dPt>
+            <c:idx val="4"/>
+            <c:bubble3D val="0"/>
+            <c:spPr>
+              <a:solidFill>
+                <a:schemeClr val="accent5"/>
+              </a:solidFill>
+              <a:ln w="19050">
+                <a:solidFill>
+                  <a:schemeClr val="lt1"/>
+                </a:solidFill>
+              </a:ln>
+              <a:effectLst/>
+            </c:spPr>
+            <c:extLst>
+              <c:ext xmlns:c16="http://schemas.microsoft.com/office/drawing/2014/chart" uri="{C3380CC4-5D6E-409C-BE32-E72D297353CC}">
+                <c16:uniqueId val="{00000009-61B8-4FC3-9C3A-D0A7D0B35C40}"/>
+              </c:ext>
+            </c:extLst>
+          </c:dPt>
+          <c:dPt>
+            <c:idx val="5"/>
+            <c:bubble3D val="0"/>
+            <c:spPr>
+              <a:solidFill>
+                <a:schemeClr val="accent6"/>
+              </a:solidFill>
+              <a:ln w="19050">
+                <a:solidFill>
+                  <a:schemeClr val="lt1"/>
+                </a:solidFill>
+              </a:ln>
+              <a:effectLst/>
+            </c:spPr>
+            <c:extLst>
+              <c:ext xmlns:c16="http://schemas.microsoft.com/office/drawing/2014/chart" uri="{C3380CC4-5D6E-409C-BE32-E72D297353CC}">
+                <c16:uniqueId val="{0000000B-61B8-4FC3-9C3A-D0A7D0B35C40}"/>
+              </c:ext>
+            </c:extLst>
+          </c:dPt>
+          <c:dPt>
+            <c:idx val="6"/>
+            <c:bubble3D val="0"/>
+            <c:spPr>
+              <a:solidFill>
+                <a:schemeClr val="tx2">
+                  <a:lumMod val="60000"/>
+                  <a:lumOff val="40000"/>
+                </a:schemeClr>
+              </a:solidFill>
+              <a:ln w="19050">
+                <a:solidFill>
+                  <a:schemeClr val="lt1"/>
+                </a:solidFill>
+              </a:ln>
+              <a:effectLst/>
+            </c:spPr>
+            <c:extLst>
+              <c:ext xmlns:c16="http://schemas.microsoft.com/office/drawing/2014/chart" uri="{C3380CC4-5D6E-409C-BE32-E72D297353CC}">
+                <c16:uniqueId val="{0000000D-61B8-4FC3-9C3A-D0A7D0B35C40}"/>
+              </c:ext>
+            </c:extLst>
+          </c:dPt>
+          <c:dPt>
+            <c:idx val="7"/>
+            <c:bubble3D val="0"/>
+            <c:spPr>
+              <a:solidFill>
+                <a:schemeClr val="accent2">
+                  <a:lumMod val="60000"/>
+                </a:schemeClr>
+              </a:solidFill>
+              <a:ln w="19050">
+                <a:solidFill>
+                  <a:schemeClr val="lt1"/>
+                </a:solidFill>
+              </a:ln>
+              <a:effectLst/>
+            </c:spPr>
+            <c:extLst>
+              <c:ext xmlns:c16="http://schemas.microsoft.com/office/drawing/2014/chart" uri="{C3380CC4-5D6E-409C-BE32-E72D297353CC}">
+                <c16:uniqueId val="{0000000F-61B8-4FC3-9C3A-D0A7D0B35C40}"/>
+              </c:ext>
+            </c:extLst>
+          </c:dPt>
+          <c:dPt>
+            <c:idx val="8"/>
+            <c:bubble3D val="0"/>
+            <c:spPr>
+              <a:solidFill>
+                <a:schemeClr val="accent3">
+                  <a:lumMod val="60000"/>
+                </a:schemeClr>
+              </a:solidFill>
+              <a:ln w="19050">
+                <a:solidFill>
+                  <a:schemeClr val="lt1"/>
+                </a:solidFill>
+              </a:ln>
+              <a:effectLst/>
+            </c:spPr>
+            <c:extLst>
+              <c:ext xmlns:c16="http://schemas.microsoft.com/office/drawing/2014/chart" uri="{C3380CC4-5D6E-409C-BE32-E72D297353CC}">
+                <c16:uniqueId val="{00000011-61B8-4FC3-9C3A-D0A7D0B35C40}"/>
+              </c:ext>
+            </c:extLst>
+          </c:dPt>
+          <c:dLbls>
+            <c:spPr>
+              <a:noFill/>
+              <a:ln>
+                <a:noFill/>
+              </a:ln>
+              <a:effectLst/>
+            </c:spPr>
+            <c:txPr>
+              <a:bodyPr rot="0" spcFirstLastPara="1" vertOverflow="ellipsis" vert="horz" wrap="square" lIns="38100" tIns="19050" rIns="38100" bIns="19050" anchor="ctr" anchorCtr="1">
+                <a:spAutoFit/>
+              </a:bodyPr>
+              <a:lstStyle/>
+              <a:p>
+                <a:pPr>
+                  <a:defRPr sz="1050" b="0" i="0" u="none" strike="noStrike" kern="1200" baseline="0">
+                    <a:solidFill>
+                      <a:schemeClr val="tx1">
+                        <a:lumMod val="75000"/>
+                        <a:lumOff val="25000"/>
+                      </a:schemeClr>
+                    </a:solidFill>
+                    <a:latin typeface="+mn-lt"/>
+                    <a:ea typeface="+mn-ea"/>
+                    <a:cs typeface="+mn-cs"/>
+                  </a:defRPr>
+                </a:pPr>
+                <a:endParaRPr lang="ru-RU"/>
+              </a:p>
+            </c:txPr>
+            <c:dLblPos val="outEnd"/>
+            <c:showLegendKey val="0"/>
+            <c:showVal val="1"/>
+            <c:showCatName val="0"/>
+            <c:showSerName val="0"/>
+            <c:showPercent val="0"/>
+            <c:showBubbleSize val="0"/>
+            <c:showLeaderLines val="1"/>
+            <c:leaderLines>
+              <c:spPr>
+                <a:ln w="9525" cap="flat" cmpd="sng" algn="ctr">
+                  <a:solidFill>
+                    <a:schemeClr val="tx1">
+                      <a:lumMod val="35000"/>
+                      <a:lumOff val="65000"/>
+                    </a:schemeClr>
+                  </a:solidFill>
+                  <a:round/>
+                </a:ln>
+                <a:effectLst/>
+              </c:spPr>
+            </c:leaderLines>
+            <c:extLst>
+              <c:ext xmlns:c15="http://schemas.microsoft.com/office/drawing/2012/chart" uri="{CE6537A1-D6FC-4f65-9D91-7224C49458BB}">
+                <c15:layout/>
+              </c:ext>
+            </c:extLst>
+          </c:dLbls>
+          <c:cat>
+            <mc:AlternateContent xmlns:mc="http://schemas.openxmlformats.org/markup-compatibility/2006">
+              <mc:Choice xmlns:c16ac="http://schemas.microsoft.com/office/drawing/2014/chart/ac" Requires="c16ac">
+                <c16ac:multiLvlStrLit>
+                  <c:ptCount val="9"/>
+                  <c:lvl>
+                    <c:pt idx="0">
+                      <c:v>Разработчик-python</c:v>
+                    </c:pt>
+                    <c:pt idx="1">
+                      <c:v>Технический писатель</c:v>
+                    </c:pt>
+                    <c:pt idx="2">
+                      <c:v>Маркетолог</c:v>
+                    </c:pt>
+                    <c:pt idx="3">
+                      <c:v>Руководитель проекта</c:v>
+                    </c:pt>
+                    <c:pt idx="4">
+                      <c:v>Архитектор БД</c:v>
+                    </c:pt>
+                    <c:pt idx="5">
+                      <c:v>Интервьюер</c:v>
+                    </c:pt>
+                    <c:pt idx="6">
+                      <c:v>Тестировщик</c:v>
+                    </c:pt>
+                    <c:pt idx="7">
+                      <c:v>Аналитик</c:v>
+                    </c:pt>
+                    <c:pt idx="8">
+                      <c:v>Экономист</c:v>
+                    </c:pt>
+                  </c:lvl>
+                  <c:lvl>
+                    <c:pt idx="0">
+                      <c:v>Тип: Трудовой</c:v>
+                    </c:pt>
+                  </c:lvl>
+                </c16ac:multiLvlStrLit>
+              </mc:Choice>
+              <mc:Fallback>
+                <c:strLit>
+                  <c:ptCount val="9"/>
+                  <c:pt idx="0">
+                    <c:v>Разработчик-python
+Тип: Трудовой</c:v>
+                  </c:pt>
+                  <c:pt idx="1">
+                    <c:v>Технический писатель</c:v>
+                  </c:pt>
+                  <c:pt idx="2">
+                    <c:v>Маркетолог</c:v>
+                  </c:pt>
+                  <c:pt idx="3">
+                    <c:v>Руководитель проекта</c:v>
+                  </c:pt>
+                  <c:pt idx="4">
+                    <c:v>Архитектор БД</c:v>
+                  </c:pt>
+                  <c:pt idx="5">
+                    <c:v>Интервьюер</c:v>
+                  </c:pt>
+                  <c:pt idx="6">
+                    <c:v>Тестировщик</c:v>
+                  </c:pt>
+                  <c:pt idx="7">
+                    <c:v>Аналитик</c:v>
+                  </c:pt>
+                  <c:pt idx="8">
+                    <c:v>Экономист</c:v>
+                  </c:pt>
+                </c:strLit>
+              </mc:Fallback>
+            </mc:AlternateContent>
+          </c:cat>
+          <c:val>
+            <c:numLit>
+              <c:formatCode>#\ ##0.00\ \₽</c:formatCode>
+              <c:ptCount val="9"/>
+              <c:pt idx="0">
+                <c:v>13409.6</c:v>
+              </c:pt>
+              <c:pt idx="1">
+                <c:v>5008</c:v>
+              </c:pt>
+              <c:pt idx="2">
+                <c:v>8740</c:v>
+              </c:pt>
+              <c:pt idx="3">
+                <c:v>3360</c:v>
+              </c:pt>
+              <c:pt idx="4">
+                <c:v>8844.64</c:v>
+              </c:pt>
+              <c:pt idx="5">
+                <c:v>520</c:v>
+              </c:pt>
+              <c:pt idx="6">
+                <c:v>2000</c:v>
+              </c:pt>
+              <c:pt idx="7">
+                <c:v>4367.9730003374971</c:v>
+              </c:pt>
+              <c:pt idx="8">
+                <c:v>2640</c:v>
+              </c:pt>
+            </c:numLit>
+          </c:val>
+          <c:extLst>
+            <c:ext xmlns:c16="http://schemas.microsoft.com/office/drawing/2014/chart" uri="{C3380CC4-5D6E-409C-BE32-E72D297353CC}">
+              <c16:uniqueId val="{00000012-61B8-4FC3-9C3A-D0A7D0B35C40}"/>
+            </c:ext>
+          </c:extLst>
+        </c:ser>
+        <c:dLbls>
+          <c:dLblPos val="bestFit"/>
+          <c:showLegendKey val="0"/>
+          <c:showVal val="1"/>
+          <c:showCatName val="0"/>
+          <c:showSerName val="0"/>
+          <c:showPercent val="0"/>
+          <c:showBubbleSize val="0"/>
+          <c:showLeaderLines val="1"/>
+        </c:dLbls>
+        <c:firstSliceAng val="0"/>
+      </c:pieChart>
+      <c:spPr>
+        <a:noFill/>
+        <a:ln>
+          <a:noFill/>
+        </a:ln>
+        <a:effectLst/>
+      </c:spPr>
+      <c:extLst/>
+    </c:plotArea>
+    <c:legend>
+      <c:legendPos val="r"/>
+      <c:layout>
+        <c:manualLayout>
+          <c:xMode val="edge"/>
+          <c:yMode val="edge"/>
+          <c:x val="0.56811832527746109"/>
+          <c:y val="0"/>
+          <c:w val="0.4318816747225388"/>
+          <c:h val="1"/>
+        </c:manualLayout>
+      </c:layout>
+      <c:overlay val="0"/>
+      <c:spPr>
+        <a:noFill/>
+        <a:ln>
+          <a:noFill/>
+        </a:ln>
+        <a:effectLst/>
+      </c:spPr>
+      <c:txPr>
+        <a:bodyPr rot="0" spcFirstLastPara="1" vertOverflow="ellipsis" vert="horz" wrap="square" anchor="ctr" anchorCtr="1"/>
+        <a:lstStyle/>
+        <a:p>
+          <a:pPr>
+            <a:defRPr sz="1600" b="0" i="0" u="none" strike="noStrike" kern="1200" baseline="0">
+              <a:solidFill>
+                <a:schemeClr val="tx1">
+                  <a:lumMod val="65000"/>
+                  <a:lumOff val="35000"/>
+                </a:schemeClr>
+              </a:solidFill>
+              <a:latin typeface="+mn-lt"/>
+              <a:ea typeface="+mn-ea"/>
+              <a:cs typeface="+mn-cs"/>
+            </a:defRPr>
+          </a:pPr>
+          <a:endParaRPr lang="ru-RU"/>
+        </a:p>
+      </c:txPr>
+    </c:legend>
+    <c:plotVisOnly val="1"/>
+    <c:dispBlanksAs val="gap"/>
+    <c:showDLblsOverMax val="0"/>
+  </c:chart>
+  <c:spPr>
+    <a:noFill/>
+    <a:ln>
+      <a:noFill/>
     </a:ln>
     <a:effectLst/>
   </c:spPr>
@@ -402,6 +1005,42 @@
 </file>
 
 <file path=ppt/charts/colors1.xml><?xml version="1.0" encoding="utf-8"?>
+<cs:colorStyle xmlns:cs="http://schemas.microsoft.com/office/drawing/2012/chartStyle" xmlns:a="http://schemas.openxmlformats.org/drawingml/2006/main" meth="cycle" id="10">
+  <a:schemeClr val="accent1"/>
+  <a:schemeClr val="accent2"/>
+  <a:schemeClr val="accent3"/>
+  <a:schemeClr val="accent4"/>
+  <a:schemeClr val="accent5"/>
+  <a:schemeClr val="accent6"/>
+  <cs:variation/>
+  <cs:variation>
+    <a:tint val="60000"/>
+  </cs:variation>
+  <cs:variation>
+    <a:shade val="60000"/>
+  </cs:variation>
+  <cs:variation>
+    <a:tint val="80000"/>
+  </cs:variation>
+  <cs:variation>
+    <a:shade val="80000"/>
+  </cs:variation>
+  <cs:variation>
+    <a:tint val="50000"/>
+  </cs:variation>
+  <cs:variation>
+    <a:shade val="50000"/>
+  </cs:variation>
+  <cs:variation>
+    <a:tint val="70000"/>
+  </cs:variation>
+  <cs:variation>
+    <a:shade val="70000"/>
+  </cs:variation>
+</cs:colorStyle>
+</file>
+
+<file path=ppt/charts/colors2.xml><?xml version="1.0" encoding="utf-8"?>
 <cs:colorStyle xmlns:cs="http://schemas.microsoft.com/office/drawing/2012/chartStyle" xmlns:a="http://schemas.openxmlformats.org/drawingml/2006/main" meth="cycle" id="10">
   <a:schemeClr val="accent1"/>
   <a:schemeClr val="accent2"/>
@@ -442,49 +1081,60 @@
 </file>
 
 <file path=ppt/charts/style1.xml><?xml version="1.0" encoding="utf-8"?>
-<cs:chartStyle xmlns:cs="http://schemas.microsoft.com/office/drawing/2012/chartStyle" xmlns:a="http://schemas.openxmlformats.org/drawingml/2006/main" id="101">
+<cs:chartStyle xmlns:cs="http://schemas.microsoft.com/office/drawing/2012/chartStyle" xmlns:a="http://schemas.openxmlformats.org/drawingml/2006/main" id="201">
   <cs:axisTitle>
+    <cs:lnRef idx="0"/>
+    <cs:fillRef idx="0"/>
+    <cs:effectRef idx="0"/>
+    <cs:fontRef idx="minor">
+      <a:schemeClr val="tx1">
+        <a:lumMod val="65000"/>
+        <a:lumOff val="35000"/>
+      </a:schemeClr>
+    </cs:fontRef>
+    <cs:defRPr sz="900" cap="all"/>
+  </cs:axisTitle>
+  <cs:categoryAxis>
+    <cs:lnRef idx="0"/>
+    <cs:fillRef idx="0"/>
+    <cs:effectRef idx="0"/>
+    <cs:fontRef idx="minor">
+      <a:schemeClr val="tx1">
+        <a:lumMod val="65000"/>
+        <a:lumOff val="35000"/>
+      </a:schemeClr>
+    </cs:fontRef>
+    <cs:spPr>
+      <a:ln w="9525" cap="flat" cmpd="sng" algn="ctr">
+        <a:solidFill>
+          <a:schemeClr val="tx1">
+            <a:lumMod val="15000"/>
+            <a:lumOff val="85000"/>
+          </a:schemeClr>
+        </a:solidFill>
+        <a:round/>
+      </a:ln>
+    </cs:spPr>
+    <cs:defRPr sz="900" kern="1200"/>
+  </cs:categoryAxis>
+  <cs:chartArea mods="allowNoFillOverride allowNoLineOverride">
     <cs:lnRef idx="0"/>
     <cs:fillRef idx="0"/>
     <cs:effectRef idx="0"/>
     <cs:fontRef idx="minor">
       <a:schemeClr val="tx1"/>
     </cs:fontRef>
-    <cs:defRPr sz="1000" b="1" kern="1200"/>
-  </cs:axisTitle>
-  <cs:categoryAxis>
-    <cs:lnRef idx="1">
-      <a:schemeClr val="tx1">
-        <a:tint val="75000"/>
-      </a:schemeClr>
-    </cs:lnRef>
-    <cs:fillRef idx="0"/>
-    <cs:effectRef idx="0"/>
-    <cs:fontRef idx="minor">
-      <a:schemeClr val="tx1"/>
-    </cs:fontRef>
     <cs:spPr>
-      <a:ln>
-        <a:round/>
-      </a:ln>
-    </cs:spPr>
-    <cs:defRPr sz="1000" kern="1200"/>
-  </cs:categoryAxis>
-  <cs:chartArea mods="allowNoFillOverride allowNoLineOverride">
-    <cs:lnRef idx="1">
-      <a:schemeClr val="tx1">
-        <a:tint val="75000"/>
-      </a:schemeClr>
-    </cs:lnRef>
-    <cs:fillRef idx="1">
-      <a:schemeClr val="bg1"/>
-    </cs:fillRef>
-    <cs:effectRef idx="0"/>
-    <cs:fontRef idx="minor">
-      <a:schemeClr val="tx1"/>
-    </cs:fontRef>
-    <cs:spPr>
-      <a:ln>
+      <a:solidFill>
+        <a:schemeClr val="bg1"/>
+      </a:solidFill>
+      <a:ln w="9525" cap="flat" cmpd="sng" algn="ctr">
+        <a:solidFill>
+          <a:schemeClr val="tx1">
+            <a:lumMod val="15000"/>
+            <a:lumOff val="85000"/>
+          </a:schemeClr>
+        </a:solidFill>
         <a:round/>
       </a:ln>
     </cs:spPr>
@@ -495,11 +1145,405 @@
     <cs:fillRef idx="0"/>
     <cs:effectRef idx="0"/>
     <cs:fontRef idx="minor">
+      <a:schemeClr val="tx1">
+        <a:lumMod val="65000"/>
+        <a:lumOff val="35000"/>
+      </a:schemeClr>
+    </cs:fontRef>
+    <cs:defRPr sz="900"/>
+  </cs:dataLabel>
+  <cs:dataLabelCallout>
+    <cs:lnRef idx="0"/>
+    <cs:fillRef idx="0"/>
+    <cs:effectRef idx="0"/>
+    <cs:fontRef idx="minor">
+      <a:schemeClr val="dk1">
+        <a:lumMod val="65000"/>
+        <a:lumOff val="35000"/>
+      </a:schemeClr>
+    </cs:fontRef>
+    <cs:spPr>
+      <a:solidFill>
+        <a:schemeClr val="lt1"/>
+      </a:solidFill>
+      <a:ln>
+        <a:solidFill>
+          <a:schemeClr val="dk1">
+            <a:lumMod val="50000"/>
+            <a:lumOff val="50000"/>
+          </a:schemeClr>
+        </a:solidFill>
+      </a:ln>
+    </cs:spPr>
+    <cs:defRPr sz="900"/>
+  </cs:dataLabelCallout>
+  <cs:dataPoint>
+    <cs:lnRef idx="0"/>
+    <cs:fillRef idx="1">
+      <cs:styleClr val="auto"/>
+    </cs:fillRef>
+    <cs:effectRef idx="0"/>
+    <cs:fontRef idx="minor">
       <a:schemeClr val="tx1"/>
     </cs:fontRef>
-    <cs:defRPr sz="1000" kern="1200"/>
-  </cs:dataLabel>
-  <cs:dataLabelCallout>
+    <cs:spPr>
+      <a:solidFill>
+        <a:schemeClr val="phClr"/>
+      </a:solidFill>
+    </cs:spPr>
+  </cs:dataPoint>
+  <cs:dataPoint3D>
+    <cs:lnRef idx="0"/>
+    <cs:fillRef idx="1">
+      <cs:styleClr val="auto"/>
+    </cs:fillRef>
+    <cs:effectRef idx="0"/>
+    <cs:fontRef idx="minor">
+      <a:schemeClr val="tx1"/>
+    </cs:fontRef>
+    <cs:spPr>
+      <a:solidFill>
+        <a:schemeClr val="phClr"/>
+      </a:solidFill>
+    </cs:spPr>
+  </cs:dataPoint3D>
+  <cs:dataPointLine>
+    <cs:lnRef idx="0">
+      <cs:styleClr val="auto"/>
+    </cs:lnRef>
+    <cs:fillRef idx="1"/>
+    <cs:effectRef idx="0"/>
+    <cs:fontRef idx="minor">
+      <a:schemeClr val="tx1"/>
+    </cs:fontRef>
+    <cs:spPr>
+      <a:ln w="28575" cap="rnd">
+        <a:solidFill>
+          <a:schemeClr val="phClr"/>
+        </a:solidFill>
+        <a:round/>
+      </a:ln>
+    </cs:spPr>
+  </cs:dataPointLine>
+  <cs:dataPointMarker>
+    <cs:lnRef idx="0">
+      <cs:styleClr val="auto"/>
+    </cs:lnRef>
+    <cs:fillRef idx="1">
+      <cs:styleClr val="auto"/>
+    </cs:fillRef>
+    <cs:effectRef idx="0"/>
+    <cs:fontRef idx="minor">
+      <a:schemeClr val="tx1"/>
+    </cs:fontRef>
+    <cs:spPr>
+      <a:solidFill>
+        <a:schemeClr val="phClr"/>
+      </a:solidFill>
+      <a:ln w="9525">
+        <a:solidFill>
+          <a:schemeClr val="phClr"/>
+        </a:solidFill>
+      </a:ln>
+    </cs:spPr>
+  </cs:dataPointMarker>
+  <cs:dataPointMarkerLayout symbol="circle" size="5"/>
+  <cs:dataPointWireframe>
+    <cs:lnRef idx="0">
+      <cs:styleClr val="auto"/>
+    </cs:lnRef>
+    <cs:fillRef idx="1"/>
+    <cs:effectRef idx="0"/>
+    <cs:fontRef idx="minor">
+      <a:schemeClr val="tx1"/>
+    </cs:fontRef>
+    <cs:spPr>
+      <a:ln w="9525" cap="rnd">
+        <a:solidFill>
+          <a:schemeClr val="phClr"/>
+        </a:solidFill>
+        <a:round/>
+      </a:ln>
+    </cs:spPr>
+  </cs:dataPointWireframe>
+  <cs:dataTable>
+    <cs:lnRef idx="0"/>
+    <cs:fillRef idx="0"/>
+    <cs:effectRef idx="0"/>
+    <cs:fontRef idx="minor">
+      <a:schemeClr val="tx1">
+        <a:lumMod val="65000"/>
+        <a:lumOff val="35000"/>
+      </a:schemeClr>
+    </cs:fontRef>
+    <cs:spPr>
+      <a:noFill/>
+      <a:ln w="9525" cap="flat" cmpd="sng" algn="ctr">
+        <a:solidFill>
+          <a:schemeClr val="tx1">
+            <a:lumMod val="15000"/>
+            <a:lumOff val="85000"/>
+          </a:schemeClr>
+        </a:solidFill>
+        <a:round/>
+      </a:ln>
+    </cs:spPr>
+    <cs:defRPr sz="900"/>
+  </cs:dataTable>
+  <cs:downBar>
+    <cs:lnRef idx="0"/>
+    <cs:fillRef idx="0"/>
+    <cs:effectRef idx="0"/>
+    <cs:fontRef idx="minor">
+      <a:schemeClr val="dk1"/>
+    </cs:fontRef>
+    <cs:spPr>
+      <a:solidFill>
+        <a:schemeClr val="dk1">
+          <a:lumMod val="65000"/>
+          <a:lumOff val="35000"/>
+        </a:schemeClr>
+      </a:solidFill>
+      <a:ln w="9525">
+        <a:solidFill>
+          <a:schemeClr val="tx1">
+            <a:lumMod val="65000"/>
+            <a:lumOff val="35000"/>
+          </a:schemeClr>
+        </a:solidFill>
+      </a:ln>
+    </cs:spPr>
+  </cs:downBar>
+  <cs:dropLine>
+    <cs:lnRef idx="0"/>
+    <cs:fillRef idx="0"/>
+    <cs:effectRef idx="0"/>
+    <cs:fontRef idx="minor">
+      <a:schemeClr val="tx1"/>
+    </cs:fontRef>
+    <cs:spPr>
+      <a:ln w="9525" cap="flat" cmpd="sng" algn="ctr">
+        <a:solidFill>
+          <a:schemeClr val="tx1">
+            <a:lumMod val="35000"/>
+            <a:lumOff val="65000"/>
+          </a:schemeClr>
+        </a:solidFill>
+        <a:round/>
+      </a:ln>
+    </cs:spPr>
+  </cs:dropLine>
+  <cs:errorBar>
+    <cs:lnRef idx="0"/>
+    <cs:fillRef idx="0"/>
+    <cs:effectRef idx="0"/>
+    <cs:fontRef idx="minor">
+      <a:schemeClr val="tx1"/>
+    </cs:fontRef>
+    <cs:spPr>
+      <a:ln w="9525" cap="flat" cmpd="sng" algn="ctr">
+        <a:solidFill>
+          <a:schemeClr val="tx1">
+            <a:lumMod val="65000"/>
+            <a:lumOff val="35000"/>
+          </a:schemeClr>
+        </a:solidFill>
+        <a:round/>
+      </a:ln>
+    </cs:spPr>
+  </cs:errorBar>
+  <cs:floor>
+    <cs:lnRef idx="0"/>
+    <cs:fillRef idx="0"/>
+    <cs:effectRef idx="0"/>
+    <cs:fontRef idx="minor">
+      <a:schemeClr val="tx1"/>
+    </cs:fontRef>
+    <cs:spPr>
+      <a:noFill/>
+      <a:ln>
+        <a:noFill/>
+      </a:ln>
+    </cs:spPr>
+  </cs:floor>
+  <cs:gridlineMajor>
+    <cs:lnRef idx="0"/>
+    <cs:fillRef idx="0"/>
+    <cs:effectRef idx="0"/>
+    <cs:fontRef idx="minor">
+      <a:schemeClr val="tx1"/>
+    </cs:fontRef>
+    <cs:spPr>
+      <a:ln w="9525" cap="flat" cmpd="sng" algn="ctr">
+        <a:solidFill>
+          <a:schemeClr val="tx1">
+            <a:lumMod val="15000"/>
+            <a:lumOff val="85000"/>
+          </a:schemeClr>
+        </a:solidFill>
+        <a:round/>
+      </a:ln>
+    </cs:spPr>
+  </cs:gridlineMajor>
+  <cs:gridlineMinor>
+    <cs:lnRef idx="0"/>
+    <cs:fillRef idx="0"/>
+    <cs:effectRef idx="0"/>
+    <cs:fontRef idx="minor">
+      <a:schemeClr val="tx1"/>
+    </cs:fontRef>
+    <cs:spPr>
+      <a:ln w="9525" cap="flat" cmpd="sng" algn="ctr">
+        <a:solidFill>
+          <a:schemeClr val="tx1">
+            <a:lumMod val="5000"/>
+            <a:lumOff val="95000"/>
+          </a:schemeClr>
+        </a:solidFill>
+        <a:round/>
+      </a:ln>
+    </cs:spPr>
+  </cs:gridlineMinor>
+  <cs:hiLoLine>
+    <cs:lnRef idx="0"/>
+    <cs:fillRef idx="0"/>
+    <cs:effectRef idx="0"/>
+    <cs:fontRef idx="minor">
+      <a:schemeClr val="tx1"/>
+    </cs:fontRef>
+    <cs:spPr>
+      <a:ln w="9525" cap="flat" cmpd="sng" algn="ctr">
+        <a:solidFill>
+          <a:schemeClr val="tx1">
+            <a:lumMod val="75000"/>
+            <a:lumOff val="25000"/>
+          </a:schemeClr>
+        </a:solidFill>
+        <a:round/>
+      </a:ln>
+    </cs:spPr>
+  </cs:hiLoLine>
+  <cs:leaderLine>
+    <cs:lnRef idx="0"/>
+    <cs:fillRef idx="0"/>
+    <cs:effectRef idx="0"/>
+    <cs:fontRef idx="minor">
+      <a:schemeClr val="tx1"/>
+    </cs:fontRef>
+    <cs:spPr>
+      <a:ln w="9525" cap="flat" cmpd="sng" algn="ctr">
+        <a:solidFill>
+          <a:schemeClr val="tx1">
+            <a:lumMod val="35000"/>
+            <a:lumOff val="65000"/>
+          </a:schemeClr>
+        </a:solidFill>
+        <a:round/>
+      </a:ln>
+    </cs:spPr>
+  </cs:leaderLine>
+  <cs:legend>
+    <cs:lnRef idx="0"/>
+    <cs:fillRef idx="0"/>
+    <cs:effectRef idx="0"/>
+    <cs:fontRef idx="minor">
+      <a:schemeClr val="tx1">
+        <a:lumMod val="65000"/>
+        <a:lumOff val="35000"/>
+      </a:schemeClr>
+    </cs:fontRef>
+    <cs:defRPr sz="900" kern="1200"/>
+  </cs:legend>
+  <cs:plotArea mods="allowNoFillOverride allowNoLineOverride">
+    <cs:lnRef idx="0"/>
+    <cs:fillRef idx="0"/>
+    <cs:effectRef idx="0"/>
+    <cs:fontRef idx="minor">
+      <a:schemeClr val="tx1"/>
+    </cs:fontRef>
+  </cs:plotArea>
+  <cs:plotArea3D mods="allowNoFillOverride allowNoLineOverride">
+    <cs:lnRef idx="0"/>
+    <cs:fillRef idx="0"/>
+    <cs:effectRef idx="0"/>
+    <cs:fontRef idx="minor">
+      <a:schemeClr val="tx1"/>
+    </cs:fontRef>
+  </cs:plotArea3D>
+  <cs:seriesAxis>
+    <cs:lnRef idx="0"/>
+    <cs:fillRef idx="0"/>
+    <cs:effectRef idx="0"/>
+    <cs:fontRef idx="minor">
+      <a:schemeClr val="tx1">
+        <a:lumMod val="65000"/>
+        <a:lumOff val="35000"/>
+      </a:schemeClr>
+    </cs:fontRef>
+    <cs:defRPr sz="900"/>
+  </cs:seriesAxis>
+  <cs:seriesLine>
+    <cs:lnRef idx="0"/>
+    <cs:fillRef idx="0"/>
+    <cs:effectRef idx="0"/>
+    <cs:fontRef idx="minor">
+      <a:schemeClr val="tx1"/>
+    </cs:fontRef>
+    <cs:spPr>
+      <a:ln w="9525" cap="flat" cmpd="sng" algn="ctr">
+        <a:solidFill>
+          <a:schemeClr val="tx1">
+            <a:lumMod val="35000"/>
+            <a:lumOff val="65000"/>
+          </a:schemeClr>
+        </a:solidFill>
+        <a:round/>
+      </a:ln>
+    </cs:spPr>
+  </cs:seriesLine>
+  <cs:title>
+    <cs:lnRef idx="0"/>
+    <cs:fillRef idx="0"/>
+    <cs:effectRef idx="0"/>
+    <cs:fontRef idx="minor">
+      <a:schemeClr val="tx1">
+        <a:lumMod val="65000"/>
+        <a:lumOff val="35000"/>
+      </a:schemeClr>
+    </cs:fontRef>
+    <cs:defRPr sz="1440" b="0" kern="1600" spc="0" baseline="0"/>
+  </cs:title>
+  <cs:trendline>
+    <cs:lnRef idx="0">
+      <cs:styleClr val="auto"/>
+    </cs:lnRef>
+    <cs:fillRef idx="0"/>
+    <cs:effectRef idx="0"/>
+    <cs:fontRef idx="minor">
+      <a:schemeClr val="tx1"/>
+    </cs:fontRef>
+    <cs:spPr>
+      <a:ln w="19050" cap="rnd">
+        <a:solidFill>
+          <a:schemeClr val="phClr"/>
+        </a:solidFill>
+        <a:prstDash val="sysDash"/>
+      </a:ln>
+    </cs:spPr>
+  </cs:trendline>
+  <cs:trendlineLabel>
+    <cs:lnRef idx="0"/>
+    <cs:fillRef idx="0"/>
+    <cs:effectRef idx="0"/>
+    <cs:fontRef idx="minor">
+      <a:schemeClr val="tx1">
+        <a:lumMod val="65000"/>
+        <a:lumOff val="35000"/>
+      </a:schemeClr>
+    </cs:fontRef>
+    <cs:defRPr sz="900"/>
+  </cs:trendlineLabel>
+  <cs:upBar>
     <cs:lnRef idx="0"/>
     <cs:fillRef idx="0"/>
     <cs:effectRef idx="0"/>
@@ -510,16 +1554,144 @@
       <a:solidFill>
         <a:schemeClr val="lt1"/>
       </a:solidFill>
-      <a:ln>
+      <a:ln w="9525">
         <a:solidFill>
-          <a:schemeClr val="dk1">
-            <a:lumMod val="65000"/>
-            <a:lumOff val="35000"/>
+          <a:schemeClr val="tx1">
+            <a:lumMod val="15000"/>
+            <a:lumOff val="85000"/>
           </a:schemeClr>
         </a:solidFill>
       </a:ln>
     </cs:spPr>
+  </cs:upBar>
+  <cs:valueAxis>
+    <cs:lnRef idx="0"/>
+    <cs:fillRef idx="0"/>
+    <cs:effectRef idx="0"/>
+    <cs:fontRef idx="minor">
+      <a:schemeClr val="tx1">
+        <a:lumMod val="65000"/>
+        <a:lumOff val="35000"/>
+      </a:schemeClr>
+    </cs:fontRef>
+    <cs:defRPr sz="900" kern="1200"/>
+  </cs:valueAxis>
+  <cs:wall>
+    <cs:lnRef idx="0"/>
+    <cs:fillRef idx="0"/>
+    <cs:effectRef idx="0"/>
+    <cs:fontRef idx="minor">
+      <a:schemeClr val="tx1"/>
+    </cs:fontRef>
+    <cs:spPr>
+      <a:noFill/>
+      <a:ln>
+        <a:noFill/>
+      </a:ln>
+    </cs:spPr>
+  </cs:wall>
+</cs:chartStyle>
+</file>
+
+<file path=ppt/charts/style2.xml><?xml version="1.0" encoding="utf-8"?>
+<cs:chartStyle xmlns:cs="http://schemas.microsoft.com/office/drawing/2012/chartStyle" xmlns:a="http://schemas.openxmlformats.org/drawingml/2006/main" id="251">
+  <cs:axisTitle>
+    <cs:lnRef idx="0"/>
+    <cs:fillRef idx="0"/>
+    <cs:effectRef idx="0"/>
+    <cs:fontRef idx="minor">
+      <a:schemeClr val="tx1">
+        <a:lumMod val="65000"/>
+        <a:lumOff val="35000"/>
+      </a:schemeClr>
+    </cs:fontRef>
     <cs:defRPr sz="1000" kern="1200"/>
+  </cs:axisTitle>
+  <cs:categoryAxis>
+    <cs:lnRef idx="0"/>
+    <cs:fillRef idx="0"/>
+    <cs:effectRef idx="0"/>
+    <cs:fontRef idx="minor">
+      <a:schemeClr val="tx1">
+        <a:lumMod val="65000"/>
+        <a:lumOff val="35000"/>
+      </a:schemeClr>
+    </cs:fontRef>
+    <cs:spPr>
+      <a:ln w="9525" cap="flat" cmpd="sng" algn="ctr">
+        <a:solidFill>
+          <a:schemeClr val="tx1">
+            <a:lumMod val="15000"/>
+            <a:lumOff val="85000"/>
+          </a:schemeClr>
+        </a:solidFill>
+        <a:round/>
+      </a:ln>
+    </cs:spPr>
+    <cs:defRPr sz="900" kern="1200"/>
+  </cs:categoryAxis>
+  <cs:chartArea mods="allowNoFillOverride allowNoLineOverride">
+    <cs:lnRef idx="0"/>
+    <cs:fillRef idx="0"/>
+    <cs:effectRef idx="0"/>
+    <cs:fontRef idx="minor">
+      <a:schemeClr val="tx1"/>
+    </cs:fontRef>
+    <cs:spPr>
+      <a:solidFill>
+        <a:schemeClr val="bg1"/>
+      </a:solidFill>
+      <a:ln w="9525" cap="flat" cmpd="sng" algn="ctr">
+        <a:solidFill>
+          <a:schemeClr val="tx1">
+            <a:lumMod val="15000"/>
+            <a:lumOff val="85000"/>
+          </a:schemeClr>
+        </a:solidFill>
+        <a:round/>
+      </a:ln>
+    </cs:spPr>
+    <cs:defRPr sz="900" kern="1200"/>
+  </cs:chartArea>
+  <cs:dataLabel>
+    <cs:lnRef idx="0"/>
+    <cs:fillRef idx="0"/>
+    <cs:effectRef idx="0"/>
+    <cs:fontRef idx="minor">
+      <a:schemeClr val="tx1">
+        <a:lumMod val="75000"/>
+        <a:lumOff val="25000"/>
+      </a:schemeClr>
+    </cs:fontRef>
+    <cs:defRPr sz="900" kern="1200"/>
+  </cs:dataLabel>
+  <cs:dataLabelCallout>
+    <cs:lnRef idx="0"/>
+    <cs:fillRef idx="0"/>
+    <cs:effectRef idx="0"/>
+    <cs:fontRef idx="minor">
+      <a:schemeClr val="dk1">
+        <a:lumMod val="65000"/>
+        <a:lumOff val="35000"/>
+      </a:schemeClr>
+    </cs:fontRef>
+    <cs:spPr>
+      <a:solidFill>
+        <a:schemeClr val="lt1"/>
+      </a:solidFill>
+      <a:ln>
+        <a:solidFill>
+          <a:schemeClr val="dk1">
+            <a:lumMod val="25000"/>
+            <a:lumOff val="75000"/>
+          </a:schemeClr>
+        </a:solidFill>
+      </a:ln>
+    </cs:spPr>
+    <cs:defRPr sz="900" kern="1200"/>
+    <cs:bodyPr rot="0" spcFirstLastPara="1" vertOverflow="clip" horzOverflow="clip" vert="horz" wrap="square" lIns="36576" tIns="18288" rIns="36576" bIns="18288" anchor="ctr" anchorCtr="1">
+      <a:spAutoFit/>
+    </cs:bodyPr>
   </cs:dataLabelCallout>
   <cs:dataPoint>
     <cs:lnRef idx="0"/>
@@ -530,6 +1702,13 @@
     <cs:fontRef idx="minor">
       <a:schemeClr val="tx1"/>
     </cs:fontRef>
+    <cs:spPr>
+      <a:ln w="19050">
+        <a:solidFill>
+          <a:schemeClr val="lt1"/>
+        </a:solidFill>
+      </a:ln>
+    </cs:spPr>
   </cs:dataPoint>
   <cs:dataPoint3D>
     <cs:lnRef idx="0"/>
@@ -540,25 +1719,34 @@
     <cs:fontRef idx="minor">
       <a:schemeClr val="tx1"/>
     </cs:fontRef>
+    <cs:spPr>
+      <a:ln w="25400">
+        <a:solidFill>
+          <a:schemeClr val="lt1"/>
+        </a:solidFill>
+      </a:ln>
+    </cs:spPr>
   </cs:dataPoint3D>
   <cs:dataPointLine>
-    <cs:lnRef idx="1">
+    <cs:lnRef idx="0">
       <cs:styleClr val="auto"/>
     </cs:lnRef>
-    <cs:lineWidthScale>3</cs:lineWidthScale>
     <cs:fillRef idx="0"/>
     <cs:effectRef idx="0"/>
     <cs:fontRef idx="minor">
       <a:schemeClr val="tx1"/>
     </cs:fontRef>
     <cs:spPr>
-      <a:ln cap="rnd">
+      <a:ln w="28575" cap="rnd">
+        <a:solidFill>
+          <a:schemeClr val="phClr"/>
+        </a:solidFill>
         <a:round/>
       </a:ln>
     </cs:spPr>
   </cs:dataPointLine>
   <cs:dataPointMarker>
-    <cs:lnRef idx="1">
+    <cs:lnRef idx="0">
       <cs:styleClr val="auto"/>
     </cs:lnRef>
     <cs:fillRef idx="1">
@@ -569,14 +1757,16 @@
       <a:schemeClr val="tx1"/>
     </cs:fontRef>
     <cs:spPr>
-      <a:ln>
-        <a:round/>
+      <a:ln w="9525">
+        <a:solidFill>
+          <a:schemeClr val="phClr"/>
+        </a:solidFill>
       </a:ln>
     </cs:spPr>
   </cs:dataPointMarker>
-  <cs:dataPointMarkerLayout/>
+  <cs:dataPointMarkerLayout symbol="circle" size="5"/>
   <cs:dataPointWireframe>
-    <cs:lnRef idx="1">
+    <cs:lnRef idx="0">
       <cs:styleClr val="auto"/>
     </cs:lnRef>
     <cs:fillRef idx="0"/>
@@ -585,157 +1775,187 @@
       <a:schemeClr val="tx1"/>
     </cs:fontRef>
     <cs:spPr>
-      <a:ln>
+      <a:ln w="9525" cap="rnd">
+        <a:solidFill>
+          <a:schemeClr val="phClr"/>
+        </a:solidFill>
         <a:round/>
       </a:ln>
     </cs:spPr>
   </cs:dataPointWireframe>
   <cs:dataTable>
-    <cs:lnRef idx="1">
+    <cs:lnRef idx="0"/>
+    <cs:fillRef idx="0"/>
+    <cs:effectRef idx="0"/>
+    <cs:fontRef idx="minor">
       <a:schemeClr val="tx1">
-        <a:tint val="75000"/>
+        <a:lumMod val="65000"/>
+        <a:lumOff val="35000"/>
       </a:schemeClr>
-    </cs:lnRef>
+    </cs:fontRef>
+    <cs:spPr>
+      <a:noFill/>
+      <a:ln w="9525" cap="flat" cmpd="sng" algn="ctr">
+        <a:solidFill>
+          <a:schemeClr val="tx1">
+            <a:lumMod val="15000"/>
+            <a:lumOff val="85000"/>
+          </a:schemeClr>
+        </a:solidFill>
+        <a:round/>
+      </a:ln>
+    </cs:spPr>
+    <cs:defRPr sz="900" kern="1200"/>
+  </cs:dataTable>
+  <cs:downBar>
+    <cs:lnRef idx="0"/>
     <cs:fillRef idx="0"/>
     <cs:effectRef idx="0"/>
     <cs:fontRef idx="minor">
       <a:schemeClr val="tx1"/>
     </cs:fontRef>
     <cs:spPr>
-      <a:ln>
-        <a:round/>
-      </a:ln>
-    </cs:spPr>
-    <cs:defRPr sz="1000" kern="1200"/>
-  </cs:dataTable>
-  <cs:downBar>
-    <cs:lnRef idx="1">
-      <a:schemeClr val="tx1"/>
-    </cs:lnRef>
-    <cs:fillRef idx="1">
-      <a:schemeClr val="dk1">
-        <a:tint val="85000"/>
-      </a:schemeClr>
-    </cs:fillRef>
-    <cs:effectRef idx="0"/>
-    <cs:fontRef idx="minor">
-      <a:schemeClr val="tx1"/>
-    </cs:fontRef>
-    <cs:spPr>
-      <a:ln>
+      <a:solidFill>
+        <a:schemeClr val="dk1">
+          <a:lumMod val="75000"/>
+          <a:lumOff val="25000"/>
+        </a:schemeClr>
+      </a:solidFill>
+      <a:ln w="9525" cap="flat" cmpd="sng" algn="ctr">
+        <a:solidFill>
+          <a:schemeClr val="tx1">
+            <a:lumMod val="65000"/>
+            <a:lumOff val="35000"/>
+          </a:schemeClr>
+        </a:solidFill>
         <a:round/>
       </a:ln>
     </cs:spPr>
   </cs:downBar>
   <cs:dropLine>
-    <cs:lnRef idx="1">
-      <a:schemeClr val="tx1"/>
-    </cs:lnRef>
+    <cs:lnRef idx="0"/>
     <cs:fillRef idx="0"/>
     <cs:effectRef idx="0"/>
     <cs:fontRef idx="minor">
       <a:schemeClr val="tx1"/>
     </cs:fontRef>
     <cs:spPr>
-      <a:ln>
+      <a:ln w="9525" cap="flat" cmpd="sng" algn="ctr">
+        <a:solidFill>
+          <a:schemeClr val="tx1">
+            <a:lumMod val="35000"/>
+            <a:lumOff val="65000"/>
+          </a:schemeClr>
+        </a:solidFill>
         <a:round/>
       </a:ln>
     </cs:spPr>
   </cs:dropLine>
   <cs:errorBar>
-    <cs:lnRef idx="1">
-      <a:schemeClr val="tx1"/>
-    </cs:lnRef>
-    <cs:fillRef idx="1">
-      <a:schemeClr val="tx1"/>
-    </cs:fillRef>
-    <cs:effectRef idx="0"/>
-    <cs:fontRef idx="minor">
-      <a:schemeClr val="tx1"/>
-    </cs:fontRef>
-    <cs:spPr>
-      <a:ln>
-        <a:round/>
-      </a:ln>
-    </cs:spPr>
-  </cs:errorBar>
-  <cs:floor>
-    <cs:lnRef idx="1">
-      <a:schemeClr val="tx1">
-        <a:tint val="75000"/>
-      </a:schemeClr>
-    </cs:lnRef>
+    <cs:lnRef idx="0"/>
     <cs:fillRef idx="0"/>
     <cs:effectRef idx="0"/>
     <cs:fontRef idx="minor">
       <a:schemeClr val="tx1"/>
     </cs:fontRef>
     <cs:spPr>
-      <a:ln>
+      <a:ln w="9525" cap="flat" cmpd="sng" algn="ctr">
+        <a:solidFill>
+          <a:schemeClr val="tx1">
+            <a:lumMod val="65000"/>
+            <a:lumOff val="35000"/>
+          </a:schemeClr>
+        </a:solidFill>
         <a:round/>
       </a:ln>
     </cs:spPr>
-  </cs:floor>
-  <cs:gridlineMajor>
-    <cs:lnRef idx="1">
-      <a:schemeClr val="tx1">
-        <a:tint val="75000"/>
-      </a:schemeClr>
-    </cs:lnRef>
+  </cs:errorBar>
+  <cs:floor>
+    <cs:lnRef idx="0"/>
     <cs:fillRef idx="0"/>
     <cs:effectRef idx="0"/>
     <cs:fontRef idx="minor">
       <a:schemeClr val="tx1"/>
     </cs:fontRef>
     <cs:spPr>
+      <a:noFill/>
       <a:ln>
-        <a:round/>
+        <a:noFill/>
       </a:ln>
     </cs:spPr>
-  </cs:gridlineMajor>
-  <cs:gridlineMinor>
-    <cs:lnRef idx="1">
-      <a:schemeClr val="tx1">
-        <a:tint val="50000"/>
-      </a:schemeClr>
-    </cs:lnRef>
+  </cs:floor>
+  <cs:gridlineMajor>
+    <cs:lnRef idx="0"/>
     <cs:fillRef idx="0"/>
     <cs:effectRef idx="0"/>
     <cs:fontRef idx="minor">
       <a:schemeClr val="tx1"/>
     </cs:fontRef>
     <cs:spPr>
-      <a:ln>
+      <a:ln w="9525" cap="flat" cmpd="sng" algn="ctr">
+        <a:solidFill>
+          <a:schemeClr val="tx1">
+            <a:lumMod val="15000"/>
+            <a:lumOff val="85000"/>
+          </a:schemeClr>
+        </a:solidFill>
         <a:round/>
       </a:ln>
     </cs:spPr>
-  </cs:gridlineMinor>
-  <cs:hiLoLine>
-    <cs:lnRef idx="1">
-      <a:schemeClr val="tx1"/>
-    </cs:lnRef>
+  </cs:gridlineMajor>
+  <cs:gridlineMinor>
+    <cs:lnRef idx="0"/>
     <cs:fillRef idx="0"/>
     <cs:effectRef idx="0"/>
     <cs:fontRef idx="minor">
       <a:schemeClr val="tx1"/>
     </cs:fontRef>
     <cs:spPr>
-      <a:ln>
+      <a:ln w="9525" cap="flat" cmpd="sng" algn="ctr">
+        <a:solidFill>
+          <a:schemeClr val="tx1">
+            <a:lumMod val="5000"/>
+            <a:lumOff val="95000"/>
+          </a:schemeClr>
+        </a:solidFill>
         <a:round/>
       </a:ln>
     </cs:spPr>
-  </cs:hiLoLine>
-  <cs:leaderLine>
-    <cs:lnRef idx="1">
-      <a:schemeClr val="tx1"/>
-    </cs:lnRef>
+  </cs:gridlineMinor>
+  <cs:hiLoLine>
+    <cs:lnRef idx="0"/>
     <cs:fillRef idx="0"/>
     <cs:effectRef idx="0"/>
     <cs:fontRef idx="minor">
       <a:schemeClr val="tx1"/>
     </cs:fontRef>
     <cs:spPr>
-      <a:ln>
+      <a:ln w="9525" cap="flat" cmpd="sng" algn="ctr">
+        <a:solidFill>
+          <a:schemeClr val="tx1">
+            <a:lumMod val="50000"/>
+            <a:lumOff val="50000"/>
+          </a:schemeClr>
+        </a:solidFill>
+        <a:round/>
+      </a:ln>
+    </cs:spPr>
+  </cs:hiLoLine>
+  <cs:leaderLine>
+    <cs:lnRef idx="0"/>
+    <cs:fillRef idx="0"/>
+    <cs:effectRef idx="0"/>
+    <cs:fontRef idx="minor">
+      <a:schemeClr val="tx1"/>
+    </cs:fontRef>
+    <cs:spPr>
+      <a:ln w="9525" cap="flat" cmpd="sng" algn="ctr">
+        <a:solidFill>
+          <a:schemeClr val="tx1">
+            <a:lumMod val="35000"/>
+            <a:lumOff val="65000"/>
+          </a:schemeClr>
+        </a:solidFill>
         <a:round/>
       </a:ln>
     </cs:spPr>
@@ -745,21 +1965,22 @@
     <cs:fillRef idx="0"/>
     <cs:effectRef idx="0"/>
     <cs:fontRef idx="minor">
-      <a:schemeClr val="tx1"/>
+      <a:schemeClr val="tx1">
+        <a:lumMod val="65000"/>
+        <a:lumOff val="35000"/>
+      </a:schemeClr>
     </cs:fontRef>
-    <cs:defRPr sz="1000" kern="1200"/>
+    <cs:defRPr sz="900" kern="1200"/>
   </cs:legend>
   <cs:plotArea mods="allowNoFillOverride allowNoLineOverride">
     <cs:lnRef idx="0"/>
-    <cs:fillRef idx="1">
-      <a:schemeClr val="bg1"/>
-    </cs:fillRef>
+    <cs:fillRef idx="0"/>
     <cs:effectRef idx="0"/>
     <cs:fontRef idx="minor">
       <a:schemeClr val="tx1"/>
     </cs:fontRef>
   </cs:plotArea>
-  <cs:plotArea3D>
+  <cs:plotArea3D mods="allowNoFillOverride allowNoLineOverride">
     <cs:lnRef idx="0"/>
     <cs:fillRef idx="0"/>
     <cs:effectRef idx="0"/>
@@ -768,34 +1989,32 @@
     </cs:fontRef>
   </cs:plotArea3D>
   <cs:seriesAxis>
-    <cs:lnRef idx="1">
+    <cs:lnRef idx="0"/>
+    <cs:fillRef idx="0"/>
+    <cs:effectRef idx="0"/>
+    <cs:fontRef idx="minor">
       <a:schemeClr val="tx1">
-        <a:tint val="75000"/>
+        <a:lumMod val="65000"/>
+        <a:lumOff val="35000"/>
       </a:schemeClr>
-    </cs:lnRef>
+    </cs:fontRef>
+    <cs:defRPr sz="900" kern="1200"/>
+  </cs:seriesAxis>
+  <cs:seriesLine>
+    <cs:lnRef idx="0"/>
     <cs:fillRef idx="0"/>
     <cs:effectRef idx="0"/>
     <cs:fontRef idx="minor">
       <a:schemeClr val="tx1"/>
     </cs:fontRef>
     <cs:spPr>
-      <a:ln>
-        <a:round/>
-      </a:ln>
-    </cs:spPr>
-    <cs:defRPr sz="1000" kern="1200"/>
-  </cs:seriesAxis>
-  <cs:seriesLine>
-    <cs:lnRef idx="1">
-      <a:schemeClr val="tx1"/>
-    </cs:lnRef>
-    <cs:fillRef idx="0"/>
-    <cs:effectRef idx="0"/>
-    <cs:fontRef idx="minor">
-      <a:schemeClr val="tx1"/>
-    </cs:fontRef>
-    <cs:spPr>
-      <a:ln>
+      <a:ln w="9525" cap="flat" cmpd="sng" algn="ctr">
+        <a:solidFill>
+          <a:schemeClr val="tx1">
+            <a:lumMod val="35000"/>
+            <a:lumOff val="65000"/>
+          </a:schemeClr>
+        </a:solidFill>
         <a:round/>
       </a:ln>
     </cs:spPr>
@@ -805,13 +2024,16 @@
     <cs:fillRef idx="0"/>
     <cs:effectRef idx="0"/>
     <cs:fontRef idx="minor">
-      <a:schemeClr val="tx1"/>
+      <a:schemeClr val="tx1">
+        <a:lumMod val="65000"/>
+        <a:lumOff val="35000"/>
+      </a:schemeClr>
     </cs:fontRef>
-    <cs:defRPr sz="1800" b="1" kern="1200"/>
+    <cs:defRPr sz="1400" b="0" kern="1200" spc="0" baseline="0"/>
   </cs:title>
   <cs:trendline>
-    <cs:lnRef idx="1">
-      <a:schemeClr val="tx1"/>
+    <cs:lnRef idx="0">
+      <cs:styleClr val="auto"/>
     </cs:lnRef>
     <cs:fillRef idx="0"/>
     <cs:effectRef idx="0"/>
@@ -819,8 +2041,11 @@
       <a:schemeClr val="tx1"/>
     </cs:fontRef>
     <cs:spPr>
-      <a:ln cap="rnd">
-        <a:round/>
+      <a:ln w="19050" cap="rnd">
+        <a:solidFill>
+          <a:schemeClr val="phClr"/>
+        </a:solidFill>
+        <a:prstDash val="sysDot"/>
       </a:ln>
     </cs:spPr>
   </cs:trendline>
@@ -829,46 +2054,46 @@
     <cs:fillRef idx="0"/>
     <cs:effectRef idx="0"/>
     <cs:fontRef idx="minor">
-      <a:schemeClr val="tx1"/>
+      <a:schemeClr val="tx1">
+        <a:lumMod val="65000"/>
+        <a:lumOff val="35000"/>
+      </a:schemeClr>
     </cs:fontRef>
-    <cs:defRPr sz="1000" kern="1200"/>
+    <cs:defRPr sz="900" kern="1200"/>
   </cs:trendlineLabel>
   <cs:upBar>
-    <cs:lnRef idx="1">
-      <a:schemeClr val="tx1"/>
-    </cs:lnRef>
-    <cs:fillRef idx="1">
-      <a:schemeClr val="dk1">
-        <a:tint val="25000"/>
-      </a:schemeClr>
-    </cs:fillRef>
-    <cs:effectRef idx="0"/>
-    <cs:fontRef idx="minor">
-      <a:schemeClr val="tx1"/>
-    </cs:fontRef>
-    <cs:spPr>
-      <a:ln>
-        <a:round/>
-      </a:ln>
-    </cs:spPr>
-  </cs:upBar>
-  <cs:valueAxis>
-    <cs:lnRef idx="1">
-      <a:schemeClr val="tx1">
-        <a:tint val="75000"/>
-      </a:schemeClr>
-    </cs:lnRef>
+    <cs:lnRef idx="0"/>
     <cs:fillRef idx="0"/>
     <cs:effectRef idx="0"/>
     <cs:fontRef idx="minor">
       <a:schemeClr val="tx1"/>
     </cs:fontRef>
     <cs:spPr>
-      <a:ln>
+      <a:solidFill>
+        <a:schemeClr val="lt1"/>
+      </a:solidFill>
+      <a:ln w="9525" cap="flat" cmpd="sng" algn="ctr">
+        <a:solidFill>
+          <a:schemeClr val="tx1">
+            <a:lumMod val="65000"/>
+            <a:lumOff val="35000"/>
+          </a:schemeClr>
+        </a:solidFill>
         <a:round/>
       </a:ln>
     </cs:spPr>
-    <cs:defRPr sz="1000" kern="1200"/>
+  </cs:upBar>
+  <cs:valueAxis>
+    <cs:lnRef idx="0"/>
+    <cs:fillRef idx="0"/>
+    <cs:effectRef idx="0"/>
+    <cs:fontRef idx="minor">
+      <a:schemeClr val="tx1">
+        <a:lumMod val="65000"/>
+        <a:lumOff val="35000"/>
+      </a:schemeClr>
+    </cs:fontRef>
+    <cs:defRPr sz="900" kern="1200"/>
   </cs:valueAxis>
   <cs:wall>
     <cs:lnRef idx="0"/>
@@ -877,6 +2102,12 @@
     <cs:fontRef idx="minor">
       <a:schemeClr val="tx1"/>
     </cs:fontRef>
+    <cs:spPr>
+      <a:noFill/>
+      <a:ln>
+        <a:noFill/>
+      </a:ln>
+    </cs:spPr>
   </cs:wall>
 </cs:chartStyle>
 </file>
@@ -963,7 +2194,7 @@
           <a:p>
             <a:fld id="{09B41AD6-7708-4B06-9193-90A3FB2CA1B1}" type="datetimeFigureOut">
               <a:rPr lang="ru-RU" smtClean="0"/>
-              <a:t>30.10.2021</a:t>
+              <a:t>21.01.2022</a:t>
             </a:fld>
             <a:endParaRPr lang="ru-RU"/>
           </a:p>
@@ -1358,6 +2589,731 @@
           <a:bodyPr/>
           <a:lstStyle/>
           <a:p>
+            <a:endParaRPr lang="ru-RU" dirty="0"/>
+          </a:p>
+        </p:txBody>
+      </p:sp>
+      <p:sp>
+        <p:nvSpPr>
+          <p:cNvPr id="4" name="Номер слайда 3"/>
+          <p:cNvSpPr>
+            <a:spLocks noGrp="1"/>
+          </p:cNvSpPr>
+          <p:nvPr>
+            <p:ph type="sldNum" sz="quarter" idx="5"/>
+          </p:nvPr>
+        </p:nvSpPr>
+        <p:spPr/>
+        <p:txBody>
+          <a:bodyPr/>
+          <a:lstStyle/>
+          <a:p>
+            <a:fld id="{489D1785-3960-4670-8EB0-0CB22B17F5EA}" type="slidenum">
+              <a:rPr lang="ru-RU" smtClean="0"/>
+              <a:t>11</a:t>
+            </a:fld>
+            <a:endParaRPr lang="ru-RU"/>
+          </a:p>
+        </p:txBody>
+      </p:sp>
+    </p:spTree>
+    <p:extLst>
+      <p:ext uri="{BB962C8B-B14F-4D97-AF65-F5344CB8AC3E}">
+        <p14:creationId xmlns:p14="http://schemas.microsoft.com/office/powerpoint/2010/main" val="3978777233"/>
+      </p:ext>
+    </p:extLst>
+  </p:cSld>
+  <p:clrMapOvr>
+    <a:masterClrMapping/>
+  </p:clrMapOvr>
+</p:notes>
+</file>
+
+<file path=ppt/notesSlides/notesSlide11.xml><?xml version="1.0" encoding="utf-8"?>
+<p:notes xmlns:a="http://schemas.openxmlformats.org/drawingml/2006/main" xmlns:r="http://schemas.openxmlformats.org/officeDocument/2006/relationships" xmlns:p="http://schemas.openxmlformats.org/presentationml/2006/main">
+  <p:cSld>
+    <p:spTree>
+      <p:nvGrpSpPr>
+        <p:cNvPr id="1" name=""/>
+        <p:cNvGrpSpPr/>
+        <p:nvPr/>
+      </p:nvGrpSpPr>
+      <p:grpSpPr>
+        <a:xfrm>
+          <a:off x="0" y="0"/>
+          <a:ext cx="0" cy="0"/>
+          <a:chOff x="0" y="0"/>
+          <a:chExt cx="0" cy="0"/>
+        </a:xfrm>
+      </p:grpSpPr>
+      <p:sp>
+        <p:nvSpPr>
+          <p:cNvPr id="2" name="Образ слайда 1"/>
+          <p:cNvSpPr>
+            <a:spLocks noGrp="1" noRot="1" noChangeAspect="1"/>
+          </p:cNvSpPr>
+          <p:nvPr>
+            <p:ph type="sldImg"/>
+          </p:nvPr>
+        </p:nvSpPr>
+        <p:spPr/>
+      </p:sp>
+      <p:sp>
+        <p:nvSpPr>
+          <p:cNvPr id="3" name="Заметки 2"/>
+          <p:cNvSpPr>
+            <a:spLocks noGrp="1"/>
+          </p:cNvSpPr>
+          <p:nvPr>
+            <p:ph type="body" idx="1"/>
+          </p:nvPr>
+        </p:nvSpPr>
+        <p:spPr/>
+        <p:txBody>
+          <a:bodyPr/>
+          <a:lstStyle/>
+          <a:p>
+            <a:endParaRPr lang="ru-RU" dirty="0"/>
+          </a:p>
+          <a:p>
+            <a:pPr marL="0" marR="0" lvl="0" indent="0" algn="l" defTabSz="914400" rtl="0" eaLnBrk="1" fontAlgn="auto" latinLnBrk="0" hangingPunct="1">
+              <a:lnSpc>
+                <a:spcPct val="100000"/>
+              </a:lnSpc>
+              <a:spcBef>
+                <a:spcPts val="0"/>
+              </a:spcBef>
+              <a:spcAft>
+                <a:spcPts val="0"/>
+              </a:spcAft>
+              <a:buClrTx/>
+              <a:buSzTx/>
+              <a:buFontTx/>
+              <a:buNone/>
+              <a:tabLst/>
+              <a:defRPr/>
+            </a:pPr>
+            <a:r>
+              <a:rPr lang="ru-RU" dirty="0" smtClean="0">
+                <a:latin typeface="Calibri" panose="020F0502020204030204" pitchFamily="34" charset="0"/>
+                <a:cs typeface="Calibri" panose="020F0502020204030204" pitchFamily="34" charset="0"/>
+              </a:rPr>
+              <a:t>Общая </a:t>
+            </a:r>
+            <a:r>
+              <a:rPr lang="ru-RU" dirty="0" smtClean="0">
+                <a:latin typeface="Calibri" panose="020F0502020204030204" pitchFamily="34" charset="0"/>
+                <a:cs typeface="Calibri" panose="020F0502020204030204" pitchFamily="34" charset="0"/>
+              </a:rPr>
+              <a:t>стоимость разработки продукта</a:t>
+            </a:r>
+            <a:r>
+              <a:rPr lang="ru-RU" baseline="0" dirty="0" smtClean="0">
+                <a:latin typeface="Calibri" panose="020F0502020204030204" pitchFamily="34" charset="0"/>
+                <a:cs typeface="Calibri" panose="020F0502020204030204" pitchFamily="34" charset="0"/>
+              </a:rPr>
+              <a:t>, рассчитанная </a:t>
+            </a:r>
+            <a:r>
+              <a:rPr lang="en-US" baseline="0" dirty="0" smtClean="0">
+                <a:latin typeface="Calibri" panose="020F0502020204030204" pitchFamily="34" charset="0"/>
+                <a:cs typeface="Calibri" panose="020F0502020204030204" pitchFamily="34" charset="0"/>
+              </a:rPr>
+              <a:t>Microsoft </a:t>
+            </a:r>
+            <a:r>
+              <a:rPr lang="en-US" baseline="0" dirty="0" smtClean="0">
+                <a:latin typeface="Calibri" panose="020F0502020204030204" pitchFamily="34" charset="0"/>
+                <a:cs typeface="Calibri" panose="020F0502020204030204" pitchFamily="34" charset="0"/>
+              </a:rPr>
+              <a:t>project</a:t>
+            </a:r>
+            <a:r>
+              <a:rPr lang="ru-RU" baseline="0" dirty="0" smtClean="0">
+                <a:latin typeface="Calibri" panose="020F0502020204030204" pitchFamily="34" charset="0"/>
+                <a:cs typeface="Calibri" panose="020F0502020204030204" pitchFamily="34" charset="0"/>
+              </a:rPr>
+              <a:t>,</a:t>
+            </a:r>
+            <a:r>
+              <a:rPr lang="en-US" baseline="0" dirty="0" smtClean="0">
+                <a:latin typeface="Calibri" panose="020F0502020204030204" pitchFamily="34" charset="0"/>
+                <a:cs typeface="Calibri" panose="020F0502020204030204" pitchFamily="34" charset="0"/>
+              </a:rPr>
+              <a:t> </a:t>
+            </a:r>
+            <a:r>
+              <a:rPr lang="ru-RU" baseline="0" dirty="0" smtClean="0">
+                <a:latin typeface="Calibri" panose="020F0502020204030204" pitchFamily="34" charset="0"/>
+                <a:cs typeface="Calibri" panose="020F0502020204030204" pitchFamily="34" charset="0"/>
+              </a:rPr>
+              <a:t>равна</a:t>
+            </a:r>
+            <a:r>
+              <a:rPr lang="en-US" baseline="0" dirty="0" smtClean="0">
+                <a:latin typeface="Calibri" panose="020F0502020204030204" pitchFamily="34" charset="0"/>
+                <a:cs typeface="Calibri" panose="020F0502020204030204" pitchFamily="34" charset="0"/>
+              </a:rPr>
+              <a:t> </a:t>
+            </a:r>
+            <a:r>
+              <a:rPr lang="ru-RU" dirty="0" smtClean="0">
+                <a:latin typeface="Calibri" panose="020F0502020204030204" pitchFamily="34" charset="0"/>
+                <a:cs typeface="Calibri" panose="020F0502020204030204" pitchFamily="34" charset="0"/>
+              </a:rPr>
+              <a:t>48 890 рублей.</a:t>
+            </a:r>
+          </a:p>
+          <a:p>
+            <a:pPr marL="0" marR="0" lvl="0" indent="0" algn="l" defTabSz="914400" rtl="0" eaLnBrk="1" fontAlgn="auto" latinLnBrk="0" hangingPunct="1">
+              <a:lnSpc>
+                <a:spcPct val="100000"/>
+              </a:lnSpc>
+              <a:spcBef>
+                <a:spcPts val="0"/>
+              </a:spcBef>
+              <a:spcAft>
+                <a:spcPts val="0"/>
+              </a:spcAft>
+              <a:buClrTx/>
+              <a:buSzTx/>
+              <a:buFontTx/>
+              <a:buNone/>
+              <a:tabLst/>
+              <a:defRPr/>
+            </a:pPr>
+            <a:r>
+              <a:rPr lang="ru-RU" dirty="0" smtClean="0">
+                <a:latin typeface="Calibri" panose="020F0502020204030204" pitchFamily="34" charset="0"/>
+                <a:cs typeface="Calibri" panose="020F0502020204030204" pitchFamily="34" charset="0"/>
+              </a:rPr>
+              <a:t>Также в начальную стоимость проекта заложена цена рекламной кампании,</a:t>
+            </a:r>
+            <a:r>
+              <a:rPr lang="ru-RU" baseline="0" dirty="0" smtClean="0">
+                <a:latin typeface="Calibri" panose="020F0502020204030204" pitchFamily="34" charset="0"/>
+                <a:cs typeface="Calibri" panose="020F0502020204030204" pitchFamily="34" charset="0"/>
+              </a:rPr>
+              <a:t> которая составляет 300 рублей</a:t>
+            </a:r>
+            <a:endParaRPr lang="ru-RU" dirty="0" smtClean="0">
+              <a:latin typeface="Calibri" panose="020F0502020204030204" pitchFamily="34" charset="0"/>
+              <a:cs typeface="Calibri" panose="020F0502020204030204" pitchFamily="34" charset="0"/>
+            </a:endParaRPr>
+          </a:p>
+          <a:p>
+            <a:pPr marL="0" marR="0" lvl="0" indent="0" algn="l" defTabSz="914400" rtl="0" eaLnBrk="1" fontAlgn="auto" latinLnBrk="0" hangingPunct="1">
+              <a:lnSpc>
+                <a:spcPct val="100000"/>
+              </a:lnSpc>
+              <a:spcBef>
+                <a:spcPts val="0"/>
+              </a:spcBef>
+              <a:spcAft>
+                <a:spcPts val="0"/>
+              </a:spcAft>
+              <a:buClrTx/>
+              <a:buSzTx/>
+              <a:buFontTx/>
+              <a:buNone/>
+              <a:tabLst/>
+              <a:defRPr/>
+            </a:pPr>
+            <a:endParaRPr lang="ru-RU" dirty="0" smtClean="0">
+              <a:latin typeface="Calibri" panose="020F0502020204030204" pitchFamily="34" charset="0"/>
+              <a:cs typeface="Calibri" panose="020F0502020204030204" pitchFamily="34" charset="0"/>
+            </a:endParaRPr>
+          </a:p>
+          <a:p>
+            <a:pPr marL="0" marR="0" lvl="0" indent="0" algn="l" defTabSz="914400" rtl="0" eaLnBrk="1" fontAlgn="auto" latinLnBrk="0" hangingPunct="1">
+              <a:lnSpc>
+                <a:spcPct val="100000"/>
+              </a:lnSpc>
+              <a:spcBef>
+                <a:spcPts val="0"/>
+              </a:spcBef>
+              <a:spcAft>
+                <a:spcPts val="0"/>
+              </a:spcAft>
+              <a:buClrTx/>
+              <a:buSzTx/>
+              <a:buFontTx/>
+              <a:buNone/>
+              <a:tabLst/>
+              <a:defRPr/>
+            </a:pPr>
+            <a:r>
+              <a:rPr lang="ru-RU" dirty="0" smtClean="0">
+                <a:latin typeface="Calibri" panose="020F0502020204030204" pitchFamily="34" charset="0"/>
+                <a:cs typeface="Calibri" panose="020F0502020204030204" pitchFamily="34" charset="0"/>
+              </a:rPr>
+              <a:t>Почти</a:t>
+            </a:r>
+            <a:r>
+              <a:rPr lang="ru-RU" baseline="0" dirty="0" smtClean="0">
+                <a:latin typeface="Calibri" panose="020F0502020204030204" pitchFamily="34" charset="0"/>
+                <a:cs typeface="Calibri" panose="020F0502020204030204" pitchFamily="34" charset="0"/>
+              </a:rPr>
+              <a:t> все расходы проекта состоят из оплаты труда, так как он является программным </a:t>
+            </a:r>
+            <a:r>
+              <a:rPr lang="ru-RU" baseline="0" dirty="0" smtClean="0">
+                <a:latin typeface="Calibri" panose="020F0502020204030204" pitchFamily="34" charset="0"/>
+                <a:cs typeface="Calibri" panose="020F0502020204030204" pitchFamily="34" charset="0"/>
+              </a:rPr>
+              <a:t>продуктом</a:t>
+            </a:r>
+            <a:endParaRPr lang="en-US" baseline="0" dirty="0" smtClean="0">
+              <a:latin typeface="Calibri" panose="020F0502020204030204" pitchFamily="34" charset="0"/>
+              <a:cs typeface="Calibri" panose="020F0502020204030204" pitchFamily="34" charset="0"/>
+            </a:endParaRPr>
+          </a:p>
+          <a:p>
+            <a:pPr marL="0" marR="0" lvl="0" indent="0" algn="l" defTabSz="914400" rtl="0" eaLnBrk="1" fontAlgn="auto" latinLnBrk="0" hangingPunct="1">
+              <a:lnSpc>
+                <a:spcPct val="100000"/>
+              </a:lnSpc>
+              <a:spcBef>
+                <a:spcPts val="0"/>
+              </a:spcBef>
+              <a:spcAft>
+                <a:spcPts val="0"/>
+              </a:spcAft>
+              <a:buClrTx/>
+              <a:buSzTx/>
+              <a:buFontTx/>
+              <a:buNone/>
+              <a:tabLst/>
+              <a:defRPr/>
+            </a:pPr>
+            <a:endParaRPr lang="en-US" baseline="0" dirty="0" smtClean="0">
+              <a:latin typeface="Calibri" panose="020F0502020204030204" pitchFamily="34" charset="0"/>
+              <a:cs typeface="Calibri" panose="020F0502020204030204" pitchFamily="34" charset="0"/>
+            </a:endParaRPr>
+          </a:p>
+          <a:p>
+            <a:pPr marL="0" marR="0" lvl="0" indent="0" algn="l" defTabSz="914400" rtl="0" eaLnBrk="1" fontAlgn="auto" latinLnBrk="0" hangingPunct="1">
+              <a:lnSpc>
+                <a:spcPct val="100000"/>
+              </a:lnSpc>
+              <a:spcBef>
+                <a:spcPts val="0"/>
+              </a:spcBef>
+              <a:spcAft>
+                <a:spcPts val="0"/>
+              </a:spcAft>
+              <a:buClrTx/>
+              <a:buSzTx/>
+              <a:buFontTx/>
+              <a:buNone/>
+              <a:tabLst/>
+              <a:defRPr/>
+            </a:pPr>
+            <a:r>
+              <a:rPr lang="ru-RU" baseline="0" dirty="0" smtClean="0">
+                <a:latin typeface="Calibri" panose="020F0502020204030204" pitchFamily="34" charset="0"/>
+                <a:cs typeface="Calibri" panose="020F0502020204030204" pitchFamily="34" charset="0"/>
+              </a:rPr>
+              <a:t>Разработка простых </a:t>
+            </a:r>
+            <a:r>
+              <a:rPr lang="ru-RU" baseline="0" dirty="0" err="1" smtClean="0">
+                <a:latin typeface="Calibri" panose="020F0502020204030204" pitchFamily="34" charset="0"/>
+                <a:cs typeface="Calibri" panose="020F0502020204030204" pitchFamily="34" charset="0"/>
+              </a:rPr>
+              <a:t>телеграм</a:t>
+            </a:r>
+            <a:r>
+              <a:rPr lang="ru-RU" baseline="0" dirty="0" smtClean="0">
+                <a:latin typeface="Calibri" panose="020F0502020204030204" pitchFamily="34" charset="0"/>
+                <a:cs typeface="Calibri" panose="020F0502020204030204" pitchFamily="34" charset="0"/>
+              </a:rPr>
+              <a:t> ботов по на рынке стоит от 5000 до 10000 по данных сайта по </a:t>
+            </a:r>
+            <a:r>
+              <a:rPr lang="ru-RU" baseline="0" dirty="0" err="1" smtClean="0">
+                <a:latin typeface="Calibri" panose="020F0502020204030204" pitchFamily="34" charset="0"/>
+                <a:cs typeface="Calibri" panose="020F0502020204030204" pitchFamily="34" charset="0"/>
+              </a:rPr>
+              <a:t>фрилансу</a:t>
+            </a:r>
+            <a:endParaRPr lang="en-US" baseline="0" dirty="0" smtClean="0">
+              <a:latin typeface="Calibri" panose="020F0502020204030204" pitchFamily="34" charset="0"/>
+              <a:cs typeface="Calibri" panose="020F0502020204030204" pitchFamily="34" charset="0"/>
+            </a:endParaRPr>
+          </a:p>
+          <a:p>
+            <a:pPr marL="0" marR="0" lvl="0" indent="0" algn="l" defTabSz="914400" rtl="0" eaLnBrk="1" fontAlgn="auto" latinLnBrk="0" hangingPunct="1">
+              <a:lnSpc>
+                <a:spcPct val="100000"/>
+              </a:lnSpc>
+              <a:spcBef>
+                <a:spcPts val="0"/>
+              </a:spcBef>
+              <a:spcAft>
+                <a:spcPts val="0"/>
+              </a:spcAft>
+              <a:buClrTx/>
+              <a:buSzTx/>
+              <a:buFontTx/>
+              <a:buNone/>
+              <a:tabLst/>
+              <a:defRPr/>
+            </a:pPr>
+            <a:r>
+              <a:rPr lang="en-US" baseline="0" dirty="0" smtClean="0">
+                <a:latin typeface="Calibri" panose="020F0502020204030204" pitchFamily="34" charset="0"/>
+                <a:cs typeface="Calibri" panose="020F0502020204030204" pitchFamily="34" charset="0"/>
+              </a:rPr>
+              <a:t>https://freelance.youdo.com/programming/site/widgets/chat/tag/sozdaniebota/</a:t>
+            </a:r>
+            <a:endParaRPr lang="ru-RU" baseline="0" dirty="0" smtClean="0">
+              <a:latin typeface="Calibri" panose="020F0502020204030204" pitchFamily="34" charset="0"/>
+              <a:cs typeface="Calibri" panose="020F0502020204030204" pitchFamily="34" charset="0"/>
+            </a:endParaRPr>
+          </a:p>
+          <a:p>
+            <a:pPr marL="0" marR="0" lvl="0" indent="0" algn="l" defTabSz="914400" rtl="0" eaLnBrk="1" fontAlgn="auto" latinLnBrk="0" hangingPunct="1">
+              <a:lnSpc>
+                <a:spcPct val="100000"/>
+              </a:lnSpc>
+              <a:spcBef>
+                <a:spcPts val="0"/>
+              </a:spcBef>
+              <a:spcAft>
+                <a:spcPts val="0"/>
+              </a:spcAft>
+              <a:buClrTx/>
+              <a:buSzTx/>
+              <a:buFontTx/>
+              <a:buNone/>
+              <a:tabLst/>
+              <a:defRPr/>
+            </a:pPr>
+            <a:r>
+              <a:rPr lang="ru-RU" baseline="0" dirty="0" smtClean="0">
+                <a:latin typeface="Calibri" panose="020F0502020204030204" pitchFamily="34" charset="0"/>
+                <a:cs typeface="Calibri" panose="020F0502020204030204" pitchFamily="34" charset="0"/>
+              </a:rPr>
+              <a:t>Разработка и интеграция с корпоративными системами уже начинается от 15000 до 100000 </a:t>
+            </a:r>
+          </a:p>
+          <a:p>
+            <a:pPr marL="0" marR="0" lvl="0" indent="0" algn="l" defTabSz="914400" rtl="0" eaLnBrk="1" fontAlgn="auto" latinLnBrk="0" hangingPunct="1">
+              <a:lnSpc>
+                <a:spcPct val="100000"/>
+              </a:lnSpc>
+              <a:spcBef>
+                <a:spcPts val="0"/>
+              </a:spcBef>
+              <a:spcAft>
+                <a:spcPts val="0"/>
+              </a:spcAft>
+              <a:buClrTx/>
+              <a:buSzTx/>
+              <a:buFontTx/>
+              <a:buNone/>
+              <a:tabLst/>
+              <a:defRPr/>
+            </a:pPr>
+            <a:r>
+              <a:rPr lang="en-US" baseline="0" dirty="0" smtClean="0">
+                <a:latin typeface="Calibri" panose="020F0502020204030204" pitchFamily="34" charset="0"/>
+                <a:cs typeface="Calibri" panose="020F0502020204030204" pitchFamily="34" charset="0"/>
+              </a:rPr>
+              <a:t>https://synweb.ru/po/razrabotka-bota-telegram</a:t>
+            </a:r>
+            <a:endParaRPr lang="ru-RU" baseline="0" dirty="0" smtClean="0">
+              <a:latin typeface="Calibri" panose="020F0502020204030204" pitchFamily="34" charset="0"/>
+              <a:cs typeface="Calibri" panose="020F0502020204030204" pitchFamily="34" charset="0"/>
+            </a:endParaRPr>
+          </a:p>
+          <a:p>
+            <a:pPr marL="0" marR="0" lvl="0" indent="0" algn="l" defTabSz="914400" rtl="0" eaLnBrk="1" fontAlgn="auto" latinLnBrk="0" hangingPunct="1">
+              <a:lnSpc>
+                <a:spcPct val="100000"/>
+              </a:lnSpc>
+              <a:spcBef>
+                <a:spcPts val="0"/>
+              </a:spcBef>
+              <a:spcAft>
+                <a:spcPts val="0"/>
+              </a:spcAft>
+              <a:buClrTx/>
+              <a:buSzTx/>
+              <a:buFontTx/>
+              <a:buNone/>
+              <a:tabLst/>
+              <a:defRPr/>
+            </a:pPr>
+            <a:endParaRPr lang="en-US" baseline="0" dirty="0" smtClean="0">
+              <a:latin typeface="Calibri" panose="020F0502020204030204" pitchFamily="34" charset="0"/>
+              <a:cs typeface="Calibri" panose="020F0502020204030204" pitchFamily="34" charset="0"/>
+            </a:endParaRPr>
+          </a:p>
+          <a:p>
+            <a:pPr marL="0" marR="0" lvl="0" indent="0" algn="l" defTabSz="914400" rtl="0" eaLnBrk="1" fontAlgn="auto" latinLnBrk="0" hangingPunct="1">
+              <a:lnSpc>
+                <a:spcPct val="100000"/>
+              </a:lnSpc>
+              <a:spcBef>
+                <a:spcPts val="0"/>
+              </a:spcBef>
+              <a:spcAft>
+                <a:spcPts val="0"/>
+              </a:spcAft>
+              <a:buClrTx/>
+              <a:buSzTx/>
+              <a:buFontTx/>
+              <a:buNone/>
+              <a:tabLst/>
+              <a:defRPr/>
+            </a:pPr>
+            <a:endParaRPr lang="ru-RU" dirty="0" smtClean="0">
+              <a:latin typeface="Calibri" panose="020F0502020204030204" pitchFamily="34" charset="0"/>
+              <a:cs typeface="Calibri" panose="020F0502020204030204" pitchFamily="34" charset="0"/>
+            </a:endParaRPr>
+          </a:p>
+        </p:txBody>
+      </p:sp>
+      <p:sp>
+        <p:nvSpPr>
+          <p:cNvPr id="4" name="Номер слайда 3"/>
+          <p:cNvSpPr>
+            <a:spLocks noGrp="1"/>
+          </p:cNvSpPr>
+          <p:nvPr>
+            <p:ph type="sldNum" sz="quarter" idx="5"/>
+          </p:nvPr>
+        </p:nvSpPr>
+        <p:spPr/>
+        <p:txBody>
+          <a:bodyPr/>
+          <a:lstStyle/>
+          <a:p>
+            <a:fld id="{489D1785-3960-4670-8EB0-0CB22B17F5EA}" type="slidenum">
+              <a:rPr lang="ru-RU" smtClean="0"/>
+              <a:t>12</a:t>
+            </a:fld>
+            <a:endParaRPr lang="ru-RU"/>
+          </a:p>
+        </p:txBody>
+      </p:sp>
+    </p:spTree>
+    <p:extLst>
+      <p:ext uri="{BB962C8B-B14F-4D97-AF65-F5344CB8AC3E}">
+        <p14:creationId xmlns:p14="http://schemas.microsoft.com/office/powerpoint/2010/main" val="3730370668"/>
+      </p:ext>
+    </p:extLst>
+  </p:cSld>
+  <p:clrMapOvr>
+    <a:masterClrMapping/>
+  </p:clrMapOvr>
+</p:notes>
+</file>
+
+<file path=ppt/notesSlides/notesSlide12.xml><?xml version="1.0" encoding="utf-8"?>
+<p:notes xmlns:a="http://schemas.openxmlformats.org/drawingml/2006/main" xmlns:r="http://schemas.openxmlformats.org/officeDocument/2006/relationships" xmlns:p="http://schemas.openxmlformats.org/presentationml/2006/main">
+  <p:cSld>
+    <p:spTree>
+      <p:nvGrpSpPr>
+        <p:cNvPr id="1" name=""/>
+        <p:cNvGrpSpPr/>
+        <p:nvPr/>
+      </p:nvGrpSpPr>
+      <p:grpSpPr>
+        <a:xfrm>
+          <a:off x="0" y="0"/>
+          <a:ext cx="0" cy="0"/>
+          <a:chOff x="0" y="0"/>
+          <a:chExt cx="0" cy="0"/>
+        </a:xfrm>
+      </p:grpSpPr>
+      <p:sp>
+        <p:nvSpPr>
+          <p:cNvPr id="2" name="Образ слайда 1"/>
+          <p:cNvSpPr>
+            <a:spLocks noGrp="1" noRot="1" noChangeAspect="1"/>
+          </p:cNvSpPr>
+          <p:nvPr>
+            <p:ph type="sldImg"/>
+          </p:nvPr>
+        </p:nvSpPr>
+        <p:spPr/>
+      </p:sp>
+      <p:sp>
+        <p:nvSpPr>
+          <p:cNvPr id="3" name="Заметки 2"/>
+          <p:cNvSpPr>
+            <a:spLocks noGrp="1"/>
+          </p:cNvSpPr>
+          <p:nvPr>
+            <p:ph type="body" idx="1"/>
+          </p:nvPr>
+        </p:nvSpPr>
+        <p:spPr/>
+        <p:txBody>
+          <a:bodyPr/>
+          <a:lstStyle/>
+          <a:p>
+            <a:pPr>
+              <a:buFont typeface="Wingdings" pitchFamily="2" charset="2"/>
+              <a:buNone/>
+              <a:defRPr/>
+            </a:pPr>
+            <a:r>
+              <a:rPr lang="ru-RU" sz="1200" dirty="0" smtClean="0">
+                <a:solidFill>
+                  <a:srgbClr val="45525A"/>
+                </a:solidFill>
+                <a:latin typeface="Calibri" panose="020F0502020204030204" pitchFamily="34" charset="0"/>
+                <a:cs typeface="Calibri" panose="020F0502020204030204" pitchFamily="34" charset="0"/>
+              </a:rPr>
+              <a:t>Для продвижения телеграмм бота нам было необходимо найти такую площадку или сервис, который мог быть вести</a:t>
+            </a:r>
+            <a:r>
+              <a:rPr lang="ru-RU" sz="1200" baseline="0" dirty="0" smtClean="0">
+                <a:solidFill>
+                  <a:srgbClr val="45525A"/>
+                </a:solidFill>
+                <a:latin typeface="Calibri" panose="020F0502020204030204" pitchFamily="34" charset="0"/>
+                <a:cs typeface="Calibri" panose="020F0502020204030204" pitchFamily="34" charset="0"/>
+              </a:rPr>
+              <a:t> статистику по пользователям </a:t>
+            </a:r>
+            <a:r>
+              <a:rPr lang="en-US" sz="1200" baseline="0" dirty="0" smtClean="0">
+                <a:solidFill>
+                  <a:srgbClr val="45525A"/>
+                </a:solidFill>
+                <a:latin typeface="Calibri" panose="020F0502020204030204" pitchFamily="34" charset="0"/>
+                <a:cs typeface="Calibri" panose="020F0502020204030204" pitchFamily="34" charset="0"/>
+              </a:rPr>
+              <a:t>telegram.</a:t>
+            </a:r>
+            <a:endParaRPr lang="en-US" sz="1200" dirty="0">
+              <a:solidFill>
+                <a:srgbClr val="45525A"/>
+              </a:solidFill>
+              <a:latin typeface="Calibri" panose="020F0502020204030204" pitchFamily="34" charset="0"/>
+              <a:cs typeface="Calibri" panose="020F0502020204030204" pitchFamily="34" charset="0"/>
+            </a:endParaRPr>
+          </a:p>
+          <a:p>
+            <a:pPr marL="0" indent="0">
+              <a:buNone/>
+              <a:defRPr/>
+            </a:pPr>
+            <a:endParaRPr lang="en-US" sz="1200" dirty="0">
+              <a:solidFill>
+                <a:srgbClr val="45525A"/>
+              </a:solidFill>
+              <a:latin typeface="Calibri" panose="020F0502020204030204" pitchFamily="34" charset="0"/>
+              <a:cs typeface="Calibri" panose="020F0502020204030204" pitchFamily="34" charset="0"/>
+            </a:endParaRPr>
+          </a:p>
+          <a:p>
+            <a:pPr>
+              <a:buFont typeface="Wingdings" pitchFamily="2" charset="2"/>
+              <a:buChar char="ü"/>
+              <a:defRPr/>
+            </a:pPr>
+            <a:endParaRPr lang="ru-RU" sz="1200" dirty="0">
+              <a:solidFill>
+                <a:schemeClr val="tx1">
+                  <a:lumMod val="65000"/>
+                  <a:lumOff val="35000"/>
+                </a:schemeClr>
+              </a:solidFill>
+              <a:latin typeface="Calibri" panose="020F0502020204030204" pitchFamily="34" charset="0"/>
+              <a:cs typeface="Calibri" panose="020F0502020204030204" pitchFamily="34" charset="0"/>
+            </a:endParaRPr>
+          </a:p>
+          <a:p>
+            <a:endParaRPr lang="ru-RU" dirty="0"/>
+          </a:p>
+        </p:txBody>
+      </p:sp>
+      <p:sp>
+        <p:nvSpPr>
+          <p:cNvPr id="4" name="Номер слайда 3"/>
+          <p:cNvSpPr>
+            <a:spLocks noGrp="1"/>
+          </p:cNvSpPr>
+          <p:nvPr>
+            <p:ph type="sldNum" sz="quarter" idx="5"/>
+          </p:nvPr>
+        </p:nvSpPr>
+        <p:spPr/>
+        <p:txBody>
+          <a:bodyPr/>
+          <a:lstStyle/>
+          <a:p>
+            <a:fld id="{489D1785-3960-4670-8EB0-0CB22B17F5EA}" type="slidenum">
+              <a:rPr lang="ru-RU" smtClean="0"/>
+              <a:t>13</a:t>
+            </a:fld>
+            <a:endParaRPr lang="ru-RU"/>
+          </a:p>
+        </p:txBody>
+      </p:sp>
+    </p:spTree>
+    <p:extLst>
+      <p:ext uri="{BB962C8B-B14F-4D97-AF65-F5344CB8AC3E}">
+        <p14:creationId xmlns:p14="http://schemas.microsoft.com/office/powerpoint/2010/main" val="3277775281"/>
+      </p:ext>
+    </p:extLst>
+  </p:cSld>
+  <p:clrMapOvr>
+    <a:masterClrMapping/>
+  </p:clrMapOvr>
+</p:notes>
+</file>
+
+<file path=ppt/notesSlides/notesSlide13.xml><?xml version="1.0" encoding="utf-8"?>
+<p:notes xmlns:a="http://schemas.openxmlformats.org/drawingml/2006/main" xmlns:r="http://schemas.openxmlformats.org/officeDocument/2006/relationships" xmlns:p="http://schemas.openxmlformats.org/presentationml/2006/main">
+  <p:cSld>
+    <p:spTree>
+      <p:nvGrpSpPr>
+        <p:cNvPr id="1" name=""/>
+        <p:cNvGrpSpPr/>
+        <p:nvPr/>
+      </p:nvGrpSpPr>
+      <p:grpSpPr>
+        <a:xfrm>
+          <a:off x="0" y="0"/>
+          <a:ext cx="0" cy="0"/>
+          <a:chOff x="0" y="0"/>
+          <a:chExt cx="0" cy="0"/>
+        </a:xfrm>
+      </p:grpSpPr>
+      <p:sp>
+        <p:nvSpPr>
+          <p:cNvPr id="2" name="Образ слайда 1"/>
+          <p:cNvSpPr>
+            <a:spLocks noGrp="1" noRot="1" noChangeAspect="1"/>
+          </p:cNvSpPr>
+          <p:nvPr>
+            <p:ph type="sldImg"/>
+          </p:nvPr>
+        </p:nvSpPr>
+        <p:spPr/>
+      </p:sp>
+      <p:sp>
+        <p:nvSpPr>
+          <p:cNvPr id="3" name="Заметки 2"/>
+          <p:cNvSpPr>
+            <a:spLocks noGrp="1"/>
+          </p:cNvSpPr>
+          <p:nvPr>
+            <p:ph type="body" idx="1"/>
+          </p:nvPr>
+        </p:nvSpPr>
+        <p:spPr/>
+        <p:txBody>
+          <a:bodyPr/>
+          <a:lstStyle/>
+          <a:p>
             <a:r>
               <a:rPr lang="ru-RU" dirty="0" smtClean="0"/>
               <a:t>На слайде представлена работа</a:t>
@@ -1372,7 +3328,11 @@
             </a:r>
             <a:r>
               <a:rPr lang="ru-RU" baseline="0" dirty="0" smtClean="0"/>
-              <a:t> функционал уже реализован, но сейчас предоставляется всего лишь один вариант обоев, так как база не заполнена. ;)</a:t>
+              <a:t> функционал уже </a:t>
+            </a:r>
+            <a:r>
+              <a:rPr lang="ru-RU" baseline="0" dirty="0" smtClean="0"/>
+              <a:t>реализован</a:t>
             </a:r>
             <a:endParaRPr lang="ru-RU" dirty="0"/>
           </a:p>
@@ -1395,7 +3355,7 @@
           <a:p>
             <a:fld id="{489D1785-3960-4670-8EB0-0CB22B17F5EA}" type="slidenum">
               <a:rPr lang="ru-RU" smtClean="0"/>
-              <a:t>11</a:t>
+              <a:t>14</a:t>
             </a:fld>
             <a:endParaRPr lang="ru-RU"/>
           </a:p>
@@ -1550,27 +3510,55 @@
           <a:bodyPr/>
           <a:lstStyle/>
           <a:p>
-            <a:pPr marL="0" marR="0" lvl="0" indent="0" algn="l" defTabSz="914400" rtl="0" eaLnBrk="1" fontAlgn="auto" latinLnBrk="0" hangingPunct="1">
-              <a:lnSpc>
-                <a:spcPct val="100000"/>
-              </a:lnSpc>
-              <a:spcBef>
-                <a:spcPts val="0"/>
-              </a:spcBef>
-              <a:spcAft>
-                <a:spcPts val="0"/>
-              </a:spcAft>
-              <a:buClrTx/>
-              <a:buSzTx/>
-              <a:buFontTx/>
-              <a:buNone/>
-              <a:tabLst/>
-              <a:defRPr/>
-            </a:pPr>
-            <a:endParaRPr lang="ru-RU" sz="1200" dirty="0">
-              <a:latin typeface="Arial"/>
-              <a:cs typeface="Arial"/>
-            </a:endParaRPr>
+            <a:r>
+              <a:rPr lang="ru-RU" dirty="0" smtClean="0"/>
+              <a:t>Начнем</a:t>
+            </a:r>
+            <a:r>
+              <a:rPr lang="ru-RU" baseline="0" dirty="0" smtClean="0"/>
+              <a:t> с того, что мы можем предложить нашему потенциальному клиенту. Перечислить ценностные предложения. Общение с пользователями и получение от них обратной связи происходит через официальные каналы в </a:t>
+            </a:r>
+            <a:r>
+              <a:rPr lang="ru-RU" baseline="0" dirty="0" err="1" smtClean="0"/>
+              <a:t>соц.сетях</a:t>
+            </a:r>
+            <a:r>
+              <a:rPr lang="ru-RU" baseline="0" dirty="0" smtClean="0"/>
+              <a:t>. Распространение и продвижение нашего проекта осуществляется также через </a:t>
+            </a:r>
+            <a:r>
+              <a:rPr lang="ru-RU" baseline="0" dirty="0" err="1" smtClean="0"/>
+              <a:t>соц.сети</a:t>
+            </a:r>
+            <a:r>
+              <a:rPr lang="ru-RU" baseline="0" dirty="0" smtClean="0"/>
+              <a:t>. Каналом сбыта является сам </a:t>
+            </a:r>
+            <a:r>
+              <a:rPr lang="ru-RU" baseline="0" dirty="0" err="1" smtClean="0"/>
+              <a:t>телеграм</a:t>
+            </a:r>
+            <a:r>
+              <a:rPr lang="ru-RU" baseline="0" dirty="0" smtClean="0"/>
+              <a:t>-бот, так как он предоставляет необходимый файл в канал переписки с ботом. Основным способом заработка является размещение рекламы в </a:t>
+            </a:r>
+            <a:r>
+              <a:rPr lang="ru-RU" baseline="0" dirty="0" err="1" smtClean="0"/>
+              <a:t>телеграм</a:t>
+            </a:r>
+            <a:r>
+              <a:rPr lang="ru-RU" baseline="0" dirty="0" smtClean="0"/>
+              <a:t>-боте и введение подписочной системы. Основные расходы проекта заключаются в оплате человеко-часов, а также оплате </a:t>
+            </a:r>
+            <a:r>
+              <a:rPr lang="ru-RU" baseline="0" dirty="0" err="1" smtClean="0"/>
+              <a:t>Яндекс.директа</a:t>
+            </a:r>
+            <a:r>
+              <a:rPr lang="ru-RU" baseline="0" dirty="0" smtClean="0"/>
+              <a:t>. То что мы планируем предоставлять показано на слайде. Наша площадка может заинтересовать художников, которые хотят разместить свои работы на правах рекламы.</a:t>
+            </a:r>
+            <a:endParaRPr lang="ru-RU" dirty="0"/>
           </a:p>
         </p:txBody>
       </p:sp>
@@ -1581,7 +3569,7 @@
             <a:spLocks noGrp="1"/>
           </p:cNvSpPr>
           <p:nvPr>
-            <p:ph type="sldNum" sz="quarter" idx="5"/>
+            <p:ph type="sldNum" sz="quarter" idx="10"/>
           </p:nvPr>
         </p:nvSpPr>
         <p:spPr/>
@@ -1591,7 +3579,7 @@
           <a:p>
             <a:fld id="{489D1785-3960-4670-8EB0-0CB22B17F5EA}" type="slidenum">
               <a:rPr lang="ru-RU" smtClean="0"/>
-              <a:t>4</a:t>
+              <a:t>3</a:t>
             </a:fld>
             <a:endParaRPr lang="ru-RU"/>
           </a:p>
@@ -1600,7 +3588,7 @@
     </p:spTree>
     <p:extLst>
       <p:ext uri="{BB962C8B-B14F-4D97-AF65-F5344CB8AC3E}">
-        <p14:creationId xmlns:p14="http://schemas.microsoft.com/office/powerpoint/2010/main" val="1010667165"/>
+        <p14:creationId xmlns:p14="http://schemas.microsoft.com/office/powerpoint/2010/main" val="3458221459"/>
       </p:ext>
     </p:extLst>
   </p:cSld>
@@ -1654,27 +3642,27 @@
           <a:bodyPr/>
           <a:lstStyle/>
           <a:p>
-            <a:r>
-              <a:rPr lang="ru-RU" dirty="0" smtClean="0"/>
-              <a:t>После проведения</a:t>
-            </a:r>
-            <a:r>
-              <a:rPr lang="ru-RU" baseline="0" dirty="0" smtClean="0"/>
-              <a:t> интервью были внесены корректировки в модель </a:t>
-            </a:r>
-            <a:r>
-              <a:rPr lang="ru-RU" baseline="0" dirty="0" err="1" smtClean="0"/>
-              <a:t>Остервальдера</a:t>
-            </a:r>
-            <a:r>
-              <a:rPr lang="ru-RU" baseline="0" dirty="0" smtClean="0"/>
-              <a:t>. Например, было пересмотрено решение рекламы в </a:t>
-            </a:r>
-            <a:r>
-              <a:rPr lang="ru-RU" baseline="0" dirty="0" err="1" smtClean="0"/>
-              <a:t>соц.сетях</a:t>
-            </a:r>
-            <a:endParaRPr lang="ru-RU" dirty="0"/>
+            <a:pPr marL="0" marR="0" lvl="0" indent="0" algn="l" defTabSz="914400" rtl="0" eaLnBrk="1" fontAlgn="auto" latinLnBrk="0" hangingPunct="1">
+              <a:lnSpc>
+                <a:spcPct val="100000"/>
+              </a:lnSpc>
+              <a:spcBef>
+                <a:spcPts val="0"/>
+              </a:spcBef>
+              <a:spcAft>
+                <a:spcPts val="0"/>
+              </a:spcAft>
+              <a:buClrTx/>
+              <a:buSzTx/>
+              <a:buFontTx/>
+              <a:buNone/>
+              <a:tabLst/>
+              <a:defRPr/>
+            </a:pPr>
+            <a:endParaRPr lang="ru-RU" sz="1200" dirty="0">
+              <a:latin typeface="Arial"/>
+              <a:cs typeface="Arial"/>
+            </a:endParaRPr>
           </a:p>
         </p:txBody>
       </p:sp>
@@ -1685,7 +3673,7 @@
             <a:spLocks noGrp="1"/>
           </p:cNvSpPr>
           <p:nvPr>
-            <p:ph type="sldNum" sz="quarter" idx="10"/>
+            <p:ph type="sldNum" sz="quarter" idx="5"/>
           </p:nvPr>
         </p:nvSpPr>
         <p:spPr/>
@@ -1704,7 +3692,7 @@
     </p:spTree>
     <p:extLst>
       <p:ext uri="{BB962C8B-B14F-4D97-AF65-F5344CB8AC3E}">
-        <p14:creationId xmlns:p14="http://schemas.microsoft.com/office/powerpoint/2010/main" val="3458221459"/>
+        <p14:creationId xmlns:p14="http://schemas.microsoft.com/office/powerpoint/2010/main" val="1010667165"/>
       </p:ext>
     </p:extLst>
   </p:cSld>
@@ -1775,29 +3763,10 @@
               <a:tabLst/>
               <a:defRPr/>
             </a:pPr>
-            <a:r>
-              <a:rPr lang="ru-RU" dirty="0"/>
-              <a:t>На данном слайде представлена </a:t>
-            </a:r>
-            <a:r>
-              <a:rPr lang="ru-RU" b="1" dirty="0"/>
-              <a:t>диаграмма</a:t>
-            </a:r>
-            <a:r>
-              <a:rPr lang="ru-RU" dirty="0"/>
-              <a:t> </a:t>
-            </a:r>
-            <a:r>
-              <a:rPr lang="ru-RU" b="1" dirty="0"/>
-              <a:t>Ганта</a:t>
-            </a:r>
-            <a:r>
-              <a:rPr lang="ru-RU" dirty="0"/>
-              <a:t>.</a:t>
-            </a:r>
-          </a:p>
-          <a:p>
-            <a:endParaRPr lang="ru-RU" dirty="0"/>
+            <a:endParaRPr lang="ru-RU" sz="1200" dirty="0">
+              <a:latin typeface="Arial"/>
+              <a:cs typeface="Arial"/>
+            </a:endParaRPr>
           </a:p>
         </p:txBody>
       </p:sp>
@@ -1827,7 +3796,7 @@
     </p:spTree>
     <p:extLst>
       <p:ext uri="{BB962C8B-B14F-4D97-AF65-F5344CB8AC3E}">
-        <p14:creationId xmlns:p14="http://schemas.microsoft.com/office/powerpoint/2010/main" val="1652680666"/>
+        <p14:creationId xmlns:p14="http://schemas.microsoft.com/office/powerpoint/2010/main" val="792478192"/>
       </p:ext>
     </p:extLst>
   </p:cSld>
@@ -1920,6 +3889,54 @@
             </a:r>
           </a:p>
           <a:p>
+            <a:r>
+              <a:rPr lang="ru-RU" dirty="0" smtClean="0"/>
+              <a:t>Диаграмма</a:t>
+            </a:r>
+            <a:r>
+              <a:rPr lang="ru-RU" baseline="0" dirty="0" smtClean="0"/>
+              <a:t> разбита на 3 крупных этапа: Проектирование, Реализация, Продвижение</a:t>
+            </a:r>
+          </a:p>
+          <a:p>
+            <a:r>
+              <a:rPr lang="ru-RU" baseline="0" dirty="0" smtClean="0"/>
+              <a:t>Проектирование – этап, на котором происходило формирование идеи проекта, изучение аналогов на рынке, </a:t>
+            </a:r>
+          </a:p>
+          <a:p>
+            <a:r>
+              <a:rPr lang="ru-RU" dirty="0" smtClean="0"/>
+              <a:t>Наиболее трудоемким и продолжительным этапом является реализация</a:t>
+            </a:r>
+          </a:p>
+          <a:p>
+            <a:r>
+              <a:rPr lang="ru-RU" dirty="0" smtClean="0"/>
+              <a:t>На этом этапе шла разработка </a:t>
+            </a:r>
+            <a:r>
+              <a:rPr lang="ru-RU" dirty="0" err="1" smtClean="0"/>
+              <a:t>телеграм</a:t>
+            </a:r>
+            <a:r>
+              <a:rPr lang="ru-RU" baseline="0" dirty="0" smtClean="0"/>
+              <a:t>-бота.</a:t>
+            </a:r>
+          </a:p>
+          <a:p>
+            <a:r>
+              <a:rPr lang="ru-RU" baseline="0" dirty="0" smtClean="0"/>
+              <a:t>На этап продвижения маркетолог, изучив возможности </a:t>
+            </a:r>
+            <a:r>
+              <a:rPr lang="ru-RU" baseline="0" dirty="0" err="1" smtClean="0"/>
+              <a:t>Яндекс.Директа</a:t>
+            </a:r>
+            <a:r>
+              <a:rPr lang="ru-RU" baseline="0" dirty="0" smtClean="0"/>
+              <a:t>, занялся созданием рекламных объявлений, подборов ключевых слов</a:t>
+            </a:r>
             <a:endParaRPr lang="ru-RU" dirty="0"/>
           </a:p>
         </p:txBody>
@@ -1950,7 +3967,7 @@
     </p:spTree>
     <p:extLst>
       <p:ext uri="{BB962C8B-B14F-4D97-AF65-F5344CB8AC3E}">
-        <p14:creationId xmlns:p14="http://schemas.microsoft.com/office/powerpoint/2010/main" val="3331188380"/>
+        <p14:creationId xmlns:p14="http://schemas.microsoft.com/office/powerpoint/2010/main" val="1652680666"/>
       </p:ext>
     </p:extLst>
   </p:cSld>
@@ -2004,18 +4021,94 @@
           <a:bodyPr/>
           <a:lstStyle/>
           <a:p>
-            <a:pPr marL="0" indent="0">
-              <a:buFont typeface="Arial" panose="020B0604020202020204" pitchFamily="34" charset="0"/>
-              <a:buNone/>
+            <a:pPr marL="0" marR="0" lvl="0" indent="0" algn="l" defTabSz="914400" rtl="0" eaLnBrk="1" fontAlgn="auto" latinLnBrk="0" hangingPunct="1">
+              <a:lnSpc>
+                <a:spcPct val="100000"/>
+              </a:lnSpc>
+              <a:spcBef>
+                <a:spcPts val="0"/>
+              </a:spcBef>
+              <a:spcAft>
+                <a:spcPts val="0"/>
+              </a:spcAft>
+              <a:buClrTx/>
+              <a:buSzTx/>
+              <a:buFontTx/>
+              <a:buNone/>
+              <a:tabLst/>
+              <a:defRPr/>
             </a:pPr>
-            <a:endParaRPr lang="ru-RU" altLang="ru-RU" sz="1200" i="0" dirty="0">
-              <a:solidFill>
-                <a:srgbClr val="AC1C17"/>
-              </a:solidFill>
-            </a:endParaRPr>
-          </a:p>
-          <a:p>
-            <a:endParaRPr lang="ru-RU" dirty="0"/>
+            <a:r>
+              <a:rPr lang="ru-RU" dirty="0"/>
+              <a:t>На данном слайде представлена </a:t>
+            </a:r>
+            <a:r>
+              <a:rPr lang="ru-RU" b="1" dirty="0"/>
+              <a:t>диаграмма</a:t>
+            </a:r>
+            <a:r>
+              <a:rPr lang="ru-RU" dirty="0"/>
+              <a:t> </a:t>
+            </a:r>
+            <a:r>
+              <a:rPr lang="ru-RU" b="1" dirty="0"/>
+              <a:t>Ганта</a:t>
+            </a:r>
+            <a:r>
+              <a:rPr lang="ru-RU" dirty="0"/>
+              <a:t>.</a:t>
+            </a:r>
+          </a:p>
+          <a:p>
+            <a:r>
+              <a:rPr lang="ru-RU" dirty="0" smtClean="0"/>
+              <a:t>Диаграмма</a:t>
+            </a:r>
+            <a:r>
+              <a:rPr lang="ru-RU" baseline="0" dirty="0" smtClean="0"/>
+              <a:t> разбита на 3 крупных этапа: Проектирование, Реализация, Продвижение</a:t>
+            </a:r>
+          </a:p>
+          <a:p>
+            <a:r>
+              <a:rPr lang="ru-RU" baseline="0" dirty="0" smtClean="0"/>
+              <a:t>Проектирование – этап, на котором происходило формирование идеи проекта, изучение аналогов на рынке, </a:t>
+            </a:r>
+          </a:p>
+          <a:p>
+            <a:r>
+              <a:rPr lang="ru-RU" dirty="0" smtClean="0"/>
+              <a:t>Наиболее трудоемким и продолжительным этапом является реализация</a:t>
+            </a:r>
+          </a:p>
+          <a:p>
+            <a:r>
+              <a:rPr lang="ru-RU" dirty="0" smtClean="0"/>
+              <a:t>На этом этапе шла разработка </a:t>
+            </a:r>
+            <a:r>
+              <a:rPr lang="ru-RU" dirty="0" err="1" smtClean="0"/>
+              <a:t>телеграм</a:t>
+            </a:r>
+            <a:r>
+              <a:rPr lang="ru-RU" baseline="0" dirty="0" smtClean="0"/>
+              <a:t>-бота.</a:t>
+            </a:r>
+          </a:p>
+          <a:p>
+            <a:r>
+              <a:rPr lang="ru-RU" baseline="0" dirty="0" smtClean="0"/>
+              <a:t>На этап продвижения маркетолог, изучив возможности </a:t>
+            </a:r>
+            <a:r>
+              <a:rPr lang="ru-RU" baseline="0" dirty="0" err="1" smtClean="0"/>
+              <a:t>Яндекс.Директа</a:t>
+            </a:r>
+            <a:r>
+              <a:rPr lang="ru-RU" baseline="0" dirty="0" smtClean="0"/>
+              <a:t>, занялся созданием рекламных объявлений, подборов ключевых слов</a:t>
+            </a:r>
+            <a:endParaRPr lang="ru-RU" dirty="0" smtClean="0"/>
           </a:p>
           <a:p>
             <a:endParaRPr lang="ru-RU" dirty="0"/>
@@ -2048,7 +4141,7 @@
     </p:spTree>
     <p:extLst>
       <p:ext uri="{BB962C8B-B14F-4D97-AF65-F5344CB8AC3E}">
-        <p14:creationId xmlns:p14="http://schemas.microsoft.com/office/powerpoint/2010/main" val="2953925427"/>
+        <p14:creationId xmlns:p14="http://schemas.microsoft.com/office/powerpoint/2010/main" val="3331188380"/>
       </p:ext>
     </p:extLst>
   </p:cSld>
@@ -2102,9 +4195,6 @@
           <a:bodyPr/>
           <a:lstStyle/>
           <a:p>
-            <a:endParaRPr lang="ru-RU" dirty="0"/>
-          </a:p>
-          <a:p>
             <a:pPr marL="0" marR="0" lvl="0" indent="0" algn="l" defTabSz="914400" rtl="0" eaLnBrk="1" fontAlgn="auto" latinLnBrk="0" hangingPunct="1">
               <a:lnSpc>
                 <a:spcPct val="100000"/>
@@ -2123,133 +4213,79 @@
               <a:defRPr/>
             </a:pPr>
             <a:r>
-              <a:rPr lang="ru-RU" dirty="0" smtClean="0">
-                <a:latin typeface="Calibri" panose="020F0502020204030204" pitchFamily="34" charset="0"/>
-                <a:cs typeface="Calibri" panose="020F0502020204030204" pitchFamily="34" charset="0"/>
-              </a:rPr>
-              <a:t>Общая стоимость всего продукта</a:t>
-            </a:r>
-            <a:r>
-              <a:rPr lang="ru-RU" baseline="0" dirty="0" smtClean="0">
-                <a:latin typeface="Calibri" panose="020F0502020204030204" pitchFamily="34" charset="0"/>
-                <a:cs typeface="Calibri" panose="020F0502020204030204" pitchFamily="34" charset="0"/>
-              </a:rPr>
-              <a:t> рассчитанная </a:t>
-            </a:r>
-            <a:r>
-              <a:rPr lang="en-US" baseline="0" dirty="0" smtClean="0">
-                <a:latin typeface="Calibri" panose="020F0502020204030204" pitchFamily="34" charset="0"/>
-                <a:cs typeface="Calibri" panose="020F0502020204030204" pitchFamily="34" charset="0"/>
-              </a:rPr>
-              <a:t>Microsoft project </a:t>
-            </a:r>
-            <a:r>
-              <a:rPr lang="ru-RU" baseline="0" dirty="0" smtClean="0">
-                <a:latin typeface="Calibri" panose="020F0502020204030204" pitchFamily="34" charset="0"/>
-                <a:cs typeface="Calibri" panose="020F0502020204030204" pitchFamily="34" charset="0"/>
-              </a:rPr>
-              <a:t>равна</a:t>
-            </a:r>
-            <a:r>
-              <a:rPr lang="en-US" baseline="0" dirty="0" smtClean="0">
-                <a:latin typeface="Calibri" panose="020F0502020204030204" pitchFamily="34" charset="0"/>
-                <a:cs typeface="Calibri" panose="020F0502020204030204" pitchFamily="34" charset="0"/>
-              </a:rPr>
+              <a:rPr lang="ru-RU" dirty="0"/>
+              <a:t>На данном слайде представлена </a:t>
+            </a:r>
+            <a:r>
+              <a:rPr lang="ru-RU" b="1" dirty="0"/>
+              <a:t>диаграмма</a:t>
+            </a:r>
+            <a:r>
+              <a:rPr lang="ru-RU" dirty="0"/>
               <a:t> </a:t>
             </a:r>
             <a:r>
-              <a:rPr lang="ru-RU" dirty="0" smtClean="0">
-                <a:latin typeface="Calibri" panose="020F0502020204030204" pitchFamily="34" charset="0"/>
-                <a:cs typeface="Calibri" panose="020F0502020204030204" pitchFamily="34" charset="0"/>
-              </a:rPr>
-              <a:t>57 473.</a:t>
-            </a:r>
-          </a:p>
-          <a:p>
-            <a:pPr marL="0" marR="0" lvl="0" indent="0" algn="l" defTabSz="914400" rtl="0" eaLnBrk="1" fontAlgn="auto" latinLnBrk="0" hangingPunct="1">
-              <a:lnSpc>
-                <a:spcPct val="100000"/>
-              </a:lnSpc>
-              <a:spcBef>
-                <a:spcPts val="0"/>
-              </a:spcBef>
-              <a:spcAft>
-                <a:spcPts val="0"/>
-              </a:spcAft>
-              <a:buClrTx/>
-              <a:buSzTx/>
-              <a:buFontTx/>
-              <a:buNone/>
-              <a:tabLst/>
-              <a:defRPr/>
-            </a:pPr>
-            <a:endParaRPr lang="ru-RU" dirty="0" smtClean="0">
-              <a:latin typeface="Calibri" panose="020F0502020204030204" pitchFamily="34" charset="0"/>
-              <a:cs typeface="Calibri" panose="020F0502020204030204" pitchFamily="34" charset="0"/>
-            </a:endParaRPr>
-          </a:p>
-          <a:p>
-            <a:pPr marL="0" marR="0" lvl="0" indent="0" algn="l" defTabSz="914400" rtl="0" eaLnBrk="1" fontAlgn="auto" latinLnBrk="0" hangingPunct="1">
-              <a:lnSpc>
-                <a:spcPct val="100000"/>
-              </a:lnSpc>
-              <a:spcBef>
-                <a:spcPts val="0"/>
-              </a:spcBef>
-              <a:spcAft>
-                <a:spcPts val="0"/>
-              </a:spcAft>
-              <a:buClrTx/>
-              <a:buSzTx/>
-              <a:buFontTx/>
-              <a:buNone/>
-              <a:tabLst/>
-              <a:defRPr/>
-            </a:pPr>
-            <a:r>
-              <a:rPr lang="ru-RU" dirty="0" smtClean="0">
-                <a:latin typeface="Calibri" panose="020F0502020204030204" pitchFamily="34" charset="0"/>
-                <a:cs typeface="Calibri" panose="020F0502020204030204" pitchFamily="34" charset="0"/>
-              </a:rPr>
-              <a:t>Почти</a:t>
-            </a:r>
-            <a:r>
-              <a:rPr lang="ru-RU" baseline="0" dirty="0" smtClean="0">
-                <a:latin typeface="Calibri" panose="020F0502020204030204" pitchFamily="34" charset="0"/>
-                <a:cs typeface="Calibri" panose="020F0502020204030204" pitchFamily="34" charset="0"/>
-              </a:rPr>
-              <a:t> все расходы проекта состоят из оплаты труда, так как он является программным продуктом</a:t>
-            </a:r>
-            <a:endParaRPr lang="ru-RU" dirty="0" smtClean="0">
-              <a:latin typeface="Calibri" panose="020F0502020204030204" pitchFamily="34" charset="0"/>
-              <a:cs typeface="Calibri" panose="020F0502020204030204" pitchFamily="34" charset="0"/>
-            </a:endParaRPr>
-          </a:p>
-          <a:p>
-            <a:pPr marL="0" marR="0" lvl="0" indent="0" algn="l" defTabSz="914400" rtl="0" eaLnBrk="1" fontAlgn="auto" latinLnBrk="0" hangingPunct="1">
-              <a:lnSpc>
-                <a:spcPct val="100000"/>
-              </a:lnSpc>
-              <a:spcBef>
-                <a:spcPts val="0"/>
-              </a:spcBef>
-              <a:spcAft>
-                <a:spcPts val="0"/>
-              </a:spcAft>
-              <a:buClrTx/>
-              <a:buSzTx/>
-              <a:buFontTx/>
-              <a:buNone/>
-              <a:tabLst/>
-              <a:defRPr/>
-            </a:pPr>
-            <a:r>
-              <a:rPr lang="ru-RU" dirty="0" smtClean="0">
-                <a:latin typeface="Calibri" panose="020F0502020204030204" pitchFamily="34" charset="0"/>
-                <a:cs typeface="Calibri" panose="020F0502020204030204" pitchFamily="34" charset="0"/>
-              </a:rPr>
-              <a:t>Расходы на маркетинг примерно 1000 ¯\_(ツ)_/¯</a:t>
-            </a:r>
+              <a:rPr lang="ru-RU" b="1" dirty="0"/>
+              <a:t>Ганта</a:t>
+            </a:r>
+            <a:r>
+              <a:rPr lang="ru-RU" dirty="0"/>
+              <a:t>.</a:t>
+            </a:r>
+          </a:p>
+          <a:p>
+            <a:r>
+              <a:rPr lang="ru-RU" dirty="0" smtClean="0"/>
+              <a:t>Диаграмма</a:t>
+            </a:r>
+            <a:r>
+              <a:rPr lang="ru-RU" baseline="0" dirty="0" smtClean="0"/>
+              <a:t> разбита на 3 крупных этапа: Проектирование, Реализация, Продвижение</a:t>
+            </a:r>
+          </a:p>
+          <a:p>
+            <a:r>
+              <a:rPr lang="ru-RU" baseline="0" dirty="0" smtClean="0"/>
+              <a:t>Проектирование – этап, на котором происходило формирование идеи проекта, изучение аналогов на рынке, </a:t>
+            </a:r>
+          </a:p>
+          <a:p>
+            <a:r>
+              <a:rPr lang="ru-RU" dirty="0" smtClean="0"/>
+              <a:t>Наиболее трудоемким и продолжительным этапом является реализация</a:t>
+            </a:r>
+          </a:p>
+          <a:p>
+            <a:r>
+              <a:rPr lang="ru-RU" dirty="0" smtClean="0"/>
+              <a:t>На этом этапе шла разработка </a:t>
+            </a:r>
+            <a:r>
+              <a:rPr lang="ru-RU" dirty="0" err="1" smtClean="0"/>
+              <a:t>телеграм</a:t>
+            </a:r>
+            <a:r>
+              <a:rPr lang="ru-RU" baseline="0" dirty="0" smtClean="0"/>
+              <a:t>-бота.</a:t>
+            </a:r>
+          </a:p>
+          <a:p>
+            <a:r>
+              <a:rPr lang="ru-RU" baseline="0" dirty="0" smtClean="0"/>
+              <a:t>На этап продвижения маркетолог, изучив возможности </a:t>
+            </a:r>
+            <a:r>
+              <a:rPr lang="ru-RU" baseline="0" dirty="0" err="1" smtClean="0"/>
+              <a:t>Яндекс.Директа</a:t>
+            </a:r>
+            <a:r>
+              <a:rPr lang="ru-RU" baseline="0" dirty="0" smtClean="0"/>
+              <a:t>, занялся созданием рекламных объявлений, подборов ключевых слов</a:t>
+            </a:r>
+            <a:endParaRPr lang="ru-RU" dirty="0" smtClean="0"/>
+          </a:p>
+          <a:p>
+            <a:endParaRPr lang="ru-RU" dirty="0"/>
           </a:p>
         </p:txBody>
       </p:sp>
@@ -2279,7 +4315,7 @@
     </p:spTree>
     <p:extLst>
       <p:ext uri="{BB962C8B-B14F-4D97-AF65-F5344CB8AC3E}">
-        <p14:creationId xmlns:p14="http://schemas.microsoft.com/office/powerpoint/2010/main" val="3478969080"/>
+        <p14:creationId xmlns:p14="http://schemas.microsoft.com/office/powerpoint/2010/main" val="251906001"/>
       </p:ext>
     </p:extLst>
   </p:cSld>
@@ -2333,81 +4369,406 @@
           <a:bodyPr/>
           <a:lstStyle/>
           <a:p>
-            <a:pPr>
-              <a:buFont typeface="Wingdings" pitchFamily="2" charset="2"/>
-              <a:buNone/>
+            <a:endParaRPr lang="ru-RU" dirty="0"/>
+          </a:p>
+          <a:p>
+            <a:pPr marL="0" marR="0" lvl="0" indent="0" algn="l" defTabSz="914400" rtl="0" eaLnBrk="1" fontAlgn="auto" latinLnBrk="0" hangingPunct="1">
+              <a:lnSpc>
+                <a:spcPct val="100000"/>
+              </a:lnSpc>
+              <a:spcBef>
+                <a:spcPts val="0"/>
+              </a:spcBef>
+              <a:spcAft>
+                <a:spcPts val="0"/>
+              </a:spcAft>
+              <a:buClrTx/>
+              <a:buSzTx/>
+              <a:buFontTx/>
+              <a:buNone/>
+              <a:tabLst/>
               <a:defRPr/>
             </a:pPr>
             <a:r>
-              <a:rPr lang="ru-RU" sz="1200" dirty="0" smtClean="0">
-                <a:solidFill>
-                  <a:srgbClr val="45525A"/>
-                </a:solidFill>
+              <a:rPr lang="ru-RU" dirty="0" smtClean="0">
                 <a:latin typeface="Calibri" panose="020F0502020204030204" pitchFamily="34" charset="0"/>
                 <a:cs typeface="Calibri" panose="020F0502020204030204" pitchFamily="34" charset="0"/>
               </a:rPr>
-              <a:t>Для продвижения телеграмм бота нам было необходимо найти такую площадку или сервис, который мог быть вести</a:t>
-            </a:r>
-            <a:r>
-              <a:rPr lang="ru-RU" sz="1200" baseline="0" dirty="0" smtClean="0">
-                <a:solidFill>
-                  <a:srgbClr val="45525A"/>
-                </a:solidFill>
+              <a:t>Общая </a:t>
+            </a:r>
+            <a:r>
+              <a:rPr lang="ru-RU" dirty="0" smtClean="0">
                 <a:latin typeface="Calibri" panose="020F0502020204030204" pitchFamily="34" charset="0"/>
                 <a:cs typeface="Calibri" panose="020F0502020204030204" pitchFamily="34" charset="0"/>
               </a:rPr>
-              <a:t> статистику по пользователям </a:t>
-            </a:r>
-            <a:r>
-              <a:rPr lang="en-US" sz="1200" baseline="0" dirty="0" smtClean="0">
-                <a:solidFill>
-                  <a:srgbClr val="45525A"/>
-                </a:solidFill>
+              <a:t>стоимость разработки продукта</a:t>
+            </a:r>
+            <a:r>
+              <a:rPr lang="ru-RU" baseline="0" dirty="0" smtClean="0">
                 <a:latin typeface="Calibri" panose="020F0502020204030204" pitchFamily="34" charset="0"/>
                 <a:cs typeface="Calibri" panose="020F0502020204030204" pitchFamily="34" charset="0"/>
               </a:rPr>
-              <a:t>telegram.</a:t>
-            </a:r>
-            <a:endParaRPr lang="en-US" sz="1200" dirty="0">
-              <a:solidFill>
-                <a:srgbClr val="45525A"/>
-              </a:solidFill>
+              <a:t>, рассчитанная </a:t>
+            </a:r>
+            <a:r>
+              <a:rPr lang="en-US" baseline="0" dirty="0" smtClean="0">
+                <a:latin typeface="Calibri" panose="020F0502020204030204" pitchFamily="34" charset="0"/>
+                <a:cs typeface="Calibri" panose="020F0502020204030204" pitchFamily="34" charset="0"/>
+              </a:rPr>
+              <a:t>Microsoft </a:t>
+            </a:r>
+            <a:r>
+              <a:rPr lang="en-US" baseline="0" dirty="0" smtClean="0">
+                <a:latin typeface="Calibri" panose="020F0502020204030204" pitchFamily="34" charset="0"/>
+                <a:cs typeface="Calibri" panose="020F0502020204030204" pitchFamily="34" charset="0"/>
+              </a:rPr>
+              <a:t>project</a:t>
+            </a:r>
+            <a:r>
+              <a:rPr lang="ru-RU" baseline="0" dirty="0" smtClean="0">
+                <a:latin typeface="Calibri" panose="020F0502020204030204" pitchFamily="34" charset="0"/>
+                <a:cs typeface="Calibri" panose="020F0502020204030204" pitchFamily="34" charset="0"/>
+              </a:rPr>
+              <a:t>,</a:t>
+            </a:r>
+            <a:r>
+              <a:rPr lang="en-US" baseline="0" dirty="0" smtClean="0">
+                <a:latin typeface="Calibri" panose="020F0502020204030204" pitchFamily="34" charset="0"/>
+                <a:cs typeface="Calibri" panose="020F0502020204030204" pitchFamily="34" charset="0"/>
+              </a:rPr>
+              <a:t> </a:t>
+            </a:r>
+            <a:r>
+              <a:rPr lang="ru-RU" baseline="0" dirty="0" smtClean="0">
+                <a:latin typeface="Calibri" panose="020F0502020204030204" pitchFamily="34" charset="0"/>
+                <a:cs typeface="Calibri" panose="020F0502020204030204" pitchFamily="34" charset="0"/>
+              </a:rPr>
+              <a:t>равна</a:t>
+            </a:r>
+            <a:r>
+              <a:rPr lang="en-US" baseline="0" dirty="0" smtClean="0">
+                <a:latin typeface="Calibri" panose="020F0502020204030204" pitchFamily="34" charset="0"/>
+                <a:cs typeface="Calibri" panose="020F0502020204030204" pitchFamily="34" charset="0"/>
+              </a:rPr>
+              <a:t> </a:t>
+            </a:r>
+            <a:r>
+              <a:rPr lang="ru-RU" dirty="0" smtClean="0">
+                <a:latin typeface="Calibri" panose="020F0502020204030204" pitchFamily="34" charset="0"/>
+                <a:cs typeface="Calibri" panose="020F0502020204030204" pitchFamily="34" charset="0"/>
+              </a:rPr>
+              <a:t>48 890 рублей.</a:t>
+            </a:r>
+          </a:p>
+          <a:p>
+            <a:pPr marL="0" marR="0" lvl="0" indent="0" algn="l" defTabSz="914400" rtl="0" eaLnBrk="1" fontAlgn="auto" latinLnBrk="0" hangingPunct="1">
+              <a:lnSpc>
+                <a:spcPct val="100000"/>
+              </a:lnSpc>
+              <a:spcBef>
+                <a:spcPts val="0"/>
+              </a:spcBef>
+              <a:spcAft>
+                <a:spcPts val="0"/>
+              </a:spcAft>
+              <a:buClrTx/>
+              <a:buSzTx/>
+              <a:buFontTx/>
+              <a:buNone/>
+              <a:tabLst/>
+              <a:defRPr/>
+            </a:pPr>
+            <a:r>
+              <a:rPr lang="ru-RU" dirty="0" smtClean="0">
+                <a:latin typeface="Calibri" panose="020F0502020204030204" pitchFamily="34" charset="0"/>
+                <a:cs typeface="Calibri" panose="020F0502020204030204" pitchFamily="34" charset="0"/>
+              </a:rPr>
+              <a:t>Также в начальную стоимость проекта заложена цена рекламной кампании,</a:t>
+            </a:r>
+            <a:r>
+              <a:rPr lang="ru-RU" baseline="0" dirty="0" smtClean="0">
+                <a:latin typeface="Calibri" panose="020F0502020204030204" pitchFamily="34" charset="0"/>
+                <a:cs typeface="Calibri" panose="020F0502020204030204" pitchFamily="34" charset="0"/>
+              </a:rPr>
+              <a:t> которая составляет 300 рублей</a:t>
+            </a:r>
+            <a:endParaRPr lang="ru-RU" dirty="0" smtClean="0">
               <a:latin typeface="Calibri" panose="020F0502020204030204" pitchFamily="34" charset="0"/>
               <a:cs typeface="Calibri" panose="020F0502020204030204" pitchFamily="34" charset="0"/>
             </a:endParaRPr>
           </a:p>
           <a:p>
-            <a:pPr marL="0" indent="0">
-              <a:buNone/>
+            <a:pPr marL="0" marR="0" lvl="0" indent="0" algn="l" defTabSz="914400" rtl="0" eaLnBrk="1" fontAlgn="auto" latinLnBrk="0" hangingPunct="1">
+              <a:lnSpc>
+                <a:spcPct val="100000"/>
+              </a:lnSpc>
+              <a:spcBef>
+                <a:spcPts val="0"/>
+              </a:spcBef>
+              <a:spcAft>
+                <a:spcPts val="0"/>
+              </a:spcAft>
+              <a:buClrTx/>
+              <a:buSzTx/>
+              <a:buFontTx/>
+              <a:buNone/>
+              <a:tabLst/>
               <a:defRPr/>
             </a:pPr>
-            <a:endParaRPr lang="en-US" sz="1200" dirty="0">
-              <a:solidFill>
-                <a:srgbClr val="45525A"/>
-              </a:solidFill>
+            <a:endParaRPr lang="ru-RU" dirty="0" smtClean="0">
               <a:latin typeface="Calibri" panose="020F0502020204030204" pitchFamily="34" charset="0"/>
               <a:cs typeface="Calibri" panose="020F0502020204030204" pitchFamily="34" charset="0"/>
             </a:endParaRPr>
           </a:p>
           <a:p>
-            <a:pPr>
-              <a:buFont typeface="Wingdings" pitchFamily="2" charset="2"/>
-              <a:buChar char="ü"/>
+            <a:pPr marL="0" marR="0" lvl="0" indent="0" algn="l" defTabSz="914400" rtl="0" eaLnBrk="1" fontAlgn="auto" latinLnBrk="0" hangingPunct="1">
+              <a:lnSpc>
+                <a:spcPct val="100000"/>
+              </a:lnSpc>
+              <a:spcBef>
+                <a:spcPts val="0"/>
+              </a:spcBef>
+              <a:spcAft>
+                <a:spcPts val="0"/>
+              </a:spcAft>
+              <a:buClrTx/>
+              <a:buSzTx/>
+              <a:buFontTx/>
+              <a:buNone/>
+              <a:tabLst/>
               <a:defRPr/>
             </a:pPr>
-            <a:endParaRPr lang="ru-RU" sz="1200" dirty="0">
-              <a:solidFill>
-                <a:schemeClr val="tx1">
-                  <a:lumMod val="65000"/>
-                  <a:lumOff val="35000"/>
-                </a:schemeClr>
-              </a:solidFill>
+            <a:r>
+              <a:rPr lang="ru-RU" dirty="0" smtClean="0">
+                <a:latin typeface="Calibri" panose="020F0502020204030204" pitchFamily="34" charset="0"/>
+                <a:cs typeface="Calibri" panose="020F0502020204030204" pitchFamily="34" charset="0"/>
+              </a:rPr>
+              <a:t>Почти</a:t>
+            </a:r>
+            <a:r>
+              <a:rPr lang="ru-RU" baseline="0" dirty="0" smtClean="0">
+                <a:latin typeface="Calibri" panose="020F0502020204030204" pitchFamily="34" charset="0"/>
+                <a:cs typeface="Calibri" panose="020F0502020204030204" pitchFamily="34" charset="0"/>
+              </a:rPr>
+              <a:t> все расходы проекта состоят из оплаты труда, так как он является программным </a:t>
+            </a:r>
+            <a:r>
+              <a:rPr lang="ru-RU" baseline="0" dirty="0" smtClean="0">
+                <a:latin typeface="Calibri" panose="020F0502020204030204" pitchFamily="34" charset="0"/>
+                <a:cs typeface="Calibri" panose="020F0502020204030204" pitchFamily="34" charset="0"/>
+              </a:rPr>
+              <a:t>продуктом</a:t>
+            </a:r>
+            <a:endParaRPr lang="en-US" baseline="0" dirty="0" smtClean="0">
               <a:latin typeface="Calibri" panose="020F0502020204030204" pitchFamily="34" charset="0"/>
               <a:cs typeface="Calibri" panose="020F0502020204030204" pitchFamily="34" charset="0"/>
             </a:endParaRPr>
           </a:p>
           <a:p>
-            <a:endParaRPr lang="ru-RU" dirty="0"/>
+            <a:pPr marL="0" marR="0" lvl="0" indent="0" algn="l" defTabSz="914400" rtl="0" eaLnBrk="1" fontAlgn="auto" latinLnBrk="0" hangingPunct="1">
+              <a:lnSpc>
+                <a:spcPct val="100000"/>
+              </a:lnSpc>
+              <a:spcBef>
+                <a:spcPts val="0"/>
+              </a:spcBef>
+              <a:spcAft>
+                <a:spcPts val="0"/>
+              </a:spcAft>
+              <a:buClrTx/>
+              <a:buSzTx/>
+              <a:buFontTx/>
+              <a:buNone/>
+              <a:tabLst/>
+              <a:defRPr/>
+            </a:pPr>
+            <a:endParaRPr lang="en-US" baseline="0" dirty="0" smtClean="0">
+              <a:latin typeface="Calibri" panose="020F0502020204030204" pitchFamily="34" charset="0"/>
+              <a:cs typeface="Calibri" panose="020F0502020204030204" pitchFamily="34" charset="0"/>
+            </a:endParaRPr>
+          </a:p>
+          <a:p>
+            <a:pPr marL="0" marR="0" lvl="0" indent="0" algn="l" defTabSz="914400" rtl="0" eaLnBrk="1" fontAlgn="auto" latinLnBrk="0" hangingPunct="1">
+              <a:lnSpc>
+                <a:spcPct val="100000"/>
+              </a:lnSpc>
+              <a:spcBef>
+                <a:spcPts val="0"/>
+              </a:spcBef>
+              <a:spcAft>
+                <a:spcPts val="0"/>
+              </a:spcAft>
+              <a:buClrTx/>
+              <a:buSzTx/>
+              <a:buFontTx/>
+              <a:buNone/>
+              <a:tabLst/>
+              <a:defRPr/>
+            </a:pPr>
+            <a:r>
+              <a:rPr lang="ru-RU" baseline="0" dirty="0" smtClean="0">
+                <a:latin typeface="Calibri" panose="020F0502020204030204" pitchFamily="34" charset="0"/>
+                <a:cs typeface="Calibri" panose="020F0502020204030204" pitchFamily="34" charset="0"/>
+              </a:rPr>
+              <a:t>Разработка простых </a:t>
+            </a:r>
+            <a:r>
+              <a:rPr lang="ru-RU" baseline="0" dirty="0" err="1" smtClean="0">
+                <a:latin typeface="Calibri" panose="020F0502020204030204" pitchFamily="34" charset="0"/>
+                <a:cs typeface="Calibri" panose="020F0502020204030204" pitchFamily="34" charset="0"/>
+              </a:rPr>
+              <a:t>телеграм</a:t>
+            </a:r>
+            <a:r>
+              <a:rPr lang="ru-RU" baseline="0" dirty="0" smtClean="0">
+                <a:latin typeface="Calibri" panose="020F0502020204030204" pitchFamily="34" charset="0"/>
+                <a:cs typeface="Calibri" panose="020F0502020204030204" pitchFamily="34" charset="0"/>
+              </a:rPr>
+              <a:t> ботов по на рынке стоит от 5000 до 10000 по данных сайта по </a:t>
+            </a:r>
+            <a:r>
+              <a:rPr lang="ru-RU" baseline="0" dirty="0" err="1" smtClean="0">
+                <a:latin typeface="Calibri" panose="020F0502020204030204" pitchFamily="34" charset="0"/>
+                <a:cs typeface="Calibri" panose="020F0502020204030204" pitchFamily="34" charset="0"/>
+              </a:rPr>
+              <a:t>фрилансу</a:t>
+            </a:r>
+            <a:endParaRPr lang="en-US" baseline="0" dirty="0" smtClean="0">
+              <a:latin typeface="Calibri" panose="020F0502020204030204" pitchFamily="34" charset="0"/>
+              <a:cs typeface="Calibri" panose="020F0502020204030204" pitchFamily="34" charset="0"/>
+            </a:endParaRPr>
+          </a:p>
+          <a:p>
+            <a:pPr marL="0" marR="0" lvl="0" indent="0" algn="l" defTabSz="914400" rtl="0" eaLnBrk="1" fontAlgn="auto" latinLnBrk="0" hangingPunct="1">
+              <a:lnSpc>
+                <a:spcPct val="100000"/>
+              </a:lnSpc>
+              <a:spcBef>
+                <a:spcPts val="0"/>
+              </a:spcBef>
+              <a:spcAft>
+                <a:spcPts val="0"/>
+              </a:spcAft>
+              <a:buClrTx/>
+              <a:buSzTx/>
+              <a:buFontTx/>
+              <a:buNone/>
+              <a:tabLst/>
+              <a:defRPr/>
+            </a:pPr>
+            <a:r>
+              <a:rPr lang="en-US" baseline="0" dirty="0" smtClean="0">
+                <a:latin typeface="Calibri" panose="020F0502020204030204" pitchFamily="34" charset="0"/>
+                <a:cs typeface="Calibri" panose="020F0502020204030204" pitchFamily="34" charset="0"/>
+              </a:rPr>
+              <a:t>https://freelance.youdo.com/programming/site/widgets/chat/tag/sozdaniebota/</a:t>
+            </a:r>
+            <a:endParaRPr lang="ru-RU" baseline="0" dirty="0" smtClean="0">
+              <a:latin typeface="Calibri" panose="020F0502020204030204" pitchFamily="34" charset="0"/>
+              <a:cs typeface="Calibri" panose="020F0502020204030204" pitchFamily="34" charset="0"/>
+            </a:endParaRPr>
+          </a:p>
+          <a:p>
+            <a:pPr marL="0" marR="0" lvl="0" indent="0" algn="l" defTabSz="914400" rtl="0" eaLnBrk="1" fontAlgn="auto" latinLnBrk="0" hangingPunct="1">
+              <a:lnSpc>
+                <a:spcPct val="100000"/>
+              </a:lnSpc>
+              <a:spcBef>
+                <a:spcPts val="0"/>
+              </a:spcBef>
+              <a:spcAft>
+                <a:spcPts val="0"/>
+              </a:spcAft>
+              <a:buClrTx/>
+              <a:buSzTx/>
+              <a:buFontTx/>
+              <a:buNone/>
+              <a:tabLst/>
+              <a:defRPr/>
+            </a:pPr>
+            <a:r>
+              <a:rPr lang="ru-RU" baseline="0" dirty="0" smtClean="0">
+                <a:latin typeface="Calibri" panose="020F0502020204030204" pitchFamily="34" charset="0"/>
+                <a:cs typeface="Calibri" panose="020F0502020204030204" pitchFamily="34" charset="0"/>
+              </a:rPr>
+              <a:t>Разработка и интеграция с корпоративными системами уже начинается от 15000 до 100000 </a:t>
+            </a:r>
+          </a:p>
+          <a:p>
+            <a:pPr marL="0" marR="0" lvl="0" indent="0" algn="l" defTabSz="914400" rtl="0" eaLnBrk="1" fontAlgn="auto" latinLnBrk="0" hangingPunct="1">
+              <a:lnSpc>
+                <a:spcPct val="100000"/>
+              </a:lnSpc>
+              <a:spcBef>
+                <a:spcPts val="0"/>
+              </a:spcBef>
+              <a:spcAft>
+                <a:spcPts val="0"/>
+              </a:spcAft>
+              <a:buClrTx/>
+              <a:buSzTx/>
+              <a:buFontTx/>
+              <a:buNone/>
+              <a:tabLst/>
+              <a:defRPr/>
+            </a:pPr>
+            <a:r>
+              <a:rPr lang="en-US" baseline="0" dirty="0" smtClean="0">
+                <a:latin typeface="Calibri" panose="020F0502020204030204" pitchFamily="34" charset="0"/>
+                <a:cs typeface="Calibri" panose="020F0502020204030204" pitchFamily="34" charset="0"/>
+              </a:rPr>
+              <a:t>https://synweb.ru/po/razrabotka-bota-telegram</a:t>
+            </a:r>
+            <a:endParaRPr lang="ru-RU" baseline="0" dirty="0" smtClean="0">
+              <a:latin typeface="Calibri" panose="020F0502020204030204" pitchFamily="34" charset="0"/>
+              <a:cs typeface="Calibri" panose="020F0502020204030204" pitchFamily="34" charset="0"/>
+            </a:endParaRPr>
+          </a:p>
+          <a:p>
+            <a:pPr marL="0" marR="0" lvl="0" indent="0" algn="l" defTabSz="914400" rtl="0" eaLnBrk="1" fontAlgn="auto" latinLnBrk="0" hangingPunct="1">
+              <a:lnSpc>
+                <a:spcPct val="100000"/>
+              </a:lnSpc>
+              <a:spcBef>
+                <a:spcPts val="0"/>
+              </a:spcBef>
+              <a:spcAft>
+                <a:spcPts val="0"/>
+              </a:spcAft>
+              <a:buClrTx/>
+              <a:buSzTx/>
+              <a:buFontTx/>
+              <a:buNone/>
+              <a:tabLst/>
+              <a:defRPr/>
+            </a:pPr>
+            <a:endParaRPr lang="en-US" baseline="0" dirty="0" smtClean="0">
+              <a:latin typeface="Calibri" panose="020F0502020204030204" pitchFamily="34" charset="0"/>
+              <a:cs typeface="Calibri" panose="020F0502020204030204" pitchFamily="34" charset="0"/>
+            </a:endParaRPr>
+          </a:p>
+          <a:p>
+            <a:pPr marL="0" marR="0" lvl="0" indent="0" algn="l" defTabSz="914400" rtl="0" eaLnBrk="1" fontAlgn="auto" latinLnBrk="0" hangingPunct="1">
+              <a:lnSpc>
+                <a:spcPct val="100000"/>
+              </a:lnSpc>
+              <a:spcBef>
+                <a:spcPts val="0"/>
+              </a:spcBef>
+              <a:spcAft>
+                <a:spcPts val="0"/>
+              </a:spcAft>
+              <a:buClrTx/>
+              <a:buSzTx/>
+              <a:buFontTx/>
+              <a:buNone/>
+              <a:tabLst/>
+              <a:defRPr/>
+            </a:pPr>
+            <a:endParaRPr lang="ru-RU" dirty="0" smtClean="0">
+              <a:latin typeface="Calibri" panose="020F0502020204030204" pitchFamily="34" charset="0"/>
+              <a:cs typeface="Calibri" panose="020F0502020204030204" pitchFamily="34" charset="0"/>
+            </a:endParaRPr>
           </a:p>
         </p:txBody>
       </p:sp>
@@ -2437,7 +4798,7 @@
     </p:spTree>
     <p:extLst>
       <p:ext uri="{BB962C8B-B14F-4D97-AF65-F5344CB8AC3E}">
-        <p14:creationId xmlns:p14="http://schemas.microsoft.com/office/powerpoint/2010/main" val="3277775281"/>
+        <p14:creationId xmlns:p14="http://schemas.microsoft.com/office/powerpoint/2010/main" val="3478969080"/>
       </p:ext>
     </p:extLst>
   </p:cSld>
@@ -3169,7 +5530,7 @@
           <a:p>
             <a:fld id="{1B855641-0832-4B13-84BE-8FA095348147}" type="datetimeFigureOut">
               <a:rPr lang="ru-RU" smtClean="0"/>
-              <a:t>30.10.2021</a:t>
+              <a:t>21.01.2022</a:t>
             </a:fld>
             <a:endParaRPr lang="ru-RU" dirty="0"/>
           </a:p>
@@ -3420,7 +5781,7 @@
           <a:p>
             <a:fld id="{1B855641-0832-4B13-84BE-8FA095348147}" type="datetimeFigureOut">
               <a:rPr lang="ru-RU" smtClean="0"/>
-              <a:t>30.10.2021</a:t>
+              <a:t>21.01.2022</a:t>
             </a:fld>
             <a:endParaRPr lang="ru-RU" dirty="0"/>
           </a:p>
@@ -3734,7 +6095,7 @@
           <a:p>
             <a:fld id="{1B855641-0832-4B13-84BE-8FA095348147}" type="datetimeFigureOut">
               <a:rPr lang="ru-RU" smtClean="0"/>
-              <a:t>30.10.2021</a:t>
+              <a:t>21.01.2022</a:t>
             </a:fld>
             <a:endParaRPr lang="ru-RU" dirty="0"/>
           </a:p>
@@ -4075,7 +6436,7 @@
           <a:p>
             <a:fld id="{1B855641-0832-4B13-84BE-8FA095348147}" type="datetimeFigureOut">
               <a:rPr lang="ru-RU" smtClean="0"/>
-              <a:t>30.10.2021</a:t>
+              <a:t>21.01.2022</a:t>
             </a:fld>
             <a:endParaRPr lang="ru-RU" dirty="0"/>
           </a:p>
@@ -4389,7 +6750,7 @@
           <a:p>
             <a:fld id="{1B855641-0832-4B13-84BE-8FA095348147}" type="datetimeFigureOut">
               <a:rPr lang="ru-RU" smtClean="0"/>
-              <a:t>30.10.2021</a:t>
+              <a:t>21.01.2022</a:t>
             </a:fld>
             <a:endParaRPr lang="ru-RU" dirty="0"/>
           </a:p>
@@ -4782,7 +7143,7 @@
           <a:p>
             <a:fld id="{1B855641-0832-4B13-84BE-8FA095348147}" type="datetimeFigureOut">
               <a:rPr lang="ru-RU" smtClean="0"/>
-              <a:t>30.10.2021</a:t>
+              <a:t>21.01.2022</a:t>
             </a:fld>
             <a:endParaRPr lang="ru-RU" dirty="0"/>
           </a:p>
@@ -4952,7 +7313,7 @@
           <a:p>
             <a:fld id="{1B855641-0832-4B13-84BE-8FA095348147}" type="datetimeFigureOut">
               <a:rPr lang="ru-RU" smtClean="0"/>
-              <a:t>30.10.2021</a:t>
+              <a:t>21.01.2022</a:t>
             </a:fld>
             <a:endParaRPr lang="ru-RU" dirty="0"/>
           </a:p>
@@ -5132,7 +7493,7 @@
           <a:p>
             <a:fld id="{1B855641-0832-4B13-84BE-8FA095348147}" type="datetimeFigureOut">
               <a:rPr lang="ru-RU" smtClean="0"/>
-              <a:t>30.10.2021</a:t>
+              <a:t>21.01.2022</a:t>
             </a:fld>
             <a:endParaRPr lang="ru-RU" dirty="0"/>
           </a:p>
@@ -5308,7 +7669,7 @@
           <a:p>
             <a:fld id="{1B855641-0832-4B13-84BE-8FA095348147}" type="datetimeFigureOut">
               <a:rPr lang="ru-RU" smtClean="0"/>
-              <a:t>30.10.2021</a:t>
+              <a:t>21.01.2022</a:t>
             </a:fld>
             <a:endParaRPr lang="ru-RU" dirty="0"/>
           </a:p>
@@ -5555,7 +7916,7 @@
           <a:p>
             <a:fld id="{1B855641-0832-4B13-84BE-8FA095348147}" type="datetimeFigureOut">
               <a:rPr lang="ru-RU" smtClean="0"/>
-              <a:t>30.10.2021</a:t>
+              <a:t>21.01.2022</a:t>
             </a:fld>
             <a:endParaRPr lang="ru-RU" dirty="0"/>
           </a:p>
@@ -5787,7 +8148,7 @@
           <a:p>
             <a:fld id="{1B855641-0832-4B13-84BE-8FA095348147}" type="datetimeFigureOut">
               <a:rPr lang="ru-RU" smtClean="0"/>
-              <a:t>30.10.2021</a:t>
+              <a:t>21.01.2022</a:t>
             </a:fld>
             <a:endParaRPr lang="ru-RU" dirty="0"/>
           </a:p>
@@ -6161,7 +8522,7 @@
           <a:p>
             <a:fld id="{1B855641-0832-4B13-84BE-8FA095348147}" type="datetimeFigureOut">
               <a:rPr lang="ru-RU" smtClean="0"/>
-              <a:t>30.10.2021</a:t>
+              <a:t>21.01.2022</a:t>
             </a:fld>
             <a:endParaRPr lang="ru-RU" dirty="0"/>
           </a:p>
@@ -6284,7 +8645,7 @@
           <a:p>
             <a:fld id="{1B855641-0832-4B13-84BE-8FA095348147}" type="datetimeFigureOut">
               <a:rPr lang="ru-RU" smtClean="0"/>
-              <a:t>30.10.2021</a:t>
+              <a:t>21.01.2022</a:t>
             </a:fld>
             <a:endParaRPr lang="ru-RU" dirty="0"/>
           </a:p>
@@ -6379,7 +8740,7 @@
           <a:p>
             <a:fld id="{1B855641-0832-4B13-84BE-8FA095348147}" type="datetimeFigureOut">
               <a:rPr lang="ru-RU" smtClean="0"/>
-              <a:t>30.10.2021</a:t>
+              <a:t>21.01.2022</a:t>
             </a:fld>
             <a:endParaRPr lang="ru-RU" dirty="0"/>
           </a:p>
@@ -6634,7 +8995,7 @@
           <a:p>
             <a:fld id="{1B855641-0832-4B13-84BE-8FA095348147}" type="datetimeFigureOut">
               <a:rPr lang="ru-RU" smtClean="0"/>
-              <a:t>30.10.2021</a:t>
+              <a:t>21.01.2022</a:t>
             </a:fld>
             <a:endParaRPr lang="ru-RU" dirty="0"/>
           </a:p>
@@ -6897,7 +9258,7 @@
           <a:p>
             <a:fld id="{1B855641-0832-4B13-84BE-8FA095348147}" type="datetimeFigureOut">
               <a:rPr lang="ru-RU" smtClean="0"/>
-              <a:t>30.10.2021</a:t>
+              <a:t>21.01.2022</a:t>
             </a:fld>
             <a:endParaRPr lang="ru-RU" dirty="0"/>
           </a:p>
@@ -7650,7 +10011,7 @@
           <a:p>
             <a:fld id="{1B855641-0832-4B13-84BE-8FA095348147}" type="datetimeFigureOut">
               <a:rPr lang="ru-RU" smtClean="0"/>
-              <a:t>30.10.2021</a:t>
+              <a:t>21.01.2022</a:t>
             </a:fld>
             <a:endParaRPr lang="ru-RU" dirty="0"/>
           </a:p>
@@ -8245,7 +10606,7 @@
         <p:spPr>
           <a:xfrm>
             <a:off x="2456155" y="3209544"/>
-            <a:ext cx="7279453" cy="1792798"/>
+            <a:ext cx="7279453" cy="2100575"/>
           </a:xfrm>
           <a:prstGeom prst="rect">
             <a:avLst/>
@@ -8338,7 +10699,32 @@
                   </a:schemeClr>
                 </a:solidFill>
               </a:rPr>
-              <a:t> Н.С.</a:t>
+              <a:t> Н.С</a:t>
+            </a:r>
+            <a:r>
+              <a:rPr lang="ru-RU" sz="2000" dirty="0" smtClean="0">
+                <a:solidFill>
+                  <a:schemeClr val="tx1">
+                    <a:lumMod val="65000"/>
+                    <a:lumOff val="35000"/>
+                  </a:schemeClr>
+                </a:solidFill>
+              </a:rPr>
+              <a:t>.</a:t>
+            </a:r>
+          </a:p>
+          <a:p>
+            <a:pPr algn="ctr"/>
+            <a:r>
+              <a:rPr lang="ru-RU" sz="2000" dirty="0" smtClean="0">
+                <a:solidFill>
+                  <a:schemeClr val="tx1">
+                    <a:lumMod val="65000"/>
+                    <a:lumOff val="35000"/>
+                  </a:schemeClr>
+                </a:solidFill>
+              </a:rPr>
+              <a:t>Леоненко Д.Э.</a:t>
             </a:r>
             <a:endParaRPr lang="ru-RU" sz="2000" dirty="0">
               <a:solidFill>
@@ -8457,6 +10843,568 @@
       </p:grpSpPr>
       <p:sp>
         <p:nvSpPr>
+          <p:cNvPr id="2" name="TextBox 1">
+            <a:extLst>
+              <a:ext uri="{FF2B5EF4-FFF2-40B4-BE49-F238E27FC236}">
+                <a16:creationId xmlns:a16="http://schemas.microsoft.com/office/drawing/2014/main" id="{9AB10727-3B52-4EAA-A967-2F490215CB00}"/>
+              </a:ext>
+            </a:extLst>
+          </p:cNvPr>
+          <p:cNvSpPr txBox="1"/>
+          <p:nvPr/>
+        </p:nvSpPr>
+        <p:spPr>
+          <a:xfrm>
+            <a:off x="1371600" y="685800"/>
+            <a:ext cx="10193311" cy="707886"/>
+          </a:xfrm>
+          <a:prstGeom prst="rect">
+            <a:avLst/>
+          </a:prstGeom>
+          <a:noFill/>
+        </p:spPr>
+        <p:txBody>
+          <a:bodyPr wrap="square" rtlCol="0">
+            <a:spAutoFit/>
+          </a:bodyPr>
+          <a:lstStyle/>
+          <a:p>
+            <a:r>
+              <a:rPr lang="ru-RU" sz="4000" dirty="0" smtClean="0">
+                <a:solidFill>
+                  <a:schemeClr val="tx1">
+                    <a:lumMod val="65000"/>
+                    <a:lumOff val="35000"/>
+                  </a:schemeClr>
+                </a:solidFill>
+                <a:latin typeface="+mj-lt"/>
+              </a:rPr>
+              <a:t>Стоимость </a:t>
+            </a:r>
+            <a:r>
+              <a:rPr lang="ru-RU" sz="4000" dirty="0" err="1" smtClean="0">
+                <a:solidFill>
+                  <a:schemeClr val="tx1">
+                    <a:lumMod val="65000"/>
+                    <a:lumOff val="35000"/>
+                  </a:schemeClr>
+                </a:solidFill>
+                <a:latin typeface="+mj-lt"/>
+              </a:rPr>
+              <a:t>разрабботки</a:t>
+            </a:r>
+            <a:r>
+              <a:rPr lang="ru-RU" sz="4000" dirty="0" smtClean="0">
+                <a:solidFill>
+                  <a:schemeClr val="tx1">
+                    <a:lumMod val="65000"/>
+                    <a:lumOff val="35000"/>
+                  </a:schemeClr>
+                </a:solidFill>
+                <a:latin typeface="+mj-lt"/>
+              </a:rPr>
+              <a:t> проекта</a:t>
+            </a:r>
+            <a:endParaRPr lang="ru-RU" sz="4000" dirty="0">
+              <a:solidFill>
+                <a:schemeClr val="tx1">
+                  <a:lumMod val="65000"/>
+                  <a:lumOff val="35000"/>
+                </a:schemeClr>
+              </a:solidFill>
+              <a:latin typeface="+mj-lt"/>
+            </a:endParaRPr>
+          </a:p>
+        </p:txBody>
+      </p:sp>
+      <p:sp>
+        <p:nvSpPr>
+          <p:cNvPr id="8" name="TextBox 7">
+            <a:extLst>
+              <a:ext uri="{FF2B5EF4-FFF2-40B4-BE49-F238E27FC236}">
+                <a16:creationId xmlns:a16="http://schemas.microsoft.com/office/drawing/2014/main" id="{AAFA6F00-10E0-4EC1-B838-97579EFE5FCF}"/>
+              </a:ext>
+            </a:extLst>
+          </p:cNvPr>
+          <p:cNvSpPr txBox="1"/>
+          <p:nvPr/>
+        </p:nvSpPr>
+        <p:spPr>
+          <a:xfrm>
+            <a:off x="1475740" y="1683603"/>
+            <a:ext cx="9720580" cy="707886"/>
+          </a:xfrm>
+          <a:prstGeom prst="rect">
+            <a:avLst/>
+          </a:prstGeom>
+          <a:noFill/>
+        </p:spPr>
+        <p:txBody>
+          <a:bodyPr wrap="square" rtlCol="0">
+            <a:spAutoFit/>
+          </a:bodyPr>
+          <a:lstStyle/>
+          <a:p>
+            <a:r>
+              <a:rPr lang="ru-RU" sz="2000" dirty="0" smtClean="0">
+                <a:solidFill>
+                  <a:schemeClr val="tx1">
+                    <a:lumMod val="75000"/>
+                    <a:lumOff val="25000"/>
+                  </a:schemeClr>
+                </a:solidFill>
+                <a:latin typeface="Calibri" panose="020F0502020204030204" pitchFamily="34" charset="0"/>
+                <a:cs typeface="Calibri" panose="020F0502020204030204" pitchFamily="34" charset="0"/>
+              </a:rPr>
+              <a:t>Минимальная стоимость разработки чат-бота – </a:t>
+            </a:r>
+            <a:r>
+              <a:rPr lang="en-US" sz="2000" dirty="0">
+                <a:solidFill>
+                  <a:schemeClr val="tx1">
+                    <a:lumMod val="75000"/>
+                    <a:lumOff val="25000"/>
+                  </a:schemeClr>
+                </a:solidFill>
+                <a:latin typeface="Calibri" panose="020F0502020204030204" pitchFamily="34" charset="0"/>
+                <a:cs typeface="Calibri" panose="020F0502020204030204" pitchFamily="34" charset="0"/>
+              </a:rPr>
+              <a:t>5</a:t>
+            </a:r>
+            <a:r>
+              <a:rPr lang="ru-RU" sz="2000" dirty="0" smtClean="0">
+                <a:solidFill>
+                  <a:schemeClr val="tx1">
+                    <a:lumMod val="75000"/>
+                    <a:lumOff val="25000"/>
+                  </a:schemeClr>
+                </a:solidFill>
+                <a:latin typeface="Calibri" panose="020F0502020204030204" pitchFamily="34" charset="0"/>
+                <a:cs typeface="Calibri" panose="020F0502020204030204" pitchFamily="34" charset="0"/>
+              </a:rPr>
+              <a:t> </a:t>
+            </a:r>
+            <a:r>
+              <a:rPr lang="ru-RU" sz="2000" dirty="0" smtClean="0">
+                <a:solidFill>
+                  <a:schemeClr val="tx1">
+                    <a:lumMod val="75000"/>
+                    <a:lumOff val="25000"/>
+                  </a:schemeClr>
+                </a:solidFill>
+                <a:latin typeface="Calibri" panose="020F0502020204030204" pitchFamily="34" charset="0"/>
+                <a:cs typeface="Calibri" panose="020F0502020204030204" pitchFamily="34" charset="0"/>
+              </a:rPr>
+              <a:t>000 рублей.</a:t>
+            </a:r>
+          </a:p>
+          <a:p>
+            <a:r>
+              <a:rPr lang="ru-RU" sz="2000" dirty="0" smtClean="0">
+                <a:solidFill>
+                  <a:schemeClr val="tx1">
+                    <a:lumMod val="75000"/>
+                    <a:lumOff val="25000"/>
+                  </a:schemeClr>
+                </a:solidFill>
+                <a:latin typeface="Calibri" panose="020F0502020204030204" pitchFamily="34" charset="0"/>
+                <a:cs typeface="Calibri" panose="020F0502020204030204" pitchFamily="34" charset="0"/>
+              </a:rPr>
+              <a:t>Для крупных организаций – от 100 000 рублей.</a:t>
+            </a:r>
+          </a:p>
+        </p:txBody>
+      </p:sp>
+      <p:pic>
+        <p:nvPicPr>
+          <p:cNvPr id="6" name="Рисунок 5">
+            <a:extLst>
+              <a:ext uri="{FF2B5EF4-FFF2-40B4-BE49-F238E27FC236}">
+                <a16:creationId xmlns:a16="http://schemas.microsoft.com/office/drawing/2014/main" id="{C86F6056-998C-4CFC-A4D9-357893211FFB}"/>
+              </a:ext>
+            </a:extLst>
+          </p:cNvPr>
+          <p:cNvPicPr>
+            <a:picLocks noChangeAspect="1"/>
+          </p:cNvPicPr>
+          <p:nvPr/>
+        </p:nvPicPr>
+        <p:blipFill>
+          <a:blip r:embed="rId3" cstate="print"/>
+          <a:stretch>
+            <a:fillRect/>
+          </a:stretch>
+        </p:blipFill>
+        <p:spPr>
+          <a:xfrm>
+            <a:off x="192607" y="4904913"/>
+            <a:ext cx="870562" cy="1852503"/>
+          </a:xfrm>
+          <a:prstGeom prst="rect">
+            <a:avLst/>
+          </a:prstGeom>
+        </p:spPr>
+      </p:pic>
+      <p:graphicFrame>
+        <p:nvGraphicFramePr>
+          <p:cNvPr id="7" name="Chart 4"/>
+          <p:cNvGraphicFramePr>
+            <a:graphicFrameLocks/>
+          </p:cNvGraphicFramePr>
+          <p:nvPr>
+            <p:extLst>
+              <p:ext uri="{D42A27DB-BD31-4B8C-83A1-F6EECF244321}">
+                <p14:modId xmlns:p14="http://schemas.microsoft.com/office/powerpoint/2010/main" val="1474009504"/>
+              </p:ext>
+            </p:extLst>
+          </p:nvPr>
+        </p:nvGraphicFramePr>
+        <p:xfrm>
+          <a:off x="1371599" y="2681406"/>
+          <a:ext cx="9448801" cy="4076010"/>
+        </p:xfrm>
+        <a:graphic>
+          <a:graphicData uri="http://schemas.openxmlformats.org/drawingml/2006/chart">
+            <c:chart xmlns:c="http://schemas.openxmlformats.org/drawingml/2006/chart" xmlns:r="http://schemas.openxmlformats.org/officeDocument/2006/relationships" r:id="rId4"/>
+          </a:graphicData>
+        </a:graphic>
+      </p:graphicFrame>
+    </p:spTree>
+    <p:extLst>
+      <p:ext uri="{BB962C8B-B14F-4D97-AF65-F5344CB8AC3E}">
+        <p14:creationId xmlns:p14="http://schemas.microsoft.com/office/powerpoint/2010/main" val="2780660336"/>
+      </p:ext>
+    </p:extLst>
+  </p:cSld>
+  <p:clrMapOvr>
+    <a:masterClrMapping/>
+  </p:clrMapOvr>
+  <p:timing>
+    <p:tnLst>
+      <p:par>
+        <p:cTn id="1" dur="indefinite" restart="never" nodeType="tmRoot"/>
+      </p:par>
+    </p:tnLst>
+  </p:timing>
+</p:sld>
+</file>
+
+<file path=ppt/slides/slide11.xml><?xml version="1.0" encoding="utf-8"?>
+<p:sld xmlns:a="http://schemas.openxmlformats.org/drawingml/2006/main" xmlns:r="http://schemas.openxmlformats.org/officeDocument/2006/relationships" xmlns:p="http://schemas.openxmlformats.org/presentationml/2006/main">
+  <p:cSld>
+    <p:spTree>
+      <p:nvGrpSpPr>
+        <p:cNvPr id="1" name=""/>
+        <p:cNvGrpSpPr/>
+        <p:nvPr/>
+      </p:nvGrpSpPr>
+      <p:grpSpPr>
+        <a:xfrm>
+          <a:off x="0" y="0"/>
+          <a:ext cx="0" cy="0"/>
+          <a:chOff x="0" y="0"/>
+          <a:chExt cx="0" cy="0"/>
+        </a:xfrm>
+      </p:grpSpPr>
+      <p:sp>
+        <p:nvSpPr>
+          <p:cNvPr id="2" name="TextBox 1">
+            <a:extLst>
+              <a:ext uri="{FF2B5EF4-FFF2-40B4-BE49-F238E27FC236}">
+                <a16:creationId xmlns:a16="http://schemas.microsoft.com/office/drawing/2014/main" id="{9AB10727-3B52-4EAA-A967-2F490215CB00}"/>
+              </a:ext>
+            </a:extLst>
+          </p:cNvPr>
+          <p:cNvSpPr txBox="1"/>
+          <p:nvPr/>
+        </p:nvSpPr>
+        <p:spPr>
+          <a:xfrm>
+            <a:off x="1371600" y="685800"/>
+            <a:ext cx="10193311" cy="707886"/>
+          </a:xfrm>
+          <a:prstGeom prst="rect">
+            <a:avLst/>
+          </a:prstGeom>
+          <a:noFill/>
+        </p:spPr>
+        <p:txBody>
+          <a:bodyPr wrap="square" rtlCol="0">
+            <a:spAutoFit/>
+          </a:bodyPr>
+          <a:lstStyle/>
+          <a:p>
+            <a:r>
+              <a:rPr lang="ru-RU" sz="4000" dirty="0" smtClean="0">
+                <a:solidFill>
+                  <a:schemeClr val="tx1">
+                    <a:lumMod val="65000"/>
+                    <a:lumOff val="35000"/>
+                  </a:schemeClr>
+                </a:solidFill>
+                <a:latin typeface="+mj-lt"/>
+              </a:rPr>
+              <a:t>Финансовая модель проекта</a:t>
+            </a:r>
+            <a:endParaRPr lang="ru-RU" sz="4000" dirty="0">
+              <a:solidFill>
+                <a:schemeClr val="tx1">
+                  <a:lumMod val="65000"/>
+                  <a:lumOff val="35000"/>
+                </a:schemeClr>
+              </a:solidFill>
+              <a:latin typeface="+mj-lt"/>
+            </a:endParaRPr>
+          </a:p>
+        </p:txBody>
+      </p:sp>
+      <p:pic>
+        <p:nvPicPr>
+          <p:cNvPr id="6" name="Рисунок 5">
+            <a:extLst>
+              <a:ext uri="{FF2B5EF4-FFF2-40B4-BE49-F238E27FC236}">
+                <a16:creationId xmlns:a16="http://schemas.microsoft.com/office/drawing/2014/main" id="{C86F6056-998C-4CFC-A4D9-357893211FFB}"/>
+              </a:ext>
+            </a:extLst>
+          </p:cNvPr>
+          <p:cNvPicPr>
+            <a:picLocks noChangeAspect="1"/>
+          </p:cNvPicPr>
+          <p:nvPr/>
+        </p:nvPicPr>
+        <p:blipFill>
+          <a:blip r:embed="rId3" cstate="print"/>
+          <a:stretch>
+            <a:fillRect/>
+          </a:stretch>
+        </p:blipFill>
+        <p:spPr>
+          <a:xfrm>
+            <a:off x="192607" y="4904913"/>
+            <a:ext cx="870562" cy="1852503"/>
+          </a:xfrm>
+          <a:prstGeom prst="rect">
+            <a:avLst/>
+          </a:prstGeom>
+        </p:spPr>
+      </p:pic>
+      <p:pic>
+        <p:nvPicPr>
+          <p:cNvPr id="9" name="Рисунок 8"/>
+          <p:cNvPicPr/>
+          <p:nvPr/>
+        </p:nvPicPr>
+        <p:blipFill rotWithShape="1">
+          <a:blip r:embed="rId4">
+            <a:extLst>
+              <a:ext uri="{28A0092B-C50C-407E-A947-70E740481C1C}">
+                <a14:useLocalDpi xmlns:a14="http://schemas.microsoft.com/office/drawing/2010/main" val="0"/>
+              </a:ext>
+            </a:extLst>
+          </a:blip>
+          <a:srcRect b="32192"/>
+          <a:stretch/>
+        </p:blipFill>
+        <p:spPr bwMode="auto">
+          <a:xfrm>
+            <a:off x="1173290" y="1606550"/>
+            <a:ext cx="10589930" cy="4603750"/>
+          </a:xfrm>
+          <a:prstGeom prst="rect">
+            <a:avLst/>
+          </a:prstGeom>
+          <a:noFill/>
+          <a:ln>
+            <a:noFill/>
+          </a:ln>
+          <a:extLst>
+            <a:ext uri="{53640926-AAD7-44D8-BBD7-CCE9431645EC}">
+              <a14:shadowObscured xmlns:a14="http://schemas.microsoft.com/office/drawing/2010/main"/>
+            </a:ext>
+          </a:extLst>
+        </p:spPr>
+      </p:pic>
+    </p:spTree>
+    <p:extLst>
+      <p:ext uri="{BB962C8B-B14F-4D97-AF65-F5344CB8AC3E}">
+        <p14:creationId xmlns:p14="http://schemas.microsoft.com/office/powerpoint/2010/main" val="3091926752"/>
+      </p:ext>
+    </p:extLst>
+  </p:cSld>
+  <p:clrMapOvr>
+    <a:masterClrMapping/>
+  </p:clrMapOvr>
+  <p:timing>
+    <p:tnLst>
+      <p:par>
+        <p:cTn id="1" dur="indefinite" restart="never" nodeType="tmRoot"/>
+      </p:par>
+    </p:tnLst>
+  </p:timing>
+</p:sld>
+</file>
+
+<file path=ppt/slides/slide12.xml><?xml version="1.0" encoding="utf-8"?>
+<p:sld xmlns:a="http://schemas.openxmlformats.org/drawingml/2006/main" xmlns:r="http://schemas.openxmlformats.org/officeDocument/2006/relationships" xmlns:p="http://schemas.openxmlformats.org/presentationml/2006/main">
+  <p:cSld>
+    <p:spTree>
+      <p:nvGrpSpPr>
+        <p:cNvPr id="1" name=""/>
+        <p:cNvGrpSpPr/>
+        <p:nvPr/>
+      </p:nvGrpSpPr>
+      <p:grpSpPr>
+        <a:xfrm>
+          <a:off x="0" y="0"/>
+          <a:ext cx="0" cy="0"/>
+          <a:chOff x="0" y="0"/>
+          <a:chExt cx="0" cy="0"/>
+        </a:xfrm>
+      </p:grpSpPr>
+      <p:sp>
+        <p:nvSpPr>
+          <p:cNvPr id="2" name="TextBox 1">
+            <a:extLst>
+              <a:ext uri="{FF2B5EF4-FFF2-40B4-BE49-F238E27FC236}">
+                <a16:creationId xmlns:a16="http://schemas.microsoft.com/office/drawing/2014/main" id="{9AB10727-3B52-4EAA-A967-2F490215CB00}"/>
+              </a:ext>
+            </a:extLst>
+          </p:cNvPr>
+          <p:cNvSpPr txBox="1"/>
+          <p:nvPr/>
+        </p:nvSpPr>
+        <p:spPr>
+          <a:xfrm>
+            <a:off x="1371600" y="685800"/>
+            <a:ext cx="10193311" cy="707886"/>
+          </a:xfrm>
+          <a:prstGeom prst="rect">
+            <a:avLst/>
+          </a:prstGeom>
+          <a:noFill/>
+        </p:spPr>
+        <p:txBody>
+          <a:bodyPr wrap="square" rtlCol="0">
+            <a:spAutoFit/>
+          </a:bodyPr>
+          <a:lstStyle/>
+          <a:p>
+            <a:r>
+              <a:rPr lang="ru-RU" sz="4000" dirty="0">
+                <a:solidFill>
+                  <a:schemeClr val="tx1">
+                    <a:lumMod val="65000"/>
+                    <a:lumOff val="35000"/>
+                  </a:schemeClr>
+                </a:solidFill>
+              </a:rPr>
+              <a:t>Финансовая модель проекта</a:t>
+            </a:r>
+          </a:p>
+        </p:txBody>
+      </p:sp>
+      <p:pic>
+        <p:nvPicPr>
+          <p:cNvPr id="6" name="Рисунок 5">
+            <a:extLst>
+              <a:ext uri="{FF2B5EF4-FFF2-40B4-BE49-F238E27FC236}">
+                <a16:creationId xmlns:a16="http://schemas.microsoft.com/office/drawing/2014/main" id="{C86F6056-998C-4CFC-A4D9-357893211FFB}"/>
+              </a:ext>
+            </a:extLst>
+          </p:cNvPr>
+          <p:cNvPicPr>
+            <a:picLocks noChangeAspect="1"/>
+          </p:cNvPicPr>
+          <p:nvPr/>
+        </p:nvPicPr>
+        <p:blipFill>
+          <a:blip r:embed="rId3" cstate="print"/>
+          <a:stretch>
+            <a:fillRect/>
+          </a:stretch>
+        </p:blipFill>
+        <p:spPr>
+          <a:xfrm>
+            <a:off x="192607" y="4904913"/>
+            <a:ext cx="870562" cy="1852503"/>
+          </a:xfrm>
+          <a:prstGeom prst="rect">
+            <a:avLst/>
+          </a:prstGeom>
+        </p:spPr>
+      </p:pic>
+      <p:pic>
+        <p:nvPicPr>
+          <p:cNvPr id="9" name="Рисунок 8"/>
+          <p:cNvPicPr/>
+          <p:nvPr/>
+        </p:nvPicPr>
+        <p:blipFill>
+          <a:blip r:embed="rId4">
+            <a:extLst>
+              <a:ext uri="{28A0092B-C50C-407E-A947-70E740481C1C}">
+                <a14:useLocalDpi xmlns:a14="http://schemas.microsoft.com/office/drawing/2010/main" val="0"/>
+              </a:ext>
+            </a:extLst>
+          </a:blip>
+          <a:srcRect/>
+          <a:stretch>
+            <a:fillRect/>
+          </a:stretch>
+        </p:blipFill>
+        <p:spPr bwMode="auto">
+          <a:xfrm>
+            <a:off x="1243012" y="1698624"/>
+            <a:ext cx="10733928" cy="4841875"/>
+          </a:xfrm>
+          <a:prstGeom prst="rect">
+            <a:avLst/>
+          </a:prstGeom>
+          <a:noFill/>
+          <a:ln>
+            <a:noFill/>
+          </a:ln>
+        </p:spPr>
+      </p:pic>
+    </p:spTree>
+    <p:extLst>
+      <p:ext uri="{BB962C8B-B14F-4D97-AF65-F5344CB8AC3E}">
+        <p14:creationId xmlns:p14="http://schemas.microsoft.com/office/powerpoint/2010/main" val="3006877059"/>
+      </p:ext>
+    </p:extLst>
+  </p:cSld>
+  <p:clrMapOvr>
+    <a:masterClrMapping/>
+  </p:clrMapOvr>
+  <p:timing>
+    <p:tnLst>
+      <p:par>
+        <p:cTn id="1" dur="indefinite" restart="never" nodeType="tmRoot"/>
+      </p:par>
+    </p:tnLst>
+  </p:timing>
+</p:sld>
+</file>
+
+<file path=ppt/slides/slide13.xml><?xml version="1.0" encoding="utf-8"?>
+<p:sld xmlns:a="http://schemas.openxmlformats.org/drawingml/2006/main" xmlns:r="http://schemas.openxmlformats.org/officeDocument/2006/relationships" xmlns:p="http://schemas.openxmlformats.org/presentationml/2006/main">
+  <p:cSld>
+    <p:spTree>
+      <p:nvGrpSpPr>
+        <p:cNvPr id="1" name=""/>
+        <p:cNvGrpSpPr/>
+        <p:nvPr/>
+      </p:nvGrpSpPr>
+      <p:grpSpPr>
+        <a:xfrm>
+          <a:off x="0" y="0"/>
+          <a:ext cx="0" cy="0"/>
+          <a:chOff x="0" y="0"/>
+          <a:chExt cx="0" cy="0"/>
+        </a:xfrm>
+      </p:grpSpPr>
+      <p:sp>
+        <p:nvSpPr>
           <p:cNvPr id="4" name="Title 1">
             <a:extLst>
               <a:ext uri="{FF2B5EF4-FFF2-40B4-BE49-F238E27FC236}">
@@ -8551,10 +11499,10 @@
                 <a:latin typeface="Calibri" panose="020F0502020204030204" pitchFamily="34" charset="0"/>
                 <a:cs typeface="Calibri" panose="020F0502020204030204" pitchFamily="34" charset="0"/>
               </a:rPr>
-              <a:t>Для продвижения продукта и получения прибыли планируется использовать платформу </a:t>
-            </a:r>
-            <a:r>
-              <a:rPr lang="en-US" sz="2000" dirty="0" err="1" smtClean="0">
+              <a:t>Для продвижения продукта и получения прибыли </a:t>
+            </a:r>
+            <a:r>
+              <a:rPr lang="ru-RU" sz="2000" dirty="0" smtClean="0">
                 <a:solidFill>
                   <a:schemeClr val="tx1">
                     <a:lumMod val="75000"/>
@@ -8564,7 +11512,20 @@
                 <a:latin typeface="Calibri" panose="020F0502020204030204" pitchFamily="34" charset="0"/>
                 <a:cs typeface="Calibri" panose="020F0502020204030204" pitchFamily="34" charset="0"/>
               </a:rPr>
-              <a:t>Epicstars</a:t>
+              <a:t>используется платформа </a:t>
+            </a:r>
+            <a:r>
+              <a:rPr lang="ru-RU" sz="2000" dirty="0" err="1" smtClean="0">
+                <a:solidFill>
+                  <a:schemeClr val="tx1">
+                    <a:lumMod val="75000"/>
+                    <a:lumOff val="25000"/>
+                  </a:schemeClr>
+                </a:solidFill>
+                <a:latin typeface="Calibri" panose="020F0502020204030204" pitchFamily="34" charset="0"/>
+                <a:cs typeface="Calibri" panose="020F0502020204030204" pitchFamily="34" charset="0"/>
+              </a:rPr>
+              <a:t>Яндекс.Директ</a:t>
             </a:r>
             <a:r>
               <a:rPr lang="en-US" sz="2000" dirty="0" smtClean="0">
@@ -8657,30 +11618,6 @@
           </a:p>
         </p:txBody>
       </p:sp>
-      <p:pic>
-        <p:nvPicPr>
-          <p:cNvPr id="3" name="Рисунок 2"/>
-          <p:cNvPicPr>
-            <a:picLocks noChangeAspect="1"/>
-          </p:cNvPicPr>
-          <p:nvPr/>
-        </p:nvPicPr>
-        <p:blipFill>
-          <a:blip r:embed="rId3"/>
-          <a:stretch>
-            <a:fillRect/>
-          </a:stretch>
-        </p:blipFill>
-        <p:spPr>
-          <a:xfrm>
-            <a:off x="3826343" y="3368575"/>
-            <a:ext cx="3677163" cy="3153215"/>
-          </a:xfrm>
-          <a:prstGeom prst="rect">
-            <a:avLst/>
-          </a:prstGeom>
-        </p:spPr>
-      </p:pic>
       <p:pic>
         <p:nvPicPr>
           <p:cNvPr id="5" name="Рисунок 4">
@@ -8696,7 +11633,7 @@
           <p:nvPr/>
         </p:nvPicPr>
         <p:blipFill>
-          <a:blip r:embed="rId4" cstate="print"/>
+          <a:blip r:embed="rId3" cstate="print"/>
           <a:stretch>
             <a:fillRect/>
           </a:stretch>
@@ -8705,6 +11642,29 @@
           <a:xfrm>
             <a:off x="192607" y="4904913"/>
             <a:ext cx="870562" cy="1852503"/>
+          </a:xfrm>
+          <a:prstGeom prst="rect">
+            <a:avLst/>
+          </a:prstGeom>
+        </p:spPr>
+      </p:pic>
+      <p:pic>
+        <p:nvPicPr>
+          <p:cNvPr id="6" name="Рисунок 5"/>
+          <p:cNvPicPr>
+            <a:picLocks noChangeAspect="1"/>
+          </p:cNvPicPr>
+          <p:nvPr/>
+        </p:nvPicPr>
+        <p:blipFill rotWithShape="1">
+          <a:blip r:embed="rId4"/>
+          <a:srcRect b="43600"/>
+          <a:stretch/>
+        </p:blipFill>
+        <p:spPr>
+          <a:xfrm>
+            <a:off x="1229868" y="3310873"/>
+            <a:ext cx="10045636" cy="2472129"/>
           </a:xfrm>
           <a:prstGeom prst="rect">
             <a:avLst/>
@@ -8731,7 +11691,7 @@
 </p:sld>
 </file>
 
-<file path=ppt/slides/slide11.xml><?xml version="1.0" encoding="utf-8"?>
+<file path=ppt/slides/slide14.xml><?xml version="1.0" encoding="utf-8"?>
 <p:sld xmlns:a="http://schemas.openxmlformats.org/drawingml/2006/main" xmlns:r="http://schemas.openxmlformats.org/officeDocument/2006/relationships" xmlns:p="http://schemas.openxmlformats.org/presentationml/2006/main">
   <p:cSld>
     <p:spTree>
@@ -9275,7 +12235,7 @@
 </p:sld>
 </file>
 
-<file path=ppt/slides/slide12.xml><?xml version="1.0" encoding="utf-8"?>
+<file path=ppt/slides/slide15.xml><?xml version="1.0" encoding="utf-8"?>
 <p:sld xmlns:a="http://schemas.openxmlformats.org/drawingml/2006/main" xmlns:r="http://schemas.openxmlformats.org/officeDocument/2006/relationships" xmlns:p="http://schemas.openxmlformats.org/presentationml/2006/main">
   <p:cSld>
     <p:spTree>
@@ -9687,7 +12647,7 @@
         <p:spPr>
           <a:xfrm>
             <a:off x="1471942" y="2496458"/>
-            <a:ext cx="7283438" cy="1015663"/>
+            <a:ext cx="8056106" cy="1631216"/>
           </a:xfrm>
           <a:prstGeom prst="rect">
             <a:avLst/>
@@ -9700,12 +12660,8 @@
           </a:bodyPr>
           <a:lstStyle/>
           <a:p>
-            <a:pPr marL="342900" indent="-342900">
-              <a:buFont typeface="Arial" panose="020B0604020202020204" pitchFamily="34" charset="0"/>
-              <a:buChar char="•"/>
-            </a:pPr>
-            <a:r>
-              <a:rPr lang="ru-RU" sz="2000" dirty="0" smtClean="0">
+            <a:r>
+              <a:rPr lang="ru-RU" sz="2000" dirty="0">
                 <a:solidFill>
                   <a:schemeClr val="tx1">
                     <a:lumMod val="75000"/>
@@ -9715,16 +12671,10 @@
                 <a:latin typeface="Calibri" panose="020F0502020204030204" pitchFamily="34" charset="0"/>
                 <a:cs typeface="Calibri" panose="020F0502020204030204" pitchFamily="34" charset="0"/>
               </a:rPr>
-              <a:t>Разработать программный продукт</a:t>
-            </a:r>
-          </a:p>
-          <a:p>
-            <a:pPr marL="342900" indent="-342900">
-              <a:buFont typeface="Arial" panose="020B0604020202020204" pitchFamily="34" charset="0"/>
-              <a:buChar char="•"/>
-            </a:pPr>
-            <a:r>
-              <a:rPr lang="ru-RU" sz="2000" dirty="0" smtClean="0">
+              <a:t>В современном мире количество информации увеличилось до невероятных размеров и среди всего потока сложно найти быстро, то что тебе необходимо. Концепция </a:t>
+            </a:r>
+            <a:r>
+              <a:rPr lang="ru-RU" sz="2000" dirty="0" err="1">
                 <a:solidFill>
                   <a:schemeClr val="tx1">
                     <a:lumMod val="75000"/>
@@ -9734,14 +12684,47 @@
                 <a:latin typeface="Calibri" panose="020F0502020204030204" pitchFamily="34" charset="0"/>
                 <a:cs typeface="Calibri" panose="020F0502020204030204" pitchFamily="34" charset="0"/>
               </a:rPr>
-              <a:t>Научиться работать с инструментами продвижения</a:t>
-            </a:r>
-          </a:p>
-          <a:p>
-            <a:pPr marL="342900" indent="-342900">
-              <a:buFont typeface="Arial" panose="020B0604020202020204" pitchFamily="34" charset="0"/>
-              <a:buChar char="•"/>
-            </a:pPr>
+              <a:t>телеграм</a:t>
+            </a:r>
+            <a:r>
+              <a:rPr lang="ru-RU" sz="2000" dirty="0">
+                <a:solidFill>
+                  <a:schemeClr val="tx1">
+                    <a:lumMod val="75000"/>
+                    <a:lumOff val="25000"/>
+                  </a:schemeClr>
+                </a:solidFill>
+                <a:latin typeface="Calibri" panose="020F0502020204030204" pitchFamily="34" charset="0"/>
+                <a:cs typeface="Calibri" panose="020F0502020204030204" pitchFamily="34" charset="0"/>
+              </a:rPr>
+              <a:t> бота дизайнера заключается в том, что в нём будет собрано всё самое важное для </a:t>
+            </a:r>
+            <a:r>
+              <a:rPr lang="ru-RU" sz="2000" dirty="0" smtClean="0">
+                <a:solidFill>
+                  <a:schemeClr val="tx1">
+                    <a:lumMod val="75000"/>
+                    <a:lumOff val="25000"/>
+                  </a:schemeClr>
+                </a:solidFill>
+                <a:latin typeface="Calibri" panose="020F0502020204030204" pitchFamily="34" charset="0"/>
+                <a:cs typeface="Calibri" panose="020F0502020204030204" pitchFamily="34" charset="0"/>
+              </a:rPr>
+              <a:t>персонализации </a:t>
+            </a:r>
+            <a:r>
+              <a:rPr lang="ru-RU" sz="2000" dirty="0">
+                <a:solidFill>
+                  <a:schemeClr val="tx1">
+                    <a:lumMod val="75000"/>
+                    <a:lumOff val="25000"/>
+                  </a:schemeClr>
+                </a:solidFill>
+                <a:latin typeface="Calibri" panose="020F0502020204030204" pitchFamily="34" charset="0"/>
+                <a:cs typeface="Calibri" panose="020F0502020204030204" pitchFamily="34" charset="0"/>
+              </a:rPr>
+              <a:t>вашего устройства.</a:t>
+            </a:r>
             <a:endParaRPr lang="ru-RU" sz="2000" dirty="0">
               <a:solidFill>
                 <a:schemeClr val="tx1">
@@ -9830,6 +12813,154 @@
             <p:ph type="title"/>
           </p:nvPr>
         </p:nvSpPr>
+        <p:spPr>
+          <a:xfrm>
+            <a:off x="1448042" y="465908"/>
+            <a:ext cx="8596668" cy="735874"/>
+          </a:xfrm>
+        </p:spPr>
+        <p:txBody>
+          <a:bodyPr>
+            <a:normAutofit/>
+          </a:bodyPr>
+          <a:lstStyle/>
+          <a:p>
+            <a:r>
+              <a:rPr lang="ru-RU" sz="4000" dirty="0" smtClean="0">
+                <a:solidFill>
+                  <a:schemeClr val="tx1">
+                    <a:lumMod val="65000"/>
+                    <a:lumOff val="35000"/>
+                  </a:schemeClr>
+                </a:solidFill>
+              </a:rPr>
+              <a:t>Модель </a:t>
+            </a:r>
+            <a:r>
+              <a:rPr lang="ru-RU" sz="4000" dirty="0" err="1" smtClean="0">
+                <a:solidFill>
+                  <a:schemeClr val="tx1">
+                    <a:lumMod val="65000"/>
+                    <a:lumOff val="35000"/>
+                  </a:schemeClr>
+                </a:solidFill>
+              </a:rPr>
+              <a:t>Остервальдера</a:t>
+            </a:r>
+            <a:endParaRPr lang="ru-RU" sz="4000" dirty="0">
+              <a:solidFill>
+                <a:schemeClr val="tx1">
+                  <a:lumMod val="65000"/>
+                  <a:lumOff val="35000"/>
+                </a:schemeClr>
+              </a:solidFill>
+            </a:endParaRPr>
+          </a:p>
+        </p:txBody>
+      </p:sp>
+      <p:pic>
+        <p:nvPicPr>
+          <p:cNvPr id="5" name="Рисунок 4">
+            <a:extLst>
+              <a:ext uri="{FF2B5EF4-FFF2-40B4-BE49-F238E27FC236}">
+                <a16:creationId xmlns:a16="http://schemas.microsoft.com/office/drawing/2014/main" id="{C86F6056-998C-4CFC-A4D9-357893211FFB}"/>
+              </a:ext>
+            </a:extLst>
+          </p:cNvPr>
+          <p:cNvPicPr>
+            <a:picLocks noChangeAspect="1"/>
+          </p:cNvPicPr>
+          <p:nvPr/>
+        </p:nvPicPr>
+        <p:blipFill>
+          <a:blip r:embed="rId3" cstate="print"/>
+          <a:stretch>
+            <a:fillRect/>
+          </a:stretch>
+        </p:blipFill>
+        <p:spPr>
+          <a:xfrm>
+            <a:off x="192607" y="4904913"/>
+            <a:ext cx="870562" cy="1852503"/>
+          </a:xfrm>
+          <a:prstGeom prst="rect">
+            <a:avLst/>
+          </a:prstGeom>
+        </p:spPr>
+      </p:pic>
+      <p:pic>
+        <p:nvPicPr>
+          <p:cNvPr id="8" name="Объект 7"/>
+          <p:cNvPicPr>
+            <a:picLocks noGrp="1" noChangeAspect="1"/>
+          </p:cNvPicPr>
+          <p:nvPr>
+            <p:ph idx="1"/>
+          </p:nvPr>
+        </p:nvPicPr>
+        <p:blipFill>
+          <a:blip r:embed="rId4"/>
+          <a:stretch>
+            <a:fillRect/>
+          </a:stretch>
+        </p:blipFill>
+        <p:spPr>
+          <a:xfrm>
+            <a:off x="1273781" y="1494390"/>
+            <a:ext cx="7910831" cy="4840243"/>
+          </a:xfrm>
+          <a:prstGeom prst="rect">
+            <a:avLst/>
+          </a:prstGeom>
+        </p:spPr>
+      </p:pic>
+    </p:spTree>
+    <p:extLst>
+      <p:ext uri="{BB962C8B-B14F-4D97-AF65-F5344CB8AC3E}">
+        <p14:creationId xmlns:p14="http://schemas.microsoft.com/office/powerpoint/2010/main" val="2674393885"/>
+      </p:ext>
+    </p:extLst>
+  </p:cSld>
+  <p:clrMapOvr>
+    <a:masterClrMapping/>
+  </p:clrMapOvr>
+  <p:timing>
+    <p:tnLst>
+      <p:par>
+        <p:cTn id="1" dur="indefinite" restart="never" nodeType="tmRoot"/>
+      </p:par>
+    </p:tnLst>
+  </p:timing>
+</p:sld>
+</file>
+
+<file path=ppt/slides/slide4.xml><?xml version="1.0" encoding="utf-8"?>
+<p:sld xmlns:a="http://schemas.openxmlformats.org/drawingml/2006/main" xmlns:r="http://schemas.openxmlformats.org/officeDocument/2006/relationships" xmlns:p="http://schemas.openxmlformats.org/presentationml/2006/main">
+  <p:cSld>
+    <p:spTree>
+      <p:nvGrpSpPr>
+        <p:cNvPr id="1" name=""/>
+        <p:cNvGrpSpPr/>
+        <p:nvPr/>
+      </p:nvGrpSpPr>
+      <p:grpSpPr>
+        <a:xfrm>
+          <a:off x="0" y="0"/>
+          <a:ext cx="0" cy="0"/>
+          <a:chOff x="0" y="0"/>
+          <a:chExt cx="0" cy="0"/>
+        </a:xfrm>
+      </p:grpSpPr>
+      <p:sp>
+        <p:nvSpPr>
+          <p:cNvPr id="2" name="Заголовок 1"/>
+          <p:cNvSpPr>
+            <a:spLocks noGrp="1"/>
+          </p:cNvSpPr>
+          <p:nvPr>
+            <p:ph type="title"/>
+          </p:nvPr>
+        </p:nvSpPr>
         <p:spPr/>
         <p:txBody>
           <a:bodyPr/>
@@ -9841,7 +12972,7 @@
                   <a:srgbClr val="45525A"/>
                 </a:solidFill>
               </a:rPr>
-              <a:t>Задачи проекта на этот семестр</a:t>
+              <a:t>Задачи </a:t>
             </a:r>
             <a:r>
               <a:rPr lang="ru-RU" dirty="0" smtClean="0">
@@ -9849,7 +12980,7 @@
                   <a:srgbClr val="45525A"/>
                 </a:solidFill>
               </a:rPr>
-              <a:t>:</a:t>
+              <a:t>проекта:</a:t>
             </a:r>
             <a:endParaRPr lang="ru-RU" dirty="0"/>
           </a:p>
@@ -9984,10 +13115,6 @@
               </a:rPr>
               <a:t>Выпустить на рынок;</a:t>
             </a:r>
-            <a:endParaRPr lang="ru-RU" altLang="ru-RU" sz="2000" dirty="0">
-              <a:latin typeface="Calibri" panose="020F0502020204030204" pitchFamily="34" charset="0"/>
-              <a:cs typeface="Calibri" panose="020F0502020204030204" pitchFamily="34" charset="0"/>
-            </a:endParaRPr>
           </a:p>
         </p:txBody>
       </p:sp>
@@ -10188,10 +13315,17 @@
   <p:clrMapOvr>
     <a:masterClrMapping/>
   </p:clrMapOvr>
+  <p:timing>
+    <p:tnLst>
+      <p:par>
+        <p:cTn id="1" dur="indefinite" restart="never" nodeType="tmRoot"/>
+      </p:par>
+    </p:tnLst>
+  </p:timing>
 </p:sld>
 </file>
 
-<file path=ppt/slides/slide4.xml><?xml version="1.0" encoding="utf-8"?>
+<file path=ppt/slides/slide5.xml><?xml version="1.0" encoding="utf-8"?>
 <p:sld xmlns:a="http://schemas.openxmlformats.org/drawingml/2006/main" xmlns:r="http://schemas.openxmlformats.org/officeDocument/2006/relationships" xmlns:p="http://schemas.openxmlformats.org/presentationml/2006/main">
   <p:cSld>
     <p:spTree>
@@ -10294,8 +13428,8 @@
         </p:nvSpPr>
         <p:spPr>
           <a:xfrm>
-            <a:off x="6662776" y="3158451"/>
-            <a:ext cx="3213927" cy="1015663"/>
+            <a:off x="6786480" y="3916781"/>
+            <a:ext cx="3213927" cy="707886"/>
           </a:xfrm>
           <a:prstGeom prst="rect">
             <a:avLst/>
@@ -10332,21 +13466,7 @@
                   </a:schemeClr>
                 </a:solidFill>
               </a:rPr>
-              <a:t>экономист,</a:t>
-            </a:r>
-          </a:p>
-          <a:p>
-            <a:pPr algn="ctr"/>
-            <a:r>
-              <a:rPr lang="ru-RU" altLang="ru-RU" sz="2000" dirty="0" smtClean="0">
-                <a:solidFill>
-                  <a:schemeClr val="tx1">
-                    <a:lumMod val="65000"/>
-                    <a:lumOff val="35000"/>
-                  </a:schemeClr>
-                </a:solidFill>
-              </a:rPr>
-              <a:t>интервьюер</a:t>
+              <a:t>экономист</a:t>
             </a:r>
             <a:endParaRPr lang="ru-RU" altLang="ru-RU" sz="2000" dirty="0">
               <a:solidFill>
@@ -10373,7 +13493,7 @@
         </p:nvSpPr>
         <p:spPr>
           <a:xfrm>
-            <a:off x="7194684" y="2874535"/>
+            <a:off x="7318388" y="3632865"/>
             <a:ext cx="2150110" cy="299720"/>
           </a:xfrm>
           <a:prstGeom prst="rect">
@@ -10454,7 +13574,7 @@
         </p:nvSpPr>
         <p:spPr>
           <a:xfrm>
-            <a:off x="679482" y="2877215"/>
+            <a:off x="742527" y="3632865"/>
             <a:ext cx="2143125" cy="298450"/>
           </a:xfrm>
           <a:prstGeom prst="rect">
@@ -10496,7 +13616,7 @@
         </p:nvSpPr>
         <p:spPr>
           <a:xfrm>
-            <a:off x="3893865" y="2874535"/>
+            <a:off x="4002921" y="1848629"/>
             <a:ext cx="2143125" cy="298450"/>
           </a:xfrm>
           <a:prstGeom prst="rect">
@@ -10552,7 +13672,7 @@
         </p:nvSpPr>
         <p:spPr>
           <a:xfrm>
-            <a:off x="141019" y="3148923"/>
+            <a:off x="204064" y="3904573"/>
             <a:ext cx="3276600" cy="707886"/>
           </a:xfrm>
           <a:prstGeom prst="rect">
@@ -10576,7 +13696,7 @@
                   </a:schemeClr>
                 </a:solidFill>
               </a:rPr>
-              <a:t>Маркетолог,</a:t>
+              <a:t>Архитектор БД,</a:t>
             </a:r>
           </a:p>
           <a:p>
@@ -10590,7 +13710,7 @@
                   </a:schemeClr>
                 </a:solidFill>
               </a:rPr>
-              <a:t>архитектор БД</a:t>
+              <a:t>аналитик</a:t>
             </a:r>
             <a:endParaRPr lang="ru-RU" altLang="ru-RU" sz="2000" dirty="0">
               <a:solidFill>
@@ -10617,8 +13737,8 @@
         </p:nvSpPr>
         <p:spPr>
           <a:xfrm>
-            <a:off x="3584679" y="3148923"/>
-            <a:ext cx="2911037" cy="1015663"/>
+            <a:off x="3693735" y="2123017"/>
+            <a:ext cx="2911037" cy="1323439"/>
           </a:xfrm>
           <a:prstGeom prst="rect">
             <a:avLst/>
@@ -10641,8 +13761,63 @@
                   </a:schemeClr>
                 </a:solidFill>
               </a:rPr>
-              <a:t>Руководитель, программист,</a:t>
-            </a:r>
+              <a:t>Руководитель, </a:t>
+            </a:r>
+            <a:r>
+              <a:rPr lang="ru-RU" altLang="ru-RU" sz="2000" dirty="0" smtClean="0">
+                <a:solidFill>
+                  <a:schemeClr val="tx1">
+                    <a:lumMod val="65000"/>
+                    <a:lumOff val="35000"/>
+                  </a:schemeClr>
+                </a:solidFill>
+              </a:rPr>
+              <a:t>программист,</a:t>
+            </a:r>
+          </a:p>
+          <a:p>
+            <a:pPr algn="ctr"/>
+            <a:r>
+              <a:rPr lang="ru-RU" altLang="ru-RU" sz="2000" dirty="0" err="1">
+                <a:solidFill>
+                  <a:schemeClr val="tx1">
+                    <a:lumMod val="65000"/>
+                    <a:lumOff val="35000"/>
+                  </a:schemeClr>
+                </a:solidFill>
+              </a:rPr>
+              <a:t>т</a:t>
+            </a:r>
+            <a:r>
+              <a:rPr lang="ru-RU" altLang="ru-RU" sz="2000" dirty="0" err="1" smtClean="0">
+                <a:solidFill>
+                  <a:schemeClr val="tx1">
+                    <a:lumMod val="65000"/>
+                    <a:lumOff val="35000"/>
+                  </a:schemeClr>
+                </a:solidFill>
+              </a:rPr>
+              <a:t>естировщик</a:t>
+            </a:r>
+            <a:r>
+              <a:rPr lang="ru-RU" altLang="ru-RU" sz="2000" dirty="0" smtClean="0">
+                <a:solidFill>
+                  <a:schemeClr val="tx1">
+                    <a:lumMod val="65000"/>
+                    <a:lumOff val="35000"/>
+                  </a:schemeClr>
+                </a:solidFill>
+              </a:rPr>
+              <a:t>,</a:t>
+            </a:r>
+            <a:endParaRPr lang="ru-RU" altLang="ru-RU" sz="2000" dirty="0" smtClean="0">
+              <a:solidFill>
+                <a:schemeClr val="tx1">
+                  <a:lumMod val="65000"/>
+                  <a:lumOff val="35000"/>
+                </a:schemeClr>
+              </a:solidFill>
+            </a:endParaRPr>
           </a:p>
           <a:p>
             <a:pPr algn="ctr"/>
@@ -10698,67 +13873,79 @@
           </a:prstGeom>
         </p:spPr>
       </p:pic>
-    </p:spTree>
-    <p:extLst>
-      <p:ext uri="{BB962C8B-B14F-4D97-AF65-F5344CB8AC3E}">
-        <p14:creationId xmlns:p14="http://schemas.microsoft.com/office/powerpoint/2010/main" val="1681070196"/>
-      </p:ext>
-    </p:extLst>
-  </p:cSld>
-  <p:clrMapOvr>
-    <a:masterClrMapping/>
-  </p:clrMapOvr>
-  <p:timing>
-    <p:tnLst>
-      <p:par>
-        <p:cTn id="1" dur="indefinite" restart="never" nodeType="tmRoot"/>
-      </p:par>
-    </p:tnLst>
-  </p:timing>
-</p:sld>
-</file>
-
-<file path=ppt/slides/slide5.xml><?xml version="1.0" encoding="utf-8"?>
-<p:sld xmlns:a="http://schemas.openxmlformats.org/drawingml/2006/main" xmlns:r="http://schemas.openxmlformats.org/officeDocument/2006/relationships" xmlns:p="http://schemas.openxmlformats.org/presentationml/2006/main">
-  <p:cSld>
-    <p:spTree>
-      <p:nvGrpSpPr>
-        <p:cNvPr id="1" name=""/>
-        <p:cNvGrpSpPr/>
-        <p:nvPr/>
-      </p:nvGrpSpPr>
-      <p:grpSpPr>
-        <a:xfrm>
-          <a:off x="0" y="0"/>
-          <a:ext cx="0" cy="0"/>
-          <a:chOff x="0" y="0"/>
-          <a:chExt cx="0" cy="0"/>
-        </a:xfrm>
-      </p:grpSpPr>
-      <p:sp>
-        <p:nvSpPr>
-          <p:cNvPr id="2" name="Заголовок 1"/>
-          <p:cNvSpPr>
-            <a:spLocks noGrp="1"/>
-          </p:cNvSpPr>
-          <p:nvPr>
-            <p:ph type="title"/>
-          </p:nvPr>
+      <p:sp>
+        <p:nvSpPr>
+          <p:cNvPr id="11" name="object 27">
+            <a:extLst>
+              <a:ext uri="{FF2B5EF4-FFF2-40B4-BE49-F238E27FC236}">
+                <a16:creationId xmlns:a16="http://schemas.microsoft.com/office/drawing/2014/main" id="{69239175-4360-497F-AD9A-27C5F690334B}"/>
+              </a:ext>
+            </a:extLst>
+          </p:cNvPr>
+          <p:cNvSpPr/>
+          <p:nvPr/>
         </p:nvSpPr>
         <p:spPr>
           <a:xfrm>
-            <a:off x="1448042" y="465908"/>
-            <a:ext cx="8596668" cy="735874"/>
+            <a:off x="4007670" y="3632865"/>
+            <a:ext cx="2143125" cy="298450"/>
           </a:xfrm>
+          <a:prstGeom prst="rect">
+            <a:avLst/>
+          </a:prstGeom>
+          <a:solidFill>
+            <a:schemeClr val="accent3">
+              <a:lumMod val="60000"/>
+              <a:lumOff val="40000"/>
+            </a:schemeClr>
+          </a:solidFill>
         </p:spPr>
         <p:txBody>
-          <a:bodyPr>
-            <a:normAutofit/>
+          <a:bodyPr wrap="square" lIns="0" tIns="0" rIns="0" bIns="0" rtlCol="0"/>
+          <a:lstStyle/>
+          <a:p>
+            <a:pPr algn="ctr"/>
+            <a:r>
+              <a:rPr lang="ru-RU" sz="2000" spc="-90" dirty="0" smtClean="0">
+                <a:cs typeface="Arial"/>
+              </a:rPr>
+              <a:t>Леоненко Денис</a:t>
+            </a:r>
+            <a:endParaRPr sz="2000" dirty="0"/>
+          </a:p>
+        </p:txBody>
+      </p:sp>
+      <p:sp>
+        <p:nvSpPr>
+          <p:cNvPr id="13" name="TextBox 12">
+            <a:extLst>
+              <a:ext uri="{FF2B5EF4-FFF2-40B4-BE49-F238E27FC236}">
+                <a16:creationId xmlns:a16="http://schemas.microsoft.com/office/drawing/2014/main" id="{53D38ACA-B0D1-4E96-B169-686A9BDC93F8}"/>
+              </a:ext>
+            </a:extLst>
+          </p:cNvPr>
+          <p:cNvSpPr txBox="1"/>
+          <p:nvPr/>
+        </p:nvSpPr>
+        <p:spPr>
+          <a:xfrm>
+            <a:off x="3698484" y="3907253"/>
+            <a:ext cx="2911037" cy="400110"/>
+          </a:xfrm>
+          <a:prstGeom prst="rect">
+            <a:avLst/>
+          </a:prstGeom>
+          <a:noFill/>
+        </p:spPr>
+        <p:txBody>
+          <a:bodyPr wrap="square" rtlCol="0">
+            <a:spAutoFit/>
           </a:bodyPr>
           <a:lstStyle/>
           <a:p>
-            <a:r>
-              <a:rPr lang="ru-RU" sz="4000" dirty="0" smtClean="0">
+            <a:pPr algn="ctr"/>
+            <a:r>
+              <a:rPr lang="ru-RU" altLang="ru-RU" sz="2000" dirty="0" smtClean="0">
                 <a:solidFill>
                   <a:schemeClr val="tx1">
                     <a:lumMod val="65000"/>
@@ -10766,20 +13953,9 @@
                   </a:schemeClr>
                 </a:solidFill>
               </a:rPr>
-              <a:t>Модель </a:t>
-            </a:r>
-            <a:r>
-              <a:rPr lang="ru-RU" sz="4000" dirty="0" err="1" smtClean="0">
-                <a:solidFill>
-                  <a:schemeClr val="tx1">
-                    <a:lumMod val="65000"/>
-                    <a:lumOff val="35000"/>
-                  </a:schemeClr>
-                </a:solidFill>
-              </a:rPr>
-              <a:t>Остервальдера</a:t>
-            </a:r>
-            <a:endParaRPr lang="ru-RU" sz="4000" dirty="0">
+              <a:t>Маркетолог</a:t>
+            </a:r>
+            <a:endParaRPr lang="ru-RU" altLang="ru-RU" sz="2000" dirty="0">
               <a:solidFill>
                 <a:schemeClr val="tx1">
                   <a:lumMod val="65000"/>
@@ -10790,69 +13966,10 @@
           </a:p>
         </p:txBody>
       </p:sp>
-      <p:pic>
-        <p:nvPicPr>
-          <p:cNvPr id="4" name="Объект 3"/>
-          <p:cNvPicPr>
-            <a:picLocks noGrp="1" noChangeAspect="1"/>
-          </p:cNvPicPr>
-          <p:nvPr>
-            <p:ph idx="1"/>
-          </p:nvPr>
-        </p:nvPicPr>
-        <p:blipFill>
-          <a:blip r:embed="rId3">
-            <a:extLst>
-              <a:ext uri="{28A0092B-C50C-407E-A947-70E740481C1C}">
-                <a14:useLocalDpi xmlns:a14="http://schemas.microsoft.com/office/drawing/2010/main" val="0"/>
-              </a:ext>
-            </a:extLst>
-          </a:blip>
-          <a:stretch>
-            <a:fillRect/>
-          </a:stretch>
-        </p:blipFill>
-        <p:spPr>
-          <a:xfrm>
-            <a:off x="1448042" y="1201782"/>
-            <a:ext cx="7856511" cy="4840243"/>
-          </a:xfrm>
-        </p:spPr>
-      </p:pic>
-      <p:pic>
-        <p:nvPicPr>
-          <p:cNvPr id="5" name="Рисунок 4">
-            <a:extLst>
-              <a:ext uri="{FF2B5EF4-FFF2-40B4-BE49-F238E27FC236}">
-                <a16:creationId xmlns:a16="http://schemas.microsoft.com/office/drawing/2014/main" id="{C86F6056-998C-4CFC-A4D9-357893211FFB}"/>
-              </a:ext>
-            </a:extLst>
-          </p:cNvPr>
-          <p:cNvPicPr>
-            <a:picLocks noChangeAspect="1"/>
-          </p:cNvPicPr>
-          <p:nvPr/>
-        </p:nvPicPr>
-        <p:blipFill>
-          <a:blip r:embed="rId4" cstate="print"/>
-          <a:stretch>
-            <a:fillRect/>
-          </a:stretch>
-        </p:blipFill>
-        <p:spPr>
-          <a:xfrm>
-            <a:off x="192607" y="4904913"/>
-            <a:ext cx="870562" cy="1852503"/>
-          </a:xfrm>
-          <a:prstGeom prst="rect">
-            <a:avLst/>
-          </a:prstGeom>
-        </p:spPr>
-      </p:pic>
     </p:spTree>
     <p:extLst>
       <p:ext uri="{BB962C8B-B14F-4D97-AF65-F5344CB8AC3E}">
-        <p14:creationId xmlns:p14="http://schemas.microsoft.com/office/powerpoint/2010/main" val="2674393885"/>
+        <p14:creationId xmlns:p14="http://schemas.microsoft.com/office/powerpoint/2010/main" val="1681070196"/>
       </p:ext>
     </p:extLst>
   </p:cSld>
@@ -10888,10 +14005,10 @@
       </p:grpSpPr>
       <p:sp>
         <p:nvSpPr>
-          <p:cNvPr id="2" name="object 3">
+          <p:cNvPr id="4" name="object 3">
             <a:extLst>
               <a:ext uri="{FF2B5EF4-FFF2-40B4-BE49-F238E27FC236}">
-                <a16:creationId xmlns:a16="http://schemas.microsoft.com/office/drawing/2014/main" id="{2FE7BB2D-67A3-4CDB-8D3B-F26E38354485}"/>
+                <a16:creationId xmlns:a16="http://schemas.microsoft.com/office/drawing/2014/main" id="{F88264B3-D882-4CA0-9EED-AB6416AF3482}"/>
               </a:ext>
             </a:extLst>
           </p:cNvPr>
@@ -10902,7 +14019,7 @@
         </p:nvSpPr>
         <p:spPr>
           <a:xfrm>
-            <a:off x="1590403" y="282161"/>
+            <a:off x="1620057" y="609919"/>
             <a:ext cx="8763000" cy="570028"/>
           </a:xfrm>
           <a:prstGeom prst="rect">
@@ -10935,7 +14052,7 @@
               </a:spcBef>
             </a:pPr>
             <a:r>
-              <a:rPr lang="ru-RU" sz="4000" b="0" spc="130" dirty="0">
+              <a:rPr lang="ru-RU" sz="4000" b="0" spc="130" dirty="0" smtClean="0">
                 <a:solidFill>
                   <a:schemeClr val="tx1">
                     <a:lumMod val="65000"/>
@@ -10944,31 +14061,7 @@
                 </a:solidFill>
                 <a:latin typeface="+mj-lt"/>
               </a:rPr>
-              <a:t>Диаграмма</a:t>
-            </a:r>
-            <a:r>
-              <a:rPr lang="ru-RU" sz="4000" spc="130" dirty="0">
-                <a:solidFill>
-                  <a:schemeClr val="tx1">
-                    <a:lumMod val="65000"/>
-                    <a:lumOff val="35000"/>
-                  </a:schemeClr>
-                </a:solidFill>
-                <a:latin typeface="+mj-lt"/>
-              </a:rPr>
-              <a:t> </a:t>
-            </a:r>
-            <a:r>
-              <a:rPr lang="ru-RU" sz="4000" b="0" spc="130" dirty="0">
-                <a:solidFill>
-                  <a:schemeClr val="tx1">
-                    <a:lumMod val="65000"/>
-                    <a:lumOff val="35000"/>
-                  </a:schemeClr>
-                </a:solidFill>
-                <a:latin typeface="+mj-lt"/>
-              </a:rPr>
-              <a:t>Ганта</a:t>
+              <a:t>Вовлеченность ресурсов</a:t>
             </a:r>
             <a:endParaRPr lang="ru-RU" sz="4000" b="0" kern="0" spc="-40" dirty="0">
               <a:solidFill>
@@ -10984,31 +14077,7 @@
       </p:sp>
       <p:pic>
         <p:nvPicPr>
-          <p:cNvPr id="4" name="Рисунок 3"/>
-          <p:cNvPicPr>
-            <a:picLocks noChangeAspect="1"/>
-          </p:cNvPicPr>
-          <p:nvPr/>
-        </p:nvPicPr>
-        <p:blipFill>
-          <a:blip r:embed="rId3"/>
-          <a:stretch>
-            <a:fillRect/>
-          </a:stretch>
-        </p:blipFill>
-        <p:spPr>
-          <a:xfrm>
-            <a:off x="1633537" y="1071154"/>
-            <a:ext cx="10240600" cy="5617029"/>
-          </a:xfrm>
-          <a:prstGeom prst="rect">
-            <a:avLst/>
-          </a:prstGeom>
-        </p:spPr>
-      </p:pic>
-      <p:pic>
-        <p:nvPicPr>
-          <p:cNvPr id="5" name="Рисунок 4">
+          <p:cNvPr id="10" name="Рисунок 9">
             <a:extLst>
               <a:ext uri="{FF2B5EF4-FFF2-40B4-BE49-F238E27FC236}">
                 <a16:creationId xmlns:a16="http://schemas.microsoft.com/office/drawing/2014/main" id="{C86F6056-998C-4CFC-A4D9-357893211FFB}"/>
@@ -11021,7 +14090,7 @@
           <p:nvPr/>
         </p:nvPicPr>
         <p:blipFill>
-          <a:blip r:embed="rId4" cstate="print"/>
+          <a:blip r:embed="rId3" cstate="print"/>
           <a:stretch>
             <a:fillRect/>
           </a:stretch>
@@ -11036,10 +14105,32 @@
           </a:prstGeom>
         </p:spPr>
       </p:pic>
+      <p:graphicFrame>
+        <p:nvGraphicFramePr>
+          <p:cNvPr id="14" name="Диаграмма 13"/>
+          <p:cNvGraphicFramePr/>
+          <p:nvPr>
+            <p:extLst>
+              <p:ext uri="{D42A27DB-BD31-4B8C-83A1-F6EECF244321}">
+                <p14:modId xmlns:p14="http://schemas.microsoft.com/office/powerpoint/2010/main" val="1130652603"/>
+              </p:ext>
+            </p:extLst>
+          </p:nvPr>
+        </p:nvGraphicFramePr>
+        <p:xfrm>
+          <a:off x="1191185" y="1335024"/>
+          <a:ext cx="8629471" cy="5175504"/>
+        </p:xfrm>
+        <a:graphic>
+          <a:graphicData uri="http://schemas.openxmlformats.org/drawingml/2006/chart">
+            <c:chart xmlns:c="http://schemas.openxmlformats.org/drawingml/2006/chart" xmlns:r="http://schemas.openxmlformats.org/officeDocument/2006/relationships" r:id="rId4"/>
+          </a:graphicData>
+        </a:graphic>
+      </p:graphicFrame>
     </p:spTree>
     <p:extLst>
       <p:ext uri="{BB962C8B-B14F-4D97-AF65-F5344CB8AC3E}">
-        <p14:creationId xmlns:p14="http://schemas.microsoft.com/office/powerpoint/2010/main" val="585241174"/>
+        <p14:creationId xmlns:p14="http://schemas.microsoft.com/office/powerpoint/2010/main" val="327693767"/>
       </p:ext>
     </p:extLst>
   </p:cSld>
@@ -11075,7 +14166,7 @@
       </p:grpSpPr>
       <p:sp>
         <p:nvSpPr>
-          <p:cNvPr id="23" name="object 3">
+          <p:cNvPr id="2" name="object 3">
             <a:extLst>
               <a:ext uri="{FF2B5EF4-FFF2-40B4-BE49-F238E27FC236}">
                 <a16:creationId xmlns:a16="http://schemas.microsoft.com/office/drawing/2014/main" id="{2FE7BB2D-67A3-4CDB-8D3B-F26E38354485}"/>
@@ -11169,117 +14260,6 @@
           </a:p>
         </p:txBody>
       </p:sp>
-      <p:sp>
-        <p:nvSpPr>
-          <p:cNvPr id="9" name="TextBox 8"/>
-          <p:cNvSpPr txBox="1"/>
-          <p:nvPr/>
-        </p:nvSpPr>
-        <p:spPr>
-          <a:xfrm>
-            <a:off x="2978676" y="6272195"/>
-            <a:ext cx="6662017" cy="400110"/>
-          </a:xfrm>
-          <a:prstGeom prst="rect">
-            <a:avLst/>
-          </a:prstGeom>
-          <a:noFill/>
-        </p:spPr>
-        <p:txBody>
-          <a:bodyPr wrap="none" rtlCol="0">
-            <a:spAutoFit/>
-          </a:bodyPr>
-          <a:lstStyle/>
-          <a:p>
-            <a:r>
-              <a:rPr lang="ru-RU" sz="2000" dirty="0" smtClean="0">
-                <a:solidFill>
-                  <a:schemeClr val="tx1">
-                    <a:lumMod val="75000"/>
-                    <a:lumOff val="25000"/>
-                  </a:schemeClr>
-                </a:solidFill>
-                <a:latin typeface="Calibri" panose="020F0502020204030204" pitchFamily="34" charset="0"/>
-                <a:cs typeface="Calibri" panose="020F0502020204030204" pitchFamily="34" charset="0"/>
-              </a:rPr>
-              <a:t>Диаграмма </a:t>
-            </a:r>
-            <a:r>
-              <a:rPr lang="ru-RU" sz="2000" dirty="0" err="1" smtClean="0">
-                <a:solidFill>
-                  <a:schemeClr val="tx1">
-                    <a:lumMod val="75000"/>
-                    <a:lumOff val="25000"/>
-                  </a:schemeClr>
-                </a:solidFill>
-                <a:latin typeface="Calibri" panose="020F0502020204030204" pitchFamily="34" charset="0"/>
-                <a:cs typeface="Calibri" panose="020F0502020204030204" pitchFamily="34" charset="0"/>
-              </a:rPr>
-              <a:t>Ганта</a:t>
-            </a:r>
-            <a:r>
-              <a:rPr lang="ru-RU" sz="2000" dirty="0" smtClean="0">
-                <a:solidFill>
-                  <a:schemeClr val="tx1">
-                    <a:lumMod val="75000"/>
-                    <a:lumOff val="25000"/>
-                  </a:schemeClr>
-                </a:solidFill>
-                <a:latin typeface="Calibri" panose="020F0502020204030204" pitchFamily="34" charset="0"/>
-                <a:cs typeface="Calibri" panose="020F0502020204030204" pitchFamily="34" charset="0"/>
-              </a:rPr>
-              <a:t> была экспортирована из </a:t>
-            </a:r>
-            <a:r>
-              <a:rPr lang="en-US" sz="2000" dirty="0" smtClean="0">
-                <a:solidFill>
-                  <a:schemeClr val="tx1">
-                    <a:lumMod val="75000"/>
-                    <a:lumOff val="25000"/>
-                  </a:schemeClr>
-                </a:solidFill>
-                <a:latin typeface="Calibri" panose="020F0502020204030204" pitchFamily="34" charset="0"/>
-                <a:cs typeface="Calibri" panose="020F0502020204030204" pitchFamily="34" charset="0"/>
-              </a:rPr>
-              <a:t>Microsoft Project</a:t>
-            </a:r>
-            <a:endParaRPr lang="ru-RU" sz="2000" dirty="0">
-              <a:solidFill>
-                <a:schemeClr val="tx1">
-                  <a:lumMod val="75000"/>
-                  <a:lumOff val="25000"/>
-                </a:schemeClr>
-              </a:solidFill>
-              <a:latin typeface="Calibri" panose="020F0502020204030204" pitchFamily="34" charset="0"/>
-              <a:cs typeface="Calibri" panose="020F0502020204030204" pitchFamily="34" charset="0"/>
-            </a:endParaRPr>
-          </a:p>
-        </p:txBody>
-      </p:sp>
-      <p:pic>
-        <p:nvPicPr>
-          <p:cNvPr id="3" name="Рисунок 2"/>
-          <p:cNvPicPr>
-            <a:picLocks noChangeAspect="1"/>
-          </p:cNvPicPr>
-          <p:nvPr/>
-        </p:nvPicPr>
-        <p:blipFill>
-          <a:blip r:embed="rId3"/>
-          <a:stretch>
-            <a:fillRect/>
-          </a:stretch>
-        </p:blipFill>
-        <p:spPr>
-          <a:xfrm>
-            <a:off x="1590403" y="1221521"/>
-            <a:ext cx="9477804" cy="5008382"/>
-          </a:xfrm>
-          <a:prstGeom prst="rect">
-            <a:avLst/>
-          </a:prstGeom>
-        </p:spPr>
-      </p:pic>
       <p:pic>
         <p:nvPicPr>
           <p:cNvPr id="5" name="Рисунок 4">
@@ -11295,7 +14275,7 @@
           <p:nvPr/>
         </p:nvPicPr>
         <p:blipFill>
-          <a:blip r:embed="rId4" cstate="print"/>
+          <a:blip r:embed="rId3" cstate="print"/>
           <a:stretch>
             <a:fillRect/>
           </a:stretch>
@@ -11310,10 +14290,46 @@
           </a:prstGeom>
         </p:spPr>
       </p:pic>
+      <p:pic>
+        <p:nvPicPr>
+          <p:cNvPr id="6" name="Рисунок 5" descr="E:\vvsu\7sem\TEO\gant3\gant31.jpg"/>
+          <p:cNvPicPr/>
+          <p:nvPr/>
+        </p:nvPicPr>
+        <p:blipFill rotWithShape="1">
+          <a:blip r:embed="rId4">
+            <a:extLst>
+              <a:ext uri="{28A0092B-C50C-407E-A947-70E740481C1C}">
+                <a14:useLocalDpi xmlns:a14="http://schemas.microsoft.com/office/drawing/2010/main" val="0"/>
+              </a:ext>
+            </a:extLst>
+          </a:blip>
+          <a:srcRect b="30756"/>
+          <a:stretch/>
+        </p:blipFill>
+        <p:spPr bwMode="auto">
+          <a:xfrm>
+            <a:off x="1267776" y="1265681"/>
+            <a:ext cx="10467023" cy="5127721"/>
+          </a:xfrm>
+          <a:prstGeom prst="rect">
+            <a:avLst/>
+          </a:prstGeom>
+          <a:noFill/>
+          <a:ln>
+            <a:noFill/>
+          </a:ln>
+          <a:extLst>
+            <a:ext uri="{53640926-AAD7-44D8-BBD7-CCE9431645EC}">
+              <a14:shadowObscured xmlns:a14="http://schemas.microsoft.com/office/drawing/2010/main"/>
+            </a:ext>
+          </a:extLst>
+        </p:spPr>
+      </p:pic>
     </p:spTree>
     <p:extLst>
       <p:ext uri="{BB962C8B-B14F-4D97-AF65-F5344CB8AC3E}">
-        <p14:creationId xmlns:p14="http://schemas.microsoft.com/office/powerpoint/2010/main" val="1532279585"/>
+        <p14:creationId xmlns:p14="http://schemas.microsoft.com/office/powerpoint/2010/main" val="585241174"/>
       </p:ext>
     </p:extLst>
   </p:cSld>
@@ -11349,265 +14365,10 @@
       </p:grpSpPr>
       <p:sp>
         <p:nvSpPr>
-          <p:cNvPr id="4" name="TextBox 3">
+          <p:cNvPr id="23" name="object 3">
             <a:extLst>
               <a:ext uri="{FF2B5EF4-FFF2-40B4-BE49-F238E27FC236}">
-                <a16:creationId xmlns:a16="http://schemas.microsoft.com/office/drawing/2014/main" id="{0A0C8265-FC65-464A-9809-2985A4D54932}"/>
-              </a:ext>
-            </a:extLst>
-          </p:cNvPr>
-          <p:cNvSpPr txBox="1"/>
-          <p:nvPr/>
-        </p:nvSpPr>
-        <p:spPr>
-          <a:xfrm>
-            <a:off x="1980572" y="2142835"/>
-            <a:ext cx="3124200" cy="1631216"/>
-          </a:xfrm>
-          <a:prstGeom prst="rect">
-            <a:avLst/>
-          </a:prstGeom>
-          <a:noFill/>
-        </p:spPr>
-        <p:txBody>
-          <a:bodyPr wrap="square" rtlCol="0">
-            <a:spAutoFit/>
-          </a:bodyPr>
-          <a:lstStyle/>
-          <a:p>
-            <a:pPr marL="342900" indent="-342900">
-              <a:buFont typeface="Arial" panose="020B0604020202020204" pitchFamily="34" charset="0"/>
-              <a:buChar char="•"/>
-            </a:pPr>
-            <a:r>
-              <a:rPr lang="en-US" altLang="ru-RU" sz="2000" dirty="0">
-                <a:solidFill>
-                  <a:schemeClr val="tx1">
-                    <a:lumMod val="75000"/>
-                    <a:lumOff val="25000"/>
-                  </a:schemeClr>
-                </a:solidFill>
-                <a:latin typeface="Calibri" panose="020F0502020204030204" pitchFamily="34" charset="0"/>
-                <a:cs typeface="Calibri" panose="020F0502020204030204" pitchFamily="34" charset="0"/>
-              </a:rPr>
-              <a:t>Telegram</a:t>
-            </a:r>
-          </a:p>
-          <a:p>
-            <a:pPr marL="342900" indent="-342900">
-              <a:buFont typeface="Arial" panose="020B0604020202020204" pitchFamily="34" charset="0"/>
-              <a:buChar char="•"/>
-            </a:pPr>
-            <a:r>
-              <a:rPr lang="en-US" altLang="ru-RU" sz="2000" dirty="0" smtClean="0">
-                <a:solidFill>
-                  <a:schemeClr val="tx1">
-                    <a:lumMod val="75000"/>
-                    <a:lumOff val="25000"/>
-                  </a:schemeClr>
-                </a:solidFill>
-                <a:latin typeface="Calibri" panose="020F0502020204030204" pitchFamily="34" charset="0"/>
-                <a:cs typeface="Calibri" panose="020F0502020204030204" pitchFamily="34" charset="0"/>
-              </a:rPr>
-              <a:t>Visual </a:t>
-            </a:r>
-            <a:r>
-              <a:rPr lang="en-US" altLang="ru-RU" sz="2000" dirty="0">
-                <a:solidFill>
-                  <a:schemeClr val="tx1">
-                    <a:lumMod val="75000"/>
-                    <a:lumOff val="25000"/>
-                  </a:schemeClr>
-                </a:solidFill>
-                <a:latin typeface="Calibri" panose="020F0502020204030204" pitchFamily="34" charset="0"/>
-                <a:cs typeface="Calibri" panose="020F0502020204030204" pitchFamily="34" charset="0"/>
-              </a:rPr>
-              <a:t>Studio Code</a:t>
-            </a:r>
-          </a:p>
-          <a:p>
-            <a:pPr marL="342900" indent="-342900">
-              <a:buFont typeface="Arial" panose="020B0604020202020204" pitchFamily="34" charset="0"/>
-              <a:buChar char="•"/>
-            </a:pPr>
-            <a:r>
-              <a:rPr lang="en-US" altLang="ru-RU" sz="2000" dirty="0" smtClean="0">
-                <a:solidFill>
-                  <a:schemeClr val="tx1">
-                    <a:lumMod val="75000"/>
-                    <a:lumOff val="25000"/>
-                  </a:schemeClr>
-                </a:solidFill>
-                <a:latin typeface="Calibri" panose="020F0502020204030204" pitchFamily="34" charset="0"/>
-                <a:cs typeface="Calibri" panose="020F0502020204030204" pitchFamily="34" charset="0"/>
-              </a:rPr>
-              <a:t>GitHub</a:t>
-            </a:r>
-          </a:p>
-          <a:p>
-            <a:pPr marL="342900" indent="-342900">
-              <a:buFont typeface="Arial" panose="020B0604020202020204" pitchFamily="34" charset="0"/>
-              <a:buChar char="•"/>
-            </a:pPr>
-            <a:r>
-              <a:rPr lang="en-US" altLang="ru-RU" sz="2000" dirty="0">
-                <a:solidFill>
-                  <a:schemeClr val="tx1">
-                    <a:lumMod val="75000"/>
-                    <a:lumOff val="25000"/>
-                  </a:schemeClr>
-                </a:solidFill>
-                <a:latin typeface="Calibri" panose="020F0502020204030204" pitchFamily="34" charset="0"/>
-                <a:cs typeface="Calibri" panose="020F0502020204030204" pitchFamily="34" charset="0"/>
-              </a:rPr>
-              <a:t>Discord</a:t>
-            </a:r>
-          </a:p>
-          <a:p>
-            <a:pPr marL="342900" indent="-342900">
-              <a:buFont typeface="Arial" panose="020B0604020202020204" pitchFamily="34" charset="0"/>
-              <a:buChar char="•"/>
-            </a:pPr>
-            <a:r>
-              <a:rPr lang="en-US" altLang="ru-RU" sz="2000" dirty="0" smtClean="0">
-                <a:solidFill>
-                  <a:schemeClr val="tx1">
-                    <a:lumMod val="75000"/>
-                    <a:lumOff val="25000"/>
-                  </a:schemeClr>
-                </a:solidFill>
-                <a:latin typeface="Calibri" panose="020F0502020204030204" pitchFamily="34" charset="0"/>
-                <a:cs typeface="Calibri" panose="020F0502020204030204" pitchFamily="34" charset="0"/>
-              </a:rPr>
-              <a:t>MySQL Workbench</a:t>
-            </a:r>
-            <a:endParaRPr lang="en-US" altLang="ru-RU" sz="2000" dirty="0">
-              <a:solidFill>
-                <a:schemeClr val="tx1">
-                  <a:lumMod val="75000"/>
-                  <a:lumOff val="25000"/>
-                </a:schemeClr>
-              </a:solidFill>
-              <a:latin typeface="Calibri" panose="020F0502020204030204" pitchFamily="34" charset="0"/>
-              <a:cs typeface="Calibri" panose="020F0502020204030204" pitchFamily="34" charset="0"/>
-            </a:endParaRPr>
-          </a:p>
-        </p:txBody>
-      </p:sp>
-      <p:pic>
-        <p:nvPicPr>
-          <p:cNvPr id="5" name="Рисунок 4">
-            <a:extLst>
-              <a:ext uri="{FF2B5EF4-FFF2-40B4-BE49-F238E27FC236}">
-                <a16:creationId xmlns:a16="http://schemas.microsoft.com/office/drawing/2014/main" id="{0E8533CD-328F-49A7-A085-1E1A44B16386}"/>
-              </a:ext>
-            </a:extLst>
-          </p:cNvPr>
-          <p:cNvPicPr>
-            <a:picLocks noChangeAspect="1"/>
-          </p:cNvPicPr>
-          <p:nvPr/>
-        </p:nvPicPr>
-        <p:blipFill>
-          <a:blip r:embed="rId3">
-            <a:extLst>
-              <a:ext uri="{28A0092B-C50C-407E-A947-70E740481C1C}">
-                <a14:useLocalDpi xmlns:a14="http://schemas.microsoft.com/office/drawing/2010/main" val="0"/>
-              </a:ext>
-            </a:extLst>
-          </a:blip>
-          <a:stretch>
-            <a:fillRect/>
-          </a:stretch>
-        </p:blipFill>
-        <p:spPr>
-          <a:xfrm>
-            <a:off x="5756554" y="2894741"/>
-            <a:ext cx="1193699" cy="1193699"/>
-          </a:xfrm>
-          <a:prstGeom prst="rect">
-            <a:avLst/>
-          </a:prstGeom>
-        </p:spPr>
-      </p:pic>
-      <p:pic>
-        <p:nvPicPr>
-          <p:cNvPr id="6" name="Рисунок 5">
-            <a:extLst>
-              <a:ext uri="{FF2B5EF4-FFF2-40B4-BE49-F238E27FC236}">
-                <a16:creationId xmlns:a16="http://schemas.microsoft.com/office/drawing/2014/main" id="{E2CC8902-601C-4ECD-A31F-B059B783D04C}"/>
-              </a:ext>
-            </a:extLst>
-          </p:cNvPr>
-          <p:cNvPicPr>
-            <a:picLocks noChangeAspect="1"/>
-          </p:cNvPicPr>
-          <p:nvPr/>
-        </p:nvPicPr>
-        <p:blipFill>
-          <a:blip r:embed="rId4">
-            <a:extLst>
-              <a:ext uri="{28A0092B-C50C-407E-A947-70E740481C1C}">
-                <a14:useLocalDpi xmlns:a14="http://schemas.microsoft.com/office/drawing/2010/main" val="0"/>
-              </a:ext>
-            </a:extLst>
-          </a:blip>
-          <a:stretch>
-            <a:fillRect/>
-          </a:stretch>
-        </p:blipFill>
-        <p:spPr>
-          <a:xfrm>
-            <a:off x="9118806" y="2836229"/>
-            <a:ext cx="1193699" cy="1193699"/>
-          </a:xfrm>
-          <a:prstGeom prst="rect">
-            <a:avLst/>
-          </a:prstGeom>
-        </p:spPr>
-      </p:pic>
-      <p:pic>
-        <p:nvPicPr>
-          <p:cNvPr id="7" name="Рисунок 6">
-            <a:extLst>
-              <a:ext uri="{FF2B5EF4-FFF2-40B4-BE49-F238E27FC236}">
-                <a16:creationId xmlns:a16="http://schemas.microsoft.com/office/drawing/2014/main" id="{9FA3885B-6A80-4738-A11B-ABF4D73D58E5}"/>
-              </a:ext>
-            </a:extLst>
-          </p:cNvPr>
-          <p:cNvPicPr>
-            <a:picLocks noChangeAspect="1"/>
-          </p:cNvPicPr>
-          <p:nvPr/>
-        </p:nvPicPr>
-        <p:blipFill>
-          <a:blip r:embed="rId5">
-            <a:extLst>
-              <a:ext uri="{28A0092B-C50C-407E-A947-70E740481C1C}">
-                <a14:useLocalDpi xmlns:a14="http://schemas.microsoft.com/office/drawing/2010/main" val="0"/>
-              </a:ext>
-            </a:extLst>
-          </a:blip>
-          <a:stretch>
-            <a:fillRect/>
-          </a:stretch>
-        </p:blipFill>
-        <p:spPr>
-          <a:xfrm>
-            <a:off x="6531400" y="4571844"/>
-            <a:ext cx="864228" cy="864228"/>
-          </a:xfrm>
-          <a:prstGeom prst="rect">
-            <a:avLst/>
-          </a:prstGeom>
-        </p:spPr>
-      </p:pic>
-      <p:sp>
-        <p:nvSpPr>
-          <p:cNvPr id="10" name="object 3">
-            <a:extLst>
-              <a:ext uri="{FF2B5EF4-FFF2-40B4-BE49-F238E27FC236}">
-                <a16:creationId xmlns:a16="http://schemas.microsoft.com/office/drawing/2014/main" id="{C6B0DB99-83F9-44CF-95F5-68C67276F423}"/>
+                <a16:creationId xmlns:a16="http://schemas.microsoft.com/office/drawing/2014/main" id="{2FE7BB2D-67A3-4CDB-8D3B-F26E38354485}"/>
               </a:ext>
             </a:extLst>
           </p:cNvPr>
@@ -11618,8 +14379,8 @@
         </p:nvSpPr>
         <p:spPr>
           <a:xfrm>
-            <a:off x="1751013" y="410350"/>
-            <a:ext cx="8763000" cy="1124026"/>
+            <a:off x="1590403" y="282161"/>
+            <a:ext cx="8763000" cy="570028"/>
           </a:xfrm>
           <a:prstGeom prst="rect">
             <a:avLst/>
@@ -11651,7 +14412,7 @@
               </a:spcBef>
             </a:pPr>
             <a:r>
-              <a:rPr lang="ru-RU" sz="4000" spc="130" dirty="0">
+              <a:rPr lang="ru-RU" sz="4000" b="0" spc="130" dirty="0">
                 <a:solidFill>
                   <a:schemeClr val="tx1">
                     <a:lumMod val="65000"/>
@@ -11660,9 +14421,33 @@
                 </a:solidFill>
                 <a:latin typeface="+mj-lt"/>
               </a:rPr>
-              <a:t>Проектный инструментарий, используемый в работе:</a:t>
-            </a:r>
-            <a:endParaRPr lang="ru-RU" sz="4000" kern="0" spc="-40" dirty="0">
+              <a:t>Диаграмма</a:t>
+            </a:r>
+            <a:r>
+              <a:rPr lang="ru-RU" sz="4000" spc="130" dirty="0">
+                <a:solidFill>
+                  <a:schemeClr val="tx1">
+                    <a:lumMod val="65000"/>
+                    <a:lumOff val="35000"/>
+                  </a:schemeClr>
+                </a:solidFill>
+                <a:latin typeface="+mj-lt"/>
+              </a:rPr>
+              <a:t> </a:t>
+            </a:r>
+            <a:r>
+              <a:rPr lang="ru-RU" sz="4000" b="0" spc="130" dirty="0">
+                <a:solidFill>
+                  <a:schemeClr val="tx1">
+                    <a:lumMod val="65000"/>
+                    <a:lumOff val="35000"/>
+                  </a:schemeClr>
+                </a:solidFill>
+                <a:latin typeface="+mj-lt"/>
+              </a:rPr>
+              <a:t>Ганта</a:t>
+            </a:r>
+            <a:endParaRPr lang="ru-RU" sz="4000" b="0" kern="0" spc="-40" dirty="0">
               <a:solidFill>
                 <a:schemeClr val="tx1">
                   <a:lumMod val="65000"/>
@@ -11676,67 +14461,7 @@
       </p:sp>
       <p:pic>
         <p:nvPicPr>
-          <p:cNvPr id="2" name="Рисунок 1"/>
-          <p:cNvPicPr>
-            <a:picLocks noChangeAspect="1"/>
-          </p:cNvPicPr>
-          <p:nvPr/>
-        </p:nvPicPr>
-        <p:blipFill>
-          <a:blip r:embed="rId6">
-            <a:extLst>
-              <a:ext uri="{28A0092B-C50C-407E-A947-70E740481C1C}">
-                <a14:useLocalDpi xmlns:a14="http://schemas.microsoft.com/office/drawing/2010/main" val="0"/>
-              </a:ext>
-            </a:extLst>
-          </a:blip>
-          <a:stretch>
-            <a:fillRect/>
-          </a:stretch>
-        </p:blipFill>
-        <p:spPr>
-          <a:xfrm>
-            <a:off x="8108924" y="4027664"/>
-            <a:ext cx="1779659" cy="1779659"/>
-          </a:xfrm>
-          <a:prstGeom prst="rect">
-            <a:avLst/>
-          </a:prstGeom>
-        </p:spPr>
-      </p:pic>
-      <p:pic>
-        <p:nvPicPr>
-          <p:cNvPr id="3" name="Рисунок 2"/>
-          <p:cNvPicPr>
-            <a:picLocks noChangeAspect="1"/>
-          </p:cNvPicPr>
-          <p:nvPr/>
-        </p:nvPicPr>
-        <p:blipFill>
-          <a:blip r:embed="rId7" cstate="hqprint">
-            <a:extLst>
-              <a:ext uri="{28A0092B-C50C-407E-A947-70E740481C1C}">
-                <a14:useLocalDpi xmlns:a14="http://schemas.microsoft.com/office/drawing/2010/main" val="0"/>
-              </a:ext>
-            </a:extLst>
-          </a:blip>
-          <a:stretch>
-            <a:fillRect/>
-          </a:stretch>
-        </p:blipFill>
-        <p:spPr>
-          <a:xfrm>
-            <a:off x="7328313" y="1696125"/>
-            <a:ext cx="1412433" cy="1412433"/>
-          </a:xfrm>
-          <a:prstGeom prst="rect">
-            <a:avLst/>
-          </a:prstGeom>
-        </p:spPr>
-      </p:pic>
-      <p:pic>
-        <p:nvPicPr>
-          <p:cNvPr id="9" name="Рисунок 8">
+          <p:cNvPr id="5" name="Рисунок 4">
             <a:extLst>
               <a:ext uri="{FF2B5EF4-FFF2-40B4-BE49-F238E27FC236}">
                 <a16:creationId xmlns:a16="http://schemas.microsoft.com/office/drawing/2014/main" id="{C86F6056-998C-4CFC-A4D9-357893211FFB}"/>
@@ -11749,7 +14474,7 @@
           <p:nvPr/>
         </p:nvPicPr>
         <p:blipFill>
-          <a:blip r:embed="rId8" cstate="print"/>
+          <a:blip r:embed="rId3" cstate="print"/>
           <a:stretch>
             <a:fillRect/>
           </a:stretch>
@@ -11764,10 +14489,41 @@
           </a:prstGeom>
         </p:spPr>
       </p:pic>
+      <p:pic>
+        <p:nvPicPr>
+          <p:cNvPr id="6" name="Рисунок 5" descr="E:\vvsu\7sem\TEO\gant3\gant32.jpg"/>
+          <p:cNvPicPr/>
+          <p:nvPr/>
+        </p:nvPicPr>
+        <p:blipFill rotWithShape="1">
+          <a:blip r:embed="rId4">
+            <a:extLst>
+              <a:ext uri="{28A0092B-C50C-407E-A947-70E740481C1C}">
+                <a14:useLocalDpi xmlns:a14="http://schemas.microsoft.com/office/drawing/2010/main" val="0"/>
+              </a:ext>
+            </a:extLst>
+          </a:blip>
+          <a:srcRect b="36555"/>
+          <a:stretch/>
+        </p:blipFill>
+        <p:spPr bwMode="auto">
+          <a:xfrm>
+            <a:off x="1209403" y="1192848"/>
+            <a:ext cx="10556917" cy="4738687"/>
+          </a:xfrm>
+          <a:prstGeom prst="rect">
+            <a:avLst/>
+          </a:prstGeom>
+          <a:noFill/>
+          <a:ln>
+            <a:noFill/>
+          </a:ln>
+        </p:spPr>
+      </p:pic>
     </p:spTree>
     <p:extLst>
       <p:ext uri="{BB962C8B-B14F-4D97-AF65-F5344CB8AC3E}">
-        <p14:creationId xmlns:p14="http://schemas.microsoft.com/office/powerpoint/2010/main" val="514942419"/>
+        <p14:creationId xmlns:p14="http://schemas.microsoft.com/office/powerpoint/2010/main" val="1532279585"/>
       </p:ext>
     </p:extLst>
   </p:cSld>
@@ -11787,6 +14543,31 @@
 <file path=ppt/slides/slide9.xml><?xml version="1.0" encoding="utf-8"?>
 <p:sld xmlns:a="http://schemas.openxmlformats.org/drawingml/2006/main" xmlns:r="http://schemas.openxmlformats.org/officeDocument/2006/relationships" xmlns:p="http://schemas.openxmlformats.org/presentationml/2006/main">
   <p:cSld>
+    <p:bg>
+      <p:bgPr>
+        <a:blipFill dpi="0" rotWithShape="1">
+          <a:blip r:embed="rId3">
+            <a:alphaModFix amt="0"/>
+            <a:extLst>
+              <a:ext uri="{BEBA8EAE-BF5A-486C-A8C5-ECC9F3942E4B}">
+                <a14:imgProps xmlns:a14="http://schemas.microsoft.com/office/drawing/2010/main">
+                  <a14:imgLayer r:embed="rId4">
+                    <a14:imgEffect>
+                      <a14:brightnessContrast contrast="36000"/>
+                    </a14:imgEffect>
+                  </a14:imgLayer>
+                </a14:imgProps>
+              </a:ext>
+            </a:extLst>
+          </a:blip>
+          <a:srcRect/>
+          <a:stretch>
+            <a:fillRect l="3000" t="78000" r="91000" b="1000"/>
+          </a:stretch>
+        </a:blipFill>
+        <a:effectLst/>
+      </p:bgPr>
+    </p:bg>
     <p:spTree>
       <p:nvGrpSpPr>
         <p:cNvPr id="1" name=""/>
@@ -11803,20 +14584,110 @@
       </p:grpSpPr>
       <p:sp>
         <p:nvSpPr>
-          <p:cNvPr id="2" name="TextBox 1">
+          <p:cNvPr id="23" name="object 3">
             <a:extLst>
               <a:ext uri="{FF2B5EF4-FFF2-40B4-BE49-F238E27FC236}">
-                <a16:creationId xmlns:a16="http://schemas.microsoft.com/office/drawing/2014/main" id="{9AB10727-3B52-4EAA-A967-2F490215CB00}"/>
+                <a16:creationId xmlns:a16="http://schemas.microsoft.com/office/drawing/2014/main" id="{2FE7BB2D-67A3-4CDB-8D3B-F26E38354485}"/>
               </a:ext>
             </a:extLst>
           </p:cNvPr>
+          <p:cNvSpPr txBox="1">
+            <a:spLocks/>
+          </p:cNvSpPr>
+          <p:nvPr/>
+        </p:nvSpPr>
+        <p:spPr>
+          <a:xfrm>
+            <a:off x="1590403" y="282161"/>
+            <a:ext cx="8763000" cy="570028"/>
+          </a:xfrm>
+          <a:prstGeom prst="rect">
+            <a:avLst/>
+          </a:prstGeom>
+        </p:spPr>
+        <p:txBody>
+          <a:bodyPr vert="horz" wrap="square" lIns="0" tIns="15875" rIns="0" bIns="0" rtlCol="0">
+            <a:spAutoFit/>
+          </a:bodyPr>
+          <a:lstStyle>
+            <a:lvl1pPr>
+              <a:defRPr sz="4500" b="1" i="0">
+                <a:solidFill>
+                  <a:srgbClr val="AC1C17"/>
+                </a:solidFill>
+                <a:latin typeface="Arial"/>
+                <a:ea typeface="+mj-ea"/>
+                <a:cs typeface="Arial"/>
+              </a:defRPr>
+            </a:lvl1pPr>
+          </a:lstStyle>
+          <a:p>
+            <a:pPr marL="12700">
+              <a:lnSpc>
+                <a:spcPct val="90000"/>
+              </a:lnSpc>
+              <a:spcBef>
+                <a:spcPts val="125"/>
+              </a:spcBef>
+            </a:pPr>
+            <a:r>
+              <a:rPr lang="ru-RU" sz="4000" b="0" spc="130" dirty="0">
+                <a:solidFill>
+                  <a:schemeClr val="tx1">
+                    <a:lumMod val="65000"/>
+                    <a:lumOff val="35000"/>
+                  </a:schemeClr>
+                </a:solidFill>
+                <a:latin typeface="+mj-lt"/>
+              </a:rPr>
+              <a:t>Диаграмма</a:t>
+            </a:r>
+            <a:r>
+              <a:rPr lang="ru-RU" sz="4000" spc="130" dirty="0">
+                <a:solidFill>
+                  <a:schemeClr val="tx1">
+                    <a:lumMod val="65000"/>
+                    <a:lumOff val="35000"/>
+                  </a:schemeClr>
+                </a:solidFill>
+                <a:latin typeface="+mj-lt"/>
+              </a:rPr>
+              <a:t> </a:t>
+            </a:r>
+            <a:r>
+              <a:rPr lang="ru-RU" sz="4000" b="0" spc="130" dirty="0">
+                <a:solidFill>
+                  <a:schemeClr val="tx1">
+                    <a:lumMod val="65000"/>
+                    <a:lumOff val="35000"/>
+                  </a:schemeClr>
+                </a:solidFill>
+                <a:latin typeface="+mj-lt"/>
+              </a:rPr>
+              <a:t>Ганта</a:t>
+            </a:r>
+            <a:endParaRPr lang="ru-RU" sz="4000" b="0" kern="0" spc="-40" dirty="0">
+              <a:solidFill>
+                <a:schemeClr val="tx1">
+                  <a:lumMod val="65000"/>
+                  <a:lumOff val="35000"/>
+                </a:schemeClr>
+              </a:solidFill>
+              <a:latin typeface="+mj-lt"/>
+            </a:endParaRPr>
+          </a:p>
+        </p:txBody>
+      </p:sp>
+      <p:sp>
+        <p:nvSpPr>
+          <p:cNvPr id="9" name="TextBox 8"/>
           <p:cNvSpPr txBox="1"/>
           <p:nvPr/>
         </p:nvSpPr>
         <p:spPr>
           <a:xfrm>
-            <a:off x="1371600" y="685800"/>
-            <a:ext cx="10193311" cy="707886"/>
+            <a:off x="2978676" y="6272195"/>
+            <a:ext cx="6662017" cy="400110"/>
           </a:xfrm>
           <a:prstGeom prst="rect">
             <a:avLst/>
@@ -11824,104 +14695,13 @@
           <a:noFill/>
         </p:spPr>
         <p:txBody>
-          <a:bodyPr wrap="square" rtlCol="0">
+          <a:bodyPr wrap="none" rtlCol="0">
             <a:spAutoFit/>
           </a:bodyPr>
           <a:lstStyle/>
           <a:p>
             <a:r>
-              <a:rPr lang="ru-RU" sz="4000" dirty="0">
-                <a:solidFill>
-                  <a:schemeClr val="tx1">
-                    <a:lumMod val="65000"/>
-                    <a:lumOff val="35000"/>
-                  </a:schemeClr>
-                </a:solidFill>
-                <a:latin typeface="+mj-lt"/>
-              </a:rPr>
-              <a:t>Экономическая</a:t>
-            </a:r>
-            <a:r>
-              <a:rPr lang="ru-RU" sz="4000" b="1" dirty="0">
-                <a:solidFill>
-                  <a:schemeClr val="tx1">
-                    <a:lumMod val="65000"/>
-                    <a:lumOff val="35000"/>
-                  </a:schemeClr>
-                </a:solidFill>
-                <a:latin typeface="+mj-lt"/>
-              </a:rPr>
-              <a:t> </a:t>
-            </a:r>
-            <a:r>
-              <a:rPr lang="ru-RU" sz="4000" dirty="0">
-                <a:solidFill>
-                  <a:schemeClr val="tx1">
-                    <a:lumMod val="65000"/>
-                    <a:lumOff val="35000"/>
-                  </a:schemeClr>
-                </a:solidFill>
-                <a:latin typeface="+mj-lt"/>
-              </a:rPr>
-              <a:t>составляющая</a:t>
-            </a:r>
-            <a:r>
-              <a:rPr lang="ru-RU" sz="4000" b="1" dirty="0">
-                <a:solidFill>
-                  <a:schemeClr val="tx1">
-                    <a:lumMod val="65000"/>
-                    <a:lumOff val="35000"/>
-                  </a:schemeClr>
-                </a:solidFill>
-                <a:latin typeface="+mj-lt"/>
-              </a:rPr>
-              <a:t> </a:t>
-            </a:r>
-            <a:r>
-              <a:rPr lang="ru-RU" sz="4000" dirty="0">
-                <a:solidFill>
-                  <a:schemeClr val="tx1">
-                    <a:lumMod val="65000"/>
-                    <a:lumOff val="35000"/>
-                  </a:schemeClr>
-                </a:solidFill>
-                <a:latin typeface="+mj-lt"/>
-              </a:rPr>
-              <a:t>проекта</a:t>
-            </a:r>
-          </a:p>
-        </p:txBody>
-      </p:sp>
-      <p:sp>
-        <p:nvSpPr>
-          <p:cNvPr id="4" name="TextBox 3">
-            <a:extLst>
-              <a:ext uri="{FF2B5EF4-FFF2-40B4-BE49-F238E27FC236}">
-                <a16:creationId xmlns:a16="http://schemas.microsoft.com/office/drawing/2014/main" id="{A17484AD-D0AB-44A8-B796-F1AC30FF32E8}"/>
-              </a:ext>
-            </a:extLst>
-          </p:cNvPr>
-          <p:cNvSpPr txBox="1"/>
-          <p:nvPr/>
-        </p:nvSpPr>
-        <p:spPr>
-          <a:xfrm>
-            <a:off x="7076983" y="4374450"/>
-            <a:ext cx="4119337" cy="1323439"/>
-          </a:xfrm>
-          <a:prstGeom prst="rect">
-            <a:avLst/>
-          </a:prstGeom>
-          <a:noFill/>
-        </p:spPr>
-        <p:txBody>
-          <a:bodyPr wrap="square" rtlCol="0">
-            <a:spAutoFit/>
-          </a:bodyPr>
-          <a:lstStyle/>
-          <a:p>
-            <a:r>
-              <a:rPr lang="ru-RU" altLang="ru-RU" sz="2000" dirty="0" err="1" smtClean="0">
+              <a:rPr lang="ru-RU" sz="2000" dirty="0" smtClean="0">
                 <a:solidFill>
                   <a:schemeClr val="tx1">
                     <a:lumMod val="75000"/>
@@ -11931,10 +14711,10 @@
                 <a:latin typeface="Calibri" panose="020F0502020204030204" pitchFamily="34" charset="0"/>
                 <a:cs typeface="Calibri" panose="020F0502020204030204" pitchFamily="34" charset="0"/>
               </a:rPr>
-              <a:t>Использоанный</a:t>
-            </a:r>
-            <a:r>
-              <a:rPr lang="ru-RU" altLang="ru-RU" sz="2000" dirty="0" smtClean="0">
+              <a:t>Диаграмма </a:t>
+            </a:r>
+            <a:r>
+              <a:rPr lang="ru-RU" sz="2000" dirty="0" err="1" smtClean="0">
                 <a:solidFill>
                   <a:schemeClr val="tx1">
                     <a:lumMod val="75000"/>
@@ -11944,12 +14724,10 @@
                 <a:latin typeface="Calibri" panose="020F0502020204030204" pitchFamily="34" charset="0"/>
                 <a:cs typeface="Calibri" panose="020F0502020204030204" pitchFamily="34" charset="0"/>
               </a:rPr>
-              <a:t> инструментарий:</a:t>
-            </a:r>
-          </a:p>
-          <a:p>
-            <a:r>
-              <a:rPr lang="en-US" altLang="ru-RU" sz="2000" dirty="0" smtClean="0">
+              <a:t>Ганта</a:t>
+            </a:r>
+            <a:r>
+              <a:rPr lang="ru-RU" sz="2000" dirty="0" smtClean="0">
                 <a:solidFill>
                   <a:schemeClr val="tx1">
                     <a:lumMod val="75000"/>
@@ -11959,10 +14737,10 @@
                 <a:latin typeface="Calibri" panose="020F0502020204030204" pitchFamily="34" charset="0"/>
                 <a:cs typeface="Calibri" panose="020F0502020204030204" pitchFamily="34" charset="0"/>
               </a:rPr>
-              <a:t>Visual Studio Code</a:t>
-            </a:r>
-            <a:r>
-              <a:rPr lang="ru-RU" altLang="ru-RU" sz="2000" dirty="0" smtClean="0">
+              <a:t> была экспортирована из </a:t>
+            </a:r>
+            <a:r>
+              <a:rPr lang="en-US" sz="2000" dirty="0" smtClean="0">
                 <a:solidFill>
                   <a:schemeClr val="tx1">
                     <a:lumMod val="75000"/>
@@ -11972,9 +14750,9 @@
                 <a:latin typeface="Calibri" panose="020F0502020204030204" pitchFamily="34" charset="0"/>
                 <a:cs typeface="Calibri" panose="020F0502020204030204" pitchFamily="34" charset="0"/>
               </a:rPr>
-              <a:t> – бесплатно</a:t>
-            </a:r>
-            <a:endParaRPr lang="en-US" altLang="ru-RU" sz="2000" dirty="0" smtClean="0">
+              <a:t>Microsoft Project</a:t>
+            </a:r>
+            <a:endParaRPr lang="ru-RU" sz="2000" dirty="0">
               <a:solidFill>
                 <a:schemeClr val="tx1">
                   <a:lumMod val="75000"/>
@@ -11985,183 +14763,11 @@
               <a:cs typeface="Calibri" panose="020F0502020204030204" pitchFamily="34" charset="0"/>
             </a:endParaRPr>
           </a:p>
-          <a:p>
-            <a:r>
-              <a:rPr lang="en-US" altLang="ru-RU" sz="2000" dirty="0">
-                <a:solidFill>
-                  <a:schemeClr val="tx1">
-                    <a:lumMod val="75000"/>
-                    <a:lumOff val="25000"/>
-                  </a:schemeClr>
-                </a:solidFill>
-                <a:latin typeface="Calibri" panose="020F0502020204030204" pitchFamily="34" charset="0"/>
-                <a:cs typeface="Calibri" panose="020F0502020204030204" pitchFamily="34" charset="0"/>
-              </a:rPr>
-              <a:t>MySQL </a:t>
-            </a:r>
-            <a:r>
-              <a:rPr lang="en-US" altLang="ru-RU" sz="2000" dirty="0" smtClean="0">
-                <a:solidFill>
-                  <a:schemeClr val="tx1">
-                    <a:lumMod val="75000"/>
-                    <a:lumOff val="25000"/>
-                  </a:schemeClr>
-                </a:solidFill>
-                <a:latin typeface="Calibri" panose="020F0502020204030204" pitchFamily="34" charset="0"/>
-                <a:cs typeface="Calibri" panose="020F0502020204030204" pitchFamily="34" charset="0"/>
-              </a:rPr>
-              <a:t>Workbench - </a:t>
-            </a:r>
-            <a:r>
-              <a:rPr lang="ru-RU" altLang="ru-RU" sz="2000" dirty="0" smtClean="0">
-                <a:solidFill>
-                  <a:schemeClr val="tx1">
-                    <a:lumMod val="75000"/>
-                    <a:lumOff val="25000"/>
-                  </a:schemeClr>
-                </a:solidFill>
-                <a:latin typeface="Calibri" panose="020F0502020204030204" pitchFamily="34" charset="0"/>
-                <a:cs typeface="Calibri" panose="020F0502020204030204" pitchFamily="34" charset="0"/>
-              </a:rPr>
-              <a:t>бесплатно</a:t>
-            </a:r>
-            <a:endParaRPr lang="en-US" altLang="ru-RU" sz="2000" dirty="0" smtClean="0">
-              <a:solidFill>
-                <a:schemeClr val="tx1">
-                  <a:lumMod val="75000"/>
-                  <a:lumOff val="25000"/>
-                </a:schemeClr>
-              </a:solidFill>
-              <a:latin typeface="Calibri" panose="020F0502020204030204" pitchFamily="34" charset="0"/>
-              <a:cs typeface="Calibri" panose="020F0502020204030204" pitchFamily="34" charset="0"/>
-            </a:endParaRPr>
-          </a:p>
-          <a:p>
-            <a:r>
-              <a:rPr lang="en-US" altLang="ru-RU" sz="2000" dirty="0" smtClean="0">
-                <a:solidFill>
-                  <a:schemeClr val="tx1">
-                    <a:lumMod val="75000"/>
-                    <a:lumOff val="25000"/>
-                  </a:schemeClr>
-                </a:solidFill>
-                <a:latin typeface="Calibri" panose="020F0502020204030204" pitchFamily="34" charset="0"/>
-                <a:cs typeface="Calibri" panose="020F0502020204030204" pitchFamily="34" charset="0"/>
-              </a:rPr>
-              <a:t>GitHub</a:t>
-            </a:r>
-            <a:r>
-              <a:rPr lang="ru-RU" altLang="ru-RU" sz="2000" dirty="0" smtClean="0">
-                <a:solidFill>
-                  <a:schemeClr val="tx1">
-                    <a:lumMod val="75000"/>
-                    <a:lumOff val="25000"/>
-                  </a:schemeClr>
-                </a:solidFill>
-                <a:latin typeface="Calibri" panose="020F0502020204030204" pitchFamily="34" charset="0"/>
-                <a:cs typeface="Calibri" panose="020F0502020204030204" pitchFamily="34" charset="0"/>
-              </a:rPr>
-              <a:t>– бесплатно</a:t>
-            </a:r>
-            <a:endParaRPr lang="en-US" altLang="ru-RU" sz="2000" dirty="0" smtClean="0">
-              <a:solidFill>
-                <a:schemeClr val="tx1">
-                  <a:lumMod val="75000"/>
-                  <a:lumOff val="25000"/>
-                </a:schemeClr>
-              </a:solidFill>
-              <a:latin typeface="Calibri" panose="020F0502020204030204" pitchFamily="34" charset="0"/>
-              <a:cs typeface="Calibri" panose="020F0502020204030204" pitchFamily="34" charset="0"/>
-            </a:endParaRPr>
-          </a:p>
-        </p:txBody>
-      </p:sp>
-      <p:sp>
-        <p:nvSpPr>
-          <p:cNvPr id="8" name="TextBox 7">
-            <a:extLst>
-              <a:ext uri="{FF2B5EF4-FFF2-40B4-BE49-F238E27FC236}">
-                <a16:creationId xmlns:a16="http://schemas.microsoft.com/office/drawing/2014/main" id="{AAFA6F00-10E0-4EC1-B838-97579EFE5FCF}"/>
-              </a:ext>
-            </a:extLst>
-          </p:cNvPr>
-          <p:cNvSpPr txBox="1"/>
-          <p:nvPr/>
-        </p:nvSpPr>
-        <p:spPr>
-          <a:xfrm>
-            <a:off x="1475740" y="1683603"/>
-            <a:ext cx="9720580" cy="707886"/>
-          </a:xfrm>
-          <a:prstGeom prst="rect">
-            <a:avLst/>
-          </a:prstGeom>
-          <a:noFill/>
-        </p:spPr>
-        <p:txBody>
-          <a:bodyPr wrap="square" rtlCol="0">
-            <a:spAutoFit/>
-          </a:bodyPr>
-          <a:lstStyle/>
-          <a:p>
-            <a:r>
-              <a:rPr lang="ru-RU" sz="2000" dirty="0" smtClean="0">
-                <a:solidFill>
-                  <a:schemeClr val="tx1">
-                    <a:lumMod val="75000"/>
-                    <a:lumOff val="25000"/>
-                  </a:schemeClr>
-                </a:solidFill>
-                <a:latin typeface="Calibri" panose="020F0502020204030204" pitchFamily="34" charset="0"/>
-                <a:cs typeface="Calibri" panose="020F0502020204030204" pitchFamily="34" charset="0"/>
-              </a:rPr>
-              <a:t>Минимальная стоимость разработки чат-бота – 10 000 рублей.</a:t>
-            </a:r>
-          </a:p>
-          <a:p>
-            <a:r>
-              <a:rPr lang="ru-RU" sz="2000" dirty="0" smtClean="0">
-                <a:solidFill>
-                  <a:schemeClr val="tx1">
-                    <a:lumMod val="75000"/>
-                    <a:lumOff val="25000"/>
-                  </a:schemeClr>
-                </a:solidFill>
-                <a:latin typeface="Calibri" panose="020F0502020204030204" pitchFamily="34" charset="0"/>
-                <a:cs typeface="Calibri" panose="020F0502020204030204" pitchFamily="34" charset="0"/>
-              </a:rPr>
-              <a:t>Для крупных организаций – от 100 000 рублей.</a:t>
-            </a:r>
-          </a:p>
-        </p:txBody>
-      </p:sp>
-      <p:graphicFrame>
-        <p:nvGraphicFramePr>
-          <p:cNvPr id="10" name="Chart 24"/>
-          <p:cNvGraphicFramePr>
-            <a:graphicFrameLocks/>
-          </p:cNvGraphicFramePr>
-          <p:nvPr>
-            <p:extLst>
-              <p:ext uri="{D42A27DB-BD31-4B8C-83A1-F6EECF244321}">
-                <p14:modId xmlns:p14="http://schemas.microsoft.com/office/powerpoint/2010/main" val="3094008766"/>
-              </p:ext>
-            </p:extLst>
-          </p:nvPr>
-        </p:nvGraphicFramePr>
-        <p:xfrm>
-          <a:off x="1371601" y="2391489"/>
-          <a:ext cx="5705382" cy="4192191"/>
-        </p:xfrm>
-        <a:graphic>
-          <a:graphicData uri="http://schemas.openxmlformats.org/drawingml/2006/chart">
-            <c:chart xmlns:c="http://schemas.openxmlformats.org/drawingml/2006/chart" xmlns:r="http://schemas.openxmlformats.org/officeDocument/2006/relationships" r:id="rId3"/>
-          </a:graphicData>
-        </a:graphic>
-      </p:graphicFrame>
+        </p:txBody>
+      </p:sp>
       <p:pic>
         <p:nvPicPr>
-          <p:cNvPr id="6" name="Рисунок 5">
+          <p:cNvPr id="5" name="Рисунок 4">
             <a:extLst>
               <a:ext uri="{FF2B5EF4-FFF2-40B4-BE49-F238E27FC236}">
                 <a16:creationId xmlns:a16="http://schemas.microsoft.com/office/drawing/2014/main" id="{C86F6056-998C-4CFC-A4D9-357893211FFB}"/>
@@ -12174,7 +14780,7 @@
           <p:nvPr/>
         </p:nvPicPr>
         <p:blipFill>
-          <a:blip r:embed="rId4" cstate="print"/>
+          <a:blip r:embed="rId5" cstate="print"/>
           <a:stretch>
             <a:fillRect/>
           </a:stretch>
@@ -12189,10 +14795,41 @@
           </a:prstGeom>
         </p:spPr>
       </p:pic>
+      <p:pic>
+        <p:nvPicPr>
+          <p:cNvPr id="6" name="Рисунок 5"/>
+          <p:cNvPicPr/>
+          <p:nvPr/>
+        </p:nvPicPr>
+        <p:blipFill rotWithShape="1">
+          <a:blip r:embed="rId6">
+            <a:extLst>
+              <a:ext uri="{28A0092B-C50C-407E-A947-70E740481C1C}">
+                <a14:useLocalDpi xmlns:a14="http://schemas.microsoft.com/office/drawing/2010/main" val="0"/>
+              </a:ext>
+            </a:extLst>
+          </a:blip>
+          <a:srcRect b="26750"/>
+          <a:stretch/>
+        </p:blipFill>
+        <p:spPr bwMode="auto">
+          <a:xfrm>
+            <a:off x="1590402" y="1336675"/>
+            <a:ext cx="8937897" cy="4741539"/>
+          </a:xfrm>
+          <a:prstGeom prst="rect">
+            <a:avLst/>
+          </a:prstGeom>
+          <a:noFill/>
+          <a:ln>
+            <a:noFill/>
+          </a:ln>
+        </p:spPr>
+      </p:pic>
     </p:spTree>
     <p:extLst>
       <p:ext uri="{BB962C8B-B14F-4D97-AF65-F5344CB8AC3E}">
-        <p14:creationId xmlns:p14="http://schemas.microsoft.com/office/powerpoint/2010/main" val="2780660336"/>
+        <p14:creationId xmlns:p14="http://schemas.microsoft.com/office/powerpoint/2010/main" val="1985518871"/>
       </p:ext>
     </p:extLst>
   </p:cSld>

--- a/doc/ProjectBot.pptx
+++ b/doc/ProjectBot.pptx
@@ -5,7 +5,7 @@
     <p:sldMasterId id="2147483819" r:id="rId1"/>
   </p:sldMasterIdLst>
   <p:notesMasterIdLst>
-    <p:notesMasterId r:id="rId17"/>
+    <p:notesMasterId r:id="rId27"/>
   </p:notesMasterIdLst>
   <p:sldIdLst>
     <p:sldId id="256" r:id="rId2"/>
@@ -18,11 +18,21 @@
     <p:sldId id="273" r:id="rId9"/>
     <p:sldId id="277" r:id="rId10"/>
     <p:sldId id="271" r:id="rId11"/>
-    <p:sldId id="278" r:id="rId12"/>
-    <p:sldId id="279" r:id="rId13"/>
-    <p:sldId id="260" r:id="rId14"/>
-    <p:sldId id="263" r:id="rId15"/>
-    <p:sldId id="270" r:id="rId16"/>
+    <p:sldId id="260" r:id="rId12"/>
+    <p:sldId id="280" r:id="rId13"/>
+    <p:sldId id="281" r:id="rId14"/>
+    <p:sldId id="282" r:id="rId15"/>
+    <p:sldId id="283" r:id="rId16"/>
+    <p:sldId id="284" r:id="rId17"/>
+    <p:sldId id="285" r:id="rId18"/>
+    <p:sldId id="286" r:id="rId19"/>
+    <p:sldId id="278" r:id="rId20"/>
+    <p:sldId id="279" r:id="rId21"/>
+    <p:sldId id="263" r:id="rId22"/>
+    <p:sldId id="288" r:id="rId23"/>
+    <p:sldId id="287" r:id="rId24"/>
+    <p:sldId id="289" r:id="rId25"/>
+    <p:sldId id="270" r:id="rId26"/>
   </p:sldIdLst>
   <p:sldSz cx="12192000" cy="6858000"/>
   <p:notesSz cx="6858000" cy="9144000"/>
@@ -470,7 +480,6 @@
         <c:idx val="1"/>
         <c:delete val="1"/>
       </c:legendEntry>
-      <c:layout/>
       <c:overlay val="0"/>
       <c:spPr>
         <a:noFill/>
@@ -795,9 +804,7 @@
               </c:spPr>
             </c:leaderLines>
             <c:extLst>
-              <c:ext xmlns:c15="http://schemas.microsoft.com/office/drawing/2012/chart" uri="{CE6537A1-D6FC-4f65-9D91-7224C49458BB}">
-                <c15:layout/>
-              </c:ext>
+              <c:ext xmlns:c15="http://schemas.microsoft.com/office/drawing/2012/chart" uri="{CE6537A1-D6FC-4f65-9D91-7224C49458BB}"/>
             </c:extLst>
           </c:dLbls>
           <c:cat>
@@ -2194,7 +2201,7 @@
           <a:p>
             <a:fld id="{09B41AD6-7708-4B06-9193-90A3FB2CA1B1}" type="datetimeFigureOut">
               <a:rPr lang="ru-RU" smtClean="0"/>
-              <a:t>21.01.2022</a:t>
+              <a:t>22.01.2022</a:t>
             </a:fld>
             <a:endParaRPr lang="ru-RU"/>
           </a:p>
@@ -2591,6 +2598,384 @@
           <a:p>
             <a:endParaRPr lang="ru-RU" dirty="0"/>
           </a:p>
+          <a:p>
+            <a:pPr marL="0" marR="0" lvl="0" indent="0" algn="l" defTabSz="914400" rtl="0" eaLnBrk="1" fontAlgn="auto" latinLnBrk="0" hangingPunct="1">
+              <a:lnSpc>
+                <a:spcPct val="100000"/>
+              </a:lnSpc>
+              <a:spcBef>
+                <a:spcPts val="0"/>
+              </a:spcBef>
+              <a:spcAft>
+                <a:spcPts val="0"/>
+              </a:spcAft>
+              <a:buClrTx/>
+              <a:buSzTx/>
+              <a:buFontTx/>
+              <a:buNone/>
+              <a:tabLst/>
+              <a:defRPr/>
+            </a:pPr>
+            <a:r>
+              <a:rPr lang="ru-RU" dirty="0" smtClean="0">
+                <a:latin typeface="Calibri" panose="020F0502020204030204" pitchFamily="34" charset="0"/>
+                <a:cs typeface="Calibri" panose="020F0502020204030204" pitchFamily="34" charset="0"/>
+              </a:rPr>
+              <a:t>Общая стоимость разработки продукта</a:t>
+            </a:r>
+            <a:r>
+              <a:rPr lang="ru-RU" baseline="0" dirty="0" smtClean="0">
+                <a:latin typeface="Calibri" panose="020F0502020204030204" pitchFamily="34" charset="0"/>
+                <a:cs typeface="Calibri" panose="020F0502020204030204" pitchFamily="34" charset="0"/>
+              </a:rPr>
+              <a:t>, рассчитанная </a:t>
+            </a:r>
+            <a:r>
+              <a:rPr lang="en-US" baseline="0" dirty="0" smtClean="0">
+                <a:latin typeface="Calibri" panose="020F0502020204030204" pitchFamily="34" charset="0"/>
+                <a:cs typeface="Calibri" panose="020F0502020204030204" pitchFamily="34" charset="0"/>
+              </a:rPr>
+              <a:t>Microsoft project</a:t>
+            </a:r>
+            <a:r>
+              <a:rPr lang="ru-RU" baseline="0" dirty="0" smtClean="0">
+                <a:latin typeface="Calibri" panose="020F0502020204030204" pitchFamily="34" charset="0"/>
+                <a:cs typeface="Calibri" panose="020F0502020204030204" pitchFamily="34" charset="0"/>
+              </a:rPr>
+              <a:t>,</a:t>
+            </a:r>
+            <a:r>
+              <a:rPr lang="en-US" baseline="0" dirty="0" smtClean="0">
+                <a:latin typeface="Calibri" panose="020F0502020204030204" pitchFamily="34" charset="0"/>
+                <a:cs typeface="Calibri" panose="020F0502020204030204" pitchFamily="34" charset="0"/>
+              </a:rPr>
+              <a:t> </a:t>
+            </a:r>
+            <a:r>
+              <a:rPr lang="ru-RU" baseline="0" dirty="0" smtClean="0">
+                <a:latin typeface="Calibri" panose="020F0502020204030204" pitchFamily="34" charset="0"/>
+                <a:cs typeface="Calibri" panose="020F0502020204030204" pitchFamily="34" charset="0"/>
+              </a:rPr>
+              <a:t>равна</a:t>
+            </a:r>
+            <a:r>
+              <a:rPr lang="en-US" baseline="0" dirty="0" smtClean="0">
+                <a:latin typeface="Calibri" panose="020F0502020204030204" pitchFamily="34" charset="0"/>
+                <a:cs typeface="Calibri" panose="020F0502020204030204" pitchFamily="34" charset="0"/>
+              </a:rPr>
+              <a:t> </a:t>
+            </a:r>
+            <a:r>
+              <a:rPr lang="ru-RU" dirty="0" smtClean="0">
+                <a:latin typeface="Calibri" panose="020F0502020204030204" pitchFamily="34" charset="0"/>
+                <a:cs typeface="Calibri" panose="020F0502020204030204" pitchFamily="34" charset="0"/>
+              </a:rPr>
+              <a:t>48 890 рублей.</a:t>
+            </a:r>
+          </a:p>
+          <a:p>
+            <a:pPr marL="0" marR="0" lvl="0" indent="0" algn="l" defTabSz="914400" rtl="0" eaLnBrk="1" fontAlgn="auto" latinLnBrk="0" hangingPunct="1">
+              <a:lnSpc>
+                <a:spcPct val="100000"/>
+              </a:lnSpc>
+              <a:spcBef>
+                <a:spcPts val="0"/>
+              </a:spcBef>
+              <a:spcAft>
+                <a:spcPts val="0"/>
+              </a:spcAft>
+              <a:buClrTx/>
+              <a:buSzTx/>
+              <a:buFontTx/>
+              <a:buNone/>
+              <a:tabLst/>
+              <a:defRPr/>
+            </a:pPr>
+            <a:r>
+              <a:rPr lang="ru-RU" dirty="0" smtClean="0">
+                <a:latin typeface="Calibri" panose="020F0502020204030204" pitchFamily="34" charset="0"/>
+                <a:cs typeface="Calibri" panose="020F0502020204030204" pitchFamily="34" charset="0"/>
+              </a:rPr>
+              <a:t>Также в начальную стоимость проекта заложена цена рекламной кампании,</a:t>
+            </a:r>
+            <a:r>
+              <a:rPr lang="ru-RU" baseline="0" dirty="0" smtClean="0">
+                <a:latin typeface="Calibri" panose="020F0502020204030204" pitchFamily="34" charset="0"/>
+                <a:cs typeface="Calibri" panose="020F0502020204030204" pitchFamily="34" charset="0"/>
+              </a:rPr>
+              <a:t> которая составляет 300 рублей</a:t>
+            </a:r>
+            <a:endParaRPr lang="ru-RU" dirty="0" smtClean="0">
+              <a:latin typeface="Calibri" panose="020F0502020204030204" pitchFamily="34" charset="0"/>
+              <a:cs typeface="Calibri" panose="020F0502020204030204" pitchFamily="34" charset="0"/>
+            </a:endParaRPr>
+          </a:p>
+          <a:p>
+            <a:pPr marL="0" marR="0" lvl="0" indent="0" algn="l" defTabSz="914400" rtl="0" eaLnBrk="1" fontAlgn="auto" latinLnBrk="0" hangingPunct="1">
+              <a:lnSpc>
+                <a:spcPct val="100000"/>
+              </a:lnSpc>
+              <a:spcBef>
+                <a:spcPts val="0"/>
+              </a:spcBef>
+              <a:spcAft>
+                <a:spcPts val="0"/>
+              </a:spcAft>
+              <a:buClrTx/>
+              <a:buSzTx/>
+              <a:buFontTx/>
+              <a:buNone/>
+              <a:tabLst/>
+              <a:defRPr/>
+            </a:pPr>
+            <a:endParaRPr lang="ru-RU" dirty="0" smtClean="0">
+              <a:latin typeface="Calibri" panose="020F0502020204030204" pitchFamily="34" charset="0"/>
+              <a:cs typeface="Calibri" panose="020F0502020204030204" pitchFamily="34" charset="0"/>
+            </a:endParaRPr>
+          </a:p>
+          <a:p>
+            <a:pPr marL="0" marR="0" lvl="0" indent="0" algn="l" defTabSz="914400" rtl="0" eaLnBrk="1" fontAlgn="auto" latinLnBrk="0" hangingPunct="1">
+              <a:lnSpc>
+                <a:spcPct val="100000"/>
+              </a:lnSpc>
+              <a:spcBef>
+                <a:spcPts val="0"/>
+              </a:spcBef>
+              <a:spcAft>
+                <a:spcPts val="0"/>
+              </a:spcAft>
+              <a:buClrTx/>
+              <a:buSzTx/>
+              <a:buFontTx/>
+              <a:buNone/>
+              <a:tabLst/>
+              <a:defRPr/>
+            </a:pPr>
+            <a:r>
+              <a:rPr lang="ru-RU" dirty="0" smtClean="0">
+                <a:latin typeface="Calibri" panose="020F0502020204030204" pitchFamily="34" charset="0"/>
+                <a:cs typeface="Calibri" panose="020F0502020204030204" pitchFamily="34" charset="0"/>
+              </a:rPr>
+              <a:t>Почти</a:t>
+            </a:r>
+            <a:r>
+              <a:rPr lang="ru-RU" baseline="0" dirty="0" smtClean="0">
+                <a:latin typeface="Calibri" panose="020F0502020204030204" pitchFamily="34" charset="0"/>
+                <a:cs typeface="Calibri" panose="020F0502020204030204" pitchFamily="34" charset="0"/>
+              </a:rPr>
+              <a:t> все расходы проекта состоят из оплаты труда, так как он является программным продуктом</a:t>
+            </a:r>
+            <a:endParaRPr lang="en-US" baseline="0" dirty="0" smtClean="0">
+              <a:latin typeface="Calibri" panose="020F0502020204030204" pitchFamily="34" charset="0"/>
+              <a:cs typeface="Calibri" panose="020F0502020204030204" pitchFamily="34" charset="0"/>
+            </a:endParaRPr>
+          </a:p>
+          <a:p>
+            <a:pPr marL="0" marR="0" lvl="0" indent="0" algn="l" defTabSz="914400" rtl="0" eaLnBrk="1" fontAlgn="auto" latinLnBrk="0" hangingPunct="1">
+              <a:lnSpc>
+                <a:spcPct val="100000"/>
+              </a:lnSpc>
+              <a:spcBef>
+                <a:spcPts val="0"/>
+              </a:spcBef>
+              <a:spcAft>
+                <a:spcPts val="0"/>
+              </a:spcAft>
+              <a:buClrTx/>
+              <a:buSzTx/>
+              <a:buFontTx/>
+              <a:buNone/>
+              <a:tabLst/>
+              <a:defRPr/>
+            </a:pPr>
+            <a:endParaRPr lang="en-US" baseline="0" dirty="0" smtClean="0">
+              <a:latin typeface="Calibri" panose="020F0502020204030204" pitchFamily="34" charset="0"/>
+              <a:cs typeface="Calibri" panose="020F0502020204030204" pitchFamily="34" charset="0"/>
+            </a:endParaRPr>
+          </a:p>
+          <a:p>
+            <a:pPr marL="0" marR="0" lvl="0" indent="0" algn="l" defTabSz="914400" rtl="0" eaLnBrk="1" fontAlgn="auto" latinLnBrk="0" hangingPunct="1">
+              <a:lnSpc>
+                <a:spcPct val="100000"/>
+              </a:lnSpc>
+              <a:spcBef>
+                <a:spcPts val="0"/>
+              </a:spcBef>
+              <a:spcAft>
+                <a:spcPts val="0"/>
+              </a:spcAft>
+              <a:buClrTx/>
+              <a:buSzTx/>
+              <a:buFontTx/>
+              <a:buNone/>
+              <a:tabLst/>
+              <a:defRPr/>
+            </a:pPr>
+            <a:r>
+              <a:rPr lang="ru-RU" baseline="0" dirty="0" smtClean="0">
+                <a:latin typeface="Calibri" panose="020F0502020204030204" pitchFamily="34" charset="0"/>
+                <a:cs typeface="Calibri" panose="020F0502020204030204" pitchFamily="34" charset="0"/>
+              </a:rPr>
+              <a:t>Разработка простых </a:t>
+            </a:r>
+            <a:r>
+              <a:rPr lang="ru-RU" baseline="0" dirty="0" err="1" smtClean="0">
+                <a:latin typeface="Calibri" panose="020F0502020204030204" pitchFamily="34" charset="0"/>
+                <a:cs typeface="Calibri" panose="020F0502020204030204" pitchFamily="34" charset="0"/>
+              </a:rPr>
+              <a:t>телеграм</a:t>
+            </a:r>
+            <a:r>
+              <a:rPr lang="ru-RU" baseline="0" dirty="0" smtClean="0">
+                <a:latin typeface="Calibri" panose="020F0502020204030204" pitchFamily="34" charset="0"/>
+                <a:cs typeface="Calibri" panose="020F0502020204030204" pitchFamily="34" charset="0"/>
+              </a:rPr>
+              <a:t> ботов по на рынке стоит от 5000 до 10000 по данных сайта по </a:t>
+            </a:r>
+            <a:r>
+              <a:rPr lang="ru-RU" baseline="0" dirty="0" err="1" smtClean="0">
+                <a:latin typeface="Calibri" panose="020F0502020204030204" pitchFamily="34" charset="0"/>
+                <a:cs typeface="Calibri" panose="020F0502020204030204" pitchFamily="34" charset="0"/>
+              </a:rPr>
+              <a:t>фрилансу</a:t>
+            </a:r>
+            <a:endParaRPr lang="en-US" baseline="0" dirty="0" smtClean="0">
+              <a:latin typeface="Calibri" panose="020F0502020204030204" pitchFamily="34" charset="0"/>
+              <a:cs typeface="Calibri" panose="020F0502020204030204" pitchFamily="34" charset="0"/>
+            </a:endParaRPr>
+          </a:p>
+          <a:p>
+            <a:pPr marL="0" marR="0" lvl="0" indent="0" algn="l" defTabSz="914400" rtl="0" eaLnBrk="1" fontAlgn="auto" latinLnBrk="0" hangingPunct="1">
+              <a:lnSpc>
+                <a:spcPct val="100000"/>
+              </a:lnSpc>
+              <a:spcBef>
+                <a:spcPts val="0"/>
+              </a:spcBef>
+              <a:spcAft>
+                <a:spcPts val="0"/>
+              </a:spcAft>
+              <a:buClrTx/>
+              <a:buSzTx/>
+              <a:buFontTx/>
+              <a:buNone/>
+              <a:tabLst/>
+              <a:defRPr/>
+            </a:pPr>
+            <a:r>
+              <a:rPr lang="en-US" baseline="0" dirty="0" smtClean="0">
+                <a:latin typeface="Calibri" panose="020F0502020204030204" pitchFamily="34" charset="0"/>
+                <a:cs typeface="Calibri" panose="020F0502020204030204" pitchFamily="34" charset="0"/>
+              </a:rPr>
+              <a:t>https://freelance.youdo.com/programming/site/widgets/chat/tag/sozdaniebota/</a:t>
+            </a:r>
+            <a:endParaRPr lang="ru-RU" baseline="0" dirty="0" smtClean="0">
+              <a:latin typeface="Calibri" panose="020F0502020204030204" pitchFamily="34" charset="0"/>
+              <a:cs typeface="Calibri" panose="020F0502020204030204" pitchFamily="34" charset="0"/>
+            </a:endParaRPr>
+          </a:p>
+          <a:p>
+            <a:pPr marL="0" marR="0" lvl="0" indent="0" algn="l" defTabSz="914400" rtl="0" eaLnBrk="1" fontAlgn="auto" latinLnBrk="0" hangingPunct="1">
+              <a:lnSpc>
+                <a:spcPct val="100000"/>
+              </a:lnSpc>
+              <a:spcBef>
+                <a:spcPts val="0"/>
+              </a:spcBef>
+              <a:spcAft>
+                <a:spcPts val="0"/>
+              </a:spcAft>
+              <a:buClrTx/>
+              <a:buSzTx/>
+              <a:buFontTx/>
+              <a:buNone/>
+              <a:tabLst/>
+              <a:defRPr/>
+            </a:pPr>
+            <a:r>
+              <a:rPr lang="ru-RU" baseline="0" dirty="0" smtClean="0">
+                <a:latin typeface="Calibri" panose="020F0502020204030204" pitchFamily="34" charset="0"/>
+                <a:cs typeface="Calibri" panose="020F0502020204030204" pitchFamily="34" charset="0"/>
+              </a:rPr>
+              <a:t>Разработка и интеграция с корпоративными системами уже начинается от 15000 до 100000 </a:t>
+            </a:r>
+          </a:p>
+          <a:p>
+            <a:pPr marL="0" marR="0" lvl="0" indent="0" algn="l" defTabSz="914400" rtl="0" eaLnBrk="1" fontAlgn="auto" latinLnBrk="0" hangingPunct="1">
+              <a:lnSpc>
+                <a:spcPct val="100000"/>
+              </a:lnSpc>
+              <a:spcBef>
+                <a:spcPts val="0"/>
+              </a:spcBef>
+              <a:spcAft>
+                <a:spcPts val="0"/>
+              </a:spcAft>
+              <a:buClrTx/>
+              <a:buSzTx/>
+              <a:buFontTx/>
+              <a:buNone/>
+              <a:tabLst/>
+              <a:defRPr/>
+            </a:pPr>
+            <a:r>
+              <a:rPr lang="en-US" baseline="0" dirty="0" smtClean="0">
+                <a:latin typeface="Calibri" panose="020F0502020204030204" pitchFamily="34" charset="0"/>
+                <a:cs typeface="Calibri" panose="020F0502020204030204" pitchFamily="34" charset="0"/>
+              </a:rPr>
+              <a:t>https://synweb.ru/po/razrabotka-bota-telegram</a:t>
+            </a:r>
+            <a:endParaRPr lang="ru-RU" baseline="0" dirty="0" smtClean="0">
+              <a:latin typeface="Calibri" panose="020F0502020204030204" pitchFamily="34" charset="0"/>
+              <a:cs typeface="Calibri" panose="020F0502020204030204" pitchFamily="34" charset="0"/>
+            </a:endParaRPr>
+          </a:p>
+          <a:p>
+            <a:pPr marL="0" marR="0" lvl="0" indent="0" algn="l" defTabSz="914400" rtl="0" eaLnBrk="1" fontAlgn="auto" latinLnBrk="0" hangingPunct="1">
+              <a:lnSpc>
+                <a:spcPct val="100000"/>
+              </a:lnSpc>
+              <a:spcBef>
+                <a:spcPts val="0"/>
+              </a:spcBef>
+              <a:spcAft>
+                <a:spcPts val="0"/>
+              </a:spcAft>
+              <a:buClrTx/>
+              <a:buSzTx/>
+              <a:buFontTx/>
+              <a:buNone/>
+              <a:tabLst/>
+              <a:defRPr/>
+            </a:pPr>
+            <a:endParaRPr lang="en-US" baseline="0" dirty="0" smtClean="0">
+              <a:latin typeface="Calibri" panose="020F0502020204030204" pitchFamily="34" charset="0"/>
+              <a:cs typeface="Calibri" panose="020F0502020204030204" pitchFamily="34" charset="0"/>
+            </a:endParaRPr>
+          </a:p>
+          <a:p>
+            <a:pPr marL="0" marR="0" lvl="0" indent="0" algn="l" defTabSz="914400" rtl="0" eaLnBrk="1" fontAlgn="auto" latinLnBrk="0" hangingPunct="1">
+              <a:lnSpc>
+                <a:spcPct val="100000"/>
+              </a:lnSpc>
+              <a:spcBef>
+                <a:spcPts val="0"/>
+              </a:spcBef>
+              <a:spcAft>
+                <a:spcPts val="0"/>
+              </a:spcAft>
+              <a:buClrTx/>
+              <a:buSzTx/>
+              <a:buFontTx/>
+              <a:buNone/>
+              <a:tabLst/>
+              <a:defRPr/>
+            </a:pPr>
+            <a:endParaRPr lang="ru-RU" dirty="0" smtClean="0">
+              <a:latin typeface="Calibri" panose="020F0502020204030204" pitchFamily="34" charset="0"/>
+              <a:cs typeface="Calibri" panose="020F0502020204030204" pitchFamily="34" charset="0"/>
+            </a:endParaRPr>
+          </a:p>
         </p:txBody>
       </p:sp>
       <p:sp>
@@ -2610,7 +2995,7 @@
           <a:p>
             <a:fld id="{489D1785-3960-4670-8EB0-0CB22B17F5EA}" type="slidenum">
               <a:rPr lang="ru-RU" smtClean="0"/>
-              <a:t>11</a:t>
+              <a:t>10</a:t>
             </a:fld>
             <a:endParaRPr lang="ru-RU"/>
           </a:p>
@@ -2619,7 +3004,7 @@
     </p:spTree>
     <p:extLst>
       <p:ext uri="{BB962C8B-B14F-4D97-AF65-F5344CB8AC3E}">
-        <p14:creationId xmlns:p14="http://schemas.microsoft.com/office/powerpoint/2010/main" val="3978777233"/>
+        <p14:creationId xmlns:p14="http://schemas.microsoft.com/office/powerpoint/2010/main" val="3478969080"/>
       </p:ext>
     </p:extLst>
   </p:cSld>
@@ -2673,406 +3058,152 @@
           <a:bodyPr/>
           <a:lstStyle/>
           <a:p>
-            <a:endParaRPr lang="ru-RU" dirty="0"/>
-          </a:p>
-          <a:p>
-            <a:pPr marL="0" marR="0" lvl="0" indent="0" algn="l" defTabSz="914400" rtl="0" eaLnBrk="1" fontAlgn="auto" latinLnBrk="0" hangingPunct="1">
-              <a:lnSpc>
-                <a:spcPct val="100000"/>
-              </a:lnSpc>
-              <a:spcBef>
-                <a:spcPts val="0"/>
-              </a:spcBef>
-              <a:spcAft>
-                <a:spcPts val="0"/>
-              </a:spcAft>
-              <a:buClrTx/>
-              <a:buSzTx/>
-              <a:buFontTx/>
+            <a:pPr>
+              <a:buFont typeface="Wingdings" pitchFamily="2" charset="2"/>
               <a:buNone/>
-              <a:tabLst/>
               <a:defRPr/>
             </a:pPr>
             <a:r>
-              <a:rPr lang="ru-RU" dirty="0" smtClean="0">
+              <a:rPr lang="ru-RU" sz="1200" dirty="0" smtClean="0">
+                <a:solidFill>
+                  <a:srgbClr val="45525A"/>
+                </a:solidFill>
                 <a:latin typeface="Calibri" panose="020F0502020204030204" pitchFamily="34" charset="0"/>
                 <a:cs typeface="Calibri" panose="020F0502020204030204" pitchFamily="34" charset="0"/>
               </a:rPr>
-              <a:t>Общая </a:t>
-            </a:r>
-            <a:r>
-              <a:rPr lang="ru-RU" dirty="0" smtClean="0">
+              <a:t>Для продвижения телеграмм бота нам было необходимо найти такую площадку или сервис, который мог быть вести</a:t>
+            </a:r>
+            <a:r>
+              <a:rPr lang="ru-RU" sz="1200" baseline="0" dirty="0" smtClean="0">
+                <a:solidFill>
+                  <a:srgbClr val="45525A"/>
+                </a:solidFill>
                 <a:latin typeface="Calibri" panose="020F0502020204030204" pitchFamily="34" charset="0"/>
                 <a:cs typeface="Calibri" panose="020F0502020204030204" pitchFamily="34" charset="0"/>
               </a:rPr>
-              <a:t>стоимость разработки продукта</a:t>
-            </a:r>
-            <a:r>
-              <a:rPr lang="ru-RU" baseline="0" dirty="0" smtClean="0">
+              <a:t> статистику по пользователям </a:t>
+            </a:r>
+            <a:r>
+              <a:rPr lang="en-US" sz="1200" baseline="0" dirty="0" smtClean="0">
+                <a:solidFill>
+                  <a:srgbClr val="45525A"/>
+                </a:solidFill>
                 <a:latin typeface="Calibri" panose="020F0502020204030204" pitchFamily="34" charset="0"/>
                 <a:cs typeface="Calibri" panose="020F0502020204030204" pitchFamily="34" charset="0"/>
               </a:rPr>
-              <a:t>, рассчитанная </a:t>
-            </a:r>
-            <a:r>
-              <a:rPr lang="en-US" baseline="0" dirty="0" smtClean="0">
+              <a:t>telegram.</a:t>
+            </a:r>
+            <a:endParaRPr lang="en-US" sz="1200" dirty="0">
+              <a:solidFill>
+                <a:srgbClr val="45525A"/>
+              </a:solidFill>
+              <a:latin typeface="Calibri" panose="020F0502020204030204" pitchFamily="34" charset="0"/>
+              <a:cs typeface="Calibri" panose="020F0502020204030204" pitchFamily="34" charset="0"/>
+            </a:endParaRPr>
+          </a:p>
+          <a:p>
+            <a:pPr marL="0" indent="0">
+              <a:buNone/>
+              <a:defRPr/>
+            </a:pPr>
+            <a:endParaRPr lang="ru-RU" sz="1200" dirty="0" smtClean="0">
+              <a:solidFill>
+                <a:srgbClr val="45525A"/>
+              </a:solidFill>
+              <a:latin typeface="Calibri" panose="020F0502020204030204" pitchFamily="34" charset="0"/>
+              <a:cs typeface="Calibri" panose="020F0502020204030204" pitchFamily="34" charset="0"/>
+            </a:endParaRPr>
+          </a:p>
+          <a:p>
+            <a:pPr marL="0" indent="0">
+              <a:buNone/>
+              <a:defRPr/>
+            </a:pPr>
+            <a:r>
+              <a:rPr lang="ru-RU" sz="1200" dirty="0" smtClean="0">
+                <a:solidFill>
+                  <a:srgbClr val="45525A"/>
+                </a:solidFill>
                 <a:latin typeface="Calibri" panose="020F0502020204030204" pitchFamily="34" charset="0"/>
                 <a:cs typeface="Calibri" panose="020F0502020204030204" pitchFamily="34" charset="0"/>
               </a:rPr>
-              <a:t>Microsoft </a:t>
-            </a:r>
-            <a:r>
-              <a:rPr lang="en-US" baseline="0" dirty="0" smtClean="0">
+              <a:t>Настройка рекламы занимался маркетолог.</a:t>
+            </a:r>
+          </a:p>
+          <a:p>
+            <a:pPr marL="0" indent="0">
+              <a:buNone/>
+              <a:defRPr/>
+            </a:pPr>
+            <a:endParaRPr lang="ru-RU" sz="1200" dirty="0" smtClean="0">
+              <a:solidFill>
+                <a:srgbClr val="45525A"/>
+              </a:solidFill>
+              <a:latin typeface="Calibri" panose="020F0502020204030204" pitchFamily="34" charset="0"/>
+              <a:cs typeface="Calibri" panose="020F0502020204030204" pitchFamily="34" charset="0"/>
+            </a:endParaRPr>
+          </a:p>
+          <a:p>
+            <a:pPr marL="0" indent="0">
+              <a:buNone/>
+              <a:defRPr/>
+            </a:pPr>
+            <a:r>
+              <a:rPr lang="ru-RU" sz="1200" dirty="0" smtClean="0">
+                <a:solidFill>
+                  <a:srgbClr val="45525A"/>
+                </a:solidFill>
                 <a:latin typeface="Calibri" panose="020F0502020204030204" pitchFamily="34" charset="0"/>
                 <a:cs typeface="Calibri" panose="020F0502020204030204" pitchFamily="34" charset="0"/>
               </a:rPr>
-              <a:t>project</a:t>
-            </a:r>
-            <a:r>
-              <a:rPr lang="ru-RU" baseline="0" dirty="0" smtClean="0">
+              <a:t>Стоимость запуска рекламы составила 300 рублей</a:t>
+            </a:r>
+          </a:p>
+          <a:p>
+            <a:pPr marL="0" indent="0">
+              <a:buNone/>
+              <a:defRPr/>
+            </a:pPr>
+            <a:endParaRPr lang="en-US" sz="1200" dirty="0">
+              <a:solidFill>
+                <a:srgbClr val="45525A"/>
+              </a:solidFill>
+              <a:latin typeface="Calibri" panose="020F0502020204030204" pitchFamily="34" charset="0"/>
+              <a:cs typeface="Calibri" panose="020F0502020204030204" pitchFamily="34" charset="0"/>
+            </a:endParaRPr>
+          </a:p>
+          <a:p>
+            <a:pPr>
+              <a:buFont typeface="Wingdings" pitchFamily="2" charset="2"/>
+              <a:buNone/>
+              <a:defRPr/>
+            </a:pPr>
+            <a:r>
+              <a:rPr lang="ru-RU" sz="1200" dirty="0" smtClean="0">
+                <a:solidFill>
+                  <a:schemeClr val="tx1">
+                    <a:lumMod val="65000"/>
+                    <a:lumOff val="35000"/>
+                  </a:schemeClr>
+                </a:solidFill>
                 <a:latin typeface="Calibri" panose="020F0502020204030204" pitchFamily="34" charset="0"/>
                 <a:cs typeface="Calibri" panose="020F0502020204030204" pitchFamily="34" charset="0"/>
               </a:rPr>
-              <a:t>,</a:t>
-            </a:r>
-            <a:r>
-              <a:rPr lang="en-US" baseline="0" dirty="0" smtClean="0">
-                <a:latin typeface="Calibri" panose="020F0502020204030204" pitchFamily="34" charset="0"/>
-                <a:cs typeface="Calibri" panose="020F0502020204030204" pitchFamily="34" charset="0"/>
-              </a:rPr>
-              <a:t> </a:t>
-            </a:r>
-            <a:r>
-              <a:rPr lang="ru-RU" baseline="0" dirty="0" smtClean="0">
-                <a:latin typeface="Calibri" panose="020F0502020204030204" pitchFamily="34" charset="0"/>
-                <a:cs typeface="Calibri" panose="020F0502020204030204" pitchFamily="34" charset="0"/>
-              </a:rPr>
-              <a:t>равна</a:t>
-            </a:r>
-            <a:r>
-              <a:rPr lang="en-US" baseline="0" dirty="0" smtClean="0">
-                <a:latin typeface="Calibri" panose="020F0502020204030204" pitchFamily="34" charset="0"/>
-                <a:cs typeface="Calibri" panose="020F0502020204030204" pitchFamily="34" charset="0"/>
-              </a:rPr>
-              <a:t> </a:t>
-            </a:r>
-            <a:r>
-              <a:rPr lang="ru-RU" dirty="0" smtClean="0">
-                <a:latin typeface="Calibri" panose="020F0502020204030204" pitchFamily="34" charset="0"/>
-                <a:cs typeface="Calibri" panose="020F0502020204030204" pitchFamily="34" charset="0"/>
-              </a:rPr>
-              <a:t>48 890 рублей.</a:t>
-            </a:r>
-          </a:p>
-          <a:p>
-            <a:pPr marL="0" marR="0" lvl="0" indent="0" algn="l" defTabSz="914400" rtl="0" eaLnBrk="1" fontAlgn="auto" latinLnBrk="0" hangingPunct="1">
-              <a:lnSpc>
-                <a:spcPct val="100000"/>
-              </a:lnSpc>
-              <a:spcBef>
-                <a:spcPts val="0"/>
-              </a:spcBef>
-              <a:spcAft>
-                <a:spcPts val="0"/>
-              </a:spcAft>
-              <a:buClrTx/>
-              <a:buSzTx/>
-              <a:buFontTx/>
-              <a:buNone/>
-              <a:tabLst/>
-              <a:defRPr/>
-            </a:pPr>
-            <a:r>
-              <a:rPr lang="ru-RU" dirty="0" smtClean="0">
-                <a:latin typeface="Calibri" panose="020F0502020204030204" pitchFamily="34" charset="0"/>
-                <a:cs typeface="Calibri" panose="020F0502020204030204" pitchFamily="34" charset="0"/>
-              </a:rPr>
-              <a:t>Также в начальную стоимость проекта заложена цена рекламной кампании,</a:t>
-            </a:r>
-            <a:r>
-              <a:rPr lang="ru-RU" baseline="0" dirty="0" smtClean="0">
-                <a:latin typeface="Calibri" panose="020F0502020204030204" pitchFamily="34" charset="0"/>
-                <a:cs typeface="Calibri" panose="020F0502020204030204" pitchFamily="34" charset="0"/>
-              </a:rPr>
-              <a:t> которая составляет 300 рублей</a:t>
-            </a:r>
-            <a:endParaRPr lang="ru-RU" dirty="0" smtClean="0">
+              <a:t>Поверхностные настройки рекламной кампании</a:t>
+            </a:r>
+            <a:endParaRPr lang="ru-RU" sz="1200" dirty="0">
+              <a:solidFill>
+                <a:schemeClr val="tx1">
+                  <a:lumMod val="65000"/>
+                  <a:lumOff val="35000"/>
+                </a:schemeClr>
+              </a:solidFill>
               <a:latin typeface="Calibri" panose="020F0502020204030204" pitchFamily="34" charset="0"/>
               <a:cs typeface="Calibri" panose="020F0502020204030204" pitchFamily="34" charset="0"/>
             </a:endParaRPr>
           </a:p>
           <a:p>
-            <a:pPr marL="0" marR="0" lvl="0" indent="0" algn="l" defTabSz="914400" rtl="0" eaLnBrk="1" fontAlgn="auto" latinLnBrk="0" hangingPunct="1">
-              <a:lnSpc>
-                <a:spcPct val="100000"/>
-              </a:lnSpc>
-              <a:spcBef>
-                <a:spcPts val="0"/>
-              </a:spcBef>
-              <a:spcAft>
-                <a:spcPts val="0"/>
-              </a:spcAft>
-              <a:buClrTx/>
-              <a:buSzTx/>
-              <a:buFontTx/>
-              <a:buNone/>
-              <a:tabLst/>
-              <a:defRPr/>
-            </a:pPr>
-            <a:endParaRPr lang="ru-RU" dirty="0" smtClean="0">
-              <a:latin typeface="Calibri" panose="020F0502020204030204" pitchFamily="34" charset="0"/>
-              <a:cs typeface="Calibri" panose="020F0502020204030204" pitchFamily="34" charset="0"/>
-            </a:endParaRPr>
-          </a:p>
-          <a:p>
-            <a:pPr marL="0" marR="0" lvl="0" indent="0" algn="l" defTabSz="914400" rtl="0" eaLnBrk="1" fontAlgn="auto" latinLnBrk="0" hangingPunct="1">
-              <a:lnSpc>
-                <a:spcPct val="100000"/>
-              </a:lnSpc>
-              <a:spcBef>
-                <a:spcPts val="0"/>
-              </a:spcBef>
-              <a:spcAft>
-                <a:spcPts val="0"/>
-              </a:spcAft>
-              <a:buClrTx/>
-              <a:buSzTx/>
-              <a:buFontTx/>
-              <a:buNone/>
-              <a:tabLst/>
-              <a:defRPr/>
-            </a:pPr>
-            <a:r>
-              <a:rPr lang="ru-RU" dirty="0" smtClean="0">
-                <a:latin typeface="Calibri" panose="020F0502020204030204" pitchFamily="34" charset="0"/>
-                <a:cs typeface="Calibri" panose="020F0502020204030204" pitchFamily="34" charset="0"/>
-              </a:rPr>
-              <a:t>Почти</a:t>
-            </a:r>
-            <a:r>
-              <a:rPr lang="ru-RU" baseline="0" dirty="0" smtClean="0">
-                <a:latin typeface="Calibri" panose="020F0502020204030204" pitchFamily="34" charset="0"/>
-                <a:cs typeface="Calibri" panose="020F0502020204030204" pitchFamily="34" charset="0"/>
-              </a:rPr>
-              <a:t> все расходы проекта состоят из оплаты труда, так как он является программным </a:t>
-            </a:r>
-            <a:r>
-              <a:rPr lang="ru-RU" baseline="0" dirty="0" smtClean="0">
-                <a:latin typeface="Calibri" panose="020F0502020204030204" pitchFamily="34" charset="0"/>
-                <a:cs typeface="Calibri" panose="020F0502020204030204" pitchFamily="34" charset="0"/>
-              </a:rPr>
-              <a:t>продуктом</a:t>
-            </a:r>
-            <a:endParaRPr lang="en-US" baseline="0" dirty="0" smtClean="0">
-              <a:latin typeface="Calibri" panose="020F0502020204030204" pitchFamily="34" charset="0"/>
-              <a:cs typeface="Calibri" panose="020F0502020204030204" pitchFamily="34" charset="0"/>
-            </a:endParaRPr>
-          </a:p>
-          <a:p>
-            <a:pPr marL="0" marR="0" lvl="0" indent="0" algn="l" defTabSz="914400" rtl="0" eaLnBrk="1" fontAlgn="auto" latinLnBrk="0" hangingPunct="1">
-              <a:lnSpc>
-                <a:spcPct val="100000"/>
-              </a:lnSpc>
-              <a:spcBef>
-                <a:spcPts val="0"/>
-              </a:spcBef>
-              <a:spcAft>
-                <a:spcPts val="0"/>
-              </a:spcAft>
-              <a:buClrTx/>
-              <a:buSzTx/>
-              <a:buFontTx/>
-              <a:buNone/>
-              <a:tabLst/>
-              <a:defRPr/>
-            </a:pPr>
-            <a:endParaRPr lang="en-US" baseline="0" dirty="0" smtClean="0">
-              <a:latin typeface="Calibri" panose="020F0502020204030204" pitchFamily="34" charset="0"/>
-              <a:cs typeface="Calibri" panose="020F0502020204030204" pitchFamily="34" charset="0"/>
-            </a:endParaRPr>
-          </a:p>
-          <a:p>
-            <a:pPr marL="0" marR="0" lvl="0" indent="0" algn="l" defTabSz="914400" rtl="0" eaLnBrk="1" fontAlgn="auto" latinLnBrk="0" hangingPunct="1">
-              <a:lnSpc>
-                <a:spcPct val="100000"/>
-              </a:lnSpc>
-              <a:spcBef>
-                <a:spcPts val="0"/>
-              </a:spcBef>
-              <a:spcAft>
-                <a:spcPts val="0"/>
-              </a:spcAft>
-              <a:buClrTx/>
-              <a:buSzTx/>
-              <a:buFontTx/>
-              <a:buNone/>
-              <a:tabLst/>
-              <a:defRPr/>
-            </a:pPr>
-            <a:r>
-              <a:rPr lang="ru-RU" baseline="0" dirty="0" smtClean="0">
-                <a:latin typeface="Calibri" panose="020F0502020204030204" pitchFamily="34" charset="0"/>
-                <a:cs typeface="Calibri" panose="020F0502020204030204" pitchFamily="34" charset="0"/>
-              </a:rPr>
-              <a:t>Разработка простых </a:t>
-            </a:r>
-            <a:r>
-              <a:rPr lang="ru-RU" baseline="0" dirty="0" err="1" smtClean="0">
-                <a:latin typeface="Calibri" panose="020F0502020204030204" pitchFamily="34" charset="0"/>
-                <a:cs typeface="Calibri" panose="020F0502020204030204" pitchFamily="34" charset="0"/>
-              </a:rPr>
-              <a:t>телеграм</a:t>
-            </a:r>
-            <a:r>
-              <a:rPr lang="ru-RU" baseline="0" dirty="0" smtClean="0">
-                <a:latin typeface="Calibri" panose="020F0502020204030204" pitchFamily="34" charset="0"/>
-                <a:cs typeface="Calibri" panose="020F0502020204030204" pitchFamily="34" charset="0"/>
-              </a:rPr>
-              <a:t> ботов по на рынке стоит от 5000 до 10000 по данных сайта по </a:t>
-            </a:r>
-            <a:r>
-              <a:rPr lang="ru-RU" baseline="0" dirty="0" err="1" smtClean="0">
-                <a:latin typeface="Calibri" panose="020F0502020204030204" pitchFamily="34" charset="0"/>
-                <a:cs typeface="Calibri" panose="020F0502020204030204" pitchFamily="34" charset="0"/>
-              </a:rPr>
-              <a:t>фрилансу</a:t>
-            </a:r>
-            <a:endParaRPr lang="en-US" baseline="0" dirty="0" smtClean="0">
-              <a:latin typeface="Calibri" panose="020F0502020204030204" pitchFamily="34" charset="0"/>
-              <a:cs typeface="Calibri" panose="020F0502020204030204" pitchFamily="34" charset="0"/>
-            </a:endParaRPr>
-          </a:p>
-          <a:p>
-            <a:pPr marL="0" marR="0" lvl="0" indent="0" algn="l" defTabSz="914400" rtl="0" eaLnBrk="1" fontAlgn="auto" latinLnBrk="0" hangingPunct="1">
-              <a:lnSpc>
-                <a:spcPct val="100000"/>
-              </a:lnSpc>
-              <a:spcBef>
-                <a:spcPts val="0"/>
-              </a:spcBef>
-              <a:spcAft>
-                <a:spcPts val="0"/>
-              </a:spcAft>
-              <a:buClrTx/>
-              <a:buSzTx/>
-              <a:buFontTx/>
-              <a:buNone/>
-              <a:tabLst/>
-              <a:defRPr/>
-            </a:pPr>
-            <a:r>
-              <a:rPr lang="en-US" baseline="0" dirty="0" smtClean="0">
-                <a:latin typeface="Calibri" panose="020F0502020204030204" pitchFamily="34" charset="0"/>
-                <a:cs typeface="Calibri" panose="020F0502020204030204" pitchFamily="34" charset="0"/>
-              </a:rPr>
-              <a:t>https://freelance.youdo.com/programming/site/widgets/chat/tag/sozdaniebota/</a:t>
-            </a:r>
-            <a:endParaRPr lang="ru-RU" baseline="0" dirty="0" smtClean="0">
-              <a:latin typeface="Calibri" panose="020F0502020204030204" pitchFamily="34" charset="0"/>
-              <a:cs typeface="Calibri" panose="020F0502020204030204" pitchFamily="34" charset="0"/>
-            </a:endParaRPr>
-          </a:p>
-          <a:p>
-            <a:pPr marL="0" marR="0" lvl="0" indent="0" algn="l" defTabSz="914400" rtl="0" eaLnBrk="1" fontAlgn="auto" latinLnBrk="0" hangingPunct="1">
-              <a:lnSpc>
-                <a:spcPct val="100000"/>
-              </a:lnSpc>
-              <a:spcBef>
-                <a:spcPts val="0"/>
-              </a:spcBef>
-              <a:spcAft>
-                <a:spcPts val="0"/>
-              </a:spcAft>
-              <a:buClrTx/>
-              <a:buSzTx/>
-              <a:buFontTx/>
-              <a:buNone/>
-              <a:tabLst/>
-              <a:defRPr/>
-            </a:pPr>
-            <a:r>
-              <a:rPr lang="ru-RU" baseline="0" dirty="0" smtClean="0">
-                <a:latin typeface="Calibri" panose="020F0502020204030204" pitchFamily="34" charset="0"/>
-                <a:cs typeface="Calibri" panose="020F0502020204030204" pitchFamily="34" charset="0"/>
-              </a:rPr>
-              <a:t>Разработка и интеграция с корпоративными системами уже начинается от 15000 до 100000 </a:t>
-            </a:r>
-          </a:p>
-          <a:p>
-            <a:pPr marL="0" marR="0" lvl="0" indent="0" algn="l" defTabSz="914400" rtl="0" eaLnBrk="1" fontAlgn="auto" latinLnBrk="0" hangingPunct="1">
-              <a:lnSpc>
-                <a:spcPct val="100000"/>
-              </a:lnSpc>
-              <a:spcBef>
-                <a:spcPts val="0"/>
-              </a:spcBef>
-              <a:spcAft>
-                <a:spcPts val="0"/>
-              </a:spcAft>
-              <a:buClrTx/>
-              <a:buSzTx/>
-              <a:buFontTx/>
-              <a:buNone/>
-              <a:tabLst/>
-              <a:defRPr/>
-            </a:pPr>
-            <a:r>
-              <a:rPr lang="en-US" baseline="0" dirty="0" smtClean="0">
-                <a:latin typeface="Calibri" panose="020F0502020204030204" pitchFamily="34" charset="0"/>
-                <a:cs typeface="Calibri" panose="020F0502020204030204" pitchFamily="34" charset="0"/>
-              </a:rPr>
-              <a:t>https://synweb.ru/po/razrabotka-bota-telegram</a:t>
-            </a:r>
-            <a:endParaRPr lang="ru-RU" baseline="0" dirty="0" smtClean="0">
-              <a:latin typeface="Calibri" panose="020F0502020204030204" pitchFamily="34" charset="0"/>
-              <a:cs typeface="Calibri" panose="020F0502020204030204" pitchFamily="34" charset="0"/>
-            </a:endParaRPr>
-          </a:p>
-          <a:p>
-            <a:pPr marL="0" marR="0" lvl="0" indent="0" algn="l" defTabSz="914400" rtl="0" eaLnBrk="1" fontAlgn="auto" latinLnBrk="0" hangingPunct="1">
-              <a:lnSpc>
-                <a:spcPct val="100000"/>
-              </a:lnSpc>
-              <a:spcBef>
-                <a:spcPts val="0"/>
-              </a:spcBef>
-              <a:spcAft>
-                <a:spcPts val="0"/>
-              </a:spcAft>
-              <a:buClrTx/>
-              <a:buSzTx/>
-              <a:buFontTx/>
-              <a:buNone/>
-              <a:tabLst/>
-              <a:defRPr/>
-            </a:pPr>
-            <a:endParaRPr lang="en-US" baseline="0" dirty="0" smtClean="0">
-              <a:latin typeface="Calibri" panose="020F0502020204030204" pitchFamily="34" charset="0"/>
-              <a:cs typeface="Calibri" panose="020F0502020204030204" pitchFamily="34" charset="0"/>
-            </a:endParaRPr>
-          </a:p>
-          <a:p>
-            <a:pPr marL="0" marR="0" lvl="0" indent="0" algn="l" defTabSz="914400" rtl="0" eaLnBrk="1" fontAlgn="auto" latinLnBrk="0" hangingPunct="1">
-              <a:lnSpc>
-                <a:spcPct val="100000"/>
-              </a:lnSpc>
-              <a:spcBef>
-                <a:spcPts val="0"/>
-              </a:spcBef>
-              <a:spcAft>
-                <a:spcPts val="0"/>
-              </a:spcAft>
-              <a:buClrTx/>
-              <a:buSzTx/>
-              <a:buFontTx/>
-              <a:buNone/>
-              <a:tabLst/>
-              <a:defRPr/>
-            </a:pPr>
-            <a:endParaRPr lang="ru-RU" dirty="0" smtClean="0">
-              <a:latin typeface="Calibri" panose="020F0502020204030204" pitchFamily="34" charset="0"/>
-              <a:cs typeface="Calibri" panose="020F0502020204030204" pitchFamily="34" charset="0"/>
-            </a:endParaRPr>
+            <a:endParaRPr lang="ru-RU" dirty="0"/>
           </a:p>
         </p:txBody>
       </p:sp>
@@ -3093,7 +3224,7 @@
           <a:p>
             <a:fld id="{489D1785-3960-4670-8EB0-0CB22B17F5EA}" type="slidenum">
               <a:rPr lang="ru-RU" smtClean="0"/>
-              <a:t>12</a:t>
+              <a:t>11</a:t>
             </a:fld>
             <a:endParaRPr lang="ru-RU"/>
           </a:p>
@@ -3102,7 +3233,7 @@
     </p:spTree>
     <p:extLst>
       <p:ext uri="{BB962C8B-B14F-4D97-AF65-F5344CB8AC3E}">
-        <p14:creationId xmlns:p14="http://schemas.microsoft.com/office/powerpoint/2010/main" val="3730370668"/>
+        <p14:creationId xmlns:p14="http://schemas.microsoft.com/office/powerpoint/2010/main" val="3277775281"/>
       </p:ext>
     </p:extLst>
   </p:cSld>
@@ -3156,80 +3287,55 @@
           <a:bodyPr/>
           <a:lstStyle/>
           <a:p>
-            <a:pPr>
-              <a:buFont typeface="Wingdings" pitchFamily="2" charset="2"/>
-              <a:buNone/>
-              <a:defRPr/>
-            </a:pPr>
             <a:r>
               <a:rPr lang="ru-RU" sz="1200" dirty="0" smtClean="0">
                 <a:solidFill>
-                  <a:srgbClr val="45525A"/>
+                  <a:schemeClr val="tx1">
+                    <a:lumMod val="75000"/>
+                    <a:lumOff val="25000"/>
+                  </a:schemeClr>
                 </a:solidFill>
                 <a:latin typeface="Calibri" panose="020F0502020204030204" pitchFamily="34" charset="0"/>
                 <a:cs typeface="Calibri" panose="020F0502020204030204" pitchFamily="34" charset="0"/>
               </a:rPr>
-              <a:t>Для продвижения телеграмм бота нам было необходимо найти такую площадку или сервис, который мог быть вести</a:t>
-            </a:r>
-            <a:r>
-              <a:rPr lang="ru-RU" sz="1200" baseline="0" dirty="0" smtClean="0">
-                <a:solidFill>
-                  <a:srgbClr val="45525A"/>
+              <a:t>С помощью </a:t>
+            </a:r>
+            <a:r>
+              <a:rPr lang="ru-RU" sz="1200" dirty="0" err="1" smtClean="0">
+                <a:solidFill>
+                  <a:schemeClr val="tx1">
+                    <a:lumMod val="75000"/>
+                    <a:lumOff val="25000"/>
+                  </a:schemeClr>
                 </a:solidFill>
                 <a:latin typeface="Calibri" panose="020F0502020204030204" pitchFamily="34" charset="0"/>
                 <a:cs typeface="Calibri" panose="020F0502020204030204" pitchFamily="34" charset="0"/>
               </a:rPr>
-              <a:t> статистику по пользователям </a:t>
-            </a:r>
-            <a:r>
-              <a:rPr lang="en-US" sz="1200" baseline="0" dirty="0" smtClean="0">
-                <a:solidFill>
-                  <a:srgbClr val="45525A"/>
+              <a:t>Яндекс.Директ</a:t>
+            </a:r>
+            <a:r>
+              <a:rPr lang="ru-RU" sz="1200" dirty="0" smtClean="0">
+                <a:solidFill>
+                  <a:schemeClr val="tx1">
+                    <a:lumMod val="75000"/>
+                    <a:lumOff val="25000"/>
+                  </a:schemeClr>
                 </a:solidFill>
                 <a:latin typeface="Calibri" panose="020F0502020204030204" pitchFamily="34" charset="0"/>
                 <a:cs typeface="Calibri" panose="020F0502020204030204" pitchFamily="34" charset="0"/>
               </a:rPr>
-              <a:t>telegram.</a:t>
-            </a:r>
-            <a:endParaRPr lang="en-US" sz="1200" dirty="0">
-              <a:solidFill>
-                <a:srgbClr val="45525A"/>
-              </a:solidFill>
-              <a:latin typeface="Calibri" panose="020F0502020204030204" pitchFamily="34" charset="0"/>
-              <a:cs typeface="Calibri" panose="020F0502020204030204" pitchFamily="34" charset="0"/>
-            </a:endParaRPr>
-          </a:p>
-          <a:p>
-            <a:pPr marL="0" indent="0">
-              <a:buNone/>
-              <a:defRPr/>
-            </a:pPr>
-            <a:endParaRPr lang="en-US" sz="1200" dirty="0">
-              <a:solidFill>
-                <a:srgbClr val="45525A"/>
-              </a:solidFill>
-              <a:latin typeface="Calibri" panose="020F0502020204030204" pitchFamily="34" charset="0"/>
-              <a:cs typeface="Calibri" panose="020F0502020204030204" pitchFamily="34" charset="0"/>
-            </a:endParaRPr>
-          </a:p>
-          <a:p>
-            <a:pPr>
-              <a:buFont typeface="Wingdings" pitchFamily="2" charset="2"/>
-              <a:buChar char="ü"/>
-              <a:defRPr/>
-            </a:pPr>
-            <a:endParaRPr lang="ru-RU" sz="1200" dirty="0">
-              <a:solidFill>
-                <a:schemeClr val="tx1">
-                  <a:lumMod val="65000"/>
-                  <a:lumOff val="35000"/>
-                </a:schemeClr>
-              </a:solidFill>
-              <a:latin typeface="Calibri" panose="020F0502020204030204" pitchFamily="34" charset="0"/>
-              <a:cs typeface="Calibri" panose="020F0502020204030204" pitchFamily="34" charset="0"/>
-            </a:endParaRPr>
-          </a:p>
-          <a:p>
+              <a:t> сформировали несколько рекламных объявлений</a:t>
+            </a:r>
+          </a:p>
+          <a:p>
+            <a:r>
+              <a:rPr lang="ru-RU" dirty="0" smtClean="0"/>
+              <a:t>Добавили</a:t>
+            </a:r>
+            <a:r>
+              <a:rPr lang="ru-RU" baseline="0" dirty="0" smtClean="0"/>
+              <a:t> ключевые слова, проверив, через специализированные сайты, частоту их использования при поиске</a:t>
+            </a:r>
             <a:endParaRPr lang="ru-RU" dirty="0"/>
           </a:p>
         </p:txBody>
@@ -3251,7 +3357,7 @@
           <a:p>
             <a:fld id="{489D1785-3960-4670-8EB0-0CB22B17F5EA}" type="slidenum">
               <a:rPr lang="ru-RU" smtClean="0"/>
-              <a:t>13</a:t>
+              <a:t>12</a:t>
             </a:fld>
             <a:endParaRPr lang="ru-RU"/>
           </a:p>
@@ -3260,7 +3366,7 @@
     </p:spTree>
     <p:extLst>
       <p:ext uri="{BB962C8B-B14F-4D97-AF65-F5344CB8AC3E}">
-        <p14:creationId xmlns:p14="http://schemas.microsoft.com/office/powerpoint/2010/main" val="3277775281"/>
+        <p14:creationId xmlns:p14="http://schemas.microsoft.com/office/powerpoint/2010/main" val="702308067"/>
       </p:ext>
     </p:extLst>
   </p:cSld>
@@ -3315,24 +3421,186 @@
           <a:lstStyle/>
           <a:p>
             <a:r>
+              <a:rPr lang="ru-RU" sz="1200" dirty="0" smtClean="0">
+                <a:solidFill>
+                  <a:schemeClr val="tx1">
+                    <a:lumMod val="75000"/>
+                    <a:lumOff val="25000"/>
+                  </a:schemeClr>
+                </a:solidFill>
+                <a:latin typeface="Calibri" panose="020F0502020204030204" pitchFamily="34" charset="0"/>
+                <a:cs typeface="Calibri" panose="020F0502020204030204" pitchFamily="34" charset="0"/>
+              </a:rPr>
+              <a:t>С помощью </a:t>
+            </a:r>
+            <a:r>
+              <a:rPr lang="ru-RU" sz="1200" dirty="0" err="1" smtClean="0">
+                <a:solidFill>
+                  <a:schemeClr val="tx1">
+                    <a:lumMod val="75000"/>
+                    <a:lumOff val="25000"/>
+                  </a:schemeClr>
+                </a:solidFill>
+                <a:latin typeface="Calibri" panose="020F0502020204030204" pitchFamily="34" charset="0"/>
+                <a:cs typeface="Calibri" panose="020F0502020204030204" pitchFamily="34" charset="0"/>
+              </a:rPr>
+              <a:t>Яндекс.Директ</a:t>
+            </a:r>
+            <a:r>
+              <a:rPr lang="ru-RU" sz="1200" dirty="0" smtClean="0">
+                <a:solidFill>
+                  <a:schemeClr val="tx1">
+                    <a:lumMod val="75000"/>
+                    <a:lumOff val="25000"/>
+                  </a:schemeClr>
+                </a:solidFill>
+                <a:latin typeface="Calibri" panose="020F0502020204030204" pitchFamily="34" charset="0"/>
+                <a:cs typeface="Calibri" panose="020F0502020204030204" pitchFamily="34" charset="0"/>
+              </a:rPr>
+              <a:t> сформировали несколько рекламных объявлений</a:t>
+            </a:r>
+          </a:p>
+          <a:p>
+            <a:r>
               <a:rPr lang="ru-RU" dirty="0" smtClean="0"/>
-              <a:t>На слайде представлена работа</a:t>
+              <a:t>Добавили</a:t>
             </a:r>
             <a:r>
               <a:rPr lang="ru-RU" baseline="0" dirty="0" smtClean="0"/>
-              <a:t> с ботом. Как вы видите б</a:t>
-            </a:r>
+              <a:t> ключевые слова, проверив, через специализированные сайты, частоту их использования при поиске</a:t>
+            </a:r>
+            <a:endParaRPr lang="ru-RU" dirty="0"/>
+          </a:p>
+        </p:txBody>
+      </p:sp>
+      <p:sp>
+        <p:nvSpPr>
+          <p:cNvPr id="4" name="Номер слайда 3"/>
+          <p:cNvSpPr>
+            <a:spLocks noGrp="1"/>
+          </p:cNvSpPr>
+          <p:nvPr>
+            <p:ph type="sldNum" sz="quarter" idx="5"/>
+          </p:nvPr>
+        </p:nvSpPr>
+        <p:spPr/>
+        <p:txBody>
+          <a:bodyPr/>
+          <a:lstStyle/>
+          <a:p>
+            <a:fld id="{489D1785-3960-4670-8EB0-0CB22B17F5EA}" type="slidenum">
+              <a:rPr lang="ru-RU" smtClean="0"/>
+              <a:t>13</a:t>
+            </a:fld>
+            <a:endParaRPr lang="ru-RU"/>
+          </a:p>
+        </p:txBody>
+      </p:sp>
+    </p:spTree>
+    <p:extLst>
+      <p:ext uri="{BB962C8B-B14F-4D97-AF65-F5344CB8AC3E}">
+        <p14:creationId xmlns:p14="http://schemas.microsoft.com/office/powerpoint/2010/main" val="1082268448"/>
+      </p:ext>
+    </p:extLst>
+  </p:cSld>
+  <p:clrMapOvr>
+    <a:masterClrMapping/>
+  </p:clrMapOvr>
+</p:notes>
+</file>
+
+<file path=ppt/notesSlides/notesSlide14.xml><?xml version="1.0" encoding="utf-8"?>
+<p:notes xmlns:a="http://schemas.openxmlformats.org/drawingml/2006/main" xmlns:r="http://schemas.openxmlformats.org/officeDocument/2006/relationships" xmlns:p="http://schemas.openxmlformats.org/presentationml/2006/main">
+  <p:cSld>
+    <p:spTree>
+      <p:nvGrpSpPr>
+        <p:cNvPr id="1" name=""/>
+        <p:cNvGrpSpPr/>
+        <p:nvPr/>
+      </p:nvGrpSpPr>
+      <p:grpSpPr>
+        <a:xfrm>
+          <a:off x="0" y="0"/>
+          <a:ext cx="0" cy="0"/>
+          <a:chOff x="0" y="0"/>
+          <a:chExt cx="0" cy="0"/>
+        </a:xfrm>
+      </p:grpSpPr>
+      <p:sp>
+        <p:nvSpPr>
+          <p:cNvPr id="2" name="Образ слайда 1"/>
+          <p:cNvSpPr>
+            <a:spLocks noGrp="1" noRot="1" noChangeAspect="1"/>
+          </p:cNvSpPr>
+          <p:nvPr>
+            <p:ph type="sldImg"/>
+          </p:nvPr>
+        </p:nvSpPr>
+        <p:spPr/>
+      </p:sp>
+      <p:sp>
+        <p:nvSpPr>
+          <p:cNvPr id="3" name="Заметки 2"/>
+          <p:cNvSpPr>
+            <a:spLocks noGrp="1"/>
+          </p:cNvSpPr>
+          <p:nvPr>
+            <p:ph type="body" idx="1"/>
+          </p:nvPr>
+        </p:nvSpPr>
+        <p:spPr/>
+        <p:txBody>
+          <a:bodyPr/>
+          <a:lstStyle/>
+          <a:p>
+            <a:r>
+              <a:rPr lang="ru-RU" sz="1200" dirty="0" smtClean="0">
+                <a:solidFill>
+                  <a:schemeClr val="tx1">
+                    <a:lumMod val="75000"/>
+                    <a:lumOff val="25000"/>
+                  </a:schemeClr>
+                </a:solidFill>
+                <a:latin typeface="Calibri" panose="020F0502020204030204" pitchFamily="34" charset="0"/>
+                <a:cs typeface="Calibri" panose="020F0502020204030204" pitchFamily="34" charset="0"/>
+              </a:rPr>
+              <a:t>С помощью </a:t>
+            </a:r>
+            <a:r>
+              <a:rPr lang="ru-RU" sz="1200" dirty="0" err="1" smtClean="0">
+                <a:solidFill>
+                  <a:schemeClr val="tx1">
+                    <a:lumMod val="75000"/>
+                    <a:lumOff val="25000"/>
+                  </a:schemeClr>
+                </a:solidFill>
+                <a:latin typeface="Calibri" panose="020F0502020204030204" pitchFamily="34" charset="0"/>
+                <a:cs typeface="Calibri" panose="020F0502020204030204" pitchFamily="34" charset="0"/>
+              </a:rPr>
+              <a:t>Яндекс.Директ</a:t>
+            </a:r>
+            <a:r>
+              <a:rPr lang="ru-RU" sz="1200" dirty="0" smtClean="0">
+                <a:solidFill>
+                  <a:schemeClr val="tx1">
+                    <a:lumMod val="75000"/>
+                    <a:lumOff val="25000"/>
+                  </a:schemeClr>
+                </a:solidFill>
+                <a:latin typeface="Calibri" panose="020F0502020204030204" pitchFamily="34" charset="0"/>
+                <a:cs typeface="Calibri" panose="020F0502020204030204" pitchFamily="34" charset="0"/>
+              </a:rPr>
+              <a:t> сформировали несколько рекламных объявлений</a:t>
+            </a:r>
+          </a:p>
+          <a:p>
             <a:r>
               <a:rPr lang="ru-RU" dirty="0" smtClean="0"/>
-              <a:t>азовый</a:t>
+              <a:t>Добавили</a:t>
             </a:r>
             <a:r>
               <a:rPr lang="ru-RU" baseline="0" dirty="0" smtClean="0"/>
-              <a:t> функционал уже </a:t>
-            </a:r>
-            <a:r>
-              <a:rPr lang="ru-RU" baseline="0" dirty="0" smtClean="0"/>
-              <a:t>реализован</a:t>
+              <a:t> ключевые слова, проверив, через специализированные сайты, частоту их использования при поиске</a:t>
             </a:r>
             <a:endParaRPr lang="ru-RU" dirty="0"/>
           </a:p>
@@ -3345,7 +3613,7 @@
             <a:spLocks noGrp="1"/>
           </p:cNvSpPr>
           <p:nvPr>
-            <p:ph type="sldNum" sz="quarter" idx="10"/>
+            <p:ph type="sldNum" sz="quarter" idx="5"/>
           </p:nvPr>
         </p:nvSpPr>
         <p:spPr/>
@@ -3364,7 +3632,530 @@
     </p:spTree>
     <p:extLst>
       <p:ext uri="{BB962C8B-B14F-4D97-AF65-F5344CB8AC3E}">
-        <p14:creationId xmlns:p14="http://schemas.microsoft.com/office/powerpoint/2010/main" val="2434744465"/>
+        <p14:creationId xmlns:p14="http://schemas.microsoft.com/office/powerpoint/2010/main" val="915891274"/>
+      </p:ext>
+    </p:extLst>
+  </p:cSld>
+  <p:clrMapOvr>
+    <a:masterClrMapping/>
+  </p:clrMapOvr>
+</p:notes>
+</file>
+
+<file path=ppt/notesSlides/notesSlide15.xml><?xml version="1.0" encoding="utf-8"?>
+<p:notes xmlns:a="http://schemas.openxmlformats.org/drawingml/2006/main" xmlns:r="http://schemas.openxmlformats.org/officeDocument/2006/relationships" xmlns:p="http://schemas.openxmlformats.org/presentationml/2006/main">
+  <p:cSld>
+    <p:spTree>
+      <p:nvGrpSpPr>
+        <p:cNvPr id="1" name=""/>
+        <p:cNvGrpSpPr/>
+        <p:nvPr/>
+      </p:nvGrpSpPr>
+      <p:grpSpPr>
+        <a:xfrm>
+          <a:off x="0" y="0"/>
+          <a:ext cx="0" cy="0"/>
+          <a:chOff x="0" y="0"/>
+          <a:chExt cx="0" cy="0"/>
+        </a:xfrm>
+      </p:grpSpPr>
+      <p:sp>
+        <p:nvSpPr>
+          <p:cNvPr id="2" name="Образ слайда 1"/>
+          <p:cNvSpPr>
+            <a:spLocks noGrp="1" noRot="1" noChangeAspect="1"/>
+          </p:cNvSpPr>
+          <p:nvPr>
+            <p:ph type="sldImg"/>
+          </p:nvPr>
+        </p:nvSpPr>
+        <p:spPr/>
+      </p:sp>
+      <p:sp>
+        <p:nvSpPr>
+          <p:cNvPr id="3" name="Заметки 2"/>
+          <p:cNvSpPr>
+            <a:spLocks noGrp="1"/>
+          </p:cNvSpPr>
+          <p:nvPr>
+            <p:ph type="body" idx="1"/>
+          </p:nvPr>
+        </p:nvSpPr>
+        <p:spPr/>
+        <p:txBody>
+          <a:bodyPr/>
+          <a:lstStyle/>
+          <a:p>
+            <a:r>
+              <a:rPr lang="ru-RU" dirty="0" smtClean="0"/>
+              <a:t>После</a:t>
+            </a:r>
+            <a:r>
+              <a:rPr lang="ru-RU" baseline="0" dirty="0" smtClean="0"/>
+              <a:t> месяца(с 01.12.2021 – 29.12.2021) работы рекламы мы получили следующую статистику:</a:t>
+            </a:r>
+          </a:p>
+          <a:p>
+            <a:r>
+              <a:rPr lang="ru-RU" baseline="0" dirty="0" smtClean="0"/>
+              <a:t>Стоимость клика 5,88</a:t>
+            </a:r>
+          </a:p>
+          <a:p>
+            <a:r>
+              <a:rPr lang="ru-RU" baseline="0" dirty="0" smtClean="0"/>
+              <a:t>Всего показов – 8052</a:t>
+            </a:r>
+          </a:p>
+          <a:p>
+            <a:r>
+              <a:rPr lang="ru-RU" baseline="0" dirty="0" smtClean="0"/>
+              <a:t>Всего кликов – 51</a:t>
+            </a:r>
+          </a:p>
+          <a:p>
+            <a:r>
+              <a:rPr lang="en-US" baseline="0" dirty="0" smtClean="0"/>
+              <a:t>CTR = </a:t>
+            </a:r>
+            <a:r>
+              <a:rPr lang="ru-RU" baseline="0" dirty="0" smtClean="0"/>
+              <a:t>0,63</a:t>
+            </a:r>
+          </a:p>
+          <a:p>
+            <a:r>
+              <a:rPr lang="ru-RU" baseline="0" dirty="0" smtClean="0"/>
+              <a:t>Наглядно эти данные представлены на следующем слайде</a:t>
+            </a:r>
+          </a:p>
+          <a:p>
+            <a:endParaRPr lang="ru-RU" dirty="0"/>
+          </a:p>
+        </p:txBody>
+      </p:sp>
+      <p:sp>
+        <p:nvSpPr>
+          <p:cNvPr id="4" name="Номер слайда 3"/>
+          <p:cNvSpPr>
+            <a:spLocks noGrp="1"/>
+          </p:cNvSpPr>
+          <p:nvPr>
+            <p:ph type="sldNum" sz="quarter" idx="5"/>
+          </p:nvPr>
+        </p:nvSpPr>
+        <p:spPr/>
+        <p:txBody>
+          <a:bodyPr/>
+          <a:lstStyle/>
+          <a:p>
+            <a:fld id="{489D1785-3960-4670-8EB0-0CB22B17F5EA}" type="slidenum">
+              <a:rPr lang="ru-RU" smtClean="0"/>
+              <a:t>15</a:t>
+            </a:fld>
+            <a:endParaRPr lang="ru-RU"/>
+          </a:p>
+        </p:txBody>
+      </p:sp>
+    </p:spTree>
+    <p:extLst>
+      <p:ext uri="{BB962C8B-B14F-4D97-AF65-F5344CB8AC3E}">
+        <p14:creationId xmlns:p14="http://schemas.microsoft.com/office/powerpoint/2010/main" val="3632366576"/>
+      </p:ext>
+    </p:extLst>
+  </p:cSld>
+  <p:clrMapOvr>
+    <a:masterClrMapping/>
+  </p:clrMapOvr>
+</p:notes>
+</file>
+
+<file path=ppt/notesSlides/notesSlide16.xml><?xml version="1.0" encoding="utf-8"?>
+<p:notes xmlns:a="http://schemas.openxmlformats.org/drawingml/2006/main" xmlns:r="http://schemas.openxmlformats.org/officeDocument/2006/relationships" xmlns:p="http://schemas.openxmlformats.org/presentationml/2006/main">
+  <p:cSld>
+    <p:spTree>
+      <p:nvGrpSpPr>
+        <p:cNvPr id="1" name=""/>
+        <p:cNvGrpSpPr/>
+        <p:nvPr/>
+      </p:nvGrpSpPr>
+      <p:grpSpPr>
+        <a:xfrm>
+          <a:off x="0" y="0"/>
+          <a:ext cx="0" cy="0"/>
+          <a:chOff x="0" y="0"/>
+          <a:chExt cx="0" cy="0"/>
+        </a:xfrm>
+      </p:grpSpPr>
+      <p:sp>
+        <p:nvSpPr>
+          <p:cNvPr id="2" name="Образ слайда 1"/>
+          <p:cNvSpPr>
+            <a:spLocks noGrp="1" noRot="1" noChangeAspect="1"/>
+          </p:cNvSpPr>
+          <p:nvPr>
+            <p:ph type="sldImg"/>
+          </p:nvPr>
+        </p:nvSpPr>
+        <p:spPr/>
+      </p:sp>
+      <p:sp>
+        <p:nvSpPr>
+          <p:cNvPr id="3" name="Заметки 2"/>
+          <p:cNvSpPr>
+            <a:spLocks noGrp="1"/>
+          </p:cNvSpPr>
+          <p:nvPr>
+            <p:ph type="body" idx="1"/>
+          </p:nvPr>
+        </p:nvSpPr>
+        <p:spPr/>
+        <p:txBody>
+          <a:bodyPr/>
+          <a:lstStyle/>
+          <a:p>
+            <a:r>
+              <a:rPr lang="ru-RU" baseline="0" dirty="0" smtClean="0"/>
+              <a:t>Пик посещаемости произошёл 27.12</a:t>
+            </a:r>
+          </a:p>
+          <a:p>
+            <a:r>
+              <a:rPr lang="ru-RU" dirty="0" smtClean="0"/>
+              <a:t>В</a:t>
+            </a:r>
+            <a:r>
+              <a:rPr lang="ru-RU" baseline="0" dirty="0" smtClean="0"/>
+              <a:t> пике на 3900 показов приходиться 22 клика, поэтому </a:t>
+            </a:r>
+            <a:r>
+              <a:rPr lang="en-US" baseline="0" dirty="0" smtClean="0"/>
+              <a:t>CTR </a:t>
+            </a:r>
+            <a:r>
+              <a:rPr lang="ru-RU" baseline="0" dirty="0" smtClean="0"/>
+              <a:t>увеличивается не так, как графики показов или кликов.</a:t>
+            </a:r>
+            <a:r>
+              <a:rPr lang="ru-RU" baseline="0" dirty="0"/>
+              <a:t> </a:t>
+            </a:r>
+            <a:r>
+              <a:rPr lang="ru-RU" baseline="0" dirty="0" smtClean="0"/>
+              <a:t>Так как их соотношение на пике равно примерно 0,5%.</a:t>
+            </a:r>
+          </a:p>
+        </p:txBody>
+      </p:sp>
+      <p:sp>
+        <p:nvSpPr>
+          <p:cNvPr id="4" name="Номер слайда 3"/>
+          <p:cNvSpPr>
+            <a:spLocks noGrp="1"/>
+          </p:cNvSpPr>
+          <p:nvPr>
+            <p:ph type="sldNum" sz="quarter" idx="5"/>
+          </p:nvPr>
+        </p:nvSpPr>
+        <p:spPr/>
+        <p:txBody>
+          <a:bodyPr/>
+          <a:lstStyle/>
+          <a:p>
+            <a:fld id="{489D1785-3960-4670-8EB0-0CB22B17F5EA}" type="slidenum">
+              <a:rPr lang="ru-RU" smtClean="0"/>
+              <a:t>16</a:t>
+            </a:fld>
+            <a:endParaRPr lang="ru-RU"/>
+          </a:p>
+        </p:txBody>
+      </p:sp>
+    </p:spTree>
+    <p:extLst>
+      <p:ext uri="{BB962C8B-B14F-4D97-AF65-F5344CB8AC3E}">
+        <p14:creationId xmlns:p14="http://schemas.microsoft.com/office/powerpoint/2010/main" val="3688254507"/>
+      </p:ext>
+    </p:extLst>
+  </p:cSld>
+  <p:clrMapOvr>
+    <a:masterClrMapping/>
+  </p:clrMapOvr>
+</p:notes>
+</file>
+
+<file path=ppt/notesSlides/notesSlide17.xml><?xml version="1.0" encoding="utf-8"?>
+<p:notes xmlns:a="http://schemas.openxmlformats.org/drawingml/2006/main" xmlns:r="http://schemas.openxmlformats.org/officeDocument/2006/relationships" xmlns:p="http://schemas.openxmlformats.org/presentationml/2006/main">
+  <p:cSld>
+    <p:spTree>
+      <p:nvGrpSpPr>
+        <p:cNvPr id="1" name=""/>
+        <p:cNvGrpSpPr/>
+        <p:nvPr/>
+      </p:nvGrpSpPr>
+      <p:grpSpPr>
+        <a:xfrm>
+          <a:off x="0" y="0"/>
+          <a:ext cx="0" cy="0"/>
+          <a:chOff x="0" y="0"/>
+          <a:chExt cx="0" cy="0"/>
+        </a:xfrm>
+      </p:grpSpPr>
+      <p:sp>
+        <p:nvSpPr>
+          <p:cNvPr id="2" name="Образ слайда 1"/>
+          <p:cNvSpPr>
+            <a:spLocks noGrp="1" noRot="1" noChangeAspect="1"/>
+          </p:cNvSpPr>
+          <p:nvPr>
+            <p:ph type="sldImg"/>
+          </p:nvPr>
+        </p:nvSpPr>
+        <p:spPr/>
+      </p:sp>
+      <p:sp>
+        <p:nvSpPr>
+          <p:cNvPr id="3" name="Заметки 2"/>
+          <p:cNvSpPr>
+            <a:spLocks noGrp="1"/>
+          </p:cNvSpPr>
+          <p:nvPr>
+            <p:ph type="body" idx="1"/>
+          </p:nvPr>
+        </p:nvSpPr>
+        <p:spPr/>
+        <p:txBody>
+          <a:bodyPr/>
+          <a:lstStyle/>
+          <a:p>
+            <a:r>
+              <a:rPr lang="ru-RU" baseline="0" dirty="0" smtClean="0"/>
+              <a:t>Представлена статистика по заголовкам и текстам рекламных объявлений.</a:t>
+            </a:r>
+          </a:p>
+        </p:txBody>
+      </p:sp>
+      <p:sp>
+        <p:nvSpPr>
+          <p:cNvPr id="4" name="Номер слайда 3"/>
+          <p:cNvSpPr>
+            <a:spLocks noGrp="1"/>
+          </p:cNvSpPr>
+          <p:nvPr>
+            <p:ph type="sldNum" sz="quarter" idx="5"/>
+          </p:nvPr>
+        </p:nvSpPr>
+        <p:spPr/>
+        <p:txBody>
+          <a:bodyPr/>
+          <a:lstStyle/>
+          <a:p>
+            <a:fld id="{489D1785-3960-4670-8EB0-0CB22B17F5EA}" type="slidenum">
+              <a:rPr lang="ru-RU" smtClean="0"/>
+              <a:t>17</a:t>
+            </a:fld>
+            <a:endParaRPr lang="ru-RU"/>
+          </a:p>
+        </p:txBody>
+      </p:sp>
+    </p:spTree>
+    <p:extLst>
+      <p:ext uri="{BB962C8B-B14F-4D97-AF65-F5344CB8AC3E}">
+        <p14:creationId xmlns:p14="http://schemas.microsoft.com/office/powerpoint/2010/main" val="4273979701"/>
+      </p:ext>
+    </p:extLst>
+  </p:cSld>
+  <p:clrMapOvr>
+    <a:masterClrMapping/>
+  </p:clrMapOvr>
+</p:notes>
+</file>
+
+<file path=ppt/notesSlides/notesSlide18.xml><?xml version="1.0" encoding="utf-8"?>
+<p:notes xmlns:a="http://schemas.openxmlformats.org/drawingml/2006/main" xmlns:r="http://schemas.openxmlformats.org/officeDocument/2006/relationships" xmlns:p="http://schemas.openxmlformats.org/presentationml/2006/main">
+  <p:cSld>
+    <p:spTree>
+      <p:nvGrpSpPr>
+        <p:cNvPr id="1" name=""/>
+        <p:cNvGrpSpPr/>
+        <p:nvPr/>
+      </p:nvGrpSpPr>
+      <p:grpSpPr>
+        <a:xfrm>
+          <a:off x="0" y="0"/>
+          <a:ext cx="0" cy="0"/>
+          <a:chOff x="0" y="0"/>
+          <a:chExt cx="0" cy="0"/>
+        </a:xfrm>
+      </p:grpSpPr>
+      <p:sp>
+        <p:nvSpPr>
+          <p:cNvPr id="2" name="Образ слайда 1"/>
+          <p:cNvSpPr>
+            <a:spLocks noGrp="1" noRot="1" noChangeAspect="1"/>
+          </p:cNvSpPr>
+          <p:nvPr>
+            <p:ph type="sldImg"/>
+          </p:nvPr>
+        </p:nvSpPr>
+        <p:spPr/>
+      </p:sp>
+      <p:sp>
+        <p:nvSpPr>
+          <p:cNvPr id="3" name="Заметки 2"/>
+          <p:cNvSpPr>
+            <a:spLocks noGrp="1"/>
+          </p:cNvSpPr>
+          <p:nvPr>
+            <p:ph type="body" idx="1"/>
+          </p:nvPr>
+        </p:nvSpPr>
+        <p:spPr/>
+        <p:txBody>
+          <a:bodyPr/>
+          <a:lstStyle/>
+          <a:p>
+            <a:r>
+              <a:rPr lang="ru-RU" baseline="0" dirty="0" smtClean="0"/>
+              <a:t>Здесь представлена статистика по ключевым словам рекламных объявлений</a:t>
+            </a:r>
+          </a:p>
+        </p:txBody>
+      </p:sp>
+      <p:sp>
+        <p:nvSpPr>
+          <p:cNvPr id="4" name="Номер слайда 3"/>
+          <p:cNvSpPr>
+            <a:spLocks noGrp="1"/>
+          </p:cNvSpPr>
+          <p:nvPr>
+            <p:ph type="sldNum" sz="quarter" idx="5"/>
+          </p:nvPr>
+        </p:nvSpPr>
+        <p:spPr/>
+        <p:txBody>
+          <a:bodyPr/>
+          <a:lstStyle/>
+          <a:p>
+            <a:fld id="{489D1785-3960-4670-8EB0-0CB22B17F5EA}" type="slidenum">
+              <a:rPr lang="ru-RU" smtClean="0"/>
+              <a:t>18</a:t>
+            </a:fld>
+            <a:endParaRPr lang="ru-RU"/>
+          </a:p>
+        </p:txBody>
+      </p:sp>
+    </p:spTree>
+    <p:extLst>
+      <p:ext uri="{BB962C8B-B14F-4D97-AF65-F5344CB8AC3E}">
+        <p14:creationId xmlns:p14="http://schemas.microsoft.com/office/powerpoint/2010/main" val="3317196778"/>
+      </p:ext>
+    </p:extLst>
+  </p:cSld>
+  <p:clrMapOvr>
+    <a:masterClrMapping/>
+  </p:clrMapOvr>
+</p:notes>
+</file>
+
+<file path=ppt/notesSlides/notesSlide19.xml><?xml version="1.0" encoding="utf-8"?>
+<p:notes xmlns:a="http://schemas.openxmlformats.org/drawingml/2006/main" xmlns:r="http://schemas.openxmlformats.org/officeDocument/2006/relationships" xmlns:p="http://schemas.openxmlformats.org/presentationml/2006/main">
+  <p:cSld>
+    <p:spTree>
+      <p:nvGrpSpPr>
+        <p:cNvPr id="1" name=""/>
+        <p:cNvGrpSpPr/>
+        <p:nvPr/>
+      </p:nvGrpSpPr>
+      <p:grpSpPr>
+        <a:xfrm>
+          <a:off x="0" y="0"/>
+          <a:ext cx="0" cy="0"/>
+          <a:chOff x="0" y="0"/>
+          <a:chExt cx="0" cy="0"/>
+        </a:xfrm>
+      </p:grpSpPr>
+      <p:sp>
+        <p:nvSpPr>
+          <p:cNvPr id="2" name="Образ слайда 1"/>
+          <p:cNvSpPr>
+            <a:spLocks noGrp="1" noRot="1" noChangeAspect="1"/>
+          </p:cNvSpPr>
+          <p:nvPr>
+            <p:ph type="sldImg"/>
+          </p:nvPr>
+        </p:nvSpPr>
+        <p:spPr/>
+      </p:sp>
+      <p:sp>
+        <p:nvSpPr>
+          <p:cNvPr id="3" name="Заметки 2"/>
+          <p:cNvSpPr>
+            <a:spLocks noGrp="1"/>
+          </p:cNvSpPr>
+          <p:nvPr>
+            <p:ph type="body" idx="1"/>
+          </p:nvPr>
+        </p:nvSpPr>
+        <p:spPr/>
+        <p:txBody>
+          <a:bodyPr/>
+          <a:lstStyle/>
+          <a:p>
+            <a:r>
+              <a:rPr lang="ru-RU" dirty="0" smtClean="0"/>
+              <a:t>Итоговый результат по</a:t>
+            </a:r>
+            <a:r>
+              <a:rPr lang="ru-RU" baseline="0" dirty="0" smtClean="0"/>
+              <a:t> расчету финансовой модели составляет -254 920.</a:t>
+            </a:r>
+          </a:p>
+          <a:p>
+            <a:r>
+              <a:rPr lang="ru-RU" baseline="0" dirty="0" smtClean="0"/>
+              <a:t>Из них 60 000 в месяц или 720 000 за год оплата программиста(30000) и маркетолога(25000) для дальнейшего развития </a:t>
+            </a:r>
+            <a:r>
+              <a:rPr lang="ru-RU" baseline="0" dirty="0" err="1" smtClean="0"/>
+              <a:t>телеграм</a:t>
+            </a:r>
+            <a:r>
+              <a:rPr lang="ru-RU" baseline="0" dirty="0" smtClean="0"/>
+              <a:t> бота. Расходы на наполнение контентом 5000.</a:t>
+            </a:r>
+          </a:p>
+          <a:p>
+            <a:endParaRPr lang="ru-RU" baseline="0" dirty="0"/>
+          </a:p>
+        </p:txBody>
+      </p:sp>
+      <p:sp>
+        <p:nvSpPr>
+          <p:cNvPr id="4" name="Номер слайда 3"/>
+          <p:cNvSpPr>
+            <a:spLocks noGrp="1"/>
+          </p:cNvSpPr>
+          <p:nvPr>
+            <p:ph type="sldNum" sz="quarter" idx="5"/>
+          </p:nvPr>
+        </p:nvSpPr>
+        <p:spPr/>
+        <p:txBody>
+          <a:bodyPr/>
+          <a:lstStyle/>
+          <a:p>
+            <a:fld id="{489D1785-3960-4670-8EB0-0CB22B17F5EA}" type="slidenum">
+              <a:rPr lang="ru-RU" smtClean="0"/>
+              <a:t>19</a:t>
+            </a:fld>
+            <a:endParaRPr lang="ru-RU"/>
+          </a:p>
+        </p:txBody>
+      </p:sp>
+    </p:spTree>
+    <p:extLst>
+      <p:ext uri="{BB962C8B-B14F-4D97-AF65-F5344CB8AC3E}">
+        <p14:creationId xmlns:p14="http://schemas.microsoft.com/office/powerpoint/2010/main" val="3978777233"/>
       </p:ext>
     </p:extLst>
   </p:cSld>
@@ -3457,6 +4248,516 @@
     <p:extLst>
       <p:ext uri="{BB962C8B-B14F-4D97-AF65-F5344CB8AC3E}">
         <p14:creationId xmlns:p14="http://schemas.microsoft.com/office/powerpoint/2010/main" val="649025470"/>
+      </p:ext>
+    </p:extLst>
+  </p:cSld>
+  <p:clrMapOvr>
+    <a:masterClrMapping/>
+  </p:clrMapOvr>
+</p:notes>
+</file>
+
+<file path=ppt/notesSlides/notesSlide20.xml><?xml version="1.0" encoding="utf-8"?>
+<p:notes xmlns:a="http://schemas.openxmlformats.org/drawingml/2006/main" xmlns:r="http://schemas.openxmlformats.org/officeDocument/2006/relationships" xmlns:p="http://schemas.openxmlformats.org/presentationml/2006/main">
+  <p:cSld>
+    <p:spTree>
+      <p:nvGrpSpPr>
+        <p:cNvPr id="1" name=""/>
+        <p:cNvGrpSpPr/>
+        <p:nvPr/>
+      </p:nvGrpSpPr>
+      <p:grpSpPr>
+        <a:xfrm>
+          <a:off x="0" y="0"/>
+          <a:ext cx="0" cy="0"/>
+          <a:chOff x="0" y="0"/>
+          <a:chExt cx="0" cy="0"/>
+        </a:xfrm>
+      </p:grpSpPr>
+      <p:sp>
+        <p:nvSpPr>
+          <p:cNvPr id="2" name="Образ слайда 1"/>
+          <p:cNvSpPr>
+            <a:spLocks noGrp="1" noRot="1" noChangeAspect="1"/>
+          </p:cNvSpPr>
+          <p:nvPr>
+            <p:ph type="sldImg"/>
+          </p:nvPr>
+        </p:nvSpPr>
+        <p:spPr/>
+      </p:sp>
+      <p:sp>
+        <p:nvSpPr>
+          <p:cNvPr id="3" name="Заметки 2"/>
+          <p:cNvSpPr>
+            <a:spLocks noGrp="1"/>
+          </p:cNvSpPr>
+          <p:nvPr>
+            <p:ph type="body" idx="1"/>
+          </p:nvPr>
+        </p:nvSpPr>
+        <p:spPr/>
+        <p:txBody>
+          <a:bodyPr/>
+          <a:lstStyle/>
+          <a:p>
+            <a:r>
+              <a:rPr lang="ru-RU" dirty="0" smtClean="0"/>
+              <a:t>Итоговый результат по</a:t>
+            </a:r>
+            <a:r>
+              <a:rPr lang="ru-RU" baseline="0" dirty="0" smtClean="0"/>
+              <a:t> расчету финансовой модели составляет -254 920.</a:t>
+            </a:r>
+          </a:p>
+          <a:p>
+            <a:r>
+              <a:rPr lang="ru-RU" baseline="0" dirty="0" smtClean="0"/>
+              <a:t>Из них 60 000 в месяц или 720 000 за год оплата программиста(30000) и маркетолога(25000) для дальнейшего развития </a:t>
+            </a:r>
+            <a:r>
+              <a:rPr lang="ru-RU" baseline="0" dirty="0" err="1" smtClean="0"/>
+              <a:t>телеграм</a:t>
+            </a:r>
+            <a:r>
+              <a:rPr lang="ru-RU" baseline="0" dirty="0" smtClean="0"/>
+              <a:t> бота. </a:t>
+            </a:r>
+            <a:r>
+              <a:rPr lang="ru-RU" baseline="0" smtClean="0"/>
+              <a:t>Расходы на наполнение контентом 5000.</a:t>
+            </a:r>
+            <a:endParaRPr lang="ru-RU" baseline="0" dirty="0" smtClean="0"/>
+          </a:p>
+        </p:txBody>
+      </p:sp>
+      <p:sp>
+        <p:nvSpPr>
+          <p:cNvPr id="4" name="Номер слайда 3"/>
+          <p:cNvSpPr>
+            <a:spLocks noGrp="1"/>
+          </p:cNvSpPr>
+          <p:nvPr>
+            <p:ph type="sldNum" sz="quarter" idx="5"/>
+          </p:nvPr>
+        </p:nvSpPr>
+        <p:spPr/>
+        <p:txBody>
+          <a:bodyPr/>
+          <a:lstStyle/>
+          <a:p>
+            <a:fld id="{489D1785-3960-4670-8EB0-0CB22B17F5EA}" type="slidenum">
+              <a:rPr lang="ru-RU" smtClean="0"/>
+              <a:t>20</a:t>
+            </a:fld>
+            <a:endParaRPr lang="ru-RU"/>
+          </a:p>
+        </p:txBody>
+      </p:sp>
+    </p:spTree>
+    <p:extLst>
+      <p:ext uri="{BB962C8B-B14F-4D97-AF65-F5344CB8AC3E}">
+        <p14:creationId xmlns:p14="http://schemas.microsoft.com/office/powerpoint/2010/main" val="3730370668"/>
+      </p:ext>
+    </p:extLst>
+  </p:cSld>
+  <p:clrMapOvr>
+    <a:masterClrMapping/>
+  </p:clrMapOvr>
+</p:notes>
+</file>
+
+<file path=ppt/notesSlides/notesSlide21.xml><?xml version="1.0" encoding="utf-8"?>
+<p:notes xmlns:a="http://schemas.openxmlformats.org/drawingml/2006/main" xmlns:r="http://schemas.openxmlformats.org/officeDocument/2006/relationships" xmlns:p="http://schemas.openxmlformats.org/presentationml/2006/main">
+  <p:cSld>
+    <p:spTree>
+      <p:nvGrpSpPr>
+        <p:cNvPr id="1" name=""/>
+        <p:cNvGrpSpPr/>
+        <p:nvPr/>
+      </p:nvGrpSpPr>
+      <p:grpSpPr>
+        <a:xfrm>
+          <a:off x="0" y="0"/>
+          <a:ext cx="0" cy="0"/>
+          <a:chOff x="0" y="0"/>
+          <a:chExt cx="0" cy="0"/>
+        </a:xfrm>
+      </p:grpSpPr>
+      <p:sp>
+        <p:nvSpPr>
+          <p:cNvPr id="2" name="Образ слайда 1"/>
+          <p:cNvSpPr>
+            <a:spLocks noGrp="1" noRot="1" noChangeAspect="1"/>
+          </p:cNvSpPr>
+          <p:nvPr>
+            <p:ph type="sldImg"/>
+          </p:nvPr>
+        </p:nvSpPr>
+        <p:spPr/>
+      </p:sp>
+      <p:sp>
+        <p:nvSpPr>
+          <p:cNvPr id="3" name="Заметки 2"/>
+          <p:cNvSpPr>
+            <a:spLocks noGrp="1"/>
+          </p:cNvSpPr>
+          <p:nvPr>
+            <p:ph type="body" idx="1"/>
+          </p:nvPr>
+        </p:nvSpPr>
+        <p:spPr/>
+        <p:txBody>
+          <a:bodyPr/>
+          <a:lstStyle/>
+          <a:p>
+            <a:r>
+              <a:rPr lang="ru-RU" dirty="0" smtClean="0"/>
+              <a:t>На слайде представлена работа</a:t>
+            </a:r>
+            <a:r>
+              <a:rPr lang="ru-RU" baseline="0" dirty="0" smtClean="0"/>
+              <a:t> с ботом. Как вы видите б</a:t>
+            </a:r>
+            <a:r>
+              <a:rPr lang="ru-RU" dirty="0" smtClean="0"/>
+              <a:t>азовый</a:t>
+            </a:r>
+            <a:r>
+              <a:rPr lang="ru-RU" baseline="0" dirty="0" smtClean="0"/>
+              <a:t> функционал уже реализован</a:t>
+            </a:r>
+            <a:endParaRPr lang="ru-RU" dirty="0"/>
+          </a:p>
+        </p:txBody>
+      </p:sp>
+      <p:sp>
+        <p:nvSpPr>
+          <p:cNvPr id="4" name="Номер слайда 3"/>
+          <p:cNvSpPr>
+            <a:spLocks noGrp="1"/>
+          </p:cNvSpPr>
+          <p:nvPr>
+            <p:ph type="sldNum" sz="quarter" idx="10"/>
+          </p:nvPr>
+        </p:nvSpPr>
+        <p:spPr/>
+        <p:txBody>
+          <a:bodyPr/>
+          <a:lstStyle/>
+          <a:p>
+            <a:fld id="{489D1785-3960-4670-8EB0-0CB22B17F5EA}" type="slidenum">
+              <a:rPr lang="ru-RU" smtClean="0"/>
+              <a:t>21</a:t>
+            </a:fld>
+            <a:endParaRPr lang="ru-RU"/>
+          </a:p>
+        </p:txBody>
+      </p:sp>
+    </p:spTree>
+    <p:extLst>
+      <p:ext uri="{BB962C8B-B14F-4D97-AF65-F5344CB8AC3E}">
+        <p14:creationId xmlns:p14="http://schemas.microsoft.com/office/powerpoint/2010/main" val="2434744465"/>
+      </p:ext>
+    </p:extLst>
+  </p:cSld>
+  <p:clrMapOvr>
+    <a:masterClrMapping/>
+  </p:clrMapOvr>
+</p:notes>
+</file>
+
+<file path=ppt/notesSlides/notesSlide22.xml><?xml version="1.0" encoding="utf-8"?>
+<p:notes xmlns:a="http://schemas.openxmlformats.org/drawingml/2006/main" xmlns:r="http://schemas.openxmlformats.org/officeDocument/2006/relationships" xmlns:p="http://schemas.openxmlformats.org/presentationml/2006/main">
+  <p:cSld>
+    <p:spTree>
+      <p:nvGrpSpPr>
+        <p:cNvPr id="1" name=""/>
+        <p:cNvGrpSpPr/>
+        <p:nvPr/>
+      </p:nvGrpSpPr>
+      <p:grpSpPr>
+        <a:xfrm>
+          <a:off x="0" y="0"/>
+          <a:ext cx="0" cy="0"/>
+          <a:chOff x="0" y="0"/>
+          <a:chExt cx="0" cy="0"/>
+        </a:xfrm>
+      </p:grpSpPr>
+      <p:sp>
+        <p:nvSpPr>
+          <p:cNvPr id="2" name="Образ слайда 1"/>
+          <p:cNvSpPr>
+            <a:spLocks noGrp="1" noRot="1" noChangeAspect="1"/>
+          </p:cNvSpPr>
+          <p:nvPr>
+            <p:ph type="sldImg"/>
+          </p:nvPr>
+        </p:nvSpPr>
+        <p:spPr/>
+      </p:sp>
+      <p:sp>
+        <p:nvSpPr>
+          <p:cNvPr id="3" name="Заметки 2"/>
+          <p:cNvSpPr>
+            <a:spLocks noGrp="1"/>
+          </p:cNvSpPr>
+          <p:nvPr>
+            <p:ph type="body" idx="1"/>
+          </p:nvPr>
+        </p:nvSpPr>
+        <p:spPr/>
+        <p:txBody>
+          <a:bodyPr/>
+          <a:lstStyle/>
+          <a:p>
+            <a:r>
+              <a:rPr lang="ru-RU" dirty="0" smtClean="0"/>
+              <a:t>На слайде представлена работа</a:t>
+            </a:r>
+            <a:r>
+              <a:rPr lang="ru-RU" baseline="0" dirty="0" smtClean="0"/>
+              <a:t> с ботом. Как вы видите б</a:t>
+            </a:r>
+            <a:r>
+              <a:rPr lang="ru-RU" dirty="0" smtClean="0"/>
+              <a:t>азовый</a:t>
+            </a:r>
+            <a:r>
+              <a:rPr lang="ru-RU" baseline="0" dirty="0" smtClean="0"/>
+              <a:t> функционал уже реализован</a:t>
+            </a:r>
+            <a:endParaRPr lang="ru-RU" dirty="0"/>
+          </a:p>
+        </p:txBody>
+      </p:sp>
+      <p:sp>
+        <p:nvSpPr>
+          <p:cNvPr id="4" name="Номер слайда 3"/>
+          <p:cNvSpPr>
+            <a:spLocks noGrp="1"/>
+          </p:cNvSpPr>
+          <p:nvPr>
+            <p:ph type="sldNum" sz="quarter" idx="10"/>
+          </p:nvPr>
+        </p:nvSpPr>
+        <p:spPr/>
+        <p:txBody>
+          <a:bodyPr/>
+          <a:lstStyle/>
+          <a:p>
+            <a:fld id="{489D1785-3960-4670-8EB0-0CB22B17F5EA}" type="slidenum">
+              <a:rPr lang="ru-RU" smtClean="0"/>
+              <a:t>22</a:t>
+            </a:fld>
+            <a:endParaRPr lang="ru-RU"/>
+          </a:p>
+        </p:txBody>
+      </p:sp>
+    </p:spTree>
+    <p:extLst>
+      <p:ext uri="{BB962C8B-B14F-4D97-AF65-F5344CB8AC3E}">
+        <p14:creationId xmlns:p14="http://schemas.microsoft.com/office/powerpoint/2010/main" val="306877233"/>
+      </p:ext>
+    </p:extLst>
+  </p:cSld>
+  <p:clrMapOvr>
+    <a:masterClrMapping/>
+  </p:clrMapOvr>
+</p:notes>
+</file>
+
+<file path=ppt/notesSlides/notesSlide23.xml><?xml version="1.0" encoding="utf-8"?>
+<p:notes xmlns:a="http://schemas.openxmlformats.org/drawingml/2006/main" xmlns:r="http://schemas.openxmlformats.org/officeDocument/2006/relationships" xmlns:p="http://schemas.openxmlformats.org/presentationml/2006/main">
+  <p:cSld>
+    <p:spTree>
+      <p:nvGrpSpPr>
+        <p:cNvPr id="1" name=""/>
+        <p:cNvGrpSpPr/>
+        <p:nvPr/>
+      </p:nvGrpSpPr>
+      <p:grpSpPr>
+        <a:xfrm>
+          <a:off x="0" y="0"/>
+          <a:ext cx="0" cy="0"/>
+          <a:chOff x="0" y="0"/>
+          <a:chExt cx="0" cy="0"/>
+        </a:xfrm>
+      </p:grpSpPr>
+      <p:sp>
+        <p:nvSpPr>
+          <p:cNvPr id="2" name="Образ слайда 1"/>
+          <p:cNvSpPr>
+            <a:spLocks noGrp="1" noRot="1" noChangeAspect="1"/>
+          </p:cNvSpPr>
+          <p:nvPr>
+            <p:ph type="sldImg"/>
+          </p:nvPr>
+        </p:nvSpPr>
+        <p:spPr/>
+      </p:sp>
+      <p:sp>
+        <p:nvSpPr>
+          <p:cNvPr id="3" name="Заметки 2"/>
+          <p:cNvSpPr>
+            <a:spLocks noGrp="1"/>
+          </p:cNvSpPr>
+          <p:nvPr>
+            <p:ph type="body" idx="1"/>
+          </p:nvPr>
+        </p:nvSpPr>
+        <p:spPr/>
+        <p:txBody>
+          <a:bodyPr/>
+          <a:lstStyle/>
+          <a:p>
+            <a:r>
+              <a:rPr lang="ru-RU" dirty="0" smtClean="0"/>
+              <a:t>На слайде представлена работа</a:t>
+            </a:r>
+            <a:r>
+              <a:rPr lang="ru-RU" baseline="0" dirty="0" smtClean="0"/>
+              <a:t> с ботом. Как вы видите б</a:t>
+            </a:r>
+            <a:r>
+              <a:rPr lang="ru-RU" dirty="0" smtClean="0"/>
+              <a:t>азовый</a:t>
+            </a:r>
+            <a:r>
+              <a:rPr lang="ru-RU" baseline="0" dirty="0" smtClean="0"/>
+              <a:t> функционал уже реализован</a:t>
+            </a:r>
+            <a:endParaRPr lang="ru-RU" dirty="0"/>
+          </a:p>
+        </p:txBody>
+      </p:sp>
+      <p:sp>
+        <p:nvSpPr>
+          <p:cNvPr id="4" name="Номер слайда 3"/>
+          <p:cNvSpPr>
+            <a:spLocks noGrp="1"/>
+          </p:cNvSpPr>
+          <p:nvPr>
+            <p:ph type="sldNum" sz="quarter" idx="10"/>
+          </p:nvPr>
+        </p:nvSpPr>
+        <p:spPr/>
+        <p:txBody>
+          <a:bodyPr/>
+          <a:lstStyle/>
+          <a:p>
+            <a:fld id="{489D1785-3960-4670-8EB0-0CB22B17F5EA}" type="slidenum">
+              <a:rPr lang="ru-RU" smtClean="0"/>
+              <a:t>23</a:t>
+            </a:fld>
+            <a:endParaRPr lang="ru-RU"/>
+          </a:p>
+        </p:txBody>
+      </p:sp>
+    </p:spTree>
+    <p:extLst>
+      <p:ext uri="{BB962C8B-B14F-4D97-AF65-F5344CB8AC3E}">
+        <p14:creationId xmlns:p14="http://schemas.microsoft.com/office/powerpoint/2010/main" val="2838822983"/>
+      </p:ext>
+    </p:extLst>
+  </p:cSld>
+  <p:clrMapOvr>
+    <a:masterClrMapping/>
+  </p:clrMapOvr>
+</p:notes>
+</file>
+
+<file path=ppt/notesSlides/notesSlide24.xml><?xml version="1.0" encoding="utf-8"?>
+<p:notes xmlns:a="http://schemas.openxmlformats.org/drawingml/2006/main" xmlns:r="http://schemas.openxmlformats.org/officeDocument/2006/relationships" xmlns:p="http://schemas.openxmlformats.org/presentationml/2006/main">
+  <p:cSld>
+    <p:spTree>
+      <p:nvGrpSpPr>
+        <p:cNvPr id="1" name=""/>
+        <p:cNvGrpSpPr/>
+        <p:nvPr/>
+      </p:nvGrpSpPr>
+      <p:grpSpPr>
+        <a:xfrm>
+          <a:off x="0" y="0"/>
+          <a:ext cx="0" cy="0"/>
+          <a:chOff x="0" y="0"/>
+          <a:chExt cx="0" cy="0"/>
+        </a:xfrm>
+      </p:grpSpPr>
+      <p:sp>
+        <p:nvSpPr>
+          <p:cNvPr id="2" name="Образ слайда 1"/>
+          <p:cNvSpPr>
+            <a:spLocks noGrp="1" noRot="1" noChangeAspect="1"/>
+          </p:cNvSpPr>
+          <p:nvPr>
+            <p:ph type="sldImg"/>
+          </p:nvPr>
+        </p:nvSpPr>
+        <p:spPr/>
+      </p:sp>
+      <p:sp>
+        <p:nvSpPr>
+          <p:cNvPr id="3" name="Заметки 2"/>
+          <p:cNvSpPr>
+            <a:spLocks noGrp="1"/>
+          </p:cNvSpPr>
+          <p:nvPr>
+            <p:ph type="body" idx="1"/>
+          </p:nvPr>
+        </p:nvSpPr>
+        <p:spPr/>
+        <p:txBody>
+          <a:bodyPr/>
+          <a:lstStyle/>
+          <a:p>
+            <a:r>
+              <a:rPr lang="ru-RU" dirty="0" smtClean="0"/>
+              <a:t>На слайде представлена работа</a:t>
+            </a:r>
+            <a:r>
+              <a:rPr lang="ru-RU" baseline="0" dirty="0" smtClean="0"/>
+              <a:t> с ботом. Как вы видите б</a:t>
+            </a:r>
+            <a:r>
+              <a:rPr lang="ru-RU" dirty="0" smtClean="0"/>
+              <a:t>азовый</a:t>
+            </a:r>
+            <a:r>
+              <a:rPr lang="ru-RU" baseline="0" dirty="0" smtClean="0"/>
+              <a:t> функционал уже реализован</a:t>
+            </a:r>
+            <a:endParaRPr lang="ru-RU" dirty="0"/>
+          </a:p>
+        </p:txBody>
+      </p:sp>
+      <p:sp>
+        <p:nvSpPr>
+          <p:cNvPr id="4" name="Номер слайда 3"/>
+          <p:cNvSpPr>
+            <a:spLocks noGrp="1"/>
+          </p:cNvSpPr>
+          <p:nvPr>
+            <p:ph type="sldNum" sz="quarter" idx="10"/>
+          </p:nvPr>
+        </p:nvSpPr>
+        <p:spPr/>
+        <p:txBody>
+          <a:bodyPr/>
+          <a:lstStyle/>
+          <a:p>
+            <a:fld id="{489D1785-3960-4670-8EB0-0CB22B17F5EA}" type="slidenum">
+              <a:rPr lang="ru-RU" smtClean="0"/>
+              <a:t>24</a:t>
+            </a:fld>
+            <a:endParaRPr lang="ru-RU"/>
+          </a:p>
+        </p:txBody>
+      </p:sp>
+    </p:spTree>
+    <p:extLst>
+      <p:ext uri="{BB962C8B-B14F-4D97-AF65-F5344CB8AC3E}">
+        <p14:creationId xmlns:p14="http://schemas.microsoft.com/office/powerpoint/2010/main" val="3234071400"/>
       </p:ext>
     </p:extLst>
   </p:cSld>
@@ -3642,27 +4943,7 @@
           <a:bodyPr/>
           <a:lstStyle/>
           <a:p>
-            <a:pPr marL="0" marR="0" lvl="0" indent="0" algn="l" defTabSz="914400" rtl="0" eaLnBrk="1" fontAlgn="auto" latinLnBrk="0" hangingPunct="1">
-              <a:lnSpc>
-                <a:spcPct val="100000"/>
-              </a:lnSpc>
-              <a:spcBef>
-                <a:spcPts val="0"/>
-              </a:spcBef>
-              <a:spcAft>
-                <a:spcPts val="0"/>
-              </a:spcAft>
-              <a:buClrTx/>
-              <a:buSzTx/>
-              <a:buFontTx/>
-              <a:buNone/>
-              <a:tabLst/>
-              <a:defRPr/>
-            </a:pPr>
-            <a:endParaRPr lang="ru-RU" sz="1200" dirty="0">
-              <a:latin typeface="Arial"/>
-              <a:cs typeface="Arial"/>
-            </a:endParaRPr>
+            <a:endParaRPr lang="ru-RU" dirty="0"/>
           </a:p>
         </p:txBody>
       </p:sp>
@@ -3673,7 +4954,7 @@
             <a:spLocks noGrp="1"/>
           </p:cNvSpPr>
           <p:nvPr>
-            <p:ph type="sldNum" sz="quarter" idx="5"/>
+            <p:ph type="sldNum" sz="quarter" idx="10"/>
           </p:nvPr>
         </p:nvSpPr>
         <p:spPr/>
@@ -3683,7 +4964,7 @@
           <a:p>
             <a:fld id="{489D1785-3960-4670-8EB0-0CB22B17F5EA}" type="slidenum">
               <a:rPr lang="ru-RU" smtClean="0"/>
-              <a:t>5</a:t>
+              <a:t>4</a:t>
             </a:fld>
             <a:endParaRPr lang="ru-RU"/>
           </a:p>
@@ -3692,7 +4973,7 @@
     </p:spTree>
     <p:extLst>
       <p:ext uri="{BB962C8B-B14F-4D97-AF65-F5344CB8AC3E}">
-        <p14:creationId xmlns:p14="http://schemas.microsoft.com/office/powerpoint/2010/main" val="1010667165"/>
+        <p14:creationId xmlns:p14="http://schemas.microsoft.com/office/powerpoint/2010/main" val="1221374932"/>
       </p:ext>
     </p:extLst>
   </p:cSld>
@@ -3787,7 +5068,7 @@
           <a:p>
             <a:fld id="{489D1785-3960-4670-8EB0-0CB22B17F5EA}" type="slidenum">
               <a:rPr lang="ru-RU" smtClean="0"/>
-              <a:t>6</a:t>
+              <a:t>5</a:t>
             </a:fld>
             <a:endParaRPr lang="ru-RU"/>
           </a:p>
@@ -3796,7 +5077,7 @@
     </p:spTree>
     <p:extLst>
       <p:ext uri="{BB962C8B-B14F-4D97-AF65-F5344CB8AC3E}">
-        <p14:creationId xmlns:p14="http://schemas.microsoft.com/office/powerpoint/2010/main" val="792478192"/>
+        <p14:creationId xmlns:p14="http://schemas.microsoft.com/office/powerpoint/2010/main" val="1010667165"/>
       </p:ext>
     </p:extLst>
   </p:cSld>
@@ -3867,77 +5148,10 @@
               <a:tabLst/>
               <a:defRPr/>
             </a:pPr>
-            <a:r>
-              <a:rPr lang="ru-RU" dirty="0"/>
-              <a:t>На данном слайде представлена </a:t>
-            </a:r>
-            <a:r>
-              <a:rPr lang="ru-RU" b="1" dirty="0"/>
-              <a:t>диаграмма</a:t>
-            </a:r>
-            <a:r>
-              <a:rPr lang="ru-RU" dirty="0"/>
-              <a:t> </a:t>
-            </a:r>
-            <a:r>
-              <a:rPr lang="ru-RU" b="1" dirty="0"/>
-              <a:t>Ганта</a:t>
-            </a:r>
-            <a:r>
-              <a:rPr lang="ru-RU" dirty="0"/>
-              <a:t>.</a:t>
-            </a:r>
-          </a:p>
-          <a:p>
-            <a:r>
-              <a:rPr lang="ru-RU" dirty="0" smtClean="0"/>
-              <a:t>Диаграмма</a:t>
-            </a:r>
-            <a:r>
-              <a:rPr lang="ru-RU" baseline="0" dirty="0" smtClean="0"/>
-              <a:t> разбита на 3 крупных этапа: Проектирование, Реализация, Продвижение</a:t>
-            </a:r>
-          </a:p>
-          <a:p>
-            <a:r>
-              <a:rPr lang="ru-RU" baseline="0" dirty="0" smtClean="0"/>
-              <a:t>Проектирование – этап, на котором происходило формирование идеи проекта, изучение аналогов на рынке, </a:t>
-            </a:r>
-          </a:p>
-          <a:p>
-            <a:r>
-              <a:rPr lang="ru-RU" dirty="0" smtClean="0"/>
-              <a:t>Наиболее трудоемким и продолжительным этапом является реализация</a:t>
-            </a:r>
-          </a:p>
-          <a:p>
-            <a:r>
-              <a:rPr lang="ru-RU" dirty="0" smtClean="0"/>
-              <a:t>На этом этапе шла разработка </a:t>
-            </a:r>
-            <a:r>
-              <a:rPr lang="ru-RU" dirty="0" err="1" smtClean="0"/>
-              <a:t>телеграм</a:t>
-            </a:r>
-            <a:r>
-              <a:rPr lang="ru-RU" baseline="0" dirty="0" smtClean="0"/>
-              <a:t>-бота.</a:t>
-            </a:r>
-          </a:p>
-          <a:p>
-            <a:r>
-              <a:rPr lang="ru-RU" baseline="0" dirty="0" smtClean="0"/>
-              <a:t>На этап продвижения маркетолог, изучив возможности </a:t>
-            </a:r>
-            <a:r>
-              <a:rPr lang="ru-RU" baseline="0" dirty="0" err="1" smtClean="0"/>
-              <a:t>Яндекс.Директа</a:t>
-            </a:r>
-            <a:r>
-              <a:rPr lang="ru-RU" baseline="0" dirty="0" smtClean="0"/>
-              <a:t>, занялся созданием рекламных объявлений, подборов ключевых слов</a:t>
-            </a:r>
-            <a:endParaRPr lang="ru-RU" dirty="0"/>
+            <a:endParaRPr lang="ru-RU" sz="1200" dirty="0">
+              <a:latin typeface="Arial"/>
+              <a:cs typeface="Arial"/>
+            </a:endParaRPr>
           </a:p>
         </p:txBody>
       </p:sp>
@@ -3958,7 +5172,7 @@
           <a:p>
             <a:fld id="{489D1785-3960-4670-8EB0-0CB22B17F5EA}" type="slidenum">
               <a:rPr lang="ru-RU" smtClean="0"/>
-              <a:t>7</a:t>
+              <a:t>6</a:t>
             </a:fld>
             <a:endParaRPr lang="ru-RU"/>
           </a:p>
@@ -3967,7 +5181,7 @@
     </p:spTree>
     <p:extLst>
       <p:ext uri="{BB962C8B-B14F-4D97-AF65-F5344CB8AC3E}">
-        <p14:creationId xmlns:p14="http://schemas.microsoft.com/office/powerpoint/2010/main" val="1652680666"/>
+        <p14:creationId xmlns:p14="http://schemas.microsoft.com/office/powerpoint/2010/main" val="792478192"/>
       </p:ext>
     </p:extLst>
   </p:cSld>
@@ -4108,9 +5322,6 @@
               <a:rPr lang="ru-RU" baseline="0" dirty="0" smtClean="0"/>
               <a:t>, занялся созданием рекламных объявлений, подборов ключевых слов</a:t>
             </a:r>
-            <a:endParaRPr lang="ru-RU" dirty="0" smtClean="0"/>
-          </a:p>
-          <a:p>
             <a:endParaRPr lang="ru-RU" dirty="0"/>
           </a:p>
         </p:txBody>
@@ -4132,7 +5343,7 @@
           <a:p>
             <a:fld id="{489D1785-3960-4670-8EB0-0CB22B17F5EA}" type="slidenum">
               <a:rPr lang="ru-RU" smtClean="0"/>
-              <a:t>8</a:t>
+              <a:t>7</a:t>
             </a:fld>
             <a:endParaRPr lang="ru-RU"/>
           </a:p>
@@ -4141,7 +5352,7 @@
     </p:spTree>
     <p:extLst>
       <p:ext uri="{BB962C8B-B14F-4D97-AF65-F5344CB8AC3E}">
-        <p14:creationId xmlns:p14="http://schemas.microsoft.com/office/powerpoint/2010/main" val="3331188380"/>
+        <p14:creationId xmlns:p14="http://schemas.microsoft.com/office/powerpoint/2010/main" val="1652680666"/>
       </p:ext>
     </p:extLst>
   </p:cSld>
@@ -4306,7 +5517,7 @@
           <a:p>
             <a:fld id="{489D1785-3960-4670-8EB0-0CB22B17F5EA}" type="slidenum">
               <a:rPr lang="ru-RU" smtClean="0"/>
-              <a:t>9</a:t>
+              <a:t>8</a:t>
             </a:fld>
             <a:endParaRPr lang="ru-RU"/>
           </a:p>
@@ -4315,7 +5526,7 @@
     </p:spTree>
     <p:extLst>
       <p:ext uri="{BB962C8B-B14F-4D97-AF65-F5344CB8AC3E}">
-        <p14:creationId xmlns:p14="http://schemas.microsoft.com/office/powerpoint/2010/main" val="251906001"/>
+        <p14:creationId xmlns:p14="http://schemas.microsoft.com/office/powerpoint/2010/main" val="3331188380"/>
       </p:ext>
     </p:extLst>
   </p:cSld>
@@ -4369,9 +5580,6 @@
           <a:bodyPr/>
           <a:lstStyle/>
           <a:p>
-            <a:endParaRPr lang="ru-RU" dirty="0"/>
-          </a:p>
-          <a:p>
             <a:pPr marL="0" marR="0" lvl="0" indent="0" algn="l" defTabSz="914400" rtl="0" eaLnBrk="1" fontAlgn="auto" latinLnBrk="0" hangingPunct="1">
               <a:lnSpc>
                 <a:spcPct val="100000"/>
@@ -4390,385 +5598,79 @@
               <a:defRPr/>
             </a:pPr>
             <a:r>
-              <a:rPr lang="ru-RU" dirty="0" smtClean="0">
-                <a:latin typeface="Calibri" panose="020F0502020204030204" pitchFamily="34" charset="0"/>
-                <a:cs typeface="Calibri" panose="020F0502020204030204" pitchFamily="34" charset="0"/>
-              </a:rPr>
-              <a:t>Общая </a:t>
-            </a:r>
-            <a:r>
-              <a:rPr lang="ru-RU" dirty="0" smtClean="0">
-                <a:latin typeface="Calibri" panose="020F0502020204030204" pitchFamily="34" charset="0"/>
-                <a:cs typeface="Calibri" panose="020F0502020204030204" pitchFamily="34" charset="0"/>
-              </a:rPr>
-              <a:t>стоимость разработки продукта</a:t>
-            </a:r>
-            <a:r>
-              <a:rPr lang="ru-RU" baseline="0" dirty="0" smtClean="0">
-                <a:latin typeface="Calibri" panose="020F0502020204030204" pitchFamily="34" charset="0"/>
-                <a:cs typeface="Calibri" panose="020F0502020204030204" pitchFamily="34" charset="0"/>
-              </a:rPr>
-              <a:t>, рассчитанная </a:t>
-            </a:r>
-            <a:r>
-              <a:rPr lang="en-US" baseline="0" dirty="0" smtClean="0">
-                <a:latin typeface="Calibri" panose="020F0502020204030204" pitchFamily="34" charset="0"/>
-                <a:cs typeface="Calibri" panose="020F0502020204030204" pitchFamily="34" charset="0"/>
-              </a:rPr>
-              <a:t>Microsoft </a:t>
-            </a:r>
-            <a:r>
-              <a:rPr lang="en-US" baseline="0" dirty="0" smtClean="0">
-                <a:latin typeface="Calibri" panose="020F0502020204030204" pitchFamily="34" charset="0"/>
-                <a:cs typeface="Calibri" panose="020F0502020204030204" pitchFamily="34" charset="0"/>
-              </a:rPr>
-              <a:t>project</a:t>
-            </a:r>
-            <a:r>
-              <a:rPr lang="ru-RU" baseline="0" dirty="0" smtClean="0">
-                <a:latin typeface="Calibri" panose="020F0502020204030204" pitchFamily="34" charset="0"/>
-                <a:cs typeface="Calibri" panose="020F0502020204030204" pitchFamily="34" charset="0"/>
-              </a:rPr>
-              <a:t>,</a:t>
-            </a:r>
-            <a:r>
-              <a:rPr lang="en-US" baseline="0" dirty="0" smtClean="0">
-                <a:latin typeface="Calibri" panose="020F0502020204030204" pitchFamily="34" charset="0"/>
-                <a:cs typeface="Calibri" panose="020F0502020204030204" pitchFamily="34" charset="0"/>
-              </a:rPr>
+              <a:rPr lang="ru-RU" dirty="0"/>
+              <a:t>На данном слайде представлена </a:t>
+            </a:r>
+            <a:r>
+              <a:rPr lang="ru-RU" b="1" dirty="0"/>
+              <a:t>диаграмма</a:t>
+            </a:r>
+            <a:r>
+              <a:rPr lang="ru-RU" dirty="0"/>
               <a:t> </a:t>
             </a:r>
             <a:r>
-              <a:rPr lang="ru-RU" baseline="0" dirty="0" smtClean="0">
-                <a:latin typeface="Calibri" panose="020F0502020204030204" pitchFamily="34" charset="0"/>
-                <a:cs typeface="Calibri" panose="020F0502020204030204" pitchFamily="34" charset="0"/>
-              </a:rPr>
-              <a:t>равна</a:t>
-            </a:r>
-            <a:r>
-              <a:rPr lang="en-US" baseline="0" dirty="0" smtClean="0">
-                <a:latin typeface="Calibri" panose="020F0502020204030204" pitchFamily="34" charset="0"/>
-                <a:cs typeface="Calibri" panose="020F0502020204030204" pitchFamily="34" charset="0"/>
-              </a:rPr>
-              <a:t> </a:t>
-            </a:r>
-            <a:r>
-              <a:rPr lang="ru-RU" dirty="0" smtClean="0">
-                <a:latin typeface="Calibri" panose="020F0502020204030204" pitchFamily="34" charset="0"/>
-                <a:cs typeface="Calibri" panose="020F0502020204030204" pitchFamily="34" charset="0"/>
-              </a:rPr>
-              <a:t>48 890 рублей.</a:t>
-            </a:r>
-          </a:p>
-          <a:p>
-            <a:pPr marL="0" marR="0" lvl="0" indent="0" algn="l" defTabSz="914400" rtl="0" eaLnBrk="1" fontAlgn="auto" latinLnBrk="0" hangingPunct="1">
-              <a:lnSpc>
-                <a:spcPct val="100000"/>
-              </a:lnSpc>
-              <a:spcBef>
-                <a:spcPts val="0"/>
-              </a:spcBef>
-              <a:spcAft>
-                <a:spcPts val="0"/>
-              </a:spcAft>
-              <a:buClrTx/>
-              <a:buSzTx/>
-              <a:buFontTx/>
-              <a:buNone/>
-              <a:tabLst/>
-              <a:defRPr/>
-            </a:pPr>
-            <a:r>
-              <a:rPr lang="ru-RU" dirty="0" smtClean="0">
-                <a:latin typeface="Calibri" panose="020F0502020204030204" pitchFamily="34" charset="0"/>
-                <a:cs typeface="Calibri" panose="020F0502020204030204" pitchFamily="34" charset="0"/>
-              </a:rPr>
-              <a:t>Также в начальную стоимость проекта заложена цена рекламной кампании,</a:t>
-            </a:r>
-            <a:r>
-              <a:rPr lang="ru-RU" baseline="0" dirty="0" smtClean="0">
-                <a:latin typeface="Calibri" panose="020F0502020204030204" pitchFamily="34" charset="0"/>
-                <a:cs typeface="Calibri" panose="020F0502020204030204" pitchFamily="34" charset="0"/>
-              </a:rPr>
-              <a:t> которая составляет 300 рублей</a:t>
-            </a:r>
-            <a:endParaRPr lang="ru-RU" dirty="0" smtClean="0">
-              <a:latin typeface="Calibri" panose="020F0502020204030204" pitchFamily="34" charset="0"/>
-              <a:cs typeface="Calibri" panose="020F0502020204030204" pitchFamily="34" charset="0"/>
-            </a:endParaRPr>
-          </a:p>
-          <a:p>
-            <a:pPr marL="0" marR="0" lvl="0" indent="0" algn="l" defTabSz="914400" rtl="0" eaLnBrk="1" fontAlgn="auto" latinLnBrk="0" hangingPunct="1">
-              <a:lnSpc>
-                <a:spcPct val="100000"/>
-              </a:lnSpc>
-              <a:spcBef>
-                <a:spcPts val="0"/>
-              </a:spcBef>
-              <a:spcAft>
-                <a:spcPts val="0"/>
-              </a:spcAft>
-              <a:buClrTx/>
-              <a:buSzTx/>
-              <a:buFontTx/>
-              <a:buNone/>
-              <a:tabLst/>
-              <a:defRPr/>
-            </a:pPr>
-            <a:endParaRPr lang="ru-RU" dirty="0" smtClean="0">
-              <a:latin typeface="Calibri" panose="020F0502020204030204" pitchFamily="34" charset="0"/>
-              <a:cs typeface="Calibri" panose="020F0502020204030204" pitchFamily="34" charset="0"/>
-            </a:endParaRPr>
-          </a:p>
-          <a:p>
-            <a:pPr marL="0" marR="0" lvl="0" indent="0" algn="l" defTabSz="914400" rtl="0" eaLnBrk="1" fontAlgn="auto" latinLnBrk="0" hangingPunct="1">
-              <a:lnSpc>
-                <a:spcPct val="100000"/>
-              </a:lnSpc>
-              <a:spcBef>
-                <a:spcPts val="0"/>
-              </a:spcBef>
-              <a:spcAft>
-                <a:spcPts val="0"/>
-              </a:spcAft>
-              <a:buClrTx/>
-              <a:buSzTx/>
-              <a:buFontTx/>
-              <a:buNone/>
-              <a:tabLst/>
-              <a:defRPr/>
-            </a:pPr>
-            <a:r>
-              <a:rPr lang="ru-RU" dirty="0" smtClean="0">
-                <a:latin typeface="Calibri" panose="020F0502020204030204" pitchFamily="34" charset="0"/>
-                <a:cs typeface="Calibri" panose="020F0502020204030204" pitchFamily="34" charset="0"/>
-              </a:rPr>
-              <a:t>Почти</a:t>
-            </a:r>
-            <a:r>
-              <a:rPr lang="ru-RU" baseline="0" dirty="0" smtClean="0">
-                <a:latin typeface="Calibri" panose="020F0502020204030204" pitchFamily="34" charset="0"/>
-                <a:cs typeface="Calibri" panose="020F0502020204030204" pitchFamily="34" charset="0"/>
-              </a:rPr>
-              <a:t> все расходы проекта состоят из оплаты труда, так как он является программным </a:t>
-            </a:r>
-            <a:r>
-              <a:rPr lang="ru-RU" baseline="0" dirty="0" smtClean="0">
-                <a:latin typeface="Calibri" panose="020F0502020204030204" pitchFamily="34" charset="0"/>
-                <a:cs typeface="Calibri" panose="020F0502020204030204" pitchFamily="34" charset="0"/>
-              </a:rPr>
-              <a:t>продуктом</a:t>
-            </a:r>
-            <a:endParaRPr lang="en-US" baseline="0" dirty="0" smtClean="0">
-              <a:latin typeface="Calibri" panose="020F0502020204030204" pitchFamily="34" charset="0"/>
-              <a:cs typeface="Calibri" panose="020F0502020204030204" pitchFamily="34" charset="0"/>
-            </a:endParaRPr>
-          </a:p>
-          <a:p>
-            <a:pPr marL="0" marR="0" lvl="0" indent="0" algn="l" defTabSz="914400" rtl="0" eaLnBrk="1" fontAlgn="auto" latinLnBrk="0" hangingPunct="1">
-              <a:lnSpc>
-                <a:spcPct val="100000"/>
-              </a:lnSpc>
-              <a:spcBef>
-                <a:spcPts val="0"/>
-              </a:spcBef>
-              <a:spcAft>
-                <a:spcPts val="0"/>
-              </a:spcAft>
-              <a:buClrTx/>
-              <a:buSzTx/>
-              <a:buFontTx/>
-              <a:buNone/>
-              <a:tabLst/>
-              <a:defRPr/>
-            </a:pPr>
-            <a:endParaRPr lang="en-US" baseline="0" dirty="0" smtClean="0">
-              <a:latin typeface="Calibri" panose="020F0502020204030204" pitchFamily="34" charset="0"/>
-              <a:cs typeface="Calibri" panose="020F0502020204030204" pitchFamily="34" charset="0"/>
-            </a:endParaRPr>
-          </a:p>
-          <a:p>
-            <a:pPr marL="0" marR="0" lvl="0" indent="0" algn="l" defTabSz="914400" rtl="0" eaLnBrk="1" fontAlgn="auto" latinLnBrk="0" hangingPunct="1">
-              <a:lnSpc>
-                <a:spcPct val="100000"/>
-              </a:lnSpc>
-              <a:spcBef>
-                <a:spcPts val="0"/>
-              </a:spcBef>
-              <a:spcAft>
-                <a:spcPts val="0"/>
-              </a:spcAft>
-              <a:buClrTx/>
-              <a:buSzTx/>
-              <a:buFontTx/>
-              <a:buNone/>
-              <a:tabLst/>
-              <a:defRPr/>
-            </a:pPr>
-            <a:r>
-              <a:rPr lang="ru-RU" baseline="0" dirty="0" smtClean="0">
-                <a:latin typeface="Calibri" panose="020F0502020204030204" pitchFamily="34" charset="0"/>
-                <a:cs typeface="Calibri" panose="020F0502020204030204" pitchFamily="34" charset="0"/>
-              </a:rPr>
-              <a:t>Разработка простых </a:t>
-            </a:r>
-            <a:r>
-              <a:rPr lang="ru-RU" baseline="0" dirty="0" err="1" smtClean="0">
-                <a:latin typeface="Calibri" panose="020F0502020204030204" pitchFamily="34" charset="0"/>
-                <a:cs typeface="Calibri" panose="020F0502020204030204" pitchFamily="34" charset="0"/>
-              </a:rPr>
+              <a:rPr lang="ru-RU" b="1" dirty="0"/>
+              <a:t>Ганта</a:t>
+            </a:r>
+            <a:r>
+              <a:rPr lang="ru-RU" dirty="0"/>
+              <a:t>.</a:t>
+            </a:r>
+          </a:p>
+          <a:p>
+            <a:r>
+              <a:rPr lang="ru-RU" dirty="0" smtClean="0"/>
+              <a:t>Диаграмма</a:t>
+            </a:r>
+            <a:r>
+              <a:rPr lang="ru-RU" baseline="0" dirty="0" smtClean="0"/>
+              <a:t> разбита на 3 крупных этапа: Проектирование, Реализация, Продвижение</a:t>
+            </a:r>
+          </a:p>
+          <a:p>
+            <a:r>
+              <a:rPr lang="ru-RU" baseline="0" dirty="0" smtClean="0"/>
+              <a:t>Проектирование – этап, на котором происходило формирование идеи проекта, изучение аналогов на рынке, </a:t>
+            </a:r>
+          </a:p>
+          <a:p>
+            <a:r>
+              <a:rPr lang="ru-RU" dirty="0" smtClean="0"/>
+              <a:t>Наиболее трудоемким и продолжительным этапом является реализация</a:t>
+            </a:r>
+          </a:p>
+          <a:p>
+            <a:r>
+              <a:rPr lang="ru-RU" dirty="0" smtClean="0"/>
+              <a:t>На этом этапе шла разработка </a:t>
+            </a:r>
+            <a:r>
+              <a:rPr lang="ru-RU" dirty="0" err="1" smtClean="0"/>
               <a:t>телеграм</a:t>
             </a:r>
             <a:r>
-              <a:rPr lang="ru-RU" baseline="0" dirty="0" smtClean="0">
-                <a:latin typeface="Calibri" panose="020F0502020204030204" pitchFamily="34" charset="0"/>
-                <a:cs typeface="Calibri" panose="020F0502020204030204" pitchFamily="34" charset="0"/>
-              </a:rPr>
-              <a:t> ботов по на рынке стоит от 5000 до 10000 по данных сайта по </a:t>
-            </a:r>
-            <a:r>
-              <a:rPr lang="ru-RU" baseline="0" dirty="0" err="1" smtClean="0">
-                <a:latin typeface="Calibri" panose="020F0502020204030204" pitchFamily="34" charset="0"/>
-                <a:cs typeface="Calibri" panose="020F0502020204030204" pitchFamily="34" charset="0"/>
-              </a:rPr>
-              <a:t>фрилансу</a:t>
-            </a:r>
-            <a:endParaRPr lang="en-US" baseline="0" dirty="0" smtClean="0">
-              <a:latin typeface="Calibri" panose="020F0502020204030204" pitchFamily="34" charset="0"/>
-              <a:cs typeface="Calibri" panose="020F0502020204030204" pitchFamily="34" charset="0"/>
-            </a:endParaRPr>
-          </a:p>
-          <a:p>
-            <a:pPr marL="0" marR="0" lvl="0" indent="0" algn="l" defTabSz="914400" rtl="0" eaLnBrk="1" fontAlgn="auto" latinLnBrk="0" hangingPunct="1">
-              <a:lnSpc>
-                <a:spcPct val="100000"/>
-              </a:lnSpc>
-              <a:spcBef>
-                <a:spcPts val="0"/>
-              </a:spcBef>
-              <a:spcAft>
-                <a:spcPts val="0"/>
-              </a:spcAft>
-              <a:buClrTx/>
-              <a:buSzTx/>
-              <a:buFontTx/>
-              <a:buNone/>
-              <a:tabLst/>
-              <a:defRPr/>
-            </a:pPr>
-            <a:r>
-              <a:rPr lang="en-US" baseline="0" dirty="0" smtClean="0">
-                <a:latin typeface="Calibri" panose="020F0502020204030204" pitchFamily="34" charset="0"/>
-                <a:cs typeface="Calibri" panose="020F0502020204030204" pitchFamily="34" charset="0"/>
-              </a:rPr>
-              <a:t>https://freelance.youdo.com/programming/site/widgets/chat/tag/sozdaniebota/</a:t>
-            </a:r>
-            <a:endParaRPr lang="ru-RU" baseline="0" dirty="0" smtClean="0">
-              <a:latin typeface="Calibri" panose="020F0502020204030204" pitchFamily="34" charset="0"/>
-              <a:cs typeface="Calibri" panose="020F0502020204030204" pitchFamily="34" charset="0"/>
-            </a:endParaRPr>
-          </a:p>
-          <a:p>
-            <a:pPr marL="0" marR="0" lvl="0" indent="0" algn="l" defTabSz="914400" rtl="0" eaLnBrk="1" fontAlgn="auto" latinLnBrk="0" hangingPunct="1">
-              <a:lnSpc>
-                <a:spcPct val="100000"/>
-              </a:lnSpc>
-              <a:spcBef>
-                <a:spcPts val="0"/>
-              </a:spcBef>
-              <a:spcAft>
-                <a:spcPts val="0"/>
-              </a:spcAft>
-              <a:buClrTx/>
-              <a:buSzTx/>
-              <a:buFontTx/>
-              <a:buNone/>
-              <a:tabLst/>
-              <a:defRPr/>
-            </a:pPr>
-            <a:r>
-              <a:rPr lang="ru-RU" baseline="0" dirty="0" smtClean="0">
-                <a:latin typeface="Calibri" panose="020F0502020204030204" pitchFamily="34" charset="0"/>
-                <a:cs typeface="Calibri" panose="020F0502020204030204" pitchFamily="34" charset="0"/>
-              </a:rPr>
-              <a:t>Разработка и интеграция с корпоративными системами уже начинается от 15000 до 100000 </a:t>
-            </a:r>
-          </a:p>
-          <a:p>
-            <a:pPr marL="0" marR="0" lvl="0" indent="0" algn="l" defTabSz="914400" rtl="0" eaLnBrk="1" fontAlgn="auto" latinLnBrk="0" hangingPunct="1">
-              <a:lnSpc>
-                <a:spcPct val="100000"/>
-              </a:lnSpc>
-              <a:spcBef>
-                <a:spcPts val="0"/>
-              </a:spcBef>
-              <a:spcAft>
-                <a:spcPts val="0"/>
-              </a:spcAft>
-              <a:buClrTx/>
-              <a:buSzTx/>
-              <a:buFontTx/>
-              <a:buNone/>
-              <a:tabLst/>
-              <a:defRPr/>
-            </a:pPr>
-            <a:r>
-              <a:rPr lang="en-US" baseline="0" dirty="0" smtClean="0">
-                <a:latin typeface="Calibri" panose="020F0502020204030204" pitchFamily="34" charset="0"/>
-                <a:cs typeface="Calibri" panose="020F0502020204030204" pitchFamily="34" charset="0"/>
-              </a:rPr>
-              <a:t>https://synweb.ru/po/razrabotka-bota-telegram</a:t>
-            </a:r>
-            <a:endParaRPr lang="ru-RU" baseline="0" dirty="0" smtClean="0">
-              <a:latin typeface="Calibri" panose="020F0502020204030204" pitchFamily="34" charset="0"/>
-              <a:cs typeface="Calibri" panose="020F0502020204030204" pitchFamily="34" charset="0"/>
-            </a:endParaRPr>
-          </a:p>
-          <a:p>
-            <a:pPr marL="0" marR="0" lvl="0" indent="0" algn="l" defTabSz="914400" rtl="0" eaLnBrk="1" fontAlgn="auto" latinLnBrk="0" hangingPunct="1">
-              <a:lnSpc>
-                <a:spcPct val="100000"/>
-              </a:lnSpc>
-              <a:spcBef>
-                <a:spcPts val="0"/>
-              </a:spcBef>
-              <a:spcAft>
-                <a:spcPts val="0"/>
-              </a:spcAft>
-              <a:buClrTx/>
-              <a:buSzTx/>
-              <a:buFontTx/>
-              <a:buNone/>
-              <a:tabLst/>
-              <a:defRPr/>
-            </a:pPr>
-            <a:endParaRPr lang="en-US" baseline="0" dirty="0" smtClean="0">
-              <a:latin typeface="Calibri" panose="020F0502020204030204" pitchFamily="34" charset="0"/>
-              <a:cs typeface="Calibri" panose="020F0502020204030204" pitchFamily="34" charset="0"/>
-            </a:endParaRPr>
-          </a:p>
-          <a:p>
-            <a:pPr marL="0" marR="0" lvl="0" indent="0" algn="l" defTabSz="914400" rtl="0" eaLnBrk="1" fontAlgn="auto" latinLnBrk="0" hangingPunct="1">
-              <a:lnSpc>
-                <a:spcPct val="100000"/>
-              </a:lnSpc>
-              <a:spcBef>
-                <a:spcPts val="0"/>
-              </a:spcBef>
-              <a:spcAft>
-                <a:spcPts val="0"/>
-              </a:spcAft>
-              <a:buClrTx/>
-              <a:buSzTx/>
-              <a:buFontTx/>
-              <a:buNone/>
-              <a:tabLst/>
-              <a:defRPr/>
-            </a:pPr>
-            <a:endParaRPr lang="ru-RU" dirty="0" smtClean="0">
-              <a:latin typeface="Calibri" panose="020F0502020204030204" pitchFamily="34" charset="0"/>
-              <a:cs typeface="Calibri" panose="020F0502020204030204" pitchFamily="34" charset="0"/>
-            </a:endParaRPr>
+              <a:rPr lang="ru-RU" baseline="0" dirty="0" smtClean="0"/>
+              <a:t>-бота.</a:t>
+            </a:r>
+          </a:p>
+          <a:p>
+            <a:r>
+              <a:rPr lang="ru-RU" baseline="0" dirty="0" smtClean="0"/>
+              <a:t>На этап продвижения маркетолог, изучив возможности </a:t>
+            </a:r>
+            <a:r>
+              <a:rPr lang="ru-RU" baseline="0" dirty="0" err="1" smtClean="0"/>
+              <a:t>Яндекс.Директа</a:t>
+            </a:r>
+            <a:r>
+              <a:rPr lang="ru-RU" baseline="0" dirty="0" smtClean="0"/>
+              <a:t>, занялся созданием рекламных объявлений, подборов ключевых слов</a:t>
+            </a:r>
+            <a:endParaRPr lang="ru-RU" dirty="0" smtClean="0"/>
+          </a:p>
+          <a:p>
+            <a:endParaRPr lang="ru-RU" dirty="0"/>
           </a:p>
         </p:txBody>
       </p:sp>
@@ -4789,7 +5691,7 @@
           <a:p>
             <a:fld id="{489D1785-3960-4670-8EB0-0CB22B17F5EA}" type="slidenum">
               <a:rPr lang="ru-RU" smtClean="0"/>
-              <a:t>10</a:t>
+              <a:t>9</a:t>
             </a:fld>
             <a:endParaRPr lang="ru-RU"/>
           </a:p>
@@ -4798,7 +5700,7 @@
     </p:spTree>
     <p:extLst>
       <p:ext uri="{BB962C8B-B14F-4D97-AF65-F5344CB8AC3E}">
-        <p14:creationId xmlns:p14="http://schemas.microsoft.com/office/powerpoint/2010/main" val="3478969080"/>
+        <p14:creationId xmlns:p14="http://schemas.microsoft.com/office/powerpoint/2010/main" val="251906001"/>
       </p:ext>
     </p:extLst>
   </p:cSld>
@@ -5530,7 +6432,7 @@
           <a:p>
             <a:fld id="{1B855641-0832-4B13-84BE-8FA095348147}" type="datetimeFigureOut">
               <a:rPr lang="ru-RU" smtClean="0"/>
-              <a:t>21.01.2022</a:t>
+              <a:t>22.01.2022</a:t>
             </a:fld>
             <a:endParaRPr lang="ru-RU" dirty="0"/>
           </a:p>
@@ -5781,7 +6683,7 @@
           <a:p>
             <a:fld id="{1B855641-0832-4B13-84BE-8FA095348147}" type="datetimeFigureOut">
               <a:rPr lang="ru-RU" smtClean="0"/>
-              <a:t>21.01.2022</a:t>
+              <a:t>22.01.2022</a:t>
             </a:fld>
             <a:endParaRPr lang="ru-RU" dirty="0"/>
           </a:p>
@@ -6095,7 +6997,7 @@
           <a:p>
             <a:fld id="{1B855641-0832-4B13-84BE-8FA095348147}" type="datetimeFigureOut">
               <a:rPr lang="ru-RU" smtClean="0"/>
-              <a:t>21.01.2022</a:t>
+              <a:t>22.01.2022</a:t>
             </a:fld>
             <a:endParaRPr lang="ru-RU" dirty="0"/>
           </a:p>
@@ -6436,7 +7338,7 @@
           <a:p>
             <a:fld id="{1B855641-0832-4B13-84BE-8FA095348147}" type="datetimeFigureOut">
               <a:rPr lang="ru-RU" smtClean="0"/>
-              <a:t>21.01.2022</a:t>
+              <a:t>22.01.2022</a:t>
             </a:fld>
             <a:endParaRPr lang="ru-RU" dirty="0"/>
           </a:p>
@@ -6750,7 +7652,7 @@
           <a:p>
             <a:fld id="{1B855641-0832-4B13-84BE-8FA095348147}" type="datetimeFigureOut">
               <a:rPr lang="ru-RU" smtClean="0"/>
-              <a:t>21.01.2022</a:t>
+              <a:t>22.01.2022</a:t>
             </a:fld>
             <a:endParaRPr lang="ru-RU" dirty="0"/>
           </a:p>
@@ -7143,7 +8045,7 @@
           <a:p>
             <a:fld id="{1B855641-0832-4B13-84BE-8FA095348147}" type="datetimeFigureOut">
               <a:rPr lang="ru-RU" smtClean="0"/>
-              <a:t>21.01.2022</a:t>
+              <a:t>22.01.2022</a:t>
             </a:fld>
             <a:endParaRPr lang="ru-RU" dirty="0"/>
           </a:p>
@@ -7313,7 +8215,7 @@
           <a:p>
             <a:fld id="{1B855641-0832-4B13-84BE-8FA095348147}" type="datetimeFigureOut">
               <a:rPr lang="ru-RU" smtClean="0"/>
-              <a:t>21.01.2022</a:t>
+              <a:t>22.01.2022</a:t>
             </a:fld>
             <a:endParaRPr lang="ru-RU" dirty="0"/>
           </a:p>
@@ -7493,7 +8395,7 @@
           <a:p>
             <a:fld id="{1B855641-0832-4B13-84BE-8FA095348147}" type="datetimeFigureOut">
               <a:rPr lang="ru-RU" smtClean="0"/>
-              <a:t>21.01.2022</a:t>
+              <a:t>22.01.2022</a:t>
             </a:fld>
             <a:endParaRPr lang="ru-RU" dirty="0"/>
           </a:p>
@@ -7669,7 +8571,7 @@
           <a:p>
             <a:fld id="{1B855641-0832-4B13-84BE-8FA095348147}" type="datetimeFigureOut">
               <a:rPr lang="ru-RU" smtClean="0"/>
-              <a:t>21.01.2022</a:t>
+              <a:t>22.01.2022</a:t>
             </a:fld>
             <a:endParaRPr lang="ru-RU" dirty="0"/>
           </a:p>
@@ -7916,7 +8818,7 @@
           <a:p>
             <a:fld id="{1B855641-0832-4B13-84BE-8FA095348147}" type="datetimeFigureOut">
               <a:rPr lang="ru-RU" smtClean="0"/>
-              <a:t>21.01.2022</a:t>
+              <a:t>22.01.2022</a:t>
             </a:fld>
             <a:endParaRPr lang="ru-RU" dirty="0"/>
           </a:p>
@@ -8148,7 +9050,7 @@
           <a:p>
             <a:fld id="{1B855641-0832-4B13-84BE-8FA095348147}" type="datetimeFigureOut">
               <a:rPr lang="ru-RU" smtClean="0"/>
-              <a:t>21.01.2022</a:t>
+              <a:t>22.01.2022</a:t>
             </a:fld>
             <a:endParaRPr lang="ru-RU" dirty="0"/>
           </a:p>
@@ -8522,7 +9424,7 @@
           <a:p>
             <a:fld id="{1B855641-0832-4B13-84BE-8FA095348147}" type="datetimeFigureOut">
               <a:rPr lang="ru-RU" smtClean="0"/>
-              <a:t>21.01.2022</a:t>
+              <a:t>22.01.2022</a:t>
             </a:fld>
             <a:endParaRPr lang="ru-RU" dirty="0"/>
           </a:p>
@@ -8645,7 +9547,7 @@
           <a:p>
             <a:fld id="{1B855641-0832-4B13-84BE-8FA095348147}" type="datetimeFigureOut">
               <a:rPr lang="ru-RU" smtClean="0"/>
-              <a:t>21.01.2022</a:t>
+              <a:t>22.01.2022</a:t>
             </a:fld>
             <a:endParaRPr lang="ru-RU" dirty="0"/>
           </a:p>
@@ -8740,7 +9642,7 @@
           <a:p>
             <a:fld id="{1B855641-0832-4B13-84BE-8FA095348147}" type="datetimeFigureOut">
               <a:rPr lang="ru-RU" smtClean="0"/>
-              <a:t>21.01.2022</a:t>
+              <a:t>22.01.2022</a:t>
             </a:fld>
             <a:endParaRPr lang="ru-RU" dirty="0"/>
           </a:p>
@@ -8995,7 +9897,7 @@
           <a:p>
             <a:fld id="{1B855641-0832-4B13-84BE-8FA095348147}" type="datetimeFigureOut">
               <a:rPr lang="ru-RU" smtClean="0"/>
-              <a:t>21.01.2022</a:t>
+              <a:t>22.01.2022</a:t>
             </a:fld>
             <a:endParaRPr lang="ru-RU" dirty="0"/>
           </a:p>
@@ -9258,7 +10160,7 @@
           <a:p>
             <a:fld id="{1B855641-0832-4B13-84BE-8FA095348147}" type="datetimeFigureOut">
               <a:rPr lang="ru-RU" smtClean="0"/>
-              <a:t>21.01.2022</a:t>
+              <a:t>22.01.2022</a:t>
             </a:fld>
             <a:endParaRPr lang="ru-RU" dirty="0"/>
           </a:p>
@@ -10011,7 +10913,7 @@
           <a:p>
             <a:fld id="{1B855641-0832-4B13-84BE-8FA095348147}" type="datetimeFigureOut">
               <a:rPr lang="ru-RU" smtClean="0"/>
-              <a:t>21.01.2022</a:t>
+              <a:t>22.01.2022</a:t>
             </a:fld>
             <a:endParaRPr lang="ru-RU" dirty="0"/>
           </a:p>
@@ -10699,18 +11601,7 @@
                   </a:schemeClr>
                 </a:solidFill>
               </a:rPr>
-              <a:t> Н.С</a:t>
-            </a:r>
-            <a:r>
-              <a:rPr lang="ru-RU" sz="2000" dirty="0" smtClean="0">
-                <a:solidFill>
-                  <a:schemeClr val="tx1">
-                    <a:lumMod val="65000"/>
-                    <a:lumOff val="35000"/>
-                  </a:schemeClr>
-                </a:solidFill>
-              </a:rPr>
-              <a:t>.</a:t>
+              <a:t> Н.С.</a:t>
             </a:r>
           </a:p>
           <a:p>
@@ -10982,20 +11873,7 @@
                 <a:latin typeface="Calibri" panose="020F0502020204030204" pitchFamily="34" charset="0"/>
                 <a:cs typeface="Calibri" panose="020F0502020204030204" pitchFamily="34" charset="0"/>
               </a:rPr>
-              <a:t> </a:t>
-            </a:r>
-            <a:r>
-              <a:rPr lang="ru-RU" sz="2000" dirty="0" smtClean="0">
-                <a:solidFill>
-                  <a:schemeClr val="tx1">
-                    <a:lumMod val="75000"/>
-                    <a:lumOff val="25000"/>
-                  </a:schemeClr>
-                </a:solidFill>
-                <a:latin typeface="Calibri" panose="020F0502020204030204" pitchFamily="34" charset="0"/>
-                <a:cs typeface="Calibri" panose="020F0502020204030204" pitchFamily="34" charset="0"/>
-              </a:rPr>
-              <a:t>000 рублей.</a:t>
+              <a:t> 000 рублей.</a:t>
             </a:r>
           </a:p>
           <a:p>
@@ -11108,20 +11986,77 @@
       </p:grpSpPr>
       <p:sp>
         <p:nvSpPr>
-          <p:cNvPr id="2" name="TextBox 1">
+          <p:cNvPr id="4" name="Title 1">
             <a:extLst>
               <a:ext uri="{FF2B5EF4-FFF2-40B4-BE49-F238E27FC236}">
-                <a16:creationId xmlns:a16="http://schemas.microsoft.com/office/drawing/2014/main" id="{9AB10727-3B52-4EAA-A967-2F490215CB00}"/>
+                <a16:creationId xmlns:a16="http://schemas.microsoft.com/office/drawing/2014/main" id="{0C8F3B2B-1F4F-43A5-B2BB-38DD26FDC34D}"/>
               </a:ext>
             </a:extLst>
           </p:cNvPr>
+          <p:cNvSpPr>
+            <a:spLocks noGrp="1"/>
+          </p:cNvSpPr>
+          <p:nvPr/>
+        </p:nvSpPr>
+        <p:spPr>
+          <a:xfrm>
+            <a:off x="1485900" y="547131"/>
+            <a:ext cx="7269480" cy="987552"/>
+          </a:xfrm>
+          <a:prstGeom prst="rect">
+            <a:avLst/>
+          </a:prstGeom>
+        </p:spPr>
+        <p:txBody>
+          <a:bodyPr vert="horz" lIns="91440" tIns="45720" rIns="91440" bIns="45720" rtlCol="0" anchor="ctr">
+            <a:normAutofit/>
+          </a:bodyPr>
+          <a:lstStyle>
+            <a:lvl1pPr algn="l" defTabSz="914400" rtl="0" eaLnBrk="1" latinLnBrk="0" hangingPunct="1">
+              <a:lnSpc>
+                <a:spcPct val="90000"/>
+              </a:lnSpc>
+              <a:spcBef>
+                <a:spcPct val="0"/>
+              </a:spcBef>
+              <a:buNone/>
+              <a:defRPr sz="4400" kern="1200">
+                <a:solidFill>
+                  <a:schemeClr val="tx1"/>
+                </a:solidFill>
+                <a:latin typeface="+mj-lt"/>
+                <a:ea typeface="+mj-ea"/>
+                <a:cs typeface="+mj-cs"/>
+              </a:defRPr>
+            </a:lvl1pPr>
+          </a:lstStyle>
+          <a:p>
+            <a:r>
+              <a:rPr lang="ru-RU" sz="4000" dirty="0" smtClean="0">
+                <a:solidFill>
+                  <a:srgbClr val="45525A"/>
+                </a:solidFill>
+              </a:rPr>
+              <a:t>Маркетинговый план</a:t>
+            </a:r>
+            <a:endParaRPr lang="en-US" sz="4000" dirty="0">
+              <a:solidFill>
+                <a:srgbClr val="45525A"/>
+              </a:solidFill>
+            </a:endParaRPr>
+          </a:p>
+        </p:txBody>
+      </p:sp>
+      <p:sp>
+        <p:nvSpPr>
+          <p:cNvPr id="2" name="TextBox 1"/>
           <p:cNvSpPr txBox="1"/>
           <p:nvPr/>
         </p:nvSpPr>
         <p:spPr>
           <a:xfrm>
-            <a:off x="1371600" y="685800"/>
-            <a:ext cx="10193311" cy="707886"/>
+            <a:off x="1485900" y="1737359"/>
+            <a:ext cx="7958546" cy="1323439"/>
           </a:xfrm>
           <a:prstGeom prst="rect">
             <a:avLst/>
@@ -11135,32 +12070,125 @@
           <a:lstStyle/>
           <a:p>
             <a:r>
-              <a:rPr lang="ru-RU" sz="4000" dirty="0" smtClean="0">
+              <a:rPr lang="ru-RU" sz="2000" dirty="0" smtClean="0">
                 <a:solidFill>
                   <a:schemeClr val="tx1">
-                    <a:lumMod val="65000"/>
-                    <a:lumOff val="35000"/>
+                    <a:lumMod val="75000"/>
+                    <a:lumOff val="25000"/>
                   </a:schemeClr>
                 </a:solidFill>
-                <a:latin typeface="+mj-lt"/>
+                <a:latin typeface="Calibri" panose="020F0502020204030204" pitchFamily="34" charset="0"/>
+                <a:cs typeface="Calibri" panose="020F0502020204030204" pitchFamily="34" charset="0"/>
               </a:rPr>
-              <a:t>Финансовая модель проекта</a:t>
-            </a:r>
-            <a:endParaRPr lang="ru-RU" sz="4000" dirty="0">
+              <a:t>Для продвижения продукта и получения прибыли используется платформа </a:t>
+            </a:r>
+            <a:r>
+              <a:rPr lang="ru-RU" sz="2000" dirty="0" err="1" smtClean="0">
+                <a:solidFill>
+                  <a:schemeClr val="tx1">
+                    <a:lumMod val="75000"/>
+                    <a:lumOff val="25000"/>
+                  </a:schemeClr>
+                </a:solidFill>
+                <a:latin typeface="Calibri" panose="020F0502020204030204" pitchFamily="34" charset="0"/>
+                <a:cs typeface="Calibri" panose="020F0502020204030204" pitchFamily="34" charset="0"/>
+              </a:rPr>
+              <a:t>Яндекс.Директ</a:t>
+            </a:r>
+            <a:r>
+              <a:rPr lang="en-US" sz="2000" dirty="0" smtClean="0">
+                <a:solidFill>
+                  <a:schemeClr val="tx1">
+                    <a:lumMod val="75000"/>
+                    <a:lumOff val="25000"/>
+                  </a:schemeClr>
+                </a:solidFill>
+                <a:latin typeface="Calibri" panose="020F0502020204030204" pitchFamily="34" charset="0"/>
+                <a:cs typeface="Calibri" panose="020F0502020204030204" pitchFamily="34" charset="0"/>
+              </a:rPr>
+              <a:t>. </a:t>
+            </a:r>
+            <a:r>
+              <a:rPr lang="ru-RU" sz="2000" dirty="0" smtClean="0">
+                <a:solidFill>
+                  <a:schemeClr val="tx1">
+                    <a:lumMod val="75000"/>
+                    <a:lumOff val="25000"/>
+                  </a:schemeClr>
+                </a:solidFill>
+                <a:latin typeface="Calibri" panose="020F0502020204030204" pitchFamily="34" charset="0"/>
+                <a:cs typeface="Calibri" panose="020F0502020204030204" pitchFamily="34" charset="0"/>
+              </a:rPr>
+              <a:t>Эта платформа предоставляет возможности как для заказа рекламы, так и для размещения её в собственных продуктах.</a:t>
+            </a:r>
+            <a:r>
+              <a:rPr lang="en-US" sz="2000" dirty="0" smtClean="0">
+                <a:solidFill>
+                  <a:schemeClr val="tx1">
+                    <a:lumMod val="75000"/>
+                    <a:lumOff val="25000"/>
+                  </a:schemeClr>
+                </a:solidFill>
+                <a:latin typeface="Calibri" panose="020F0502020204030204" pitchFamily="34" charset="0"/>
+                <a:cs typeface="Calibri" panose="020F0502020204030204" pitchFamily="34" charset="0"/>
+              </a:rPr>
+              <a:t> </a:t>
+            </a:r>
+            <a:r>
+              <a:rPr lang="ru-RU" sz="2000" dirty="0" smtClean="0">
+                <a:solidFill>
+                  <a:schemeClr val="tx1">
+                    <a:lumMod val="75000"/>
+                    <a:lumOff val="25000"/>
+                  </a:schemeClr>
+                </a:solidFill>
+                <a:latin typeface="Calibri" panose="020F0502020204030204" pitchFamily="34" charset="0"/>
+                <a:cs typeface="Calibri" panose="020F0502020204030204" pitchFamily="34" charset="0"/>
+              </a:rPr>
+              <a:t>Также эта площадка умеет работать с </a:t>
+            </a:r>
+            <a:r>
+              <a:rPr lang="en-US" sz="2000" dirty="0" smtClean="0">
+                <a:solidFill>
+                  <a:schemeClr val="tx1">
+                    <a:lumMod val="75000"/>
+                    <a:lumOff val="25000"/>
+                  </a:schemeClr>
+                </a:solidFill>
+                <a:latin typeface="Calibri" panose="020F0502020204030204" pitchFamily="34" charset="0"/>
+                <a:cs typeface="Calibri" panose="020F0502020204030204" pitchFamily="34" charset="0"/>
+              </a:rPr>
+              <a:t>telegram</a:t>
+            </a:r>
+            <a:r>
+              <a:rPr lang="ru-RU" sz="2000" dirty="0" smtClean="0">
+                <a:solidFill>
+                  <a:schemeClr val="tx1">
+                    <a:lumMod val="75000"/>
+                    <a:lumOff val="25000"/>
+                  </a:schemeClr>
+                </a:solidFill>
+                <a:latin typeface="Calibri" panose="020F0502020204030204" pitchFamily="34" charset="0"/>
+                <a:cs typeface="Calibri" panose="020F0502020204030204" pitchFamily="34" charset="0"/>
+              </a:rPr>
+              <a:t>.</a:t>
+            </a:r>
+            <a:endParaRPr lang="ru-RU" sz="2000" dirty="0">
               <a:solidFill>
                 <a:schemeClr val="tx1">
-                  <a:lumMod val="65000"/>
-                  <a:lumOff val="35000"/>
+                  <a:lumMod val="75000"/>
+                  <a:lumOff val="25000"/>
                 </a:schemeClr>
               </a:solidFill>
-              <a:latin typeface="+mj-lt"/>
+              <a:latin typeface="Calibri" panose="020F0502020204030204" pitchFamily="34" charset="0"/>
+              <a:cs typeface="Calibri" panose="020F0502020204030204" pitchFamily="34" charset="0"/>
             </a:endParaRPr>
           </a:p>
         </p:txBody>
       </p:sp>
       <p:pic>
         <p:nvPicPr>
-          <p:cNvPr id="6" name="Рисунок 5">
+          <p:cNvPr id="5" name="Рисунок 4">
             <a:extLst>
               <a:ext uri="{FF2B5EF4-FFF2-40B4-BE49-F238E27FC236}">
                 <a16:creationId xmlns:a16="http://schemas.microsoft.com/office/drawing/2014/main" id="{C86F6056-998C-4CFC-A4D9-357893211FFB}"/>
@@ -11190,44 +12218,32 @@
       </p:pic>
       <p:pic>
         <p:nvPicPr>
-          <p:cNvPr id="9" name="Рисунок 8"/>
-          <p:cNvPicPr/>
+          <p:cNvPr id="7" name="Рисунок 6"/>
+          <p:cNvPicPr>
+            <a:picLocks noChangeAspect="1"/>
+          </p:cNvPicPr>
           <p:nvPr/>
         </p:nvPicPr>
-        <p:blipFill rotWithShape="1">
-          <a:blip r:embed="rId4">
-            <a:extLst>
-              <a:ext uri="{28A0092B-C50C-407E-A947-70E740481C1C}">
-                <a14:useLocalDpi xmlns:a14="http://schemas.microsoft.com/office/drawing/2010/main" val="0"/>
-              </a:ext>
-            </a:extLst>
-          </a:blip>
-          <a:srcRect b="32192"/>
-          <a:stretch/>
+        <p:blipFill>
+          <a:blip r:embed="rId4"/>
+          <a:stretch>
+            <a:fillRect/>
+          </a:stretch>
         </p:blipFill>
-        <p:spPr bwMode="auto">
+        <p:spPr>
           <a:xfrm>
-            <a:off x="1173290" y="1606550"/>
-            <a:ext cx="10589930" cy="4603750"/>
+            <a:off x="1783760" y="3411855"/>
+            <a:ext cx="7362825" cy="2228850"/>
           </a:xfrm>
           <a:prstGeom prst="rect">
             <a:avLst/>
           </a:prstGeom>
-          <a:noFill/>
-          <a:ln>
-            <a:noFill/>
-          </a:ln>
-          <a:extLst>
-            <a:ext uri="{53640926-AAD7-44D8-BBD7-CCE9431645EC}">
-              <a14:shadowObscured xmlns:a14="http://schemas.microsoft.com/office/drawing/2010/main"/>
-            </a:ext>
-          </a:extLst>
         </p:spPr>
       </p:pic>
     </p:spTree>
     <p:extLst>
       <p:ext uri="{BB962C8B-B14F-4D97-AF65-F5344CB8AC3E}">
-        <p14:creationId xmlns:p14="http://schemas.microsoft.com/office/powerpoint/2010/main" val="3091926752"/>
+        <p14:creationId xmlns:p14="http://schemas.microsoft.com/office/powerpoint/2010/main" val="718624563"/>
       </p:ext>
     </p:extLst>
   </p:cSld>
@@ -11263,20 +12279,77 @@
       </p:grpSpPr>
       <p:sp>
         <p:nvSpPr>
-          <p:cNvPr id="2" name="TextBox 1">
+          <p:cNvPr id="4" name="Title 1">
             <a:extLst>
               <a:ext uri="{FF2B5EF4-FFF2-40B4-BE49-F238E27FC236}">
-                <a16:creationId xmlns:a16="http://schemas.microsoft.com/office/drawing/2014/main" id="{9AB10727-3B52-4EAA-A967-2F490215CB00}"/>
+                <a16:creationId xmlns:a16="http://schemas.microsoft.com/office/drawing/2014/main" id="{0C8F3B2B-1F4F-43A5-B2BB-38DD26FDC34D}"/>
               </a:ext>
             </a:extLst>
           </p:cNvPr>
+          <p:cNvSpPr>
+            <a:spLocks noGrp="1"/>
+          </p:cNvSpPr>
+          <p:nvPr/>
+        </p:nvSpPr>
+        <p:spPr>
+          <a:xfrm>
+            <a:off x="1485900" y="547131"/>
+            <a:ext cx="7269480" cy="987552"/>
+          </a:xfrm>
+          <a:prstGeom prst="rect">
+            <a:avLst/>
+          </a:prstGeom>
+        </p:spPr>
+        <p:txBody>
+          <a:bodyPr vert="horz" lIns="91440" tIns="45720" rIns="91440" bIns="45720" rtlCol="0" anchor="ctr">
+            <a:normAutofit/>
+          </a:bodyPr>
+          <a:lstStyle>
+            <a:lvl1pPr algn="l" defTabSz="914400" rtl="0" eaLnBrk="1" latinLnBrk="0" hangingPunct="1">
+              <a:lnSpc>
+                <a:spcPct val="90000"/>
+              </a:lnSpc>
+              <a:spcBef>
+                <a:spcPct val="0"/>
+              </a:spcBef>
+              <a:buNone/>
+              <a:defRPr sz="4400" kern="1200">
+                <a:solidFill>
+                  <a:schemeClr val="tx1"/>
+                </a:solidFill>
+                <a:latin typeface="+mj-lt"/>
+                <a:ea typeface="+mj-ea"/>
+                <a:cs typeface="+mj-cs"/>
+              </a:defRPr>
+            </a:lvl1pPr>
+          </a:lstStyle>
+          <a:p>
+            <a:r>
+              <a:rPr lang="ru-RU" sz="4000" dirty="0" smtClean="0">
+                <a:solidFill>
+                  <a:srgbClr val="45525A"/>
+                </a:solidFill>
+              </a:rPr>
+              <a:t>Рекламные объявления</a:t>
+            </a:r>
+            <a:endParaRPr lang="en-US" sz="4000" dirty="0">
+              <a:solidFill>
+                <a:srgbClr val="45525A"/>
+              </a:solidFill>
+            </a:endParaRPr>
+          </a:p>
+        </p:txBody>
+      </p:sp>
+      <p:sp>
+        <p:nvSpPr>
+          <p:cNvPr id="2" name="TextBox 1"/>
           <p:cNvSpPr txBox="1"/>
           <p:nvPr/>
         </p:nvSpPr>
         <p:spPr>
           <a:xfrm>
-            <a:off x="1371600" y="685800"/>
-            <a:ext cx="10193311" cy="707886"/>
+            <a:off x="1485900" y="1737359"/>
+            <a:ext cx="7958546" cy="400110"/>
           </a:xfrm>
           <a:prstGeom prst="rect">
             <a:avLst/>
@@ -11289,23 +12362,22 @@
           </a:bodyPr>
           <a:lstStyle/>
           <a:p>
-            <a:r>
-              <a:rPr lang="ru-RU" sz="4000" dirty="0">
-                <a:solidFill>
-                  <a:schemeClr val="tx1">
-                    <a:lumMod val="65000"/>
-                    <a:lumOff val="35000"/>
-                  </a:schemeClr>
-                </a:solidFill>
-              </a:rPr>
-              <a:t>Финансовая модель проекта</a:t>
-            </a:r>
+            <a:endParaRPr lang="ru-RU" sz="2000" dirty="0">
+              <a:solidFill>
+                <a:schemeClr val="tx1">
+                  <a:lumMod val="75000"/>
+                  <a:lumOff val="25000"/>
+                </a:schemeClr>
+              </a:solidFill>
+              <a:latin typeface="Calibri" panose="020F0502020204030204" pitchFamily="34" charset="0"/>
+              <a:cs typeface="Calibri" panose="020F0502020204030204" pitchFamily="34" charset="0"/>
+            </a:endParaRPr>
           </a:p>
         </p:txBody>
       </p:sp>
       <p:pic>
         <p:nvPicPr>
-          <p:cNvPr id="6" name="Рисунок 5">
+          <p:cNvPr id="5" name="Рисунок 4">
             <a:extLst>
               <a:ext uri="{FF2B5EF4-FFF2-40B4-BE49-F238E27FC236}">
                 <a16:creationId xmlns:a16="http://schemas.microsoft.com/office/drawing/2014/main" id="{C86F6056-998C-4CFC-A4D9-357893211FFB}"/>
@@ -11335,41 +12407,32 @@
       </p:pic>
       <p:pic>
         <p:nvPicPr>
-          <p:cNvPr id="9" name="Рисунок 8"/>
-          <p:cNvPicPr/>
+          <p:cNvPr id="3" name="Рисунок 2"/>
+          <p:cNvPicPr>
+            <a:picLocks noChangeAspect="1"/>
+          </p:cNvPicPr>
           <p:nvPr/>
         </p:nvPicPr>
         <p:blipFill>
-          <a:blip r:embed="rId4">
-            <a:extLst>
-              <a:ext uri="{28A0092B-C50C-407E-A947-70E740481C1C}">
-                <a14:useLocalDpi xmlns:a14="http://schemas.microsoft.com/office/drawing/2010/main" val="0"/>
-              </a:ext>
-            </a:extLst>
-          </a:blip>
-          <a:srcRect/>
+          <a:blip r:embed="rId4"/>
           <a:stretch>
             <a:fillRect/>
           </a:stretch>
         </p:blipFill>
-        <p:spPr bwMode="auto">
+        <p:spPr>
           <a:xfrm>
-            <a:off x="1243012" y="1698624"/>
-            <a:ext cx="10733928" cy="4841875"/>
+            <a:off x="3373021" y="1534683"/>
+            <a:ext cx="3495238" cy="4685714"/>
           </a:xfrm>
           <a:prstGeom prst="rect">
             <a:avLst/>
           </a:prstGeom>
-          <a:noFill/>
-          <a:ln>
-            <a:noFill/>
-          </a:ln>
         </p:spPr>
       </p:pic>
     </p:spTree>
     <p:extLst>
       <p:ext uri="{BB962C8B-B14F-4D97-AF65-F5344CB8AC3E}">
-        <p14:creationId xmlns:p14="http://schemas.microsoft.com/office/powerpoint/2010/main" val="3006877059"/>
+        <p14:creationId xmlns:p14="http://schemas.microsoft.com/office/powerpoint/2010/main" val="3372658826"/>
       </p:ext>
     </p:extLst>
   </p:cSld>
@@ -11456,7 +12519,7 @@
                   <a:srgbClr val="45525A"/>
                 </a:solidFill>
               </a:rPr>
-              <a:t>Маркетинговый план</a:t>
+              <a:t>Рекламные объявления</a:t>
             </a:r>
             <a:endParaRPr lang="en-US" sz="4000" dirty="0">
               <a:solidFill>
@@ -11475,7 +12538,7 @@
         <p:spPr>
           <a:xfrm>
             <a:off x="1485900" y="1737359"/>
-            <a:ext cx="7958546" cy="1323439"/>
+            <a:ext cx="7958546" cy="400110"/>
           </a:xfrm>
           <a:prstGeom prst="rect">
             <a:avLst/>
@@ -11488,123 +12551,6 @@
           </a:bodyPr>
           <a:lstStyle/>
           <a:p>
-            <a:r>
-              <a:rPr lang="ru-RU" sz="2000" dirty="0" smtClean="0">
-                <a:solidFill>
-                  <a:schemeClr val="tx1">
-                    <a:lumMod val="75000"/>
-                    <a:lumOff val="25000"/>
-                  </a:schemeClr>
-                </a:solidFill>
-                <a:latin typeface="Calibri" panose="020F0502020204030204" pitchFamily="34" charset="0"/>
-                <a:cs typeface="Calibri" panose="020F0502020204030204" pitchFamily="34" charset="0"/>
-              </a:rPr>
-              <a:t>Для продвижения продукта и получения прибыли </a:t>
-            </a:r>
-            <a:r>
-              <a:rPr lang="ru-RU" sz="2000" dirty="0" smtClean="0">
-                <a:solidFill>
-                  <a:schemeClr val="tx1">
-                    <a:lumMod val="75000"/>
-                    <a:lumOff val="25000"/>
-                  </a:schemeClr>
-                </a:solidFill>
-                <a:latin typeface="Calibri" panose="020F0502020204030204" pitchFamily="34" charset="0"/>
-                <a:cs typeface="Calibri" panose="020F0502020204030204" pitchFamily="34" charset="0"/>
-              </a:rPr>
-              <a:t>используется платформа </a:t>
-            </a:r>
-            <a:r>
-              <a:rPr lang="ru-RU" sz="2000" dirty="0" err="1" smtClean="0">
-                <a:solidFill>
-                  <a:schemeClr val="tx1">
-                    <a:lumMod val="75000"/>
-                    <a:lumOff val="25000"/>
-                  </a:schemeClr>
-                </a:solidFill>
-                <a:latin typeface="Calibri" panose="020F0502020204030204" pitchFamily="34" charset="0"/>
-                <a:cs typeface="Calibri" panose="020F0502020204030204" pitchFamily="34" charset="0"/>
-              </a:rPr>
-              <a:t>Яндекс.Директ</a:t>
-            </a:r>
-            <a:r>
-              <a:rPr lang="en-US" sz="2000" dirty="0" smtClean="0">
-                <a:solidFill>
-                  <a:schemeClr val="tx1">
-                    <a:lumMod val="75000"/>
-                    <a:lumOff val="25000"/>
-                  </a:schemeClr>
-                </a:solidFill>
-                <a:latin typeface="Calibri" panose="020F0502020204030204" pitchFamily="34" charset="0"/>
-                <a:cs typeface="Calibri" panose="020F0502020204030204" pitchFamily="34" charset="0"/>
-              </a:rPr>
-              <a:t>. </a:t>
-            </a:r>
-            <a:r>
-              <a:rPr lang="ru-RU" sz="2000" dirty="0" smtClean="0">
-                <a:solidFill>
-                  <a:schemeClr val="tx1">
-                    <a:lumMod val="75000"/>
-                    <a:lumOff val="25000"/>
-                  </a:schemeClr>
-                </a:solidFill>
-                <a:latin typeface="Calibri" panose="020F0502020204030204" pitchFamily="34" charset="0"/>
-                <a:cs typeface="Calibri" panose="020F0502020204030204" pitchFamily="34" charset="0"/>
-              </a:rPr>
-              <a:t>Эта платформа предоставляет возможности как для заказа рекламы, так и для размещения её в собственных продуктах.</a:t>
-            </a:r>
-            <a:r>
-              <a:rPr lang="en-US" sz="2000" dirty="0" smtClean="0">
-                <a:solidFill>
-                  <a:schemeClr val="tx1">
-                    <a:lumMod val="75000"/>
-                    <a:lumOff val="25000"/>
-                  </a:schemeClr>
-                </a:solidFill>
-                <a:latin typeface="Calibri" panose="020F0502020204030204" pitchFamily="34" charset="0"/>
-                <a:cs typeface="Calibri" panose="020F0502020204030204" pitchFamily="34" charset="0"/>
-              </a:rPr>
-              <a:t> </a:t>
-            </a:r>
-            <a:r>
-              <a:rPr lang="ru-RU" sz="2000" dirty="0" smtClean="0">
-                <a:solidFill>
-                  <a:schemeClr val="tx1">
-                    <a:lumMod val="75000"/>
-                    <a:lumOff val="25000"/>
-                  </a:schemeClr>
-                </a:solidFill>
-                <a:latin typeface="Calibri" panose="020F0502020204030204" pitchFamily="34" charset="0"/>
-                <a:cs typeface="Calibri" panose="020F0502020204030204" pitchFamily="34" charset="0"/>
-              </a:rPr>
-              <a:t>Также эта площадка умеет работать с </a:t>
-            </a:r>
-            <a:r>
-              <a:rPr lang="en-US" sz="2000" dirty="0" smtClean="0">
-                <a:solidFill>
-                  <a:schemeClr val="tx1">
-                    <a:lumMod val="75000"/>
-                    <a:lumOff val="25000"/>
-                  </a:schemeClr>
-                </a:solidFill>
-                <a:latin typeface="Calibri" panose="020F0502020204030204" pitchFamily="34" charset="0"/>
-                <a:cs typeface="Calibri" panose="020F0502020204030204" pitchFamily="34" charset="0"/>
-              </a:rPr>
-              <a:t>telegram</a:t>
-            </a:r>
-            <a:r>
-              <a:rPr lang="ru-RU" sz="2000" dirty="0" smtClean="0">
-                <a:solidFill>
-                  <a:schemeClr val="tx1">
-                    <a:lumMod val="75000"/>
-                    <a:lumOff val="25000"/>
-                  </a:schemeClr>
-                </a:solidFill>
-                <a:latin typeface="Calibri" panose="020F0502020204030204" pitchFamily="34" charset="0"/>
-                <a:cs typeface="Calibri" panose="020F0502020204030204" pitchFamily="34" charset="0"/>
-              </a:rPr>
-              <a:t>.</a:t>
-            </a:r>
             <a:endParaRPr lang="ru-RU" sz="2000" dirty="0">
               <a:solidFill>
                 <a:schemeClr val="tx1">
@@ -11656,15 +12602,16 @@
           </p:cNvPicPr>
           <p:nvPr/>
         </p:nvPicPr>
-        <p:blipFill rotWithShape="1">
+        <p:blipFill>
           <a:blip r:embed="rId4"/>
-          <a:srcRect b="43600"/>
-          <a:stretch/>
+          <a:stretch>
+            <a:fillRect/>
+          </a:stretch>
         </p:blipFill>
         <p:spPr>
           <a:xfrm>
-            <a:off x="1229868" y="3310873"/>
-            <a:ext cx="10045636" cy="2472129"/>
+            <a:off x="2713441" y="2340145"/>
+            <a:ext cx="4814397" cy="2413550"/>
           </a:xfrm>
           <a:prstGeom prst="rect">
             <a:avLst/>
@@ -11674,7 +12621,7 @@
     </p:spTree>
     <p:extLst>
       <p:ext uri="{BB962C8B-B14F-4D97-AF65-F5344CB8AC3E}">
-        <p14:creationId xmlns:p14="http://schemas.microsoft.com/office/powerpoint/2010/main" val="718624563"/>
+        <p14:creationId xmlns:p14="http://schemas.microsoft.com/office/powerpoint/2010/main" val="2655966050"/>
       </p:ext>
     </p:extLst>
   </p:cSld>
@@ -11692,6 +12639,1634 @@
 </file>
 
 <file path=ppt/slides/slide14.xml><?xml version="1.0" encoding="utf-8"?>
+<p:sld xmlns:a="http://schemas.openxmlformats.org/drawingml/2006/main" xmlns:r="http://schemas.openxmlformats.org/officeDocument/2006/relationships" xmlns:p="http://schemas.openxmlformats.org/presentationml/2006/main">
+  <p:cSld>
+    <p:spTree>
+      <p:nvGrpSpPr>
+        <p:cNvPr id="1" name=""/>
+        <p:cNvGrpSpPr/>
+        <p:nvPr/>
+      </p:nvGrpSpPr>
+      <p:grpSpPr>
+        <a:xfrm>
+          <a:off x="0" y="0"/>
+          <a:ext cx="0" cy="0"/>
+          <a:chOff x="0" y="0"/>
+          <a:chExt cx="0" cy="0"/>
+        </a:xfrm>
+      </p:grpSpPr>
+      <p:sp>
+        <p:nvSpPr>
+          <p:cNvPr id="4" name="Title 1">
+            <a:extLst>
+              <a:ext uri="{FF2B5EF4-FFF2-40B4-BE49-F238E27FC236}">
+                <a16:creationId xmlns:a16="http://schemas.microsoft.com/office/drawing/2014/main" id="{0C8F3B2B-1F4F-43A5-B2BB-38DD26FDC34D}"/>
+              </a:ext>
+            </a:extLst>
+          </p:cNvPr>
+          <p:cNvSpPr>
+            <a:spLocks noGrp="1"/>
+          </p:cNvSpPr>
+          <p:nvPr/>
+        </p:nvSpPr>
+        <p:spPr>
+          <a:xfrm>
+            <a:off x="1485900" y="547131"/>
+            <a:ext cx="7269480" cy="987552"/>
+          </a:xfrm>
+          <a:prstGeom prst="rect">
+            <a:avLst/>
+          </a:prstGeom>
+        </p:spPr>
+        <p:txBody>
+          <a:bodyPr vert="horz" lIns="91440" tIns="45720" rIns="91440" bIns="45720" rtlCol="0" anchor="ctr">
+            <a:normAutofit/>
+          </a:bodyPr>
+          <a:lstStyle>
+            <a:lvl1pPr algn="l" defTabSz="914400" rtl="0" eaLnBrk="1" latinLnBrk="0" hangingPunct="1">
+              <a:lnSpc>
+                <a:spcPct val="90000"/>
+              </a:lnSpc>
+              <a:spcBef>
+                <a:spcPct val="0"/>
+              </a:spcBef>
+              <a:buNone/>
+              <a:defRPr sz="4400" kern="1200">
+                <a:solidFill>
+                  <a:schemeClr val="tx1"/>
+                </a:solidFill>
+                <a:latin typeface="+mj-lt"/>
+                <a:ea typeface="+mj-ea"/>
+                <a:cs typeface="+mj-cs"/>
+              </a:defRPr>
+            </a:lvl1pPr>
+          </a:lstStyle>
+          <a:p>
+            <a:r>
+              <a:rPr lang="ru-RU" sz="4000" dirty="0" smtClean="0">
+                <a:solidFill>
+                  <a:srgbClr val="45525A"/>
+                </a:solidFill>
+              </a:rPr>
+              <a:t>Рекламные объявления</a:t>
+            </a:r>
+            <a:endParaRPr lang="en-US" sz="4000" dirty="0">
+              <a:solidFill>
+                <a:srgbClr val="45525A"/>
+              </a:solidFill>
+            </a:endParaRPr>
+          </a:p>
+        </p:txBody>
+      </p:sp>
+      <p:sp>
+        <p:nvSpPr>
+          <p:cNvPr id="2" name="TextBox 1"/>
+          <p:cNvSpPr txBox="1"/>
+          <p:nvPr/>
+        </p:nvSpPr>
+        <p:spPr>
+          <a:xfrm>
+            <a:off x="1485900" y="1737359"/>
+            <a:ext cx="7958546" cy="400110"/>
+          </a:xfrm>
+          <a:prstGeom prst="rect">
+            <a:avLst/>
+          </a:prstGeom>
+          <a:noFill/>
+        </p:spPr>
+        <p:txBody>
+          <a:bodyPr wrap="square" rtlCol="0">
+            <a:spAutoFit/>
+          </a:bodyPr>
+          <a:lstStyle/>
+          <a:p>
+            <a:endParaRPr lang="ru-RU" sz="2000" dirty="0">
+              <a:solidFill>
+                <a:schemeClr val="tx1">
+                  <a:lumMod val="75000"/>
+                  <a:lumOff val="25000"/>
+                </a:schemeClr>
+              </a:solidFill>
+              <a:latin typeface="Calibri" panose="020F0502020204030204" pitchFamily="34" charset="0"/>
+              <a:cs typeface="Calibri" panose="020F0502020204030204" pitchFamily="34" charset="0"/>
+            </a:endParaRPr>
+          </a:p>
+        </p:txBody>
+      </p:sp>
+      <p:pic>
+        <p:nvPicPr>
+          <p:cNvPr id="5" name="Рисунок 4">
+            <a:extLst>
+              <a:ext uri="{FF2B5EF4-FFF2-40B4-BE49-F238E27FC236}">
+                <a16:creationId xmlns:a16="http://schemas.microsoft.com/office/drawing/2014/main" id="{C86F6056-998C-4CFC-A4D9-357893211FFB}"/>
+              </a:ext>
+            </a:extLst>
+          </p:cNvPr>
+          <p:cNvPicPr>
+            <a:picLocks noChangeAspect="1"/>
+          </p:cNvPicPr>
+          <p:nvPr/>
+        </p:nvPicPr>
+        <p:blipFill>
+          <a:blip r:embed="rId3" cstate="print"/>
+          <a:stretch>
+            <a:fillRect/>
+          </a:stretch>
+        </p:blipFill>
+        <p:spPr>
+          <a:xfrm>
+            <a:off x="192607" y="4904913"/>
+            <a:ext cx="870562" cy="1852503"/>
+          </a:xfrm>
+          <a:prstGeom prst="rect">
+            <a:avLst/>
+          </a:prstGeom>
+        </p:spPr>
+      </p:pic>
+      <p:pic>
+        <p:nvPicPr>
+          <p:cNvPr id="3" name="Рисунок 2"/>
+          <p:cNvPicPr>
+            <a:picLocks noChangeAspect="1"/>
+          </p:cNvPicPr>
+          <p:nvPr/>
+        </p:nvPicPr>
+        <p:blipFill>
+          <a:blip r:embed="rId4"/>
+          <a:stretch>
+            <a:fillRect/>
+          </a:stretch>
+        </p:blipFill>
+        <p:spPr>
+          <a:xfrm>
+            <a:off x="3477783" y="1534683"/>
+            <a:ext cx="3285714" cy="4600000"/>
+          </a:xfrm>
+          <a:prstGeom prst="rect">
+            <a:avLst/>
+          </a:prstGeom>
+        </p:spPr>
+      </p:pic>
+    </p:spTree>
+    <p:extLst>
+      <p:ext uri="{BB962C8B-B14F-4D97-AF65-F5344CB8AC3E}">
+        <p14:creationId xmlns:p14="http://schemas.microsoft.com/office/powerpoint/2010/main" val="2201244860"/>
+      </p:ext>
+    </p:extLst>
+  </p:cSld>
+  <p:clrMapOvr>
+    <a:masterClrMapping/>
+  </p:clrMapOvr>
+  <p:timing>
+    <p:tnLst>
+      <p:par>
+        <p:cTn id="1" dur="indefinite" restart="never" nodeType="tmRoot"/>
+      </p:par>
+    </p:tnLst>
+  </p:timing>
+</p:sld>
+</file>
+
+<file path=ppt/slides/slide15.xml><?xml version="1.0" encoding="utf-8"?>
+<p:sld xmlns:a="http://schemas.openxmlformats.org/drawingml/2006/main" xmlns:r="http://schemas.openxmlformats.org/officeDocument/2006/relationships" xmlns:p="http://schemas.openxmlformats.org/presentationml/2006/main">
+  <p:cSld>
+    <p:spTree>
+      <p:nvGrpSpPr>
+        <p:cNvPr id="1" name=""/>
+        <p:cNvGrpSpPr/>
+        <p:nvPr/>
+      </p:nvGrpSpPr>
+      <p:grpSpPr>
+        <a:xfrm>
+          <a:off x="0" y="0"/>
+          <a:ext cx="0" cy="0"/>
+          <a:chOff x="0" y="0"/>
+          <a:chExt cx="0" cy="0"/>
+        </a:xfrm>
+      </p:grpSpPr>
+      <p:sp>
+        <p:nvSpPr>
+          <p:cNvPr id="4" name="Title 1">
+            <a:extLst>
+              <a:ext uri="{FF2B5EF4-FFF2-40B4-BE49-F238E27FC236}">
+                <a16:creationId xmlns:a16="http://schemas.microsoft.com/office/drawing/2014/main" id="{0C8F3B2B-1F4F-43A5-B2BB-38DD26FDC34D}"/>
+              </a:ext>
+            </a:extLst>
+          </p:cNvPr>
+          <p:cNvSpPr>
+            <a:spLocks noGrp="1"/>
+          </p:cNvSpPr>
+          <p:nvPr/>
+        </p:nvSpPr>
+        <p:spPr>
+          <a:xfrm>
+            <a:off x="1485900" y="547131"/>
+            <a:ext cx="7269480" cy="987552"/>
+          </a:xfrm>
+          <a:prstGeom prst="rect">
+            <a:avLst/>
+          </a:prstGeom>
+        </p:spPr>
+        <p:txBody>
+          <a:bodyPr vert="horz" lIns="91440" tIns="45720" rIns="91440" bIns="45720" rtlCol="0" anchor="ctr">
+            <a:normAutofit fontScale="92500"/>
+          </a:bodyPr>
+          <a:lstStyle>
+            <a:lvl1pPr algn="l" defTabSz="914400" rtl="0" eaLnBrk="1" latinLnBrk="0" hangingPunct="1">
+              <a:lnSpc>
+                <a:spcPct val="90000"/>
+              </a:lnSpc>
+              <a:spcBef>
+                <a:spcPct val="0"/>
+              </a:spcBef>
+              <a:buNone/>
+              <a:defRPr sz="4400" kern="1200">
+                <a:solidFill>
+                  <a:schemeClr val="tx1"/>
+                </a:solidFill>
+                <a:latin typeface="+mj-lt"/>
+                <a:ea typeface="+mj-ea"/>
+                <a:cs typeface="+mj-cs"/>
+              </a:defRPr>
+            </a:lvl1pPr>
+          </a:lstStyle>
+          <a:p>
+            <a:r>
+              <a:rPr lang="ru-RU" sz="4000" dirty="0" smtClean="0">
+                <a:solidFill>
+                  <a:srgbClr val="45525A"/>
+                </a:solidFill>
+              </a:rPr>
+              <a:t>Итоги маркетинговой кампании</a:t>
+            </a:r>
+            <a:endParaRPr lang="en-US" sz="4000" dirty="0">
+              <a:solidFill>
+                <a:srgbClr val="45525A"/>
+              </a:solidFill>
+            </a:endParaRPr>
+          </a:p>
+        </p:txBody>
+      </p:sp>
+      <p:sp>
+        <p:nvSpPr>
+          <p:cNvPr id="2" name="TextBox 1"/>
+          <p:cNvSpPr txBox="1"/>
+          <p:nvPr/>
+        </p:nvSpPr>
+        <p:spPr>
+          <a:xfrm>
+            <a:off x="1485900" y="1737359"/>
+            <a:ext cx="7958546" cy="400110"/>
+          </a:xfrm>
+          <a:prstGeom prst="rect">
+            <a:avLst/>
+          </a:prstGeom>
+          <a:noFill/>
+        </p:spPr>
+        <p:txBody>
+          <a:bodyPr wrap="square" rtlCol="0">
+            <a:spAutoFit/>
+          </a:bodyPr>
+          <a:lstStyle/>
+          <a:p>
+            <a:endParaRPr lang="ru-RU" sz="2000" dirty="0">
+              <a:solidFill>
+                <a:schemeClr val="tx1">
+                  <a:lumMod val="75000"/>
+                  <a:lumOff val="25000"/>
+                </a:schemeClr>
+              </a:solidFill>
+              <a:latin typeface="Calibri" panose="020F0502020204030204" pitchFamily="34" charset="0"/>
+              <a:cs typeface="Calibri" panose="020F0502020204030204" pitchFamily="34" charset="0"/>
+            </a:endParaRPr>
+          </a:p>
+        </p:txBody>
+      </p:sp>
+      <p:pic>
+        <p:nvPicPr>
+          <p:cNvPr id="5" name="Рисунок 4">
+            <a:extLst>
+              <a:ext uri="{FF2B5EF4-FFF2-40B4-BE49-F238E27FC236}">
+                <a16:creationId xmlns:a16="http://schemas.microsoft.com/office/drawing/2014/main" id="{C86F6056-998C-4CFC-A4D9-357893211FFB}"/>
+              </a:ext>
+            </a:extLst>
+          </p:cNvPr>
+          <p:cNvPicPr>
+            <a:picLocks noChangeAspect="1"/>
+          </p:cNvPicPr>
+          <p:nvPr/>
+        </p:nvPicPr>
+        <p:blipFill>
+          <a:blip r:embed="rId3" cstate="print"/>
+          <a:stretch>
+            <a:fillRect/>
+          </a:stretch>
+        </p:blipFill>
+        <p:spPr>
+          <a:xfrm>
+            <a:off x="192607" y="4904913"/>
+            <a:ext cx="870562" cy="1852503"/>
+          </a:xfrm>
+          <a:prstGeom prst="rect">
+            <a:avLst/>
+          </a:prstGeom>
+        </p:spPr>
+      </p:pic>
+      <p:pic>
+        <p:nvPicPr>
+          <p:cNvPr id="6" name="Рисунок 5"/>
+          <p:cNvPicPr/>
+          <p:nvPr/>
+        </p:nvPicPr>
+        <p:blipFill>
+          <a:blip r:embed="rId4"/>
+          <a:stretch>
+            <a:fillRect/>
+          </a:stretch>
+        </p:blipFill>
+        <p:spPr>
+          <a:xfrm>
+            <a:off x="347599" y="2523025"/>
+            <a:ext cx="11284504" cy="1493985"/>
+          </a:xfrm>
+          <a:prstGeom prst="rect">
+            <a:avLst/>
+          </a:prstGeom>
+        </p:spPr>
+      </p:pic>
+    </p:spTree>
+    <p:extLst>
+      <p:ext uri="{BB962C8B-B14F-4D97-AF65-F5344CB8AC3E}">
+        <p14:creationId xmlns:p14="http://schemas.microsoft.com/office/powerpoint/2010/main" val="4242653458"/>
+      </p:ext>
+    </p:extLst>
+  </p:cSld>
+  <p:clrMapOvr>
+    <a:masterClrMapping/>
+  </p:clrMapOvr>
+  <p:timing>
+    <p:tnLst>
+      <p:par>
+        <p:cTn id="1" dur="indefinite" restart="never" nodeType="tmRoot"/>
+      </p:par>
+    </p:tnLst>
+  </p:timing>
+</p:sld>
+</file>
+
+<file path=ppt/slides/slide16.xml><?xml version="1.0" encoding="utf-8"?>
+<p:sld xmlns:a="http://schemas.openxmlformats.org/drawingml/2006/main" xmlns:r="http://schemas.openxmlformats.org/officeDocument/2006/relationships" xmlns:p="http://schemas.openxmlformats.org/presentationml/2006/main">
+  <p:cSld>
+    <p:spTree>
+      <p:nvGrpSpPr>
+        <p:cNvPr id="1" name=""/>
+        <p:cNvGrpSpPr/>
+        <p:nvPr/>
+      </p:nvGrpSpPr>
+      <p:grpSpPr>
+        <a:xfrm>
+          <a:off x="0" y="0"/>
+          <a:ext cx="0" cy="0"/>
+          <a:chOff x="0" y="0"/>
+          <a:chExt cx="0" cy="0"/>
+        </a:xfrm>
+      </p:grpSpPr>
+      <p:sp>
+        <p:nvSpPr>
+          <p:cNvPr id="4" name="Title 1">
+            <a:extLst>
+              <a:ext uri="{FF2B5EF4-FFF2-40B4-BE49-F238E27FC236}">
+                <a16:creationId xmlns:a16="http://schemas.microsoft.com/office/drawing/2014/main" id="{0C8F3B2B-1F4F-43A5-B2BB-38DD26FDC34D}"/>
+              </a:ext>
+            </a:extLst>
+          </p:cNvPr>
+          <p:cNvSpPr>
+            <a:spLocks noGrp="1"/>
+          </p:cNvSpPr>
+          <p:nvPr/>
+        </p:nvSpPr>
+        <p:spPr>
+          <a:xfrm>
+            <a:off x="1485900" y="547131"/>
+            <a:ext cx="7269480" cy="987552"/>
+          </a:xfrm>
+          <a:prstGeom prst="rect">
+            <a:avLst/>
+          </a:prstGeom>
+        </p:spPr>
+        <p:txBody>
+          <a:bodyPr vert="horz" lIns="91440" tIns="45720" rIns="91440" bIns="45720" rtlCol="0" anchor="ctr">
+            <a:normAutofit fontScale="92500"/>
+          </a:bodyPr>
+          <a:lstStyle>
+            <a:lvl1pPr algn="l" defTabSz="914400" rtl="0" eaLnBrk="1" latinLnBrk="0" hangingPunct="1">
+              <a:lnSpc>
+                <a:spcPct val="90000"/>
+              </a:lnSpc>
+              <a:spcBef>
+                <a:spcPct val="0"/>
+              </a:spcBef>
+              <a:buNone/>
+              <a:defRPr sz="4400" kern="1200">
+                <a:solidFill>
+                  <a:schemeClr val="tx1"/>
+                </a:solidFill>
+                <a:latin typeface="+mj-lt"/>
+                <a:ea typeface="+mj-ea"/>
+                <a:cs typeface="+mj-cs"/>
+              </a:defRPr>
+            </a:lvl1pPr>
+          </a:lstStyle>
+          <a:p>
+            <a:r>
+              <a:rPr lang="ru-RU" sz="4000" dirty="0" smtClean="0">
+                <a:solidFill>
+                  <a:srgbClr val="45525A"/>
+                </a:solidFill>
+              </a:rPr>
+              <a:t>Итоги маркетинговой кампании</a:t>
+            </a:r>
+            <a:endParaRPr lang="en-US" sz="4000" dirty="0">
+              <a:solidFill>
+                <a:srgbClr val="45525A"/>
+              </a:solidFill>
+            </a:endParaRPr>
+          </a:p>
+        </p:txBody>
+      </p:sp>
+      <p:sp>
+        <p:nvSpPr>
+          <p:cNvPr id="2" name="TextBox 1"/>
+          <p:cNvSpPr txBox="1"/>
+          <p:nvPr/>
+        </p:nvSpPr>
+        <p:spPr>
+          <a:xfrm>
+            <a:off x="1485900" y="1737359"/>
+            <a:ext cx="7958546" cy="400110"/>
+          </a:xfrm>
+          <a:prstGeom prst="rect">
+            <a:avLst/>
+          </a:prstGeom>
+          <a:noFill/>
+        </p:spPr>
+        <p:txBody>
+          <a:bodyPr wrap="square" rtlCol="0">
+            <a:spAutoFit/>
+          </a:bodyPr>
+          <a:lstStyle/>
+          <a:p>
+            <a:endParaRPr lang="ru-RU" sz="2000" dirty="0">
+              <a:solidFill>
+                <a:schemeClr val="tx1">
+                  <a:lumMod val="75000"/>
+                  <a:lumOff val="25000"/>
+                </a:schemeClr>
+              </a:solidFill>
+              <a:latin typeface="Calibri" panose="020F0502020204030204" pitchFamily="34" charset="0"/>
+              <a:cs typeface="Calibri" panose="020F0502020204030204" pitchFamily="34" charset="0"/>
+            </a:endParaRPr>
+          </a:p>
+        </p:txBody>
+      </p:sp>
+      <p:pic>
+        <p:nvPicPr>
+          <p:cNvPr id="5" name="Рисунок 4">
+            <a:extLst>
+              <a:ext uri="{FF2B5EF4-FFF2-40B4-BE49-F238E27FC236}">
+                <a16:creationId xmlns:a16="http://schemas.microsoft.com/office/drawing/2014/main" id="{C86F6056-998C-4CFC-A4D9-357893211FFB}"/>
+              </a:ext>
+            </a:extLst>
+          </p:cNvPr>
+          <p:cNvPicPr>
+            <a:picLocks noChangeAspect="1"/>
+          </p:cNvPicPr>
+          <p:nvPr/>
+        </p:nvPicPr>
+        <p:blipFill>
+          <a:blip r:embed="rId3" cstate="print"/>
+          <a:stretch>
+            <a:fillRect/>
+          </a:stretch>
+        </p:blipFill>
+        <p:spPr>
+          <a:xfrm>
+            <a:off x="192607" y="4904913"/>
+            <a:ext cx="870562" cy="1852503"/>
+          </a:xfrm>
+          <a:prstGeom prst="rect">
+            <a:avLst/>
+          </a:prstGeom>
+        </p:spPr>
+      </p:pic>
+      <p:pic>
+        <p:nvPicPr>
+          <p:cNvPr id="7" name="Рисунок 6"/>
+          <p:cNvPicPr/>
+          <p:nvPr/>
+        </p:nvPicPr>
+        <p:blipFill>
+          <a:blip r:embed="rId4">
+            <a:extLst>
+              <a:ext uri="{28A0092B-C50C-407E-A947-70E740481C1C}">
+                <a14:useLocalDpi xmlns:a14="http://schemas.microsoft.com/office/drawing/2010/main" val="0"/>
+              </a:ext>
+            </a:extLst>
+          </a:blip>
+          <a:srcRect/>
+          <a:stretch>
+            <a:fillRect/>
+          </a:stretch>
+        </p:blipFill>
+        <p:spPr bwMode="auto">
+          <a:xfrm>
+            <a:off x="1319403" y="1534683"/>
+            <a:ext cx="8695634" cy="5133404"/>
+          </a:xfrm>
+          <a:prstGeom prst="rect">
+            <a:avLst/>
+          </a:prstGeom>
+          <a:noFill/>
+          <a:ln>
+            <a:noFill/>
+          </a:ln>
+        </p:spPr>
+      </p:pic>
+    </p:spTree>
+    <p:extLst>
+      <p:ext uri="{BB962C8B-B14F-4D97-AF65-F5344CB8AC3E}">
+        <p14:creationId xmlns:p14="http://schemas.microsoft.com/office/powerpoint/2010/main" val="2284002800"/>
+      </p:ext>
+    </p:extLst>
+  </p:cSld>
+  <p:clrMapOvr>
+    <a:masterClrMapping/>
+  </p:clrMapOvr>
+  <p:timing>
+    <p:tnLst>
+      <p:par>
+        <p:cTn id="1" dur="indefinite" restart="never" nodeType="tmRoot"/>
+      </p:par>
+    </p:tnLst>
+  </p:timing>
+</p:sld>
+</file>
+
+<file path=ppt/slides/slide17.xml><?xml version="1.0" encoding="utf-8"?>
+<p:sld xmlns:a="http://schemas.openxmlformats.org/drawingml/2006/main" xmlns:r="http://schemas.openxmlformats.org/officeDocument/2006/relationships" xmlns:p="http://schemas.openxmlformats.org/presentationml/2006/main">
+  <p:cSld>
+    <p:spTree>
+      <p:nvGrpSpPr>
+        <p:cNvPr id="1" name=""/>
+        <p:cNvGrpSpPr/>
+        <p:nvPr/>
+      </p:nvGrpSpPr>
+      <p:grpSpPr>
+        <a:xfrm>
+          <a:off x="0" y="0"/>
+          <a:ext cx="0" cy="0"/>
+          <a:chOff x="0" y="0"/>
+          <a:chExt cx="0" cy="0"/>
+        </a:xfrm>
+      </p:grpSpPr>
+      <p:sp>
+        <p:nvSpPr>
+          <p:cNvPr id="4" name="Title 1">
+            <a:extLst>
+              <a:ext uri="{FF2B5EF4-FFF2-40B4-BE49-F238E27FC236}">
+                <a16:creationId xmlns:a16="http://schemas.microsoft.com/office/drawing/2014/main" id="{0C8F3B2B-1F4F-43A5-B2BB-38DD26FDC34D}"/>
+              </a:ext>
+            </a:extLst>
+          </p:cNvPr>
+          <p:cNvSpPr>
+            <a:spLocks noGrp="1"/>
+          </p:cNvSpPr>
+          <p:nvPr/>
+        </p:nvSpPr>
+        <p:spPr>
+          <a:xfrm>
+            <a:off x="1485900" y="547131"/>
+            <a:ext cx="7269480" cy="987552"/>
+          </a:xfrm>
+          <a:prstGeom prst="rect">
+            <a:avLst/>
+          </a:prstGeom>
+        </p:spPr>
+        <p:txBody>
+          <a:bodyPr vert="horz" lIns="91440" tIns="45720" rIns="91440" bIns="45720" rtlCol="0" anchor="ctr">
+            <a:normAutofit fontScale="92500"/>
+          </a:bodyPr>
+          <a:lstStyle>
+            <a:lvl1pPr algn="l" defTabSz="914400" rtl="0" eaLnBrk="1" latinLnBrk="0" hangingPunct="1">
+              <a:lnSpc>
+                <a:spcPct val="90000"/>
+              </a:lnSpc>
+              <a:spcBef>
+                <a:spcPct val="0"/>
+              </a:spcBef>
+              <a:buNone/>
+              <a:defRPr sz="4400" kern="1200">
+                <a:solidFill>
+                  <a:schemeClr val="tx1"/>
+                </a:solidFill>
+                <a:latin typeface="+mj-lt"/>
+                <a:ea typeface="+mj-ea"/>
+                <a:cs typeface="+mj-cs"/>
+              </a:defRPr>
+            </a:lvl1pPr>
+          </a:lstStyle>
+          <a:p>
+            <a:r>
+              <a:rPr lang="ru-RU" sz="4000" dirty="0" smtClean="0">
+                <a:solidFill>
+                  <a:srgbClr val="45525A"/>
+                </a:solidFill>
+              </a:rPr>
+              <a:t>Оценка рекламных объявлений</a:t>
+            </a:r>
+            <a:endParaRPr lang="en-US" sz="4000" dirty="0">
+              <a:solidFill>
+                <a:srgbClr val="45525A"/>
+              </a:solidFill>
+            </a:endParaRPr>
+          </a:p>
+        </p:txBody>
+      </p:sp>
+      <p:sp>
+        <p:nvSpPr>
+          <p:cNvPr id="2" name="TextBox 1"/>
+          <p:cNvSpPr txBox="1"/>
+          <p:nvPr/>
+        </p:nvSpPr>
+        <p:spPr>
+          <a:xfrm>
+            <a:off x="1485900" y="1737359"/>
+            <a:ext cx="7958546" cy="400110"/>
+          </a:xfrm>
+          <a:prstGeom prst="rect">
+            <a:avLst/>
+          </a:prstGeom>
+          <a:noFill/>
+        </p:spPr>
+        <p:txBody>
+          <a:bodyPr wrap="square" rtlCol="0">
+            <a:spAutoFit/>
+          </a:bodyPr>
+          <a:lstStyle/>
+          <a:p>
+            <a:endParaRPr lang="ru-RU" sz="2000" dirty="0">
+              <a:solidFill>
+                <a:schemeClr val="tx1">
+                  <a:lumMod val="75000"/>
+                  <a:lumOff val="25000"/>
+                </a:schemeClr>
+              </a:solidFill>
+              <a:latin typeface="Calibri" panose="020F0502020204030204" pitchFamily="34" charset="0"/>
+              <a:cs typeface="Calibri" panose="020F0502020204030204" pitchFamily="34" charset="0"/>
+            </a:endParaRPr>
+          </a:p>
+        </p:txBody>
+      </p:sp>
+      <p:pic>
+        <p:nvPicPr>
+          <p:cNvPr id="5" name="Рисунок 4">
+            <a:extLst>
+              <a:ext uri="{FF2B5EF4-FFF2-40B4-BE49-F238E27FC236}">
+                <a16:creationId xmlns:a16="http://schemas.microsoft.com/office/drawing/2014/main" id="{C86F6056-998C-4CFC-A4D9-357893211FFB}"/>
+              </a:ext>
+            </a:extLst>
+          </p:cNvPr>
+          <p:cNvPicPr>
+            <a:picLocks noChangeAspect="1"/>
+          </p:cNvPicPr>
+          <p:nvPr/>
+        </p:nvPicPr>
+        <p:blipFill>
+          <a:blip r:embed="rId3" cstate="print"/>
+          <a:stretch>
+            <a:fillRect/>
+          </a:stretch>
+        </p:blipFill>
+        <p:spPr>
+          <a:xfrm>
+            <a:off x="192607" y="4904913"/>
+            <a:ext cx="870562" cy="1852503"/>
+          </a:xfrm>
+          <a:prstGeom prst="rect">
+            <a:avLst/>
+          </a:prstGeom>
+        </p:spPr>
+      </p:pic>
+      <p:pic>
+        <p:nvPicPr>
+          <p:cNvPr id="3" name="Рисунок 2"/>
+          <p:cNvPicPr>
+            <a:picLocks noChangeAspect="1"/>
+          </p:cNvPicPr>
+          <p:nvPr/>
+        </p:nvPicPr>
+        <p:blipFill>
+          <a:blip r:embed="rId4"/>
+          <a:stretch>
+            <a:fillRect/>
+          </a:stretch>
+        </p:blipFill>
+        <p:spPr>
+          <a:xfrm>
+            <a:off x="1704839" y="1534683"/>
+            <a:ext cx="6831601" cy="5012421"/>
+          </a:xfrm>
+          <a:prstGeom prst="rect">
+            <a:avLst/>
+          </a:prstGeom>
+        </p:spPr>
+      </p:pic>
+    </p:spTree>
+    <p:extLst>
+      <p:ext uri="{BB962C8B-B14F-4D97-AF65-F5344CB8AC3E}">
+        <p14:creationId xmlns:p14="http://schemas.microsoft.com/office/powerpoint/2010/main" val="845966123"/>
+      </p:ext>
+    </p:extLst>
+  </p:cSld>
+  <p:clrMapOvr>
+    <a:masterClrMapping/>
+  </p:clrMapOvr>
+  <p:timing>
+    <p:tnLst>
+      <p:par>
+        <p:cTn id="1" dur="indefinite" restart="never" nodeType="tmRoot"/>
+      </p:par>
+    </p:tnLst>
+  </p:timing>
+</p:sld>
+</file>
+
+<file path=ppt/slides/slide18.xml><?xml version="1.0" encoding="utf-8"?>
+<p:sld xmlns:a="http://schemas.openxmlformats.org/drawingml/2006/main" xmlns:r="http://schemas.openxmlformats.org/officeDocument/2006/relationships" xmlns:p="http://schemas.openxmlformats.org/presentationml/2006/main">
+  <p:cSld>
+    <p:spTree>
+      <p:nvGrpSpPr>
+        <p:cNvPr id="1" name=""/>
+        <p:cNvGrpSpPr/>
+        <p:nvPr/>
+      </p:nvGrpSpPr>
+      <p:grpSpPr>
+        <a:xfrm>
+          <a:off x="0" y="0"/>
+          <a:ext cx="0" cy="0"/>
+          <a:chOff x="0" y="0"/>
+          <a:chExt cx="0" cy="0"/>
+        </a:xfrm>
+      </p:grpSpPr>
+      <p:sp>
+        <p:nvSpPr>
+          <p:cNvPr id="4" name="Title 1">
+            <a:extLst>
+              <a:ext uri="{FF2B5EF4-FFF2-40B4-BE49-F238E27FC236}">
+                <a16:creationId xmlns:a16="http://schemas.microsoft.com/office/drawing/2014/main" id="{0C8F3B2B-1F4F-43A5-B2BB-38DD26FDC34D}"/>
+              </a:ext>
+            </a:extLst>
+          </p:cNvPr>
+          <p:cNvSpPr>
+            <a:spLocks noGrp="1"/>
+          </p:cNvSpPr>
+          <p:nvPr/>
+        </p:nvSpPr>
+        <p:spPr>
+          <a:xfrm>
+            <a:off x="1485900" y="547131"/>
+            <a:ext cx="7269480" cy="987552"/>
+          </a:xfrm>
+          <a:prstGeom prst="rect">
+            <a:avLst/>
+          </a:prstGeom>
+        </p:spPr>
+        <p:txBody>
+          <a:bodyPr vert="horz" lIns="91440" tIns="45720" rIns="91440" bIns="45720" rtlCol="0" anchor="ctr">
+            <a:normAutofit fontScale="92500"/>
+          </a:bodyPr>
+          <a:lstStyle>
+            <a:lvl1pPr algn="l" defTabSz="914400" rtl="0" eaLnBrk="1" latinLnBrk="0" hangingPunct="1">
+              <a:lnSpc>
+                <a:spcPct val="90000"/>
+              </a:lnSpc>
+              <a:spcBef>
+                <a:spcPct val="0"/>
+              </a:spcBef>
+              <a:buNone/>
+              <a:defRPr sz="4400" kern="1200">
+                <a:solidFill>
+                  <a:schemeClr val="tx1"/>
+                </a:solidFill>
+                <a:latin typeface="+mj-lt"/>
+                <a:ea typeface="+mj-ea"/>
+                <a:cs typeface="+mj-cs"/>
+              </a:defRPr>
+            </a:lvl1pPr>
+          </a:lstStyle>
+          <a:p>
+            <a:r>
+              <a:rPr lang="ru-RU" sz="4000" dirty="0" smtClean="0">
+                <a:solidFill>
+                  <a:srgbClr val="45525A"/>
+                </a:solidFill>
+              </a:rPr>
+              <a:t>Оценка рекламных объявлений</a:t>
+            </a:r>
+            <a:endParaRPr lang="en-US" sz="4000" dirty="0">
+              <a:solidFill>
+                <a:srgbClr val="45525A"/>
+              </a:solidFill>
+            </a:endParaRPr>
+          </a:p>
+        </p:txBody>
+      </p:sp>
+      <p:sp>
+        <p:nvSpPr>
+          <p:cNvPr id="2" name="TextBox 1"/>
+          <p:cNvSpPr txBox="1"/>
+          <p:nvPr/>
+        </p:nvSpPr>
+        <p:spPr>
+          <a:xfrm>
+            <a:off x="1485900" y="1737359"/>
+            <a:ext cx="7958546" cy="400110"/>
+          </a:xfrm>
+          <a:prstGeom prst="rect">
+            <a:avLst/>
+          </a:prstGeom>
+          <a:noFill/>
+        </p:spPr>
+        <p:txBody>
+          <a:bodyPr wrap="square" rtlCol="0">
+            <a:spAutoFit/>
+          </a:bodyPr>
+          <a:lstStyle/>
+          <a:p>
+            <a:endParaRPr lang="ru-RU" sz="2000" dirty="0">
+              <a:solidFill>
+                <a:schemeClr val="tx1">
+                  <a:lumMod val="75000"/>
+                  <a:lumOff val="25000"/>
+                </a:schemeClr>
+              </a:solidFill>
+              <a:latin typeface="Calibri" panose="020F0502020204030204" pitchFamily="34" charset="0"/>
+              <a:cs typeface="Calibri" panose="020F0502020204030204" pitchFamily="34" charset="0"/>
+            </a:endParaRPr>
+          </a:p>
+        </p:txBody>
+      </p:sp>
+      <p:pic>
+        <p:nvPicPr>
+          <p:cNvPr id="5" name="Рисунок 4">
+            <a:extLst>
+              <a:ext uri="{FF2B5EF4-FFF2-40B4-BE49-F238E27FC236}">
+                <a16:creationId xmlns:a16="http://schemas.microsoft.com/office/drawing/2014/main" id="{C86F6056-998C-4CFC-A4D9-357893211FFB}"/>
+              </a:ext>
+            </a:extLst>
+          </p:cNvPr>
+          <p:cNvPicPr>
+            <a:picLocks noChangeAspect="1"/>
+          </p:cNvPicPr>
+          <p:nvPr/>
+        </p:nvPicPr>
+        <p:blipFill>
+          <a:blip r:embed="rId3" cstate="print"/>
+          <a:stretch>
+            <a:fillRect/>
+          </a:stretch>
+        </p:blipFill>
+        <p:spPr>
+          <a:xfrm>
+            <a:off x="192607" y="4904913"/>
+            <a:ext cx="870562" cy="1852503"/>
+          </a:xfrm>
+          <a:prstGeom prst="rect">
+            <a:avLst/>
+          </a:prstGeom>
+        </p:spPr>
+      </p:pic>
+      <p:pic>
+        <p:nvPicPr>
+          <p:cNvPr id="6" name="Рисунок 5"/>
+          <p:cNvPicPr>
+            <a:picLocks noChangeAspect="1"/>
+          </p:cNvPicPr>
+          <p:nvPr/>
+        </p:nvPicPr>
+        <p:blipFill>
+          <a:blip r:embed="rId4"/>
+          <a:stretch>
+            <a:fillRect/>
+          </a:stretch>
+        </p:blipFill>
+        <p:spPr>
+          <a:xfrm>
+            <a:off x="1221328" y="1999093"/>
+            <a:ext cx="10666807" cy="3832071"/>
+          </a:xfrm>
+          <a:prstGeom prst="rect">
+            <a:avLst/>
+          </a:prstGeom>
+        </p:spPr>
+      </p:pic>
+    </p:spTree>
+    <p:extLst>
+      <p:ext uri="{BB962C8B-B14F-4D97-AF65-F5344CB8AC3E}">
+        <p14:creationId xmlns:p14="http://schemas.microsoft.com/office/powerpoint/2010/main" val="3105274786"/>
+      </p:ext>
+    </p:extLst>
+  </p:cSld>
+  <p:clrMapOvr>
+    <a:masterClrMapping/>
+  </p:clrMapOvr>
+  <p:timing>
+    <p:tnLst>
+      <p:par>
+        <p:cTn id="1" dur="indefinite" restart="never" nodeType="tmRoot"/>
+      </p:par>
+    </p:tnLst>
+  </p:timing>
+</p:sld>
+</file>
+
+<file path=ppt/slides/slide19.xml><?xml version="1.0" encoding="utf-8"?>
+<p:sld xmlns:a="http://schemas.openxmlformats.org/drawingml/2006/main" xmlns:r="http://schemas.openxmlformats.org/officeDocument/2006/relationships" xmlns:p="http://schemas.openxmlformats.org/presentationml/2006/main">
+  <p:cSld>
+    <p:spTree>
+      <p:nvGrpSpPr>
+        <p:cNvPr id="1" name=""/>
+        <p:cNvGrpSpPr/>
+        <p:nvPr/>
+      </p:nvGrpSpPr>
+      <p:grpSpPr>
+        <a:xfrm>
+          <a:off x="0" y="0"/>
+          <a:ext cx="0" cy="0"/>
+          <a:chOff x="0" y="0"/>
+          <a:chExt cx="0" cy="0"/>
+        </a:xfrm>
+      </p:grpSpPr>
+      <p:sp>
+        <p:nvSpPr>
+          <p:cNvPr id="2" name="TextBox 1">
+            <a:extLst>
+              <a:ext uri="{FF2B5EF4-FFF2-40B4-BE49-F238E27FC236}">
+                <a16:creationId xmlns:a16="http://schemas.microsoft.com/office/drawing/2014/main" id="{9AB10727-3B52-4EAA-A967-2F490215CB00}"/>
+              </a:ext>
+            </a:extLst>
+          </p:cNvPr>
+          <p:cNvSpPr txBox="1"/>
+          <p:nvPr/>
+        </p:nvSpPr>
+        <p:spPr>
+          <a:xfrm>
+            <a:off x="1371600" y="685800"/>
+            <a:ext cx="10193311" cy="707886"/>
+          </a:xfrm>
+          <a:prstGeom prst="rect">
+            <a:avLst/>
+          </a:prstGeom>
+          <a:noFill/>
+        </p:spPr>
+        <p:txBody>
+          <a:bodyPr wrap="square" rtlCol="0">
+            <a:spAutoFit/>
+          </a:bodyPr>
+          <a:lstStyle/>
+          <a:p>
+            <a:r>
+              <a:rPr lang="ru-RU" sz="4000" dirty="0" smtClean="0">
+                <a:solidFill>
+                  <a:schemeClr val="tx1">
+                    <a:lumMod val="65000"/>
+                    <a:lumOff val="35000"/>
+                  </a:schemeClr>
+                </a:solidFill>
+                <a:latin typeface="+mj-lt"/>
+              </a:rPr>
+              <a:t>Финансовая модель проекта</a:t>
+            </a:r>
+            <a:endParaRPr lang="ru-RU" sz="4000" dirty="0">
+              <a:solidFill>
+                <a:schemeClr val="tx1">
+                  <a:lumMod val="65000"/>
+                  <a:lumOff val="35000"/>
+                </a:schemeClr>
+              </a:solidFill>
+              <a:latin typeface="+mj-lt"/>
+            </a:endParaRPr>
+          </a:p>
+        </p:txBody>
+      </p:sp>
+      <p:pic>
+        <p:nvPicPr>
+          <p:cNvPr id="6" name="Рисунок 5">
+            <a:extLst>
+              <a:ext uri="{FF2B5EF4-FFF2-40B4-BE49-F238E27FC236}">
+                <a16:creationId xmlns:a16="http://schemas.microsoft.com/office/drawing/2014/main" id="{C86F6056-998C-4CFC-A4D9-357893211FFB}"/>
+              </a:ext>
+            </a:extLst>
+          </p:cNvPr>
+          <p:cNvPicPr>
+            <a:picLocks noChangeAspect="1"/>
+          </p:cNvPicPr>
+          <p:nvPr/>
+        </p:nvPicPr>
+        <p:blipFill>
+          <a:blip r:embed="rId3" cstate="print"/>
+          <a:stretch>
+            <a:fillRect/>
+          </a:stretch>
+        </p:blipFill>
+        <p:spPr>
+          <a:xfrm>
+            <a:off x="192607" y="4904913"/>
+            <a:ext cx="870562" cy="1852503"/>
+          </a:xfrm>
+          <a:prstGeom prst="rect">
+            <a:avLst/>
+          </a:prstGeom>
+        </p:spPr>
+      </p:pic>
+      <p:pic>
+        <p:nvPicPr>
+          <p:cNvPr id="7" name="Рисунок 6"/>
+          <p:cNvPicPr/>
+          <p:nvPr/>
+        </p:nvPicPr>
+        <p:blipFill>
+          <a:blip r:embed="rId4">
+            <a:extLst>
+              <a:ext uri="{28A0092B-C50C-407E-A947-70E740481C1C}">
+                <a14:useLocalDpi xmlns:a14="http://schemas.microsoft.com/office/drawing/2010/main" val="0"/>
+              </a:ext>
+            </a:extLst>
+          </a:blip>
+          <a:srcRect/>
+          <a:stretch>
+            <a:fillRect/>
+          </a:stretch>
+        </p:blipFill>
+        <p:spPr bwMode="auto">
+          <a:xfrm>
+            <a:off x="1129391" y="1727946"/>
+            <a:ext cx="10677727" cy="4343669"/>
+          </a:xfrm>
+          <a:prstGeom prst="rect">
+            <a:avLst/>
+          </a:prstGeom>
+          <a:noFill/>
+          <a:ln>
+            <a:noFill/>
+          </a:ln>
+        </p:spPr>
+      </p:pic>
+    </p:spTree>
+    <p:extLst>
+      <p:ext uri="{BB962C8B-B14F-4D97-AF65-F5344CB8AC3E}">
+        <p14:creationId xmlns:p14="http://schemas.microsoft.com/office/powerpoint/2010/main" val="3091926752"/>
+      </p:ext>
+    </p:extLst>
+  </p:cSld>
+  <p:clrMapOvr>
+    <a:masterClrMapping/>
+  </p:clrMapOvr>
+  <p:timing>
+    <p:tnLst>
+      <p:par>
+        <p:cTn id="1" dur="indefinite" restart="never" nodeType="tmRoot"/>
+      </p:par>
+    </p:tnLst>
+  </p:timing>
+</p:sld>
+</file>
+
+<file path=ppt/slides/slide2.xml><?xml version="1.0" encoding="utf-8"?>
+<p:sld xmlns:a="http://schemas.openxmlformats.org/drawingml/2006/main" xmlns:r="http://schemas.openxmlformats.org/officeDocument/2006/relationships" xmlns:p="http://schemas.openxmlformats.org/presentationml/2006/main">
+  <p:cSld>
+    <p:spTree>
+      <p:nvGrpSpPr>
+        <p:cNvPr id="1" name=""/>
+        <p:cNvGrpSpPr/>
+        <p:nvPr/>
+      </p:nvGrpSpPr>
+      <p:grpSpPr>
+        <a:xfrm>
+          <a:off x="0" y="0"/>
+          <a:ext cx="0" cy="0"/>
+          <a:chOff x="0" y="0"/>
+          <a:chExt cx="0" cy="0"/>
+        </a:xfrm>
+      </p:grpSpPr>
+      <p:sp>
+        <p:nvSpPr>
+          <p:cNvPr id="6" name="Содержимое 3">
+            <a:extLst>
+              <a:ext uri="{FF2B5EF4-FFF2-40B4-BE49-F238E27FC236}">
+                <a16:creationId xmlns:a16="http://schemas.microsoft.com/office/drawing/2014/main" id="{CF8535D8-BD9E-4BD2-B960-8C5510267776}"/>
+              </a:ext>
+            </a:extLst>
+          </p:cNvPr>
+          <p:cNvSpPr txBox="1">
+            <a:spLocks/>
+          </p:cNvSpPr>
+          <p:nvPr/>
+        </p:nvSpPr>
+        <p:spPr>
+          <a:xfrm>
+            <a:off x="1485900" y="1508906"/>
+            <a:ext cx="6913469" cy="772267"/>
+          </a:xfrm>
+          <a:prstGeom prst="rect">
+            <a:avLst/>
+          </a:prstGeom>
+        </p:spPr>
+        <p:txBody>
+          <a:bodyPr vert="horz" lIns="91440" tIns="45720" rIns="91440" bIns="45720" rtlCol="0">
+            <a:normAutofit/>
+          </a:bodyPr>
+          <a:lstStyle>
+            <a:defPPr>
+              <a:defRPr lang="en-US"/>
+            </a:defPPr>
+            <a:lvl1pPr marL="0" algn="l" defTabSz="914400" rtl="0" eaLnBrk="1" latinLnBrk="0" hangingPunct="1">
+              <a:defRPr sz="1800" kern="1200">
+                <a:solidFill>
+                  <a:schemeClr val="tx1"/>
+                </a:solidFill>
+                <a:latin typeface="+mn-lt"/>
+                <a:ea typeface="+mn-ea"/>
+                <a:cs typeface="+mn-cs"/>
+              </a:defRPr>
+            </a:lvl1pPr>
+            <a:lvl2pPr marL="457200" algn="l" defTabSz="914400" rtl="0" eaLnBrk="1" latinLnBrk="0" hangingPunct="1">
+              <a:defRPr sz="1800" kern="1200">
+                <a:solidFill>
+                  <a:schemeClr val="tx1"/>
+                </a:solidFill>
+                <a:latin typeface="+mn-lt"/>
+                <a:ea typeface="+mn-ea"/>
+                <a:cs typeface="+mn-cs"/>
+              </a:defRPr>
+            </a:lvl2pPr>
+            <a:lvl3pPr marL="914400" algn="l" defTabSz="914400" rtl="0" eaLnBrk="1" latinLnBrk="0" hangingPunct="1">
+              <a:defRPr sz="1800" kern="1200">
+                <a:solidFill>
+                  <a:schemeClr val="tx1"/>
+                </a:solidFill>
+                <a:latin typeface="+mn-lt"/>
+                <a:ea typeface="+mn-ea"/>
+                <a:cs typeface="+mn-cs"/>
+              </a:defRPr>
+            </a:lvl3pPr>
+            <a:lvl4pPr marL="1371600" algn="l" defTabSz="914400" rtl="0" eaLnBrk="1" latinLnBrk="0" hangingPunct="1">
+              <a:defRPr sz="1800" kern="1200">
+                <a:solidFill>
+                  <a:schemeClr val="tx1"/>
+                </a:solidFill>
+                <a:latin typeface="+mn-lt"/>
+                <a:ea typeface="+mn-ea"/>
+                <a:cs typeface="+mn-cs"/>
+              </a:defRPr>
+            </a:lvl4pPr>
+            <a:lvl5pPr marL="1828800" algn="l" defTabSz="914400" rtl="0" eaLnBrk="1" latinLnBrk="0" hangingPunct="1">
+              <a:defRPr sz="1800" kern="1200">
+                <a:solidFill>
+                  <a:schemeClr val="tx1"/>
+                </a:solidFill>
+                <a:latin typeface="+mn-lt"/>
+                <a:ea typeface="+mn-ea"/>
+                <a:cs typeface="+mn-cs"/>
+              </a:defRPr>
+            </a:lvl5pPr>
+            <a:lvl6pPr marL="2286000" algn="l" defTabSz="914400" rtl="0" eaLnBrk="1" latinLnBrk="0" hangingPunct="1">
+              <a:defRPr sz="1800" kern="1200">
+                <a:solidFill>
+                  <a:schemeClr val="tx1"/>
+                </a:solidFill>
+                <a:latin typeface="+mn-lt"/>
+                <a:ea typeface="+mn-ea"/>
+                <a:cs typeface="+mn-cs"/>
+              </a:defRPr>
+            </a:lvl6pPr>
+            <a:lvl7pPr marL="2743200" algn="l" defTabSz="914400" rtl="0" eaLnBrk="1" latinLnBrk="0" hangingPunct="1">
+              <a:defRPr sz="1800" kern="1200">
+                <a:solidFill>
+                  <a:schemeClr val="tx1"/>
+                </a:solidFill>
+                <a:latin typeface="+mn-lt"/>
+                <a:ea typeface="+mn-ea"/>
+                <a:cs typeface="+mn-cs"/>
+              </a:defRPr>
+            </a:lvl7pPr>
+            <a:lvl8pPr marL="3200400" algn="l" defTabSz="914400" rtl="0" eaLnBrk="1" latinLnBrk="0" hangingPunct="1">
+              <a:defRPr sz="1800" kern="1200">
+                <a:solidFill>
+                  <a:schemeClr val="tx1"/>
+                </a:solidFill>
+                <a:latin typeface="+mn-lt"/>
+                <a:ea typeface="+mn-ea"/>
+                <a:cs typeface="+mn-cs"/>
+              </a:defRPr>
+            </a:lvl8pPr>
+            <a:lvl9pPr marL="3657600" algn="l" defTabSz="914400" rtl="0" eaLnBrk="1" latinLnBrk="0" hangingPunct="1">
+              <a:defRPr sz="1800" kern="1200">
+                <a:solidFill>
+                  <a:schemeClr val="tx1"/>
+                </a:solidFill>
+                <a:latin typeface="+mn-lt"/>
+                <a:ea typeface="+mn-ea"/>
+                <a:cs typeface="+mn-cs"/>
+              </a:defRPr>
+            </a:lvl9pPr>
+          </a:lstStyle>
+          <a:p>
+            <a:pPr marR="0" lvl="0" algn="l" defTabSz="914400" rtl="0" eaLnBrk="1" fontAlgn="auto" latinLnBrk="0" hangingPunct="1">
+              <a:lnSpc>
+                <a:spcPct val="90000"/>
+              </a:lnSpc>
+              <a:spcBef>
+                <a:spcPts val="1000"/>
+              </a:spcBef>
+              <a:spcAft>
+                <a:spcPts val="0"/>
+              </a:spcAft>
+              <a:buClrTx/>
+              <a:buSzTx/>
+              <a:tabLst/>
+              <a:defRPr/>
+            </a:pPr>
+            <a:endParaRPr kumimoji="0" lang="ru-RU" altLang="ru-RU" sz="2000" b="1" i="0" u="none" strike="noStrike" kern="1200" cap="none" spc="0" normalizeH="0" baseline="0" noProof="0" dirty="0">
+              <a:ln>
+                <a:noFill/>
+              </a:ln>
+              <a:solidFill>
+                <a:srgbClr val="FF0000"/>
+              </a:solidFill>
+              <a:effectLst/>
+              <a:uLnTx/>
+              <a:uFillTx/>
+              <a:latin typeface="Calibri" panose="020F0502020204030204" pitchFamily="34" charset="0"/>
+              <a:cs typeface="Calibri" panose="020F0502020204030204" pitchFamily="34" charset="0"/>
+            </a:endParaRPr>
+          </a:p>
+        </p:txBody>
+      </p:sp>
+      <p:sp>
+        <p:nvSpPr>
+          <p:cNvPr id="8" name="Title 1">
+            <a:extLst>
+              <a:ext uri="{FF2B5EF4-FFF2-40B4-BE49-F238E27FC236}">
+                <a16:creationId xmlns:a16="http://schemas.microsoft.com/office/drawing/2014/main" id="{230E38A7-518E-4F02-BD12-4310B1B81CA8}"/>
+              </a:ext>
+            </a:extLst>
+          </p:cNvPr>
+          <p:cNvSpPr>
+            <a:spLocks noGrp="1"/>
+          </p:cNvSpPr>
+          <p:nvPr/>
+        </p:nvSpPr>
+        <p:spPr>
+          <a:xfrm>
+            <a:off x="1485900" y="777950"/>
+            <a:ext cx="7269480" cy="987552"/>
+          </a:xfrm>
+          <a:prstGeom prst="rect">
+            <a:avLst/>
+          </a:prstGeom>
+        </p:spPr>
+        <p:txBody>
+          <a:bodyPr vert="horz" lIns="91440" tIns="45720" rIns="91440" bIns="45720" rtlCol="0" anchor="ctr">
+            <a:normAutofit fontScale="97500"/>
+          </a:bodyPr>
+          <a:lstStyle>
+            <a:lvl1pPr algn="l" defTabSz="914400" rtl="0" eaLnBrk="1" latinLnBrk="0" hangingPunct="1">
+              <a:lnSpc>
+                <a:spcPct val="90000"/>
+              </a:lnSpc>
+              <a:spcBef>
+                <a:spcPct val="0"/>
+              </a:spcBef>
+              <a:buNone/>
+              <a:defRPr sz="4400" kern="1200">
+                <a:solidFill>
+                  <a:schemeClr val="tx1"/>
+                </a:solidFill>
+                <a:latin typeface="+mj-lt"/>
+                <a:ea typeface="+mj-ea"/>
+                <a:cs typeface="+mj-cs"/>
+              </a:defRPr>
+            </a:lvl1pPr>
+          </a:lstStyle>
+          <a:p>
+            <a:r>
+              <a:rPr lang="ru-RU" dirty="0" smtClean="0">
+                <a:solidFill>
+                  <a:srgbClr val="45525A"/>
+                </a:solidFill>
+              </a:rPr>
+              <a:t>Цель проекта</a:t>
+            </a:r>
+            <a:endParaRPr lang="en-US" dirty="0">
+              <a:solidFill>
+                <a:srgbClr val="45525A"/>
+              </a:solidFill>
+            </a:endParaRPr>
+          </a:p>
+        </p:txBody>
+      </p:sp>
+      <p:sp>
+        <p:nvSpPr>
+          <p:cNvPr id="9" name="TextBox 8"/>
+          <p:cNvSpPr txBox="1"/>
+          <p:nvPr/>
+        </p:nvSpPr>
+        <p:spPr>
+          <a:xfrm>
+            <a:off x="1471942" y="2496458"/>
+            <a:ext cx="8056106" cy="1631216"/>
+          </a:xfrm>
+          <a:prstGeom prst="rect">
+            <a:avLst/>
+          </a:prstGeom>
+          <a:noFill/>
+        </p:spPr>
+        <p:txBody>
+          <a:bodyPr wrap="square" rtlCol="0">
+            <a:spAutoFit/>
+          </a:bodyPr>
+          <a:lstStyle/>
+          <a:p>
+            <a:r>
+              <a:rPr lang="ru-RU" sz="2000" dirty="0">
+                <a:solidFill>
+                  <a:schemeClr val="tx1">
+                    <a:lumMod val="75000"/>
+                    <a:lumOff val="25000"/>
+                  </a:schemeClr>
+                </a:solidFill>
+                <a:latin typeface="Calibri" panose="020F0502020204030204" pitchFamily="34" charset="0"/>
+                <a:cs typeface="Calibri" panose="020F0502020204030204" pitchFamily="34" charset="0"/>
+              </a:rPr>
+              <a:t>В современном мире количество информации увеличилось до невероятных размеров и среди всего потока сложно найти быстро, то что тебе необходимо. Концепция </a:t>
+            </a:r>
+            <a:r>
+              <a:rPr lang="ru-RU" sz="2000" dirty="0" err="1">
+                <a:solidFill>
+                  <a:schemeClr val="tx1">
+                    <a:lumMod val="75000"/>
+                    <a:lumOff val="25000"/>
+                  </a:schemeClr>
+                </a:solidFill>
+                <a:latin typeface="Calibri" panose="020F0502020204030204" pitchFamily="34" charset="0"/>
+                <a:cs typeface="Calibri" panose="020F0502020204030204" pitchFamily="34" charset="0"/>
+              </a:rPr>
+              <a:t>телеграм</a:t>
+            </a:r>
+            <a:r>
+              <a:rPr lang="ru-RU" sz="2000" dirty="0">
+                <a:solidFill>
+                  <a:schemeClr val="tx1">
+                    <a:lumMod val="75000"/>
+                    <a:lumOff val="25000"/>
+                  </a:schemeClr>
+                </a:solidFill>
+                <a:latin typeface="Calibri" panose="020F0502020204030204" pitchFamily="34" charset="0"/>
+                <a:cs typeface="Calibri" panose="020F0502020204030204" pitchFamily="34" charset="0"/>
+              </a:rPr>
+              <a:t> бота дизайнера заключается в том, что в нём будет собрано всё самое важное для </a:t>
+            </a:r>
+            <a:r>
+              <a:rPr lang="ru-RU" sz="2000" dirty="0" smtClean="0">
+                <a:solidFill>
+                  <a:schemeClr val="tx1">
+                    <a:lumMod val="75000"/>
+                    <a:lumOff val="25000"/>
+                  </a:schemeClr>
+                </a:solidFill>
+                <a:latin typeface="Calibri" panose="020F0502020204030204" pitchFamily="34" charset="0"/>
+                <a:cs typeface="Calibri" panose="020F0502020204030204" pitchFamily="34" charset="0"/>
+              </a:rPr>
+              <a:t>персонализации </a:t>
+            </a:r>
+            <a:r>
+              <a:rPr lang="ru-RU" sz="2000" dirty="0">
+                <a:solidFill>
+                  <a:schemeClr val="tx1">
+                    <a:lumMod val="75000"/>
+                    <a:lumOff val="25000"/>
+                  </a:schemeClr>
+                </a:solidFill>
+                <a:latin typeface="Calibri" panose="020F0502020204030204" pitchFamily="34" charset="0"/>
+                <a:cs typeface="Calibri" panose="020F0502020204030204" pitchFamily="34" charset="0"/>
+              </a:rPr>
+              <a:t>вашего устройства.</a:t>
+            </a:r>
+            <a:endParaRPr lang="ru-RU" sz="2000" dirty="0">
+              <a:solidFill>
+                <a:schemeClr val="tx1">
+                  <a:lumMod val="75000"/>
+                  <a:lumOff val="25000"/>
+                </a:schemeClr>
+              </a:solidFill>
+            </a:endParaRPr>
+          </a:p>
+        </p:txBody>
+      </p:sp>
+      <p:pic>
+        <p:nvPicPr>
+          <p:cNvPr id="5" name="Рисунок 4">
+            <a:extLst>
+              <a:ext uri="{FF2B5EF4-FFF2-40B4-BE49-F238E27FC236}">
+                <a16:creationId xmlns:a16="http://schemas.microsoft.com/office/drawing/2014/main" id="{C86F6056-998C-4CFC-A4D9-357893211FFB}"/>
+              </a:ext>
+            </a:extLst>
+          </p:cNvPr>
+          <p:cNvPicPr>
+            <a:picLocks noChangeAspect="1"/>
+          </p:cNvPicPr>
+          <p:nvPr/>
+        </p:nvPicPr>
+        <p:blipFill>
+          <a:blip r:embed="rId3" cstate="print"/>
+          <a:stretch>
+            <a:fillRect/>
+          </a:stretch>
+        </p:blipFill>
+        <p:spPr>
+          <a:xfrm>
+            <a:off x="192607" y="4904913"/>
+            <a:ext cx="870562" cy="1852503"/>
+          </a:xfrm>
+          <a:prstGeom prst="rect">
+            <a:avLst/>
+          </a:prstGeom>
+        </p:spPr>
+      </p:pic>
+    </p:spTree>
+    <p:extLst>
+      <p:ext uri="{BB962C8B-B14F-4D97-AF65-F5344CB8AC3E}">
+        <p14:creationId xmlns:p14="http://schemas.microsoft.com/office/powerpoint/2010/main" val="3474757260"/>
+      </p:ext>
+    </p:extLst>
+  </p:cSld>
+  <p:clrMapOvr>
+    <a:masterClrMapping/>
+  </p:clrMapOvr>
+  <p:timing>
+    <p:tnLst>
+      <p:par>
+        <p:cTn id="1" dur="indefinite" restart="never" nodeType="tmRoot"/>
+      </p:par>
+    </p:tnLst>
+  </p:timing>
+</p:sld>
+</file>
+
+<file path=ppt/slides/slide20.xml><?xml version="1.0" encoding="utf-8"?>
+<p:sld xmlns:a="http://schemas.openxmlformats.org/drawingml/2006/main" xmlns:r="http://schemas.openxmlformats.org/officeDocument/2006/relationships" xmlns:p="http://schemas.openxmlformats.org/presentationml/2006/main">
+  <p:cSld>
+    <p:spTree>
+      <p:nvGrpSpPr>
+        <p:cNvPr id="1" name=""/>
+        <p:cNvGrpSpPr/>
+        <p:nvPr/>
+      </p:nvGrpSpPr>
+      <p:grpSpPr>
+        <a:xfrm>
+          <a:off x="0" y="0"/>
+          <a:ext cx="0" cy="0"/>
+          <a:chOff x="0" y="0"/>
+          <a:chExt cx="0" cy="0"/>
+        </a:xfrm>
+      </p:grpSpPr>
+      <p:sp>
+        <p:nvSpPr>
+          <p:cNvPr id="2" name="TextBox 1">
+            <a:extLst>
+              <a:ext uri="{FF2B5EF4-FFF2-40B4-BE49-F238E27FC236}">
+                <a16:creationId xmlns:a16="http://schemas.microsoft.com/office/drawing/2014/main" id="{9AB10727-3B52-4EAA-A967-2F490215CB00}"/>
+              </a:ext>
+            </a:extLst>
+          </p:cNvPr>
+          <p:cNvSpPr txBox="1"/>
+          <p:nvPr/>
+        </p:nvSpPr>
+        <p:spPr>
+          <a:xfrm>
+            <a:off x="1371600" y="685800"/>
+            <a:ext cx="10193311" cy="707886"/>
+          </a:xfrm>
+          <a:prstGeom prst="rect">
+            <a:avLst/>
+          </a:prstGeom>
+          <a:noFill/>
+        </p:spPr>
+        <p:txBody>
+          <a:bodyPr wrap="square" rtlCol="0">
+            <a:spAutoFit/>
+          </a:bodyPr>
+          <a:lstStyle/>
+          <a:p>
+            <a:r>
+              <a:rPr lang="ru-RU" sz="4000" dirty="0">
+                <a:solidFill>
+                  <a:schemeClr val="tx1">
+                    <a:lumMod val="65000"/>
+                    <a:lumOff val="35000"/>
+                  </a:schemeClr>
+                </a:solidFill>
+              </a:rPr>
+              <a:t>Финансовая модель проекта</a:t>
+            </a:r>
+          </a:p>
+        </p:txBody>
+      </p:sp>
+      <p:pic>
+        <p:nvPicPr>
+          <p:cNvPr id="6" name="Рисунок 5">
+            <a:extLst>
+              <a:ext uri="{FF2B5EF4-FFF2-40B4-BE49-F238E27FC236}">
+                <a16:creationId xmlns:a16="http://schemas.microsoft.com/office/drawing/2014/main" id="{C86F6056-998C-4CFC-A4D9-357893211FFB}"/>
+              </a:ext>
+            </a:extLst>
+          </p:cNvPr>
+          <p:cNvPicPr>
+            <a:picLocks noChangeAspect="1"/>
+          </p:cNvPicPr>
+          <p:nvPr/>
+        </p:nvPicPr>
+        <p:blipFill>
+          <a:blip r:embed="rId3" cstate="print"/>
+          <a:stretch>
+            <a:fillRect/>
+          </a:stretch>
+        </p:blipFill>
+        <p:spPr>
+          <a:xfrm>
+            <a:off x="192607" y="4904913"/>
+            <a:ext cx="870562" cy="1852503"/>
+          </a:xfrm>
+          <a:prstGeom prst="rect">
+            <a:avLst/>
+          </a:prstGeom>
+        </p:spPr>
+      </p:pic>
+      <p:pic>
+        <p:nvPicPr>
+          <p:cNvPr id="5" name="Рисунок 4"/>
+          <p:cNvPicPr/>
+          <p:nvPr/>
+        </p:nvPicPr>
+        <p:blipFill>
+          <a:blip r:embed="rId4">
+            <a:extLst>
+              <a:ext uri="{28A0092B-C50C-407E-A947-70E740481C1C}">
+                <a14:useLocalDpi xmlns:a14="http://schemas.microsoft.com/office/drawing/2010/main" val="0"/>
+              </a:ext>
+            </a:extLst>
+          </a:blip>
+          <a:srcRect/>
+          <a:stretch>
+            <a:fillRect/>
+          </a:stretch>
+        </p:blipFill>
+        <p:spPr bwMode="auto">
+          <a:xfrm>
+            <a:off x="1172530" y="1586293"/>
+            <a:ext cx="10591450" cy="4723067"/>
+          </a:xfrm>
+          <a:prstGeom prst="rect">
+            <a:avLst/>
+          </a:prstGeom>
+          <a:noFill/>
+          <a:ln>
+            <a:noFill/>
+          </a:ln>
+        </p:spPr>
+      </p:pic>
+    </p:spTree>
+    <p:extLst>
+      <p:ext uri="{BB962C8B-B14F-4D97-AF65-F5344CB8AC3E}">
+        <p14:creationId xmlns:p14="http://schemas.microsoft.com/office/powerpoint/2010/main" val="3006877059"/>
+      </p:ext>
+    </p:extLst>
+  </p:cSld>
+  <p:clrMapOvr>
+    <a:masterClrMapping/>
+  </p:clrMapOvr>
+  <p:timing>
+    <p:tnLst>
+      <p:par>
+        <p:cTn id="1" dur="indefinite" restart="never" nodeType="tmRoot"/>
+      </p:par>
+    </p:tnLst>
+  </p:timing>
+</p:sld>
+</file>
+
+<file path=ppt/slides/slide21.xml><?xml version="1.0" encoding="utf-8"?>
 <p:sld xmlns:a="http://schemas.openxmlformats.org/drawingml/2006/main" xmlns:r="http://schemas.openxmlformats.org/officeDocument/2006/relationships" xmlns:p="http://schemas.openxmlformats.org/presentationml/2006/main">
   <p:cSld>
     <p:spTree>
@@ -11842,30 +14417,147 @@
           </a:prstGeom>
         </p:spPr>
       </p:pic>
+    </p:spTree>
+    <p:extLst>
+      <p:ext uri="{BB962C8B-B14F-4D97-AF65-F5344CB8AC3E}">
+        <p14:creationId xmlns:p14="http://schemas.microsoft.com/office/powerpoint/2010/main" val="325061113"/>
+      </p:ext>
+    </p:extLst>
+  </p:cSld>
+  <p:clrMapOvr>
+    <a:masterClrMapping/>
+  </p:clrMapOvr>
+  <p:timing>
+    <p:tnLst>
+      <p:par>
+        <p:cTn id="1" dur="indefinite" restart="never" nodeType="tmRoot"/>
+      </p:par>
+    </p:tnLst>
+  </p:timing>
+</p:sld>
+</file>
+
+<file path=ppt/slides/slide22.xml><?xml version="1.0" encoding="utf-8"?>
+<p:sld xmlns:a="http://schemas.openxmlformats.org/drawingml/2006/main" xmlns:r="http://schemas.openxmlformats.org/officeDocument/2006/relationships" xmlns:p="http://schemas.openxmlformats.org/presentationml/2006/main">
+  <p:cSld>
+    <p:spTree>
+      <p:nvGrpSpPr>
+        <p:cNvPr id="1" name=""/>
+        <p:cNvGrpSpPr/>
+        <p:nvPr/>
+      </p:nvGrpSpPr>
+      <p:grpSpPr>
+        <a:xfrm>
+          <a:off x="0" y="0"/>
+          <a:ext cx="0" cy="0"/>
+          <a:chOff x="0" y="0"/>
+          <a:chExt cx="0" cy="0"/>
+        </a:xfrm>
+      </p:grpSpPr>
+      <p:sp>
+        <p:nvSpPr>
+          <p:cNvPr id="2" name="Title 1">
+            <a:extLst>
+              <a:ext uri="{FF2B5EF4-FFF2-40B4-BE49-F238E27FC236}">
+                <a16:creationId xmlns:a16="http://schemas.microsoft.com/office/drawing/2014/main" id="{E334FC7A-F320-4565-99CD-49C6D86F782B}"/>
+              </a:ext>
+            </a:extLst>
+          </p:cNvPr>
+          <p:cNvSpPr>
+            <a:spLocks noGrp="1"/>
+          </p:cNvSpPr>
+          <p:nvPr/>
+        </p:nvSpPr>
+        <p:spPr>
+          <a:xfrm>
+            <a:off x="1555738" y="573764"/>
+            <a:ext cx="7269480" cy="987552"/>
+          </a:xfrm>
+          <a:prstGeom prst="rect">
+            <a:avLst/>
+          </a:prstGeom>
+        </p:spPr>
+        <p:txBody>
+          <a:bodyPr vert="horz" lIns="91440" tIns="45720" rIns="91440" bIns="45720" rtlCol="0" anchor="ctr">
+            <a:noAutofit/>
+          </a:bodyPr>
+          <a:lstStyle>
+            <a:lvl1pPr algn="l" defTabSz="914400" rtl="0" eaLnBrk="1" latinLnBrk="0" hangingPunct="1">
+              <a:lnSpc>
+                <a:spcPct val="90000"/>
+              </a:lnSpc>
+              <a:spcBef>
+                <a:spcPct val="0"/>
+              </a:spcBef>
+              <a:buNone/>
+              <a:defRPr sz="4400" kern="1200">
+                <a:solidFill>
+                  <a:schemeClr val="tx1"/>
+                </a:solidFill>
+                <a:latin typeface="+mj-lt"/>
+                <a:ea typeface="+mj-ea"/>
+                <a:cs typeface="+mj-cs"/>
+              </a:defRPr>
+            </a:lvl1pPr>
+          </a:lstStyle>
+          <a:p>
+            <a:r>
+              <a:rPr lang="ru-RU" sz="4000" dirty="0" smtClean="0">
+                <a:solidFill>
+                  <a:schemeClr val="tx1">
+                    <a:lumMod val="65000"/>
+                    <a:lumOff val="35000"/>
+                  </a:schemeClr>
+                </a:solidFill>
+              </a:rPr>
+              <a:t>Результат</a:t>
+            </a:r>
+            <a:r>
+              <a:rPr lang="ru-RU" sz="4000" dirty="0">
+                <a:solidFill>
+                  <a:schemeClr val="tx1">
+                    <a:lumMod val="65000"/>
+                    <a:lumOff val="35000"/>
+                  </a:schemeClr>
+                </a:solidFill>
+              </a:rPr>
+              <a:t>ы</a:t>
+            </a:r>
+            <a:endParaRPr lang="en-US" sz="4000" dirty="0">
+              <a:solidFill>
+                <a:schemeClr val="tx1">
+                  <a:lumMod val="65000"/>
+                  <a:lumOff val="35000"/>
+                </a:schemeClr>
+              </a:solidFill>
+            </a:endParaRPr>
+          </a:p>
+        </p:txBody>
+      </p:sp>
       <p:pic>
         <p:nvPicPr>
-          <p:cNvPr id="6" name="Рисунок 5"/>
+          <p:cNvPr id="5" name="Рисунок 4">
+            <a:extLst>
+              <a:ext uri="{FF2B5EF4-FFF2-40B4-BE49-F238E27FC236}">
+                <a16:creationId xmlns:a16="http://schemas.microsoft.com/office/drawing/2014/main" id="{C86F6056-998C-4CFC-A4D9-357893211FFB}"/>
+              </a:ext>
+            </a:extLst>
+          </p:cNvPr>
           <p:cNvPicPr>
             <a:picLocks noChangeAspect="1"/>
           </p:cNvPicPr>
           <p:nvPr/>
         </p:nvPicPr>
         <p:blipFill>
-          <a:blip r:embed="rId5">
-            <a:extLst>
-              <a:ext uri="{28A0092B-C50C-407E-A947-70E740481C1C}">
-                <a14:useLocalDpi xmlns:a14="http://schemas.microsoft.com/office/drawing/2010/main" val="0"/>
-              </a:ext>
-            </a:extLst>
-          </a:blip>
+          <a:blip r:embed="rId3" cstate="print"/>
           <a:stretch>
             <a:fillRect/>
           </a:stretch>
         </p:blipFill>
         <p:spPr>
           <a:xfrm>
-            <a:off x="4177515" y="1425188"/>
-            <a:ext cx="3954051" cy="5272068"/>
+            <a:off x="192607" y="4904913"/>
+            <a:ext cx="870562" cy="1852503"/>
           </a:xfrm>
           <a:prstGeom prst="rect">
             <a:avLst/>
@@ -11881,7 +14573,7 @@
           <p:nvPr/>
         </p:nvPicPr>
         <p:blipFill>
-          <a:blip r:embed="rId6">
+          <a:blip r:embed="rId4">
             <a:extLst>
               <a:ext uri="{28A0092B-C50C-407E-A947-70E740481C1C}">
                 <a14:useLocalDpi xmlns:a14="http://schemas.microsoft.com/office/drawing/2010/main" val="0"/>
@@ -11894,7 +14586,184 @@
         </p:blipFill>
         <p:spPr>
           <a:xfrm>
-            <a:off x="4896413" y="1561316"/>
+            <a:off x="1737360" y="1561316"/>
+            <a:ext cx="9089136" cy="5110144"/>
+          </a:xfrm>
+          <a:prstGeom prst="rect">
+            <a:avLst/>
+          </a:prstGeom>
+        </p:spPr>
+      </p:pic>
+    </p:spTree>
+    <p:extLst>
+      <p:ext uri="{BB962C8B-B14F-4D97-AF65-F5344CB8AC3E}">
+        <p14:creationId xmlns:p14="http://schemas.microsoft.com/office/powerpoint/2010/main" val="1650886746"/>
+      </p:ext>
+    </p:extLst>
+  </p:cSld>
+  <p:clrMapOvr>
+    <a:masterClrMapping/>
+  </p:clrMapOvr>
+  <p:timing>
+    <p:tnLst>
+      <p:par>
+        <p:cTn id="1" dur="indefinite" restart="never" nodeType="tmRoot"/>
+      </p:par>
+    </p:tnLst>
+  </p:timing>
+</p:sld>
+</file>
+
+<file path=ppt/slides/slide23.xml><?xml version="1.0" encoding="utf-8"?>
+<p:sld xmlns:a="http://schemas.openxmlformats.org/drawingml/2006/main" xmlns:r="http://schemas.openxmlformats.org/officeDocument/2006/relationships" xmlns:p="http://schemas.openxmlformats.org/presentationml/2006/main">
+  <p:cSld>
+    <p:spTree>
+      <p:nvGrpSpPr>
+        <p:cNvPr id="1" name=""/>
+        <p:cNvGrpSpPr/>
+        <p:nvPr/>
+      </p:nvGrpSpPr>
+      <p:grpSpPr>
+        <a:xfrm>
+          <a:off x="0" y="0"/>
+          <a:ext cx="0" cy="0"/>
+          <a:chOff x="0" y="0"/>
+          <a:chExt cx="0" cy="0"/>
+        </a:xfrm>
+      </p:grpSpPr>
+      <p:sp>
+        <p:nvSpPr>
+          <p:cNvPr id="2" name="Title 1">
+            <a:extLst>
+              <a:ext uri="{FF2B5EF4-FFF2-40B4-BE49-F238E27FC236}">
+                <a16:creationId xmlns:a16="http://schemas.microsoft.com/office/drawing/2014/main" id="{E334FC7A-F320-4565-99CD-49C6D86F782B}"/>
+              </a:ext>
+            </a:extLst>
+          </p:cNvPr>
+          <p:cNvSpPr>
+            <a:spLocks noGrp="1"/>
+          </p:cNvSpPr>
+          <p:nvPr/>
+        </p:nvSpPr>
+        <p:spPr>
+          <a:xfrm>
+            <a:off x="1555738" y="573764"/>
+            <a:ext cx="7269480" cy="987552"/>
+          </a:xfrm>
+          <a:prstGeom prst="rect">
+            <a:avLst/>
+          </a:prstGeom>
+        </p:spPr>
+        <p:txBody>
+          <a:bodyPr vert="horz" lIns="91440" tIns="45720" rIns="91440" bIns="45720" rtlCol="0" anchor="ctr">
+            <a:noAutofit/>
+          </a:bodyPr>
+          <a:lstStyle>
+            <a:lvl1pPr algn="l" defTabSz="914400" rtl="0" eaLnBrk="1" latinLnBrk="0" hangingPunct="1">
+              <a:lnSpc>
+                <a:spcPct val="90000"/>
+              </a:lnSpc>
+              <a:spcBef>
+                <a:spcPct val="0"/>
+              </a:spcBef>
+              <a:buNone/>
+              <a:defRPr sz="4400" kern="1200">
+                <a:solidFill>
+                  <a:schemeClr val="tx1"/>
+                </a:solidFill>
+                <a:latin typeface="+mj-lt"/>
+                <a:ea typeface="+mj-ea"/>
+                <a:cs typeface="+mj-cs"/>
+              </a:defRPr>
+            </a:lvl1pPr>
+          </a:lstStyle>
+          <a:p>
+            <a:r>
+              <a:rPr lang="ru-RU" sz="4000" dirty="0" smtClean="0">
+                <a:solidFill>
+                  <a:schemeClr val="tx1">
+                    <a:lumMod val="65000"/>
+                    <a:lumOff val="35000"/>
+                  </a:schemeClr>
+                </a:solidFill>
+              </a:rPr>
+              <a:t>Результат</a:t>
+            </a:r>
+            <a:r>
+              <a:rPr lang="ru-RU" sz="4000" dirty="0">
+                <a:solidFill>
+                  <a:schemeClr val="tx1">
+                    <a:lumMod val="65000"/>
+                    <a:lumOff val="35000"/>
+                  </a:schemeClr>
+                </a:solidFill>
+              </a:rPr>
+              <a:t>ы</a:t>
+            </a:r>
+            <a:endParaRPr lang="en-US" sz="4000" dirty="0">
+              <a:solidFill>
+                <a:schemeClr val="tx1">
+                  <a:lumMod val="65000"/>
+                  <a:lumOff val="35000"/>
+                </a:schemeClr>
+              </a:solidFill>
+            </a:endParaRPr>
+          </a:p>
+        </p:txBody>
+      </p:sp>
+      <p:pic>
+        <p:nvPicPr>
+          <p:cNvPr id="5" name="Рисунок 4">
+            <a:extLst>
+              <a:ext uri="{FF2B5EF4-FFF2-40B4-BE49-F238E27FC236}">
+                <a16:creationId xmlns:a16="http://schemas.microsoft.com/office/drawing/2014/main" id="{C86F6056-998C-4CFC-A4D9-357893211FFB}"/>
+              </a:ext>
+            </a:extLst>
+          </p:cNvPr>
+          <p:cNvPicPr>
+            <a:picLocks noChangeAspect="1"/>
+          </p:cNvPicPr>
+          <p:nvPr/>
+        </p:nvPicPr>
+        <p:blipFill>
+          <a:blip r:embed="rId3" cstate="print"/>
+          <a:stretch>
+            <a:fillRect/>
+          </a:stretch>
+        </p:blipFill>
+        <p:spPr>
+          <a:xfrm>
+            <a:off x="192607" y="4904913"/>
+            <a:ext cx="870562" cy="1852503"/>
+          </a:xfrm>
+          <a:prstGeom prst="rect">
+            <a:avLst/>
+          </a:prstGeom>
+        </p:spPr>
+      </p:pic>
+      <p:pic>
+        <p:nvPicPr>
+          <p:cNvPr id="3" name="Рисунок 2"/>
+          <p:cNvPicPr>
+            <a:picLocks noChangeAspect="1"/>
+          </p:cNvPicPr>
+          <p:nvPr/>
+        </p:nvPicPr>
+        <p:blipFill>
+          <a:blip r:embed="rId4">
+            <a:extLst>
+              <a:ext uri="{28A0092B-C50C-407E-A947-70E740481C1C}">
+                <a14:useLocalDpi xmlns:a14="http://schemas.microsoft.com/office/drawing/2010/main" val="0"/>
+              </a:ext>
+            </a:extLst>
+          </a:blip>
+          <a:stretch>
+            <a:fillRect/>
+          </a:stretch>
+        </p:blipFill>
+        <p:spPr>
+          <a:xfrm>
+            <a:off x="4946955" y="1561316"/>
             <a:ext cx="2453567" cy="4907134"/>
           </a:xfrm>
           <a:prstGeom prst="rect">
@@ -11905,7 +14774,7 @@
     </p:spTree>
     <p:extLst>
       <p:ext uri="{BB962C8B-B14F-4D97-AF65-F5344CB8AC3E}">
-        <p14:creationId xmlns:p14="http://schemas.microsoft.com/office/powerpoint/2010/main" val="325061113"/>
+        <p14:creationId xmlns:p14="http://schemas.microsoft.com/office/powerpoint/2010/main" val="991783788"/>
       </p:ext>
     </p:extLst>
   </p:cSld>
@@ -11915,327 +14784,191 @@
   <p:timing>
     <p:tnLst>
       <p:par>
-        <p:cTn id="1" dur="indefinite" restart="never" nodeType="tmRoot">
-          <p:childTnLst>
-            <p:seq concurrent="1" nextAc="seek">
-              <p:cTn id="2" dur="indefinite" nodeType="mainSeq">
-                <p:childTnLst>
-                  <p:par>
-                    <p:cTn id="3" fill="hold">
-                      <p:stCondLst>
-                        <p:cond delay="indefinite"/>
-                      </p:stCondLst>
-                      <p:childTnLst>
-                        <p:par>
-                          <p:cTn id="4" fill="hold">
-                            <p:stCondLst>
-                              <p:cond delay="0"/>
-                            </p:stCondLst>
-                            <p:childTnLst>
-                              <p:par>
-                                <p:cTn id="5" presetID="22" presetClass="entr" presetSubtype="4" fill="hold" nodeType="clickEffect">
-                                  <p:stCondLst>
-                                    <p:cond delay="0"/>
-                                  </p:stCondLst>
-                                  <p:childTnLst>
-                                    <p:set>
-                                      <p:cBhvr>
-                                        <p:cTn id="6" dur="1" fill="hold">
-                                          <p:stCondLst>
-                                            <p:cond delay="0"/>
-                                          </p:stCondLst>
-                                        </p:cTn>
-                                        <p:tgtEl>
-                                          <p:spTgt spid="3"/>
-                                        </p:tgtEl>
-                                        <p:attrNameLst>
-                                          <p:attrName>style.visibility</p:attrName>
-                                        </p:attrNameLst>
-                                      </p:cBhvr>
-                                      <p:to>
-                                        <p:strVal val="visible"/>
-                                      </p:to>
-                                    </p:set>
-                                    <p:animEffect transition="in" filter="wipe(down)">
-                                      <p:cBhvr>
-                                        <p:cTn id="7" dur="500"/>
-                                        <p:tgtEl>
-                                          <p:spTgt spid="3"/>
-                                        </p:tgtEl>
-                                      </p:cBhvr>
-                                    </p:animEffect>
-                                  </p:childTnLst>
-                                </p:cTn>
-                              </p:par>
-                              <p:par>
-                                <p:cTn id="8" presetID="10" presetClass="exit" presetSubtype="0" fill="hold" nodeType="withEffect">
-                                  <p:stCondLst>
-                                    <p:cond delay="0"/>
-                                  </p:stCondLst>
-                                  <p:childTnLst>
-                                    <p:animEffect transition="out" filter="fade">
-                                      <p:cBhvr>
-                                        <p:cTn id="9" dur="500"/>
-                                        <p:tgtEl>
-                                          <p:spTgt spid="4"/>
-                                        </p:tgtEl>
-                                      </p:cBhvr>
-                                    </p:animEffect>
-                                    <p:set>
-                                      <p:cBhvr>
-                                        <p:cTn id="10" dur="1" fill="hold">
-                                          <p:stCondLst>
-                                            <p:cond delay="499"/>
-                                          </p:stCondLst>
-                                        </p:cTn>
-                                        <p:tgtEl>
-                                          <p:spTgt spid="4"/>
-                                        </p:tgtEl>
-                                        <p:attrNameLst>
-                                          <p:attrName>style.visibility</p:attrName>
-                                        </p:attrNameLst>
-                                      </p:cBhvr>
-                                      <p:to>
-                                        <p:strVal val="hidden"/>
-                                      </p:to>
-                                    </p:set>
-                                  </p:childTnLst>
-                                </p:cTn>
-                              </p:par>
-                            </p:childTnLst>
-                          </p:cTn>
-                        </p:par>
-                      </p:childTnLst>
-                    </p:cTn>
-                  </p:par>
-                  <p:par>
-                    <p:cTn id="11" fill="hold">
-                      <p:stCondLst>
-                        <p:cond delay="indefinite"/>
-                      </p:stCondLst>
-                      <p:childTnLst>
-                        <p:par>
-                          <p:cTn id="12" fill="hold">
-                            <p:stCondLst>
-                              <p:cond delay="0"/>
-                            </p:stCondLst>
-                            <p:childTnLst>
-                              <p:par>
-                                <p:cTn id="13" presetID="53" presetClass="entr" presetSubtype="16" fill="hold" nodeType="clickEffect">
-                                  <p:stCondLst>
-                                    <p:cond delay="0"/>
-                                  </p:stCondLst>
-                                  <p:childTnLst>
-                                    <p:set>
-                                      <p:cBhvr>
-                                        <p:cTn id="14" dur="1" fill="hold">
-                                          <p:stCondLst>
-                                            <p:cond delay="0"/>
-                                          </p:stCondLst>
-                                        </p:cTn>
-                                        <p:tgtEl>
-                                          <p:spTgt spid="6"/>
-                                        </p:tgtEl>
-                                        <p:attrNameLst>
-                                          <p:attrName>style.visibility</p:attrName>
-                                        </p:attrNameLst>
-                                      </p:cBhvr>
-                                      <p:to>
-                                        <p:strVal val="visible"/>
-                                      </p:to>
-                                    </p:set>
-                                    <p:anim calcmode="lin" valueType="num">
-                                      <p:cBhvr>
-                                        <p:cTn id="15" dur="500" fill="hold"/>
-                                        <p:tgtEl>
-                                          <p:spTgt spid="6"/>
-                                        </p:tgtEl>
-                                        <p:attrNameLst>
-                                          <p:attrName>ppt_w</p:attrName>
-                                        </p:attrNameLst>
-                                      </p:cBhvr>
-                                      <p:tavLst>
-                                        <p:tav tm="0">
-                                          <p:val>
-                                            <p:fltVal val="0"/>
-                                          </p:val>
-                                        </p:tav>
-                                        <p:tav tm="100000">
-                                          <p:val>
-                                            <p:strVal val="#ppt_w"/>
-                                          </p:val>
-                                        </p:tav>
-                                      </p:tavLst>
-                                    </p:anim>
-                                    <p:anim calcmode="lin" valueType="num">
-                                      <p:cBhvr>
-                                        <p:cTn id="16" dur="500" fill="hold"/>
-                                        <p:tgtEl>
-                                          <p:spTgt spid="6"/>
-                                        </p:tgtEl>
-                                        <p:attrNameLst>
-                                          <p:attrName>ppt_h</p:attrName>
-                                        </p:attrNameLst>
-                                      </p:cBhvr>
-                                      <p:tavLst>
-                                        <p:tav tm="0">
-                                          <p:val>
-                                            <p:fltVal val="0"/>
-                                          </p:val>
-                                        </p:tav>
-                                        <p:tav tm="100000">
-                                          <p:val>
-                                            <p:strVal val="#ppt_h"/>
-                                          </p:val>
-                                        </p:tav>
-                                      </p:tavLst>
-                                    </p:anim>
-                                    <p:animEffect transition="in" filter="fade">
-                                      <p:cBhvr>
-                                        <p:cTn id="17" dur="500"/>
-                                        <p:tgtEl>
-                                          <p:spTgt spid="6"/>
-                                        </p:tgtEl>
-                                      </p:cBhvr>
-                                    </p:animEffect>
-                                  </p:childTnLst>
-                                </p:cTn>
-                              </p:par>
-                              <p:par>
-                                <p:cTn id="18" presetID="53" presetClass="exit" presetSubtype="32" fill="hold" nodeType="withEffect">
-                                  <p:stCondLst>
-                                    <p:cond delay="0"/>
-                                  </p:stCondLst>
-                                  <p:childTnLst>
-                                    <p:anim calcmode="lin" valueType="num">
-                                      <p:cBhvr>
-                                        <p:cTn id="19" dur="1000"/>
-                                        <p:tgtEl>
-                                          <p:spTgt spid="3"/>
-                                        </p:tgtEl>
-                                        <p:attrNameLst>
-                                          <p:attrName>ppt_w</p:attrName>
-                                        </p:attrNameLst>
-                                      </p:cBhvr>
-                                      <p:tavLst>
-                                        <p:tav tm="0">
-                                          <p:val>
-                                            <p:strVal val="ppt_w"/>
-                                          </p:val>
-                                        </p:tav>
-                                        <p:tav tm="100000">
-                                          <p:val>
-                                            <p:fltVal val="0"/>
-                                          </p:val>
-                                        </p:tav>
-                                      </p:tavLst>
-                                    </p:anim>
-                                    <p:anim calcmode="lin" valueType="num">
-                                      <p:cBhvr>
-                                        <p:cTn id="20" dur="1000"/>
-                                        <p:tgtEl>
-                                          <p:spTgt spid="3"/>
-                                        </p:tgtEl>
-                                        <p:attrNameLst>
-                                          <p:attrName>ppt_h</p:attrName>
-                                        </p:attrNameLst>
-                                      </p:cBhvr>
-                                      <p:tavLst>
-                                        <p:tav tm="0">
-                                          <p:val>
-                                            <p:strVal val="ppt_h"/>
-                                          </p:val>
-                                        </p:tav>
-                                        <p:tav tm="100000">
-                                          <p:val>
-                                            <p:fltVal val="0"/>
-                                          </p:val>
-                                        </p:tav>
-                                      </p:tavLst>
-                                    </p:anim>
-                                    <p:animEffect transition="out" filter="fade">
-                                      <p:cBhvr>
-                                        <p:cTn id="21" dur="1000"/>
-                                        <p:tgtEl>
-                                          <p:spTgt spid="3"/>
-                                        </p:tgtEl>
-                                      </p:cBhvr>
-                                    </p:animEffect>
-                                    <p:set>
-                                      <p:cBhvr>
-                                        <p:cTn id="22" dur="1" fill="hold">
-                                          <p:stCondLst>
-                                            <p:cond delay="999"/>
-                                          </p:stCondLst>
-                                        </p:cTn>
-                                        <p:tgtEl>
-                                          <p:spTgt spid="3"/>
-                                        </p:tgtEl>
-                                        <p:attrNameLst>
-                                          <p:attrName>style.visibility</p:attrName>
-                                        </p:attrNameLst>
-                                      </p:cBhvr>
-                                      <p:to>
-                                        <p:strVal val="hidden"/>
-                                      </p:to>
-                                    </p:set>
-                                  </p:childTnLst>
-                                </p:cTn>
-                              </p:par>
-                              <p:par>
-                                <p:cTn id="23" presetID="56" presetClass="path" presetSubtype="0" accel="50000" decel="50000" fill="hold" nodeType="withEffect">
-                                  <p:stCondLst>
-                                    <p:cond delay="0"/>
-                                  </p:stCondLst>
-                                  <p:childTnLst>
-                                    <p:animMotion origin="layout" path="M -3.54167E-6 3.33333E-6 L 0.16472 -0.21366 " pathEditMode="relative" rAng="0" ptsTypes="AA">
-                                      <p:cBhvr>
-                                        <p:cTn id="24" dur="2000" fill="hold"/>
-                                        <p:tgtEl>
-                                          <p:spTgt spid="3"/>
-                                        </p:tgtEl>
-                                        <p:attrNameLst>
-                                          <p:attrName>ppt_x</p:attrName>
-                                          <p:attrName>ppt_y</p:attrName>
-                                        </p:attrNameLst>
-                                      </p:cBhvr>
-                                      <p:rCtr x="8229" y="-10694"/>
-                                    </p:animMotion>
-                                  </p:childTnLst>
-                                </p:cTn>
-                              </p:par>
-                            </p:childTnLst>
-                          </p:cTn>
-                        </p:par>
-                      </p:childTnLst>
-                    </p:cTn>
-                  </p:par>
-                </p:childTnLst>
-              </p:cTn>
-              <p:prevCondLst>
-                <p:cond evt="onPrev" delay="0">
-                  <p:tgtEl>
-                    <p:sldTgt/>
-                  </p:tgtEl>
-                </p:cond>
-              </p:prevCondLst>
-              <p:nextCondLst>
-                <p:cond evt="onNext" delay="0">
-                  <p:tgtEl>
-                    <p:sldTgt/>
-                  </p:tgtEl>
-                </p:cond>
-              </p:nextCondLst>
-            </p:seq>
-          </p:childTnLst>
-        </p:cTn>
+        <p:cTn id="1" dur="indefinite" restart="never" nodeType="tmRoot"/>
       </p:par>
     </p:tnLst>
   </p:timing>
 </p:sld>
 </file>
 
-<file path=ppt/slides/slide15.xml><?xml version="1.0" encoding="utf-8"?>
+<file path=ppt/slides/slide24.xml><?xml version="1.0" encoding="utf-8"?>
+<p:sld xmlns:a="http://schemas.openxmlformats.org/drawingml/2006/main" xmlns:r="http://schemas.openxmlformats.org/officeDocument/2006/relationships" xmlns:p="http://schemas.openxmlformats.org/presentationml/2006/main">
+  <p:cSld>
+    <p:spTree>
+      <p:nvGrpSpPr>
+        <p:cNvPr id="1" name=""/>
+        <p:cNvGrpSpPr/>
+        <p:nvPr/>
+      </p:nvGrpSpPr>
+      <p:grpSpPr>
+        <a:xfrm>
+          <a:off x="0" y="0"/>
+          <a:ext cx="0" cy="0"/>
+          <a:chOff x="0" y="0"/>
+          <a:chExt cx="0" cy="0"/>
+        </a:xfrm>
+      </p:grpSpPr>
+      <p:sp>
+        <p:nvSpPr>
+          <p:cNvPr id="2" name="Title 1">
+            <a:extLst>
+              <a:ext uri="{FF2B5EF4-FFF2-40B4-BE49-F238E27FC236}">
+                <a16:creationId xmlns:a16="http://schemas.microsoft.com/office/drawing/2014/main" id="{E334FC7A-F320-4565-99CD-49C6D86F782B}"/>
+              </a:ext>
+            </a:extLst>
+          </p:cNvPr>
+          <p:cNvSpPr>
+            <a:spLocks noGrp="1"/>
+          </p:cNvSpPr>
+          <p:nvPr/>
+        </p:nvSpPr>
+        <p:spPr>
+          <a:xfrm>
+            <a:off x="1555738" y="573764"/>
+            <a:ext cx="7269480" cy="987552"/>
+          </a:xfrm>
+          <a:prstGeom prst="rect">
+            <a:avLst/>
+          </a:prstGeom>
+        </p:spPr>
+        <p:txBody>
+          <a:bodyPr vert="horz" lIns="91440" tIns="45720" rIns="91440" bIns="45720" rtlCol="0" anchor="ctr">
+            <a:noAutofit/>
+          </a:bodyPr>
+          <a:lstStyle>
+            <a:lvl1pPr algn="l" defTabSz="914400" rtl="0" eaLnBrk="1" latinLnBrk="0" hangingPunct="1">
+              <a:lnSpc>
+                <a:spcPct val="90000"/>
+              </a:lnSpc>
+              <a:spcBef>
+                <a:spcPct val="0"/>
+              </a:spcBef>
+              <a:buNone/>
+              <a:defRPr sz="4400" kern="1200">
+                <a:solidFill>
+                  <a:schemeClr val="tx1"/>
+                </a:solidFill>
+                <a:latin typeface="+mj-lt"/>
+                <a:ea typeface="+mj-ea"/>
+                <a:cs typeface="+mj-cs"/>
+              </a:defRPr>
+            </a:lvl1pPr>
+          </a:lstStyle>
+          <a:p>
+            <a:r>
+              <a:rPr lang="ru-RU" sz="4000" dirty="0" smtClean="0">
+                <a:solidFill>
+                  <a:schemeClr val="tx1">
+                    <a:lumMod val="65000"/>
+                    <a:lumOff val="35000"/>
+                  </a:schemeClr>
+                </a:solidFill>
+              </a:rPr>
+              <a:t>Результат</a:t>
+            </a:r>
+            <a:r>
+              <a:rPr lang="ru-RU" sz="4000" dirty="0">
+                <a:solidFill>
+                  <a:schemeClr val="tx1">
+                    <a:lumMod val="65000"/>
+                    <a:lumOff val="35000"/>
+                  </a:schemeClr>
+                </a:solidFill>
+              </a:rPr>
+              <a:t>ы</a:t>
+            </a:r>
+            <a:endParaRPr lang="en-US" sz="4000" dirty="0">
+              <a:solidFill>
+                <a:schemeClr val="tx1">
+                  <a:lumMod val="65000"/>
+                  <a:lumOff val="35000"/>
+                </a:schemeClr>
+              </a:solidFill>
+            </a:endParaRPr>
+          </a:p>
+        </p:txBody>
+      </p:sp>
+      <p:pic>
+        <p:nvPicPr>
+          <p:cNvPr id="5" name="Рисунок 4">
+            <a:extLst>
+              <a:ext uri="{FF2B5EF4-FFF2-40B4-BE49-F238E27FC236}">
+                <a16:creationId xmlns:a16="http://schemas.microsoft.com/office/drawing/2014/main" id="{C86F6056-998C-4CFC-A4D9-357893211FFB}"/>
+              </a:ext>
+            </a:extLst>
+          </p:cNvPr>
+          <p:cNvPicPr>
+            <a:picLocks noChangeAspect="1"/>
+          </p:cNvPicPr>
+          <p:nvPr/>
+        </p:nvPicPr>
+        <p:blipFill>
+          <a:blip r:embed="rId3" cstate="print"/>
+          <a:stretch>
+            <a:fillRect/>
+          </a:stretch>
+        </p:blipFill>
+        <p:spPr>
+          <a:xfrm>
+            <a:off x="192607" y="4904913"/>
+            <a:ext cx="870562" cy="1852503"/>
+          </a:xfrm>
+          <a:prstGeom prst="rect">
+            <a:avLst/>
+          </a:prstGeom>
+        </p:spPr>
+      </p:pic>
+      <p:pic>
+        <p:nvPicPr>
+          <p:cNvPr id="4" name="Рисунок 3"/>
+          <p:cNvPicPr>
+            <a:picLocks noChangeAspect="1"/>
+          </p:cNvPicPr>
+          <p:nvPr/>
+        </p:nvPicPr>
+        <p:blipFill>
+          <a:blip r:embed="rId4">
+            <a:extLst>
+              <a:ext uri="{28A0092B-C50C-407E-A947-70E740481C1C}">
+                <a14:useLocalDpi xmlns:a14="http://schemas.microsoft.com/office/drawing/2010/main" val="0"/>
+              </a:ext>
+            </a:extLst>
+          </a:blip>
+          <a:stretch>
+            <a:fillRect/>
+          </a:stretch>
+        </p:blipFill>
+        <p:spPr>
+          <a:xfrm>
+            <a:off x="4783836" y="1389888"/>
+            <a:ext cx="2596896" cy="5193792"/>
+          </a:xfrm>
+          <a:prstGeom prst="rect">
+            <a:avLst/>
+          </a:prstGeom>
+        </p:spPr>
+      </p:pic>
+    </p:spTree>
+    <p:extLst>
+      <p:ext uri="{BB962C8B-B14F-4D97-AF65-F5344CB8AC3E}">
+        <p14:creationId xmlns:p14="http://schemas.microsoft.com/office/powerpoint/2010/main" val="2056982583"/>
+      </p:ext>
+    </p:extLst>
+  </p:cSld>
+  <p:clrMapOvr>
+    <a:masterClrMapping/>
+  </p:clrMapOvr>
+  <p:timing>
+    <p:tnLst>
+      <p:par>
+        <p:cTn id="1" dur="indefinite" restart="never" nodeType="tmRoot"/>
+      </p:par>
+    </p:tnLst>
+  </p:timing>
+</p:sld>
+</file>
+
+<file path=ppt/slides/slide25.xml><?xml version="1.0" encoding="utf-8"?>
 <p:sld xmlns:a="http://schemas.openxmlformats.org/drawingml/2006/main" xmlns:r="http://schemas.openxmlformats.org/officeDocument/2006/relationships" xmlns:p="http://schemas.openxmlformats.org/presentationml/2006/main">
   <p:cSld>
     <p:spTree>
@@ -12388,388 +15121,6 @@
     <p:extLst>
       <p:ext uri="{BB962C8B-B14F-4D97-AF65-F5344CB8AC3E}">
         <p14:creationId xmlns:p14="http://schemas.microsoft.com/office/powerpoint/2010/main" val="1506076333"/>
-      </p:ext>
-    </p:extLst>
-  </p:cSld>
-  <p:clrMapOvr>
-    <a:masterClrMapping/>
-  </p:clrMapOvr>
-  <p:timing>
-    <p:tnLst>
-      <p:par>
-        <p:cTn id="1" dur="indefinite" restart="never" nodeType="tmRoot"/>
-      </p:par>
-    </p:tnLst>
-  </p:timing>
-</p:sld>
-</file>
-
-<file path=ppt/slides/slide2.xml><?xml version="1.0" encoding="utf-8"?>
-<p:sld xmlns:a="http://schemas.openxmlformats.org/drawingml/2006/main" xmlns:r="http://schemas.openxmlformats.org/officeDocument/2006/relationships" xmlns:p="http://schemas.openxmlformats.org/presentationml/2006/main">
-  <p:cSld>
-    <p:spTree>
-      <p:nvGrpSpPr>
-        <p:cNvPr id="1" name=""/>
-        <p:cNvGrpSpPr/>
-        <p:nvPr/>
-      </p:nvGrpSpPr>
-      <p:grpSpPr>
-        <a:xfrm>
-          <a:off x="0" y="0"/>
-          <a:ext cx="0" cy="0"/>
-          <a:chOff x="0" y="0"/>
-          <a:chExt cx="0" cy="0"/>
-        </a:xfrm>
-      </p:grpSpPr>
-      <p:sp>
-        <p:nvSpPr>
-          <p:cNvPr id="6" name="Содержимое 3">
-            <a:extLst>
-              <a:ext uri="{FF2B5EF4-FFF2-40B4-BE49-F238E27FC236}">
-                <a16:creationId xmlns:a16="http://schemas.microsoft.com/office/drawing/2014/main" id="{CF8535D8-BD9E-4BD2-B960-8C5510267776}"/>
-              </a:ext>
-            </a:extLst>
-          </p:cNvPr>
-          <p:cNvSpPr txBox="1">
-            <a:spLocks/>
-          </p:cNvSpPr>
-          <p:nvPr/>
-        </p:nvSpPr>
-        <p:spPr>
-          <a:xfrm>
-            <a:off x="1485900" y="1508906"/>
-            <a:ext cx="6913469" cy="772267"/>
-          </a:xfrm>
-          <a:prstGeom prst="rect">
-            <a:avLst/>
-          </a:prstGeom>
-        </p:spPr>
-        <p:txBody>
-          <a:bodyPr vert="horz" lIns="91440" tIns="45720" rIns="91440" bIns="45720" rtlCol="0">
-            <a:normAutofit/>
-          </a:bodyPr>
-          <a:lstStyle>
-            <a:defPPr>
-              <a:defRPr lang="en-US"/>
-            </a:defPPr>
-            <a:lvl1pPr marL="0" algn="l" defTabSz="914400" rtl="0" eaLnBrk="1" latinLnBrk="0" hangingPunct="1">
-              <a:defRPr sz="1800" kern="1200">
-                <a:solidFill>
-                  <a:schemeClr val="tx1"/>
-                </a:solidFill>
-                <a:latin typeface="+mn-lt"/>
-                <a:ea typeface="+mn-ea"/>
-                <a:cs typeface="+mn-cs"/>
-              </a:defRPr>
-            </a:lvl1pPr>
-            <a:lvl2pPr marL="457200" algn="l" defTabSz="914400" rtl="0" eaLnBrk="1" latinLnBrk="0" hangingPunct="1">
-              <a:defRPr sz="1800" kern="1200">
-                <a:solidFill>
-                  <a:schemeClr val="tx1"/>
-                </a:solidFill>
-                <a:latin typeface="+mn-lt"/>
-                <a:ea typeface="+mn-ea"/>
-                <a:cs typeface="+mn-cs"/>
-              </a:defRPr>
-            </a:lvl2pPr>
-            <a:lvl3pPr marL="914400" algn="l" defTabSz="914400" rtl="0" eaLnBrk="1" latinLnBrk="0" hangingPunct="1">
-              <a:defRPr sz="1800" kern="1200">
-                <a:solidFill>
-                  <a:schemeClr val="tx1"/>
-                </a:solidFill>
-                <a:latin typeface="+mn-lt"/>
-                <a:ea typeface="+mn-ea"/>
-                <a:cs typeface="+mn-cs"/>
-              </a:defRPr>
-            </a:lvl3pPr>
-            <a:lvl4pPr marL="1371600" algn="l" defTabSz="914400" rtl="0" eaLnBrk="1" latinLnBrk="0" hangingPunct="1">
-              <a:defRPr sz="1800" kern="1200">
-                <a:solidFill>
-                  <a:schemeClr val="tx1"/>
-                </a:solidFill>
-                <a:latin typeface="+mn-lt"/>
-                <a:ea typeface="+mn-ea"/>
-                <a:cs typeface="+mn-cs"/>
-              </a:defRPr>
-            </a:lvl4pPr>
-            <a:lvl5pPr marL="1828800" algn="l" defTabSz="914400" rtl="0" eaLnBrk="1" latinLnBrk="0" hangingPunct="1">
-              <a:defRPr sz="1800" kern="1200">
-                <a:solidFill>
-                  <a:schemeClr val="tx1"/>
-                </a:solidFill>
-                <a:latin typeface="+mn-lt"/>
-                <a:ea typeface="+mn-ea"/>
-                <a:cs typeface="+mn-cs"/>
-              </a:defRPr>
-            </a:lvl5pPr>
-            <a:lvl6pPr marL="2286000" algn="l" defTabSz="914400" rtl="0" eaLnBrk="1" latinLnBrk="0" hangingPunct="1">
-              <a:defRPr sz="1800" kern="1200">
-                <a:solidFill>
-                  <a:schemeClr val="tx1"/>
-                </a:solidFill>
-                <a:latin typeface="+mn-lt"/>
-                <a:ea typeface="+mn-ea"/>
-                <a:cs typeface="+mn-cs"/>
-              </a:defRPr>
-            </a:lvl6pPr>
-            <a:lvl7pPr marL="2743200" algn="l" defTabSz="914400" rtl="0" eaLnBrk="1" latinLnBrk="0" hangingPunct="1">
-              <a:defRPr sz="1800" kern="1200">
-                <a:solidFill>
-                  <a:schemeClr val="tx1"/>
-                </a:solidFill>
-                <a:latin typeface="+mn-lt"/>
-                <a:ea typeface="+mn-ea"/>
-                <a:cs typeface="+mn-cs"/>
-              </a:defRPr>
-            </a:lvl7pPr>
-            <a:lvl8pPr marL="3200400" algn="l" defTabSz="914400" rtl="0" eaLnBrk="1" latinLnBrk="0" hangingPunct="1">
-              <a:defRPr sz="1800" kern="1200">
-                <a:solidFill>
-                  <a:schemeClr val="tx1"/>
-                </a:solidFill>
-                <a:latin typeface="+mn-lt"/>
-                <a:ea typeface="+mn-ea"/>
-                <a:cs typeface="+mn-cs"/>
-              </a:defRPr>
-            </a:lvl8pPr>
-            <a:lvl9pPr marL="3657600" algn="l" defTabSz="914400" rtl="0" eaLnBrk="1" latinLnBrk="0" hangingPunct="1">
-              <a:defRPr sz="1800" kern="1200">
-                <a:solidFill>
-                  <a:schemeClr val="tx1"/>
-                </a:solidFill>
-                <a:latin typeface="+mn-lt"/>
-                <a:ea typeface="+mn-ea"/>
-                <a:cs typeface="+mn-cs"/>
-              </a:defRPr>
-            </a:lvl9pPr>
-          </a:lstStyle>
-          <a:p>
-            <a:pPr marR="0" lvl="0" algn="l" defTabSz="914400" rtl="0" eaLnBrk="1" fontAlgn="auto" latinLnBrk="0" hangingPunct="1">
-              <a:lnSpc>
-                <a:spcPct val="90000"/>
-              </a:lnSpc>
-              <a:spcBef>
-                <a:spcPts val="1000"/>
-              </a:spcBef>
-              <a:spcAft>
-                <a:spcPts val="0"/>
-              </a:spcAft>
-              <a:buClrTx/>
-              <a:buSzTx/>
-              <a:tabLst/>
-              <a:defRPr/>
-            </a:pPr>
-            <a:endParaRPr kumimoji="0" lang="ru-RU" altLang="ru-RU" sz="2000" b="1" i="0" u="none" strike="noStrike" kern="1200" cap="none" spc="0" normalizeH="0" baseline="0" noProof="0" dirty="0">
-              <a:ln>
-                <a:noFill/>
-              </a:ln>
-              <a:solidFill>
-                <a:srgbClr val="FF0000"/>
-              </a:solidFill>
-              <a:effectLst/>
-              <a:uLnTx/>
-              <a:uFillTx/>
-              <a:latin typeface="Calibri" panose="020F0502020204030204" pitchFamily="34" charset="0"/>
-              <a:cs typeface="Calibri" panose="020F0502020204030204" pitchFamily="34" charset="0"/>
-            </a:endParaRPr>
-          </a:p>
-        </p:txBody>
-      </p:sp>
-      <p:sp>
-        <p:nvSpPr>
-          <p:cNvPr id="8" name="Title 1">
-            <a:extLst>
-              <a:ext uri="{FF2B5EF4-FFF2-40B4-BE49-F238E27FC236}">
-                <a16:creationId xmlns:a16="http://schemas.microsoft.com/office/drawing/2014/main" id="{230E38A7-518E-4F02-BD12-4310B1B81CA8}"/>
-              </a:ext>
-            </a:extLst>
-          </p:cNvPr>
-          <p:cNvSpPr>
-            <a:spLocks noGrp="1"/>
-          </p:cNvSpPr>
-          <p:nvPr/>
-        </p:nvSpPr>
-        <p:spPr>
-          <a:xfrm>
-            <a:off x="1485900" y="777950"/>
-            <a:ext cx="7269480" cy="987552"/>
-          </a:xfrm>
-          <a:prstGeom prst="rect">
-            <a:avLst/>
-          </a:prstGeom>
-        </p:spPr>
-        <p:txBody>
-          <a:bodyPr vert="horz" lIns="91440" tIns="45720" rIns="91440" bIns="45720" rtlCol="0" anchor="ctr">
-            <a:normAutofit fontScale="97500"/>
-          </a:bodyPr>
-          <a:lstStyle>
-            <a:lvl1pPr algn="l" defTabSz="914400" rtl="0" eaLnBrk="1" latinLnBrk="0" hangingPunct="1">
-              <a:lnSpc>
-                <a:spcPct val="90000"/>
-              </a:lnSpc>
-              <a:spcBef>
-                <a:spcPct val="0"/>
-              </a:spcBef>
-              <a:buNone/>
-              <a:defRPr sz="4400" kern="1200">
-                <a:solidFill>
-                  <a:schemeClr val="tx1"/>
-                </a:solidFill>
-                <a:latin typeface="+mj-lt"/>
-                <a:ea typeface="+mj-ea"/>
-                <a:cs typeface="+mj-cs"/>
-              </a:defRPr>
-            </a:lvl1pPr>
-          </a:lstStyle>
-          <a:p>
-            <a:r>
-              <a:rPr lang="ru-RU" dirty="0" smtClean="0">
-                <a:solidFill>
-                  <a:srgbClr val="45525A"/>
-                </a:solidFill>
-              </a:rPr>
-              <a:t>Цель проекта</a:t>
-            </a:r>
-            <a:endParaRPr lang="en-US" dirty="0">
-              <a:solidFill>
-                <a:srgbClr val="45525A"/>
-              </a:solidFill>
-            </a:endParaRPr>
-          </a:p>
-        </p:txBody>
-      </p:sp>
-      <p:sp>
-        <p:nvSpPr>
-          <p:cNvPr id="9" name="TextBox 8"/>
-          <p:cNvSpPr txBox="1"/>
-          <p:nvPr/>
-        </p:nvSpPr>
-        <p:spPr>
-          <a:xfrm>
-            <a:off x="1471942" y="2496458"/>
-            <a:ext cx="8056106" cy="1631216"/>
-          </a:xfrm>
-          <a:prstGeom prst="rect">
-            <a:avLst/>
-          </a:prstGeom>
-          <a:noFill/>
-        </p:spPr>
-        <p:txBody>
-          <a:bodyPr wrap="square" rtlCol="0">
-            <a:spAutoFit/>
-          </a:bodyPr>
-          <a:lstStyle/>
-          <a:p>
-            <a:r>
-              <a:rPr lang="ru-RU" sz="2000" dirty="0">
-                <a:solidFill>
-                  <a:schemeClr val="tx1">
-                    <a:lumMod val="75000"/>
-                    <a:lumOff val="25000"/>
-                  </a:schemeClr>
-                </a:solidFill>
-                <a:latin typeface="Calibri" panose="020F0502020204030204" pitchFamily="34" charset="0"/>
-                <a:cs typeface="Calibri" panose="020F0502020204030204" pitchFamily="34" charset="0"/>
-              </a:rPr>
-              <a:t>В современном мире количество информации увеличилось до невероятных размеров и среди всего потока сложно найти быстро, то что тебе необходимо. Концепция </a:t>
-            </a:r>
-            <a:r>
-              <a:rPr lang="ru-RU" sz="2000" dirty="0" err="1">
-                <a:solidFill>
-                  <a:schemeClr val="tx1">
-                    <a:lumMod val="75000"/>
-                    <a:lumOff val="25000"/>
-                  </a:schemeClr>
-                </a:solidFill>
-                <a:latin typeface="Calibri" panose="020F0502020204030204" pitchFamily="34" charset="0"/>
-                <a:cs typeface="Calibri" panose="020F0502020204030204" pitchFamily="34" charset="0"/>
-              </a:rPr>
-              <a:t>телеграм</a:t>
-            </a:r>
-            <a:r>
-              <a:rPr lang="ru-RU" sz="2000" dirty="0">
-                <a:solidFill>
-                  <a:schemeClr val="tx1">
-                    <a:lumMod val="75000"/>
-                    <a:lumOff val="25000"/>
-                  </a:schemeClr>
-                </a:solidFill>
-                <a:latin typeface="Calibri" panose="020F0502020204030204" pitchFamily="34" charset="0"/>
-                <a:cs typeface="Calibri" panose="020F0502020204030204" pitchFamily="34" charset="0"/>
-              </a:rPr>
-              <a:t> бота дизайнера заключается в том, что в нём будет собрано всё самое важное для </a:t>
-            </a:r>
-            <a:r>
-              <a:rPr lang="ru-RU" sz="2000" dirty="0" smtClean="0">
-                <a:solidFill>
-                  <a:schemeClr val="tx1">
-                    <a:lumMod val="75000"/>
-                    <a:lumOff val="25000"/>
-                  </a:schemeClr>
-                </a:solidFill>
-                <a:latin typeface="Calibri" panose="020F0502020204030204" pitchFamily="34" charset="0"/>
-                <a:cs typeface="Calibri" panose="020F0502020204030204" pitchFamily="34" charset="0"/>
-              </a:rPr>
-              <a:t>персонализации </a:t>
-            </a:r>
-            <a:r>
-              <a:rPr lang="ru-RU" sz="2000" dirty="0">
-                <a:solidFill>
-                  <a:schemeClr val="tx1">
-                    <a:lumMod val="75000"/>
-                    <a:lumOff val="25000"/>
-                  </a:schemeClr>
-                </a:solidFill>
-                <a:latin typeface="Calibri" panose="020F0502020204030204" pitchFamily="34" charset="0"/>
-                <a:cs typeface="Calibri" panose="020F0502020204030204" pitchFamily="34" charset="0"/>
-              </a:rPr>
-              <a:t>вашего устройства.</a:t>
-            </a:r>
-            <a:endParaRPr lang="ru-RU" sz="2000" dirty="0">
-              <a:solidFill>
-                <a:schemeClr val="tx1">
-                  <a:lumMod val="75000"/>
-                  <a:lumOff val="25000"/>
-                </a:schemeClr>
-              </a:solidFill>
-            </a:endParaRPr>
-          </a:p>
-        </p:txBody>
-      </p:sp>
-      <p:pic>
-        <p:nvPicPr>
-          <p:cNvPr id="5" name="Рисунок 4">
-            <a:extLst>
-              <a:ext uri="{FF2B5EF4-FFF2-40B4-BE49-F238E27FC236}">
-                <a16:creationId xmlns:a16="http://schemas.microsoft.com/office/drawing/2014/main" id="{C86F6056-998C-4CFC-A4D9-357893211FFB}"/>
-              </a:ext>
-            </a:extLst>
-          </p:cNvPr>
-          <p:cNvPicPr>
-            <a:picLocks noChangeAspect="1"/>
-          </p:cNvPicPr>
-          <p:nvPr/>
-        </p:nvPicPr>
-        <p:blipFill>
-          <a:blip r:embed="rId3" cstate="print"/>
-          <a:stretch>
-            <a:fillRect/>
-          </a:stretch>
-        </p:blipFill>
-        <p:spPr>
-          <a:xfrm>
-            <a:off x="192607" y="4904913"/>
-            <a:ext cx="870562" cy="1852503"/>
-          </a:xfrm>
-          <a:prstGeom prst="rect">
-            <a:avLst/>
-          </a:prstGeom>
-        </p:spPr>
-      </p:pic>
-    </p:spTree>
-    <p:extLst>
-      <p:ext uri="{BB962C8B-B14F-4D97-AF65-F5344CB8AC3E}">
-        <p14:creationId xmlns:p14="http://schemas.microsoft.com/office/powerpoint/2010/main" val="3474757260"/>
       </p:ext>
     </p:extLst>
   </p:cSld>
@@ -13290,7 +15641,7 @@
           <p:nvPr/>
         </p:nvPicPr>
         <p:blipFill>
-          <a:blip r:embed="rId2" cstate="print"/>
+          <a:blip r:embed="rId3" cstate="print"/>
           <a:stretch>
             <a:fillRect/>
           </a:stretch>
@@ -13761,10 +16112,13 @@
                   </a:schemeClr>
                 </a:solidFill>
               </a:rPr>
-              <a:t>Руководитель, </a:t>
-            </a:r>
-            <a:r>
-              <a:rPr lang="ru-RU" altLang="ru-RU" sz="2000" dirty="0" smtClean="0">
+              <a:t>Руководитель, программист,</a:t>
+            </a:r>
+          </a:p>
+          <a:p>
+            <a:pPr algn="ctr"/>
+            <a:r>
+              <a:rPr lang="ru-RU" altLang="ru-RU" sz="2000" dirty="0" err="1">
                 <a:solidFill>
                   <a:schemeClr val="tx1">
                     <a:lumMod val="65000"/>
@@ -13772,13 +16126,10 @@
                   </a:schemeClr>
                 </a:solidFill>
               </a:rPr>
-              <a:t>программист,</a:t>
-            </a:r>
-          </a:p>
-          <a:p>
-            <a:pPr algn="ctr"/>
-            <a:r>
-              <a:rPr lang="ru-RU" altLang="ru-RU" sz="2000" dirty="0" err="1">
+              <a:t>т</a:t>
+            </a:r>
+            <a:r>
+              <a:rPr lang="ru-RU" altLang="ru-RU" sz="2000" dirty="0" err="1" smtClean="0">
                 <a:solidFill>
                   <a:schemeClr val="tx1">
                     <a:lumMod val="65000"/>
@@ -13786,10 +16137,10 @@
                   </a:schemeClr>
                 </a:solidFill>
               </a:rPr>
-              <a:t>т</a:t>
-            </a:r>
-            <a:r>
-              <a:rPr lang="ru-RU" altLang="ru-RU" sz="2000" dirty="0" err="1" smtClean="0">
+              <a:t>естировщик</a:t>
+            </a:r>
+            <a:r>
+              <a:rPr lang="ru-RU" altLang="ru-RU" sz="2000" dirty="0" smtClean="0">
                 <a:solidFill>
                   <a:schemeClr val="tx1">
                     <a:lumMod val="65000"/>
@@ -13797,27 +16148,8 @@
                   </a:schemeClr>
                 </a:solidFill>
               </a:rPr>
-              <a:t>естировщик</a:t>
-            </a:r>
-            <a:r>
-              <a:rPr lang="ru-RU" altLang="ru-RU" sz="2000" dirty="0" smtClean="0">
-                <a:solidFill>
-                  <a:schemeClr val="tx1">
-                    <a:lumMod val="65000"/>
-                    <a:lumOff val="35000"/>
-                  </a:schemeClr>
-                </a:solidFill>
-              </a:rPr>
               <a:t>,</a:t>
             </a:r>
-            <a:endParaRPr lang="ru-RU" altLang="ru-RU" sz="2000" dirty="0" smtClean="0">
-              <a:solidFill>
-                <a:schemeClr val="tx1">
-                  <a:lumMod val="65000"/>
-                  <a:lumOff val="35000"/>
-                </a:schemeClr>
-              </a:solidFill>
-            </a:endParaRPr>
           </a:p>
           <a:p>
             <a:pPr algn="ctr"/>
